--- a/practice_github2/fig/github_ex04.pptx
+++ b/practice_github2/fig/github_ex04.pptx
@@ -5,7 +5,7 @@
     <p:sldMasterId id="2147483663" r:id="rId1"/>
   </p:sldMasterIdLst>
   <p:notesMasterIdLst>
-    <p:notesMasterId r:id="rId12"/>
+    <p:notesMasterId r:id="rId25"/>
   </p:notesMasterIdLst>
   <p:sldIdLst>
     <p:sldId id="256" r:id="rId2"/>
@@ -18,6 +18,19 @@
     <p:sldId id="408" r:id="rId9"/>
     <p:sldId id="409" r:id="rId10"/>
     <p:sldId id="410" r:id="rId11"/>
+    <p:sldId id="411" r:id="rId12"/>
+    <p:sldId id="412" r:id="rId13"/>
+    <p:sldId id="413" r:id="rId14"/>
+    <p:sldId id="414" r:id="rId15"/>
+    <p:sldId id="415" r:id="rId16"/>
+    <p:sldId id="416" r:id="rId17"/>
+    <p:sldId id="417" r:id="rId18"/>
+    <p:sldId id="418" r:id="rId19"/>
+    <p:sldId id="419" r:id="rId20"/>
+    <p:sldId id="420" r:id="rId21"/>
+    <p:sldId id="421" r:id="rId22"/>
+    <p:sldId id="422" r:id="rId23"/>
+    <p:sldId id="423" r:id="rId24"/>
   </p:sldIdLst>
   <p:sldSz cx="9144000" cy="6858000" type="screen4x3"/>
   <p:notesSz cx="6858000" cy="9144000"/>
@@ -1630,6 +1643,3085 @@
 </p:sld>
 </file>
 
+<file path=ppt/slides/slide11.xml><?xml version="1.0" encoding="utf-8"?>
+<p:sld xmlns:a="http://schemas.openxmlformats.org/drawingml/2006/main" xmlns:r="http://schemas.openxmlformats.org/officeDocument/2006/relationships" xmlns:p="http://schemas.openxmlformats.org/presentationml/2006/main">
+  <p:cSld>
+    <p:spTree>
+      <p:nvGrpSpPr>
+        <p:cNvPr id="1" name=""/>
+        <p:cNvGrpSpPr/>
+        <p:nvPr/>
+      </p:nvGrpSpPr>
+      <p:grpSpPr>
+        <a:xfrm>
+          <a:off x="0" y="0"/>
+          <a:ext cx="0" cy="0"/>
+          <a:chOff x="0" y="0"/>
+          <a:chExt cx="0" cy="0"/>
+        </a:xfrm>
+      </p:grpSpPr>
+      <p:pic>
+        <p:nvPicPr>
+          <p:cNvPr id="12" name="図 11">
+            <a:extLst>
+              <a:ext uri="{FF2B5EF4-FFF2-40B4-BE49-F238E27FC236}">
+                <a16:creationId xmlns:a16="http://schemas.microsoft.com/office/drawing/2014/main" id="{AEEB154C-2300-43EF-85B3-473EAFC6C202}"/>
+              </a:ext>
+            </a:extLst>
+          </p:cNvPr>
+          <p:cNvPicPr>
+            <a:picLocks noChangeAspect="1"/>
+          </p:cNvPicPr>
+          <p:nvPr/>
+        </p:nvPicPr>
+        <p:blipFill>
+          <a:blip r:embed="rId2"/>
+          <a:stretch>
+            <a:fillRect/>
+          </a:stretch>
+        </p:blipFill>
+        <p:spPr>
+          <a:xfrm>
+            <a:off x="179511" y="2276872"/>
+            <a:ext cx="8338583" cy="3960440"/>
+          </a:xfrm>
+          <a:prstGeom prst="rect">
+            <a:avLst/>
+          </a:prstGeom>
+        </p:spPr>
+      </p:pic>
+      <p:sp>
+        <p:nvSpPr>
+          <p:cNvPr id="2" name="テキスト プレースホルダー 1">
+            <a:extLst>
+              <a:ext uri="{FF2B5EF4-FFF2-40B4-BE49-F238E27FC236}">
+                <a16:creationId xmlns:a16="http://schemas.microsoft.com/office/drawing/2014/main" id="{C0A2E5A6-B2AB-4E05-84E8-E38112400E34}"/>
+              </a:ext>
+            </a:extLst>
+          </p:cNvPr>
+          <p:cNvSpPr>
+            <a:spLocks noGrp="1"/>
+          </p:cNvSpPr>
+          <p:nvPr>
+            <p:ph type="body" sz="quarter" idx="10"/>
+          </p:nvPr>
+        </p:nvSpPr>
+        <p:spPr/>
+        <p:txBody>
+          <a:bodyPr/>
+          <a:lstStyle/>
+          <a:p>
+            <a:r>
+              <a:rPr lang="ja-JP" altLang="en-US"/>
+              <a:t>課題</a:t>
+            </a:r>
+            <a:r>
+              <a:rPr lang="en-US" altLang="ja-JP"/>
+              <a:t>2 - Step 1</a:t>
+            </a:r>
+            <a:endParaRPr kumimoji="1" lang="ja-JP" altLang="en-US"/>
+          </a:p>
+        </p:txBody>
+      </p:sp>
+      <p:sp>
+        <p:nvSpPr>
+          <p:cNvPr id="8" name="テキスト ボックス 7">
+            <a:extLst>
+              <a:ext uri="{FF2B5EF4-FFF2-40B4-BE49-F238E27FC236}">
+                <a16:creationId xmlns:a16="http://schemas.microsoft.com/office/drawing/2014/main" id="{3579BC42-1E02-4098-8716-AF2722D1E547}"/>
+              </a:ext>
+            </a:extLst>
+          </p:cNvPr>
+          <p:cNvSpPr txBox="1"/>
+          <p:nvPr/>
+        </p:nvSpPr>
+        <p:spPr>
+          <a:xfrm>
+            <a:off x="323528" y="1124744"/>
+            <a:ext cx="4896544" cy="369332"/>
+          </a:xfrm>
+          <a:prstGeom prst="rect">
+            <a:avLst/>
+          </a:prstGeom>
+          <a:noFill/>
+        </p:spPr>
+        <p:txBody>
+          <a:bodyPr wrap="square">
+            <a:spAutoFit/>
+          </a:bodyPr>
+          <a:lstStyle/>
+          <a:p>
+            <a:r>
+              <a:rPr lang="ja-JP" altLang="en-US"/>
+              <a:t>https://github.com/appi-github/tyrano_sample</a:t>
+            </a:r>
+          </a:p>
+        </p:txBody>
+      </p:sp>
+      <p:sp>
+        <p:nvSpPr>
+          <p:cNvPr id="9" name="テキスト ボックス 8">
+            <a:extLst>
+              <a:ext uri="{FF2B5EF4-FFF2-40B4-BE49-F238E27FC236}">
+                <a16:creationId xmlns:a16="http://schemas.microsoft.com/office/drawing/2014/main" id="{6AFF404B-26FF-4BA0-BD6B-8734C8DE17C8}"/>
+              </a:ext>
+            </a:extLst>
+          </p:cNvPr>
+          <p:cNvSpPr txBox="1"/>
+          <p:nvPr/>
+        </p:nvSpPr>
+        <p:spPr>
+          <a:xfrm>
+            <a:off x="323528" y="1556792"/>
+            <a:ext cx="1261884" cy="369332"/>
+          </a:xfrm>
+          <a:prstGeom prst="rect">
+            <a:avLst/>
+          </a:prstGeom>
+          <a:noFill/>
+        </p:spPr>
+        <p:txBody>
+          <a:bodyPr wrap="none" rtlCol="0">
+            <a:spAutoFit/>
+          </a:bodyPr>
+          <a:lstStyle/>
+          <a:p>
+            <a:r>
+              <a:rPr lang="ja-JP" altLang="en-US"/>
+              <a:t>を</a:t>
+            </a:r>
+            <a:r>
+              <a:rPr lang="en-US" altLang="ja-JP"/>
+              <a:t>fork</a:t>
+            </a:r>
+            <a:r>
+              <a:rPr lang="ja-JP" altLang="en-US"/>
+              <a:t>する</a:t>
+            </a:r>
+            <a:endParaRPr kumimoji="1" lang="ja-JP" altLang="en-US"/>
+          </a:p>
+        </p:txBody>
+      </p:sp>
+      <p:sp>
+        <p:nvSpPr>
+          <p:cNvPr id="10" name="四角形: 角を丸くする 9">
+            <a:extLst>
+              <a:ext uri="{FF2B5EF4-FFF2-40B4-BE49-F238E27FC236}">
+                <a16:creationId xmlns:a16="http://schemas.microsoft.com/office/drawing/2014/main" id="{043EFE0D-978F-442A-9CF3-F2492F3ABD8C}"/>
+              </a:ext>
+            </a:extLst>
+          </p:cNvPr>
+          <p:cNvSpPr/>
+          <p:nvPr/>
+        </p:nvSpPr>
+        <p:spPr>
+          <a:xfrm>
+            <a:off x="7452320" y="2852936"/>
+            <a:ext cx="504056" cy="216024"/>
+          </a:xfrm>
+          <a:prstGeom prst="roundRect">
+            <a:avLst/>
+          </a:prstGeom>
+          <a:noFill/>
+          <a:ln w="38100">
+            <a:solidFill>
+              <a:srgbClr val="FF0000"/>
+            </a:solidFill>
+          </a:ln>
+        </p:spPr>
+        <p:style>
+          <a:lnRef idx="2">
+            <a:schemeClr val="accent1">
+              <a:shade val="50000"/>
+            </a:schemeClr>
+          </a:lnRef>
+          <a:fillRef idx="1">
+            <a:schemeClr val="accent1"/>
+          </a:fillRef>
+          <a:effectRef idx="0">
+            <a:schemeClr val="accent1"/>
+          </a:effectRef>
+          <a:fontRef idx="minor">
+            <a:schemeClr val="lt1"/>
+          </a:fontRef>
+        </p:style>
+        <p:txBody>
+          <a:bodyPr rtlCol="0" anchor="ctr"/>
+          <a:lstStyle/>
+          <a:p>
+            <a:pPr algn="ctr"/>
+            <a:endParaRPr kumimoji="1" lang="ja-JP" altLang="en-US"/>
+          </a:p>
+        </p:txBody>
+      </p:sp>
+    </p:spTree>
+    <p:extLst>
+      <p:ext uri="{BB962C8B-B14F-4D97-AF65-F5344CB8AC3E}">
+        <p14:creationId xmlns:p14="http://schemas.microsoft.com/office/powerpoint/2010/main" val="2255261583"/>
+      </p:ext>
+    </p:extLst>
+  </p:cSld>
+  <p:clrMapOvr>
+    <a:masterClrMapping/>
+  </p:clrMapOvr>
+</p:sld>
+</file>
+
+<file path=ppt/slides/slide12.xml><?xml version="1.0" encoding="utf-8"?>
+<p:sld xmlns:a="http://schemas.openxmlformats.org/drawingml/2006/main" xmlns:r="http://schemas.openxmlformats.org/officeDocument/2006/relationships" xmlns:p="http://schemas.openxmlformats.org/presentationml/2006/main">
+  <p:cSld>
+    <p:spTree>
+      <p:nvGrpSpPr>
+        <p:cNvPr id="1" name=""/>
+        <p:cNvGrpSpPr/>
+        <p:nvPr/>
+      </p:nvGrpSpPr>
+      <p:grpSpPr>
+        <a:xfrm>
+          <a:off x="0" y="0"/>
+          <a:ext cx="0" cy="0"/>
+          <a:chOff x="0" y="0"/>
+          <a:chExt cx="0" cy="0"/>
+        </a:xfrm>
+      </p:grpSpPr>
+      <p:sp>
+        <p:nvSpPr>
+          <p:cNvPr id="2" name="テキスト プレースホルダー 1">
+            <a:extLst>
+              <a:ext uri="{FF2B5EF4-FFF2-40B4-BE49-F238E27FC236}">
+                <a16:creationId xmlns:a16="http://schemas.microsoft.com/office/drawing/2014/main" id="{2D8CE7ED-5EDA-4EF8-8917-571DF090042E}"/>
+              </a:ext>
+            </a:extLst>
+          </p:cNvPr>
+          <p:cNvSpPr>
+            <a:spLocks noGrp="1"/>
+          </p:cNvSpPr>
+          <p:nvPr>
+            <p:ph type="body" sz="quarter" idx="10"/>
+          </p:nvPr>
+        </p:nvSpPr>
+        <p:spPr/>
+        <p:txBody>
+          <a:bodyPr/>
+          <a:lstStyle/>
+          <a:p>
+            <a:r>
+              <a:rPr lang="ja-JP" altLang="en-US"/>
+              <a:t>課題</a:t>
+            </a:r>
+            <a:r>
+              <a:rPr lang="en-US" altLang="ja-JP"/>
+              <a:t>2 - Step 2</a:t>
+            </a:r>
+            <a:endParaRPr kumimoji="1" lang="ja-JP" altLang="en-US"/>
+          </a:p>
+        </p:txBody>
+      </p:sp>
+      <p:pic>
+        <p:nvPicPr>
+          <p:cNvPr id="4" name="図 3">
+            <a:extLst>
+              <a:ext uri="{FF2B5EF4-FFF2-40B4-BE49-F238E27FC236}">
+                <a16:creationId xmlns:a16="http://schemas.microsoft.com/office/drawing/2014/main" id="{7245BCF9-0FA9-40DF-B46C-474EB646FE11}"/>
+              </a:ext>
+            </a:extLst>
+          </p:cNvPr>
+          <p:cNvPicPr>
+            <a:picLocks noChangeAspect="1"/>
+          </p:cNvPicPr>
+          <p:nvPr/>
+        </p:nvPicPr>
+        <p:blipFill>
+          <a:blip r:embed="rId2"/>
+          <a:stretch>
+            <a:fillRect/>
+          </a:stretch>
+        </p:blipFill>
+        <p:spPr>
+          <a:xfrm>
+            <a:off x="395536" y="1700808"/>
+            <a:ext cx="6794849" cy="4896102"/>
+          </a:xfrm>
+          <a:prstGeom prst="rect">
+            <a:avLst/>
+          </a:prstGeom>
+        </p:spPr>
+      </p:pic>
+      <p:sp>
+        <p:nvSpPr>
+          <p:cNvPr id="5" name="テキスト ボックス 4">
+            <a:extLst>
+              <a:ext uri="{FF2B5EF4-FFF2-40B4-BE49-F238E27FC236}">
+                <a16:creationId xmlns:a16="http://schemas.microsoft.com/office/drawing/2014/main" id="{30E38009-7DBB-4AA9-89B8-C522F89C19A4}"/>
+              </a:ext>
+            </a:extLst>
+          </p:cNvPr>
+          <p:cNvSpPr txBox="1"/>
+          <p:nvPr/>
+        </p:nvSpPr>
+        <p:spPr>
+          <a:xfrm>
+            <a:off x="323528" y="1124744"/>
+            <a:ext cx="5674951" cy="461665"/>
+          </a:xfrm>
+          <a:prstGeom prst="rect">
+            <a:avLst/>
+          </a:prstGeom>
+          <a:noFill/>
+        </p:spPr>
+        <p:txBody>
+          <a:bodyPr wrap="none" rtlCol="0">
+            <a:spAutoFit/>
+          </a:bodyPr>
+          <a:lstStyle/>
+          <a:p>
+            <a:r>
+              <a:rPr kumimoji="1" lang="ja-JP" altLang="en-US" sz="2400"/>
+              <a:t>先ほどと同様の手順で</a:t>
+            </a:r>
+            <a:r>
+              <a:rPr kumimoji="1" lang="en-US" altLang="ja-JP" sz="2400"/>
+              <a:t>Pages</a:t>
+            </a:r>
+            <a:r>
+              <a:rPr kumimoji="1" lang="ja-JP" altLang="en-US" sz="2400"/>
+              <a:t>を公開する</a:t>
+            </a:r>
+          </a:p>
+        </p:txBody>
+      </p:sp>
+      <p:sp>
+        <p:nvSpPr>
+          <p:cNvPr id="6" name="四角形: 角を丸くする 5">
+            <a:extLst>
+              <a:ext uri="{FF2B5EF4-FFF2-40B4-BE49-F238E27FC236}">
+                <a16:creationId xmlns:a16="http://schemas.microsoft.com/office/drawing/2014/main" id="{77FF31BE-00DC-4B16-86F6-04E6C2ADB721}"/>
+              </a:ext>
+            </a:extLst>
+          </p:cNvPr>
+          <p:cNvSpPr/>
+          <p:nvPr/>
+        </p:nvSpPr>
+        <p:spPr>
+          <a:xfrm>
+            <a:off x="539552" y="6237312"/>
+            <a:ext cx="1872208" cy="360040"/>
+          </a:xfrm>
+          <a:prstGeom prst="roundRect">
+            <a:avLst/>
+          </a:prstGeom>
+          <a:noFill/>
+          <a:ln w="38100">
+            <a:solidFill>
+              <a:srgbClr val="FF0000"/>
+            </a:solidFill>
+          </a:ln>
+        </p:spPr>
+        <p:style>
+          <a:lnRef idx="2">
+            <a:schemeClr val="accent1">
+              <a:shade val="50000"/>
+            </a:schemeClr>
+          </a:lnRef>
+          <a:fillRef idx="1">
+            <a:schemeClr val="accent1"/>
+          </a:fillRef>
+          <a:effectRef idx="0">
+            <a:schemeClr val="accent1"/>
+          </a:effectRef>
+          <a:fontRef idx="minor">
+            <a:schemeClr val="lt1"/>
+          </a:fontRef>
+        </p:style>
+        <p:txBody>
+          <a:bodyPr rtlCol="0" anchor="ctr"/>
+          <a:lstStyle/>
+          <a:p>
+            <a:pPr algn="ctr"/>
+            <a:endParaRPr kumimoji="1" lang="ja-JP" altLang="en-US"/>
+          </a:p>
+        </p:txBody>
+      </p:sp>
+      <p:sp>
+        <p:nvSpPr>
+          <p:cNvPr id="7" name="四角形: 角を丸くする 6">
+            <a:extLst>
+              <a:ext uri="{FF2B5EF4-FFF2-40B4-BE49-F238E27FC236}">
+                <a16:creationId xmlns:a16="http://schemas.microsoft.com/office/drawing/2014/main" id="{1A00CBCA-6BB9-42C2-9956-D2D791D20AEE}"/>
+              </a:ext>
+            </a:extLst>
+          </p:cNvPr>
+          <p:cNvSpPr/>
+          <p:nvPr/>
+        </p:nvSpPr>
+        <p:spPr>
+          <a:xfrm>
+            <a:off x="2555776" y="3933056"/>
+            <a:ext cx="936104" cy="288032"/>
+          </a:xfrm>
+          <a:prstGeom prst="roundRect">
+            <a:avLst/>
+          </a:prstGeom>
+          <a:noFill/>
+          <a:ln w="38100">
+            <a:solidFill>
+              <a:srgbClr val="FF0000"/>
+            </a:solidFill>
+          </a:ln>
+        </p:spPr>
+        <p:style>
+          <a:lnRef idx="2">
+            <a:schemeClr val="accent1">
+              <a:shade val="50000"/>
+            </a:schemeClr>
+          </a:lnRef>
+          <a:fillRef idx="1">
+            <a:schemeClr val="accent1"/>
+          </a:fillRef>
+          <a:effectRef idx="0">
+            <a:schemeClr val="accent1"/>
+          </a:effectRef>
+          <a:fontRef idx="minor">
+            <a:schemeClr val="lt1"/>
+          </a:fontRef>
+        </p:style>
+        <p:txBody>
+          <a:bodyPr rtlCol="0" anchor="ctr"/>
+          <a:lstStyle/>
+          <a:p>
+            <a:pPr algn="ctr"/>
+            <a:endParaRPr kumimoji="1" lang="ja-JP" altLang="en-US"/>
+          </a:p>
+        </p:txBody>
+      </p:sp>
+      <p:sp>
+        <p:nvSpPr>
+          <p:cNvPr id="8" name="四角形: 角を丸くする 7">
+            <a:extLst>
+              <a:ext uri="{FF2B5EF4-FFF2-40B4-BE49-F238E27FC236}">
+                <a16:creationId xmlns:a16="http://schemas.microsoft.com/office/drawing/2014/main" id="{29B6899E-ECDE-43D3-BC12-A9D8CE9AF035}"/>
+              </a:ext>
+            </a:extLst>
+          </p:cNvPr>
+          <p:cNvSpPr/>
+          <p:nvPr/>
+        </p:nvSpPr>
+        <p:spPr>
+          <a:xfrm>
+            <a:off x="3563888" y="3933056"/>
+            <a:ext cx="648072" cy="288032"/>
+          </a:xfrm>
+          <a:prstGeom prst="roundRect">
+            <a:avLst/>
+          </a:prstGeom>
+          <a:noFill/>
+          <a:ln w="38100">
+            <a:solidFill>
+              <a:srgbClr val="FF0000"/>
+            </a:solidFill>
+          </a:ln>
+        </p:spPr>
+        <p:style>
+          <a:lnRef idx="2">
+            <a:schemeClr val="accent1">
+              <a:shade val="50000"/>
+            </a:schemeClr>
+          </a:lnRef>
+          <a:fillRef idx="1">
+            <a:schemeClr val="accent1"/>
+          </a:fillRef>
+          <a:effectRef idx="0">
+            <a:schemeClr val="accent1"/>
+          </a:effectRef>
+          <a:fontRef idx="minor">
+            <a:schemeClr val="lt1"/>
+          </a:fontRef>
+        </p:style>
+        <p:txBody>
+          <a:bodyPr rtlCol="0" anchor="ctr"/>
+          <a:lstStyle/>
+          <a:p>
+            <a:pPr algn="ctr"/>
+            <a:endParaRPr kumimoji="1" lang="ja-JP" altLang="en-US"/>
+          </a:p>
+        </p:txBody>
+      </p:sp>
+      <p:sp>
+        <p:nvSpPr>
+          <p:cNvPr id="9" name="四角形: 角を丸くする 8">
+            <a:extLst>
+              <a:ext uri="{FF2B5EF4-FFF2-40B4-BE49-F238E27FC236}">
+                <a16:creationId xmlns:a16="http://schemas.microsoft.com/office/drawing/2014/main" id="{BA78CE15-3A5A-45E8-9A5C-B19256A39A99}"/>
+              </a:ext>
+            </a:extLst>
+          </p:cNvPr>
+          <p:cNvSpPr/>
+          <p:nvPr/>
+        </p:nvSpPr>
+        <p:spPr>
+          <a:xfrm>
+            <a:off x="4283968" y="3933056"/>
+            <a:ext cx="432048" cy="288032"/>
+          </a:xfrm>
+          <a:prstGeom prst="roundRect">
+            <a:avLst/>
+          </a:prstGeom>
+          <a:noFill/>
+          <a:ln w="38100">
+            <a:solidFill>
+              <a:srgbClr val="FF0000"/>
+            </a:solidFill>
+          </a:ln>
+        </p:spPr>
+        <p:style>
+          <a:lnRef idx="2">
+            <a:schemeClr val="accent1">
+              <a:shade val="50000"/>
+            </a:schemeClr>
+          </a:lnRef>
+          <a:fillRef idx="1">
+            <a:schemeClr val="accent1"/>
+          </a:fillRef>
+          <a:effectRef idx="0">
+            <a:schemeClr val="accent1"/>
+          </a:effectRef>
+          <a:fontRef idx="minor">
+            <a:schemeClr val="lt1"/>
+          </a:fontRef>
+        </p:style>
+        <p:txBody>
+          <a:bodyPr rtlCol="0" anchor="ctr"/>
+          <a:lstStyle/>
+          <a:p>
+            <a:pPr algn="ctr"/>
+            <a:endParaRPr kumimoji="1" lang="ja-JP" altLang="en-US"/>
+          </a:p>
+        </p:txBody>
+      </p:sp>
+      <p:sp>
+        <p:nvSpPr>
+          <p:cNvPr id="10" name="楕円 9">
+            <a:extLst>
+              <a:ext uri="{FF2B5EF4-FFF2-40B4-BE49-F238E27FC236}">
+                <a16:creationId xmlns:a16="http://schemas.microsoft.com/office/drawing/2014/main" id="{0C4D754E-E4A5-42AE-A738-415BEBD98E9B}"/>
+              </a:ext>
+            </a:extLst>
+          </p:cNvPr>
+          <p:cNvSpPr/>
+          <p:nvPr/>
+        </p:nvSpPr>
+        <p:spPr>
+          <a:xfrm>
+            <a:off x="107504" y="6237312"/>
+            <a:ext cx="360040" cy="360040"/>
+          </a:xfrm>
+          <a:prstGeom prst="ellipse">
+            <a:avLst/>
+          </a:prstGeom>
+          <a:solidFill>
+            <a:srgbClr val="FF0000"/>
+          </a:solidFill>
+          <a:ln>
+            <a:solidFill>
+              <a:schemeClr val="tx1"/>
+            </a:solidFill>
+          </a:ln>
+        </p:spPr>
+        <p:style>
+          <a:lnRef idx="2">
+            <a:schemeClr val="accent1">
+              <a:shade val="50000"/>
+            </a:schemeClr>
+          </a:lnRef>
+          <a:fillRef idx="1">
+            <a:schemeClr val="accent1"/>
+          </a:fillRef>
+          <a:effectRef idx="0">
+            <a:schemeClr val="accent1"/>
+          </a:effectRef>
+          <a:fontRef idx="minor">
+            <a:schemeClr val="lt1"/>
+          </a:fontRef>
+        </p:style>
+        <p:txBody>
+          <a:bodyPr rtlCol="0" anchor="ctr"/>
+          <a:lstStyle/>
+          <a:p>
+            <a:pPr algn="ctr"/>
+            <a:r>
+              <a:rPr kumimoji="1" lang="en-US" altLang="ja-JP"/>
+              <a:t>2</a:t>
+            </a:r>
+            <a:endParaRPr kumimoji="1" lang="ja-JP" altLang="en-US"/>
+          </a:p>
+        </p:txBody>
+      </p:sp>
+      <p:sp>
+        <p:nvSpPr>
+          <p:cNvPr id="11" name="楕円 10">
+            <a:extLst>
+              <a:ext uri="{FF2B5EF4-FFF2-40B4-BE49-F238E27FC236}">
+                <a16:creationId xmlns:a16="http://schemas.microsoft.com/office/drawing/2014/main" id="{7A2CA886-8897-4ED7-8656-F3A825107938}"/>
+              </a:ext>
+            </a:extLst>
+          </p:cNvPr>
+          <p:cNvSpPr/>
+          <p:nvPr/>
+        </p:nvSpPr>
+        <p:spPr>
+          <a:xfrm>
+            <a:off x="2771800" y="3501008"/>
+            <a:ext cx="360040" cy="360040"/>
+          </a:xfrm>
+          <a:prstGeom prst="ellipse">
+            <a:avLst/>
+          </a:prstGeom>
+          <a:solidFill>
+            <a:srgbClr val="FF0000"/>
+          </a:solidFill>
+          <a:ln>
+            <a:solidFill>
+              <a:schemeClr val="tx1"/>
+            </a:solidFill>
+          </a:ln>
+        </p:spPr>
+        <p:style>
+          <a:lnRef idx="2">
+            <a:schemeClr val="accent1">
+              <a:shade val="50000"/>
+            </a:schemeClr>
+          </a:lnRef>
+          <a:fillRef idx="1">
+            <a:schemeClr val="accent1"/>
+          </a:fillRef>
+          <a:effectRef idx="0">
+            <a:schemeClr val="accent1"/>
+          </a:effectRef>
+          <a:fontRef idx="minor">
+            <a:schemeClr val="lt1"/>
+          </a:fontRef>
+        </p:style>
+        <p:txBody>
+          <a:bodyPr rtlCol="0" anchor="ctr"/>
+          <a:lstStyle/>
+          <a:p>
+            <a:pPr algn="ctr"/>
+            <a:r>
+              <a:rPr lang="en-US" altLang="ja-JP"/>
+              <a:t>3</a:t>
+            </a:r>
+            <a:endParaRPr kumimoji="1" lang="ja-JP" altLang="en-US"/>
+          </a:p>
+        </p:txBody>
+      </p:sp>
+      <p:sp>
+        <p:nvSpPr>
+          <p:cNvPr id="12" name="楕円 11">
+            <a:extLst>
+              <a:ext uri="{FF2B5EF4-FFF2-40B4-BE49-F238E27FC236}">
+                <a16:creationId xmlns:a16="http://schemas.microsoft.com/office/drawing/2014/main" id="{319FC94B-BB7E-4B5E-8378-45247A152E8B}"/>
+              </a:ext>
+            </a:extLst>
+          </p:cNvPr>
+          <p:cNvSpPr/>
+          <p:nvPr/>
+        </p:nvSpPr>
+        <p:spPr>
+          <a:xfrm>
+            <a:off x="3635896" y="3501008"/>
+            <a:ext cx="360040" cy="360040"/>
+          </a:xfrm>
+          <a:prstGeom prst="ellipse">
+            <a:avLst/>
+          </a:prstGeom>
+          <a:solidFill>
+            <a:srgbClr val="FF0000"/>
+          </a:solidFill>
+          <a:ln>
+            <a:solidFill>
+              <a:schemeClr val="tx1"/>
+            </a:solidFill>
+          </a:ln>
+        </p:spPr>
+        <p:style>
+          <a:lnRef idx="2">
+            <a:schemeClr val="accent1">
+              <a:shade val="50000"/>
+            </a:schemeClr>
+          </a:lnRef>
+          <a:fillRef idx="1">
+            <a:schemeClr val="accent1"/>
+          </a:fillRef>
+          <a:effectRef idx="0">
+            <a:schemeClr val="accent1"/>
+          </a:effectRef>
+          <a:fontRef idx="minor">
+            <a:schemeClr val="lt1"/>
+          </a:fontRef>
+        </p:style>
+        <p:txBody>
+          <a:bodyPr rtlCol="0" anchor="ctr"/>
+          <a:lstStyle/>
+          <a:p>
+            <a:pPr algn="ctr"/>
+            <a:r>
+              <a:rPr kumimoji="1" lang="en-US" altLang="ja-JP"/>
+              <a:t>4</a:t>
+            </a:r>
+            <a:endParaRPr kumimoji="1" lang="ja-JP" altLang="en-US"/>
+          </a:p>
+        </p:txBody>
+      </p:sp>
+      <p:sp>
+        <p:nvSpPr>
+          <p:cNvPr id="13" name="楕円 12">
+            <a:extLst>
+              <a:ext uri="{FF2B5EF4-FFF2-40B4-BE49-F238E27FC236}">
+                <a16:creationId xmlns:a16="http://schemas.microsoft.com/office/drawing/2014/main" id="{77CE4B10-E201-4417-A277-BC14FDE75A4E}"/>
+              </a:ext>
+            </a:extLst>
+          </p:cNvPr>
+          <p:cNvSpPr/>
+          <p:nvPr/>
+        </p:nvSpPr>
+        <p:spPr>
+          <a:xfrm>
+            <a:off x="4355976" y="3501008"/>
+            <a:ext cx="360040" cy="360040"/>
+          </a:xfrm>
+          <a:prstGeom prst="ellipse">
+            <a:avLst/>
+          </a:prstGeom>
+          <a:solidFill>
+            <a:srgbClr val="FF0000"/>
+          </a:solidFill>
+          <a:ln>
+            <a:solidFill>
+              <a:schemeClr val="tx1"/>
+            </a:solidFill>
+          </a:ln>
+        </p:spPr>
+        <p:style>
+          <a:lnRef idx="2">
+            <a:schemeClr val="accent1">
+              <a:shade val="50000"/>
+            </a:schemeClr>
+          </a:lnRef>
+          <a:fillRef idx="1">
+            <a:schemeClr val="accent1"/>
+          </a:fillRef>
+          <a:effectRef idx="0">
+            <a:schemeClr val="accent1"/>
+          </a:effectRef>
+          <a:fontRef idx="minor">
+            <a:schemeClr val="lt1"/>
+          </a:fontRef>
+        </p:style>
+        <p:txBody>
+          <a:bodyPr rtlCol="0" anchor="ctr"/>
+          <a:lstStyle/>
+          <a:p>
+            <a:pPr algn="ctr"/>
+            <a:r>
+              <a:rPr lang="en-US" altLang="ja-JP"/>
+              <a:t>5</a:t>
+            </a:r>
+            <a:endParaRPr kumimoji="1" lang="ja-JP" altLang="en-US"/>
+          </a:p>
+        </p:txBody>
+      </p:sp>
+      <p:sp>
+        <p:nvSpPr>
+          <p:cNvPr id="14" name="四角形: 角を丸くする 13">
+            <a:extLst>
+              <a:ext uri="{FF2B5EF4-FFF2-40B4-BE49-F238E27FC236}">
+                <a16:creationId xmlns:a16="http://schemas.microsoft.com/office/drawing/2014/main" id="{A7180E3E-5727-457A-81D7-B9D94B37AB54}"/>
+              </a:ext>
+            </a:extLst>
+          </p:cNvPr>
+          <p:cNvSpPr/>
+          <p:nvPr/>
+        </p:nvSpPr>
+        <p:spPr>
+          <a:xfrm>
+            <a:off x="5076056" y="2564904"/>
+            <a:ext cx="720080" cy="288032"/>
+          </a:xfrm>
+          <a:prstGeom prst="roundRect">
+            <a:avLst/>
+          </a:prstGeom>
+          <a:noFill/>
+          <a:ln w="38100">
+            <a:solidFill>
+              <a:srgbClr val="FF0000"/>
+            </a:solidFill>
+          </a:ln>
+        </p:spPr>
+        <p:style>
+          <a:lnRef idx="2">
+            <a:schemeClr val="accent1">
+              <a:shade val="50000"/>
+            </a:schemeClr>
+          </a:lnRef>
+          <a:fillRef idx="1">
+            <a:schemeClr val="accent1"/>
+          </a:fillRef>
+          <a:effectRef idx="0">
+            <a:schemeClr val="accent1"/>
+          </a:effectRef>
+          <a:fontRef idx="minor">
+            <a:schemeClr val="lt1"/>
+          </a:fontRef>
+        </p:style>
+        <p:txBody>
+          <a:bodyPr rtlCol="0" anchor="ctr"/>
+          <a:lstStyle/>
+          <a:p>
+            <a:pPr algn="ctr"/>
+            <a:endParaRPr kumimoji="1" lang="ja-JP" altLang="en-US"/>
+          </a:p>
+        </p:txBody>
+      </p:sp>
+      <p:sp>
+        <p:nvSpPr>
+          <p:cNvPr id="15" name="楕円 14">
+            <a:extLst>
+              <a:ext uri="{FF2B5EF4-FFF2-40B4-BE49-F238E27FC236}">
+                <a16:creationId xmlns:a16="http://schemas.microsoft.com/office/drawing/2014/main" id="{83B2DDFC-05CC-4E85-B9A7-3FA73C22283B}"/>
+              </a:ext>
+            </a:extLst>
+          </p:cNvPr>
+          <p:cNvSpPr/>
+          <p:nvPr/>
+        </p:nvSpPr>
+        <p:spPr>
+          <a:xfrm>
+            <a:off x="4644008" y="2492896"/>
+            <a:ext cx="360040" cy="360040"/>
+          </a:xfrm>
+          <a:prstGeom prst="ellipse">
+            <a:avLst/>
+          </a:prstGeom>
+          <a:solidFill>
+            <a:srgbClr val="FF0000"/>
+          </a:solidFill>
+          <a:ln>
+            <a:solidFill>
+              <a:schemeClr val="tx1"/>
+            </a:solidFill>
+          </a:ln>
+        </p:spPr>
+        <p:style>
+          <a:lnRef idx="2">
+            <a:schemeClr val="accent1">
+              <a:shade val="50000"/>
+            </a:schemeClr>
+          </a:lnRef>
+          <a:fillRef idx="1">
+            <a:schemeClr val="accent1"/>
+          </a:fillRef>
+          <a:effectRef idx="0">
+            <a:schemeClr val="accent1"/>
+          </a:effectRef>
+          <a:fontRef idx="minor">
+            <a:schemeClr val="lt1"/>
+          </a:fontRef>
+        </p:style>
+        <p:txBody>
+          <a:bodyPr rtlCol="0" anchor="ctr"/>
+          <a:lstStyle/>
+          <a:p>
+            <a:pPr algn="ctr"/>
+            <a:r>
+              <a:rPr kumimoji="1" lang="ja-JP" altLang="en-US"/>
+              <a:t>１</a:t>
+            </a:r>
+          </a:p>
+        </p:txBody>
+      </p:sp>
+    </p:spTree>
+    <p:extLst>
+      <p:ext uri="{BB962C8B-B14F-4D97-AF65-F5344CB8AC3E}">
+        <p14:creationId xmlns:p14="http://schemas.microsoft.com/office/powerpoint/2010/main" val="1965049577"/>
+      </p:ext>
+    </p:extLst>
+  </p:cSld>
+  <p:clrMapOvr>
+    <a:masterClrMapping/>
+  </p:clrMapOvr>
+</p:sld>
+</file>
+
+<file path=ppt/slides/slide13.xml><?xml version="1.0" encoding="utf-8"?>
+<p:sld xmlns:a="http://schemas.openxmlformats.org/drawingml/2006/main" xmlns:r="http://schemas.openxmlformats.org/officeDocument/2006/relationships" xmlns:p="http://schemas.openxmlformats.org/presentationml/2006/main">
+  <p:cSld>
+    <p:spTree>
+      <p:nvGrpSpPr>
+        <p:cNvPr id="1" name=""/>
+        <p:cNvGrpSpPr/>
+        <p:nvPr/>
+      </p:nvGrpSpPr>
+      <p:grpSpPr>
+        <a:xfrm>
+          <a:off x="0" y="0"/>
+          <a:ext cx="0" cy="0"/>
+          <a:chOff x="0" y="0"/>
+          <a:chExt cx="0" cy="0"/>
+        </a:xfrm>
+      </p:grpSpPr>
+      <p:sp>
+        <p:nvSpPr>
+          <p:cNvPr id="2" name="テキスト プレースホルダー 1">
+            <a:extLst>
+              <a:ext uri="{FF2B5EF4-FFF2-40B4-BE49-F238E27FC236}">
+                <a16:creationId xmlns:a16="http://schemas.microsoft.com/office/drawing/2014/main" id="{4400C90D-A223-47C6-AA95-3812923A72C6}"/>
+              </a:ext>
+            </a:extLst>
+          </p:cNvPr>
+          <p:cNvSpPr>
+            <a:spLocks noGrp="1"/>
+          </p:cNvSpPr>
+          <p:nvPr>
+            <p:ph type="body" sz="quarter" idx="10"/>
+          </p:nvPr>
+        </p:nvSpPr>
+        <p:spPr/>
+        <p:txBody>
+          <a:bodyPr/>
+          <a:lstStyle/>
+          <a:p>
+            <a:r>
+              <a:rPr lang="ja-JP" altLang="en-US"/>
+              <a:t>課題</a:t>
+            </a:r>
+            <a:r>
+              <a:rPr lang="en-US" altLang="ja-JP"/>
+              <a:t>2 - Step 2</a:t>
+            </a:r>
+            <a:endParaRPr kumimoji="1" lang="ja-JP" altLang="en-US"/>
+          </a:p>
+        </p:txBody>
+      </p:sp>
+      <p:pic>
+        <p:nvPicPr>
+          <p:cNvPr id="4" name="図 3">
+            <a:extLst>
+              <a:ext uri="{FF2B5EF4-FFF2-40B4-BE49-F238E27FC236}">
+                <a16:creationId xmlns:a16="http://schemas.microsoft.com/office/drawing/2014/main" id="{971DCBC3-E82B-4BA8-992E-EAF24076ABD1}"/>
+              </a:ext>
+            </a:extLst>
+          </p:cNvPr>
+          <p:cNvPicPr>
+            <a:picLocks noChangeAspect="1"/>
+          </p:cNvPicPr>
+          <p:nvPr/>
+        </p:nvPicPr>
+        <p:blipFill>
+          <a:blip r:embed="rId2"/>
+          <a:stretch>
+            <a:fillRect/>
+          </a:stretch>
+        </p:blipFill>
+        <p:spPr>
+          <a:xfrm>
+            <a:off x="251520" y="2276872"/>
+            <a:ext cx="8662039" cy="3384376"/>
+          </a:xfrm>
+          <a:prstGeom prst="rect">
+            <a:avLst/>
+          </a:prstGeom>
+        </p:spPr>
+      </p:pic>
+      <p:sp>
+        <p:nvSpPr>
+          <p:cNvPr id="5" name="テキスト ボックス 4">
+            <a:extLst>
+              <a:ext uri="{FF2B5EF4-FFF2-40B4-BE49-F238E27FC236}">
+                <a16:creationId xmlns:a16="http://schemas.microsoft.com/office/drawing/2014/main" id="{165B1961-526D-4A22-B4EB-EFD8954685B8}"/>
+              </a:ext>
+            </a:extLst>
+          </p:cNvPr>
+          <p:cNvSpPr txBox="1"/>
+          <p:nvPr/>
+        </p:nvSpPr>
+        <p:spPr>
+          <a:xfrm>
+            <a:off x="323528" y="1268760"/>
+            <a:ext cx="4493538" cy="954107"/>
+          </a:xfrm>
+          <a:prstGeom prst="rect">
+            <a:avLst/>
+          </a:prstGeom>
+          <a:noFill/>
+        </p:spPr>
+        <p:txBody>
+          <a:bodyPr wrap="none" rtlCol="0">
+            <a:spAutoFit/>
+          </a:bodyPr>
+          <a:lstStyle/>
+          <a:p>
+            <a:r>
+              <a:rPr kumimoji="1" lang="ja-JP" altLang="en-US" sz="2800"/>
+              <a:t>こんな画面が出たら成功</a:t>
+            </a:r>
+            <a:endParaRPr kumimoji="1" lang="en-US" altLang="ja-JP" sz="2800"/>
+          </a:p>
+          <a:p>
+            <a:r>
+              <a:rPr kumimoji="1" lang="ja-JP" altLang="en-US" sz="2800"/>
+              <a:t>テストプレイをしてみよう</a:t>
+            </a:r>
+            <a:endParaRPr kumimoji="1" lang="en-US" altLang="ja-JP" sz="2800"/>
+          </a:p>
+        </p:txBody>
+      </p:sp>
+      <p:sp>
+        <p:nvSpPr>
+          <p:cNvPr id="6" name="テキスト ボックス 5">
+            <a:extLst>
+              <a:ext uri="{FF2B5EF4-FFF2-40B4-BE49-F238E27FC236}">
+                <a16:creationId xmlns:a16="http://schemas.microsoft.com/office/drawing/2014/main" id="{EDDC528F-3756-41B1-8E8D-10070006AE33}"/>
+              </a:ext>
+            </a:extLst>
+          </p:cNvPr>
+          <p:cNvSpPr txBox="1"/>
+          <p:nvPr/>
+        </p:nvSpPr>
+        <p:spPr>
+          <a:xfrm>
+            <a:off x="611560" y="5877272"/>
+            <a:ext cx="5416868" cy="830997"/>
+          </a:xfrm>
+          <a:prstGeom prst="rect">
+            <a:avLst/>
+          </a:prstGeom>
+          <a:noFill/>
+        </p:spPr>
+        <p:txBody>
+          <a:bodyPr wrap="none" rtlCol="0">
+            <a:spAutoFit/>
+          </a:bodyPr>
+          <a:lstStyle/>
+          <a:p>
+            <a:r>
+              <a:rPr kumimoji="1" lang="ja-JP" altLang="en-US" sz="2400"/>
+              <a:t>マウスクリックでメッセージ送り</a:t>
+            </a:r>
+            <a:endParaRPr kumimoji="1" lang="en-US" altLang="ja-JP" sz="2400"/>
+          </a:p>
+          <a:p>
+            <a:r>
+              <a:rPr kumimoji="1" lang="ja-JP" altLang="en-US" sz="2400"/>
+              <a:t>選択肢が出たらマウスクリックで選ぶ</a:t>
+            </a:r>
+          </a:p>
+        </p:txBody>
+      </p:sp>
+    </p:spTree>
+    <p:extLst>
+      <p:ext uri="{BB962C8B-B14F-4D97-AF65-F5344CB8AC3E}">
+        <p14:creationId xmlns:p14="http://schemas.microsoft.com/office/powerpoint/2010/main" val="3740385715"/>
+      </p:ext>
+    </p:extLst>
+  </p:cSld>
+  <p:clrMapOvr>
+    <a:masterClrMapping/>
+  </p:clrMapOvr>
+</p:sld>
+</file>
+
+<file path=ppt/slides/slide14.xml><?xml version="1.0" encoding="utf-8"?>
+<p:sld xmlns:a="http://schemas.openxmlformats.org/drawingml/2006/main" xmlns:r="http://schemas.openxmlformats.org/officeDocument/2006/relationships" xmlns:p="http://schemas.openxmlformats.org/presentationml/2006/main">
+  <p:cSld>
+    <p:spTree>
+      <p:nvGrpSpPr>
+        <p:cNvPr id="1" name=""/>
+        <p:cNvGrpSpPr/>
+        <p:nvPr/>
+      </p:nvGrpSpPr>
+      <p:grpSpPr>
+        <a:xfrm>
+          <a:off x="0" y="0"/>
+          <a:ext cx="0" cy="0"/>
+          <a:chOff x="0" y="0"/>
+          <a:chExt cx="0" cy="0"/>
+        </a:xfrm>
+      </p:grpSpPr>
+      <p:sp>
+        <p:nvSpPr>
+          <p:cNvPr id="2" name="テキスト プレースホルダー 1">
+            <a:extLst>
+              <a:ext uri="{FF2B5EF4-FFF2-40B4-BE49-F238E27FC236}">
+                <a16:creationId xmlns:a16="http://schemas.microsoft.com/office/drawing/2014/main" id="{812C5709-3489-431B-AAAC-E3096D65E9EC}"/>
+              </a:ext>
+            </a:extLst>
+          </p:cNvPr>
+          <p:cNvSpPr>
+            <a:spLocks noGrp="1"/>
+          </p:cNvSpPr>
+          <p:nvPr>
+            <p:ph type="body" sz="quarter" idx="10"/>
+          </p:nvPr>
+        </p:nvSpPr>
+        <p:spPr/>
+        <p:txBody>
+          <a:bodyPr/>
+          <a:lstStyle/>
+          <a:p>
+            <a:r>
+              <a:rPr lang="ja-JP" altLang="en-US"/>
+              <a:t>課題</a:t>
+            </a:r>
+            <a:r>
+              <a:rPr lang="en-US" altLang="ja-JP"/>
+              <a:t>2 - Step 3</a:t>
+            </a:r>
+            <a:endParaRPr kumimoji="1" lang="ja-JP" altLang="en-US"/>
+          </a:p>
+        </p:txBody>
+      </p:sp>
+      <p:sp>
+        <p:nvSpPr>
+          <p:cNvPr id="3" name="テキスト ボックス 2">
+            <a:extLst>
+              <a:ext uri="{FF2B5EF4-FFF2-40B4-BE49-F238E27FC236}">
+                <a16:creationId xmlns:a16="http://schemas.microsoft.com/office/drawing/2014/main" id="{5027C318-1CB1-41EB-900A-C2A174A886B7}"/>
+              </a:ext>
+            </a:extLst>
+          </p:cNvPr>
+          <p:cNvSpPr txBox="1"/>
+          <p:nvPr/>
+        </p:nvSpPr>
+        <p:spPr>
+          <a:xfrm>
+            <a:off x="179512" y="1052736"/>
+            <a:ext cx="8804013" cy="523220"/>
+          </a:xfrm>
+          <a:prstGeom prst="rect">
+            <a:avLst/>
+          </a:prstGeom>
+          <a:noFill/>
+        </p:spPr>
+        <p:txBody>
+          <a:bodyPr wrap="none" rtlCol="0">
+            <a:spAutoFit/>
+          </a:bodyPr>
+          <a:lstStyle/>
+          <a:p>
+            <a:r>
+              <a:rPr kumimoji="1" lang="ja-JP" altLang="en-US" sz="2800"/>
+              <a:t>リポジトリのクローンのため、リモート</a:t>
+            </a:r>
+            <a:r>
+              <a:rPr kumimoji="1" lang="en-US" altLang="ja-JP" sz="2800"/>
+              <a:t>URL</a:t>
+            </a:r>
+            <a:r>
+              <a:rPr kumimoji="1" lang="ja-JP" altLang="en-US" sz="2800"/>
+              <a:t>をコピー</a:t>
+            </a:r>
+          </a:p>
+        </p:txBody>
+      </p:sp>
+      <p:pic>
+        <p:nvPicPr>
+          <p:cNvPr id="5" name="図 4">
+            <a:extLst>
+              <a:ext uri="{FF2B5EF4-FFF2-40B4-BE49-F238E27FC236}">
+                <a16:creationId xmlns:a16="http://schemas.microsoft.com/office/drawing/2014/main" id="{F61664FD-C86F-41BB-8BE3-A5F85895CED8}"/>
+              </a:ext>
+            </a:extLst>
+          </p:cNvPr>
+          <p:cNvPicPr>
+            <a:picLocks noChangeAspect="1"/>
+          </p:cNvPicPr>
+          <p:nvPr/>
+        </p:nvPicPr>
+        <p:blipFill>
+          <a:blip r:embed="rId2"/>
+          <a:stretch>
+            <a:fillRect/>
+          </a:stretch>
+        </p:blipFill>
+        <p:spPr>
+          <a:xfrm>
+            <a:off x="467544" y="2636912"/>
+            <a:ext cx="7924995" cy="3888432"/>
+          </a:xfrm>
+          <a:prstGeom prst="rect">
+            <a:avLst/>
+          </a:prstGeom>
+        </p:spPr>
+      </p:pic>
+      <p:sp>
+        <p:nvSpPr>
+          <p:cNvPr id="7" name="四角形: 角を丸くする 6">
+            <a:extLst>
+              <a:ext uri="{FF2B5EF4-FFF2-40B4-BE49-F238E27FC236}">
+                <a16:creationId xmlns:a16="http://schemas.microsoft.com/office/drawing/2014/main" id="{E53D6DE6-45C8-4550-83A3-571EED161350}"/>
+              </a:ext>
+            </a:extLst>
+          </p:cNvPr>
+          <p:cNvSpPr/>
+          <p:nvPr/>
+        </p:nvSpPr>
+        <p:spPr>
+          <a:xfrm>
+            <a:off x="611560" y="3068960"/>
+            <a:ext cx="1440160" cy="360040"/>
+          </a:xfrm>
+          <a:prstGeom prst="roundRect">
+            <a:avLst/>
+          </a:prstGeom>
+          <a:noFill/>
+          <a:ln w="38100">
+            <a:solidFill>
+              <a:srgbClr val="FF0000"/>
+            </a:solidFill>
+          </a:ln>
+        </p:spPr>
+        <p:style>
+          <a:lnRef idx="2">
+            <a:schemeClr val="accent1">
+              <a:shade val="50000"/>
+            </a:schemeClr>
+          </a:lnRef>
+          <a:fillRef idx="1">
+            <a:schemeClr val="accent1"/>
+          </a:fillRef>
+          <a:effectRef idx="0">
+            <a:schemeClr val="accent1"/>
+          </a:effectRef>
+          <a:fontRef idx="minor">
+            <a:schemeClr val="lt1"/>
+          </a:fontRef>
+        </p:style>
+        <p:txBody>
+          <a:bodyPr rtlCol="0" anchor="ctr"/>
+          <a:lstStyle/>
+          <a:p>
+            <a:pPr algn="ctr"/>
+            <a:endParaRPr kumimoji="1" lang="ja-JP" altLang="en-US"/>
+          </a:p>
+        </p:txBody>
+      </p:sp>
+      <p:sp>
+        <p:nvSpPr>
+          <p:cNvPr id="8" name="楕円 7">
+            <a:extLst>
+              <a:ext uri="{FF2B5EF4-FFF2-40B4-BE49-F238E27FC236}">
+                <a16:creationId xmlns:a16="http://schemas.microsoft.com/office/drawing/2014/main" id="{57B147E2-162B-4C3B-A948-7118DEE10863}"/>
+              </a:ext>
+            </a:extLst>
+          </p:cNvPr>
+          <p:cNvSpPr/>
+          <p:nvPr/>
+        </p:nvSpPr>
+        <p:spPr>
+          <a:xfrm>
+            <a:off x="179512" y="3068960"/>
+            <a:ext cx="360040" cy="360040"/>
+          </a:xfrm>
+          <a:prstGeom prst="ellipse">
+            <a:avLst/>
+          </a:prstGeom>
+          <a:solidFill>
+            <a:srgbClr val="FF0000"/>
+          </a:solidFill>
+          <a:ln>
+            <a:solidFill>
+              <a:schemeClr val="tx1"/>
+            </a:solidFill>
+          </a:ln>
+        </p:spPr>
+        <p:style>
+          <a:lnRef idx="2">
+            <a:schemeClr val="accent1">
+              <a:shade val="50000"/>
+            </a:schemeClr>
+          </a:lnRef>
+          <a:fillRef idx="1">
+            <a:schemeClr val="accent1"/>
+          </a:fillRef>
+          <a:effectRef idx="0">
+            <a:schemeClr val="accent1"/>
+          </a:effectRef>
+          <a:fontRef idx="minor">
+            <a:schemeClr val="lt1"/>
+          </a:fontRef>
+        </p:style>
+        <p:txBody>
+          <a:bodyPr rtlCol="0" anchor="ctr"/>
+          <a:lstStyle/>
+          <a:p>
+            <a:pPr algn="ctr"/>
+            <a:r>
+              <a:rPr kumimoji="1" lang="en-US" altLang="ja-JP"/>
+              <a:t>1</a:t>
+            </a:r>
+            <a:endParaRPr kumimoji="1" lang="ja-JP" altLang="en-US"/>
+          </a:p>
+        </p:txBody>
+      </p:sp>
+      <p:sp>
+        <p:nvSpPr>
+          <p:cNvPr id="9" name="楕円 8">
+            <a:extLst>
+              <a:ext uri="{FF2B5EF4-FFF2-40B4-BE49-F238E27FC236}">
+                <a16:creationId xmlns:a16="http://schemas.microsoft.com/office/drawing/2014/main" id="{D63A72CB-9DD5-4E29-8A35-D5EFA85ECD4A}"/>
+              </a:ext>
+            </a:extLst>
+          </p:cNvPr>
+          <p:cNvSpPr/>
+          <p:nvPr/>
+        </p:nvSpPr>
+        <p:spPr>
+          <a:xfrm>
+            <a:off x="5220072" y="3789040"/>
+            <a:ext cx="360040" cy="360040"/>
+          </a:xfrm>
+          <a:prstGeom prst="ellipse">
+            <a:avLst/>
+          </a:prstGeom>
+          <a:solidFill>
+            <a:srgbClr val="FF0000"/>
+          </a:solidFill>
+          <a:ln>
+            <a:solidFill>
+              <a:schemeClr val="tx1"/>
+            </a:solidFill>
+          </a:ln>
+        </p:spPr>
+        <p:style>
+          <a:lnRef idx="2">
+            <a:schemeClr val="accent1">
+              <a:shade val="50000"/>
+            </a:schemeClr>
+          </a:lnRef>
+          <a:fillRef idx="1">
+            <a:schemeClr val="accent1"/>
+          </a:fillRef>
+          <a:effectRef idx="0">
+            <a:schemeClr val="accent1"/>
+          </a:effectRef>
+          <a:fontRef idx="minor">
+            <a:schemeClr val="lt1"/>
+          </a:fontRef>
+        </p:style>
+        <p:txBody>
+          <a:bodyPr rtlCol="0" anchor="ctr"/>
+          <a:lstStyle/>
+          <a:p>
+            <a:pPr algn="ctr"/>
+            <a:r>
+              <a:rPr kumimoji="1" lang="en-US" altLang="ja-JP"/>
+              <a:t>2</a:t>
+            </a:r>
+            <a:endParaRPr kumimoji="1" lang="ja-JP" altLang="en-US"/>
+          </a:p>
+        </p:txBody>
+      </p:sp>
+      <p:sp>
+        <p:nvSpPr>
+          <p:cNvPr id="10" name="四角形: 角を丸くする 9">
+            <a:extLst>
+              <a:ext uri="{FF2B5EF4-FFF2-40B4-BE49-F238E27FC236}">
+                <a16:creationId xmlns:a16="http://schemas.microsoft.com/office/drawing/2014/main" id="{63565B92-1236-41F0-8DA1-8F15CE4E71D7}"/>
+              </a:ext>
+            </a:extLst>
+          </p:cNvPr>
+          <p:cNvSpPr/>
+          <p:nvPr/>
+        </p:nvSpPr>
+        <p:spPr>
+          <a:xfrm>
+            <a:off x="5220072" y="4149080"/>
+            <a:ext cx="720080" cy="360040"/>
+          </a:xfrm>
+          <a:prstGeom prst="roundRect">
+            <a:avLst/>
+          </a:prstGeom>
+          <a:noFill/>
+          <a:ln w="38100">
+            <a:solidFill>
+              <a:srgbClr val="FF0000"/>
+            </a:solidFill>
+          </a:ln>
+        </p:spPr>
+        <p:style>
+          <a:lnRef idx="2">
+            <a:schemeClr val="accent1">
+              <a:shade val="50000"/>
+            </a:schemeClr>
+          </a:lnRef>
+          <a:fillRef idx="1">
+            <a:schemeClr val="accent1"/>
+          </a:fillRef>
+          <a:effectRef idx="0">
+            <a:schemeClr val="accent1"/>
+          </a:effectRef>
+          <a:fontRef idx="minor">
+            <a:schemeClr val="lt1"/>
+          </a:fontRef>
+        </p:style>
+        <p:txBody>
+          <a:bodyPr rtlCol="0" anchor="ctr"/>
+          <a:lstStyle/>
+          <a:p>
+            <a:pPr algn="ctr"/>
+            <a:endParaRPr kumimoji="1" lang="ja-JP" altLang="en-US"/>
+          </a:p>
+        </p:txBody>
+      </p:sp>
+      <p:sp>
+        <p:nvSpPr>
+          <p:cNvPr id="11" name="四角形: 角を丸くする 10">
+            <a:extLst>
+              <a:ext uri="{FF2B5EF4-FFF2-40B4-BE49-F238E27FC236}">
+                <a16:creationId xmlns:a16="http://schemas.microsoft.com/office/drawing/2014/main" id="{919C4ADA-88E1-45EE-ACFD-8B7F3AEC97A1}"/>
+              </a:ext>
+            </a:extLst>
+          </p:cNvPr>
+          <p:cNvSpPr/>
+          <p:nvPr/>
+        </p:nvSpPr>
+        <p:spPr>
+          <a:xfrm>
+            <a:off x="3419872" y="4869160"/>
+            <a:ext cx="288032" cy="144016"/>
+          </a:xfrm>
+          <a:prstGeom prst="roundRect">
+            <a:avLst/>
+          </a:prstGeom>
+          <a:noFill/>
+          <a:ln w="38100">
+            <a:solidFill>
+              <a:srgbClr val="FF0000"/>
+            </a:solidFill>
+          </a:ln>
+        </p:spPr>
+        <p:style>
+          <a:lnRef idx="2">
+            <a:schemeClr val="accent1">
+              <a:shade val="50000"/>
+            </a:schemeClr>
+          </a:lnRef>
+          <a:fillRef idx="1">
+            <a:schemeClr val="accent1"/>
+          </a:fillRef>
+          <a:effectRef idx="0">
+            <a:schemeClr val="accent1"/>
+          </a:effectRef>
+          <a:fontRef idx="minor">
+            <a:schemeClr val="lt1"/>
+          </a:fontRef>
+        </p:style>
+        <p:txBody>
+          <a:bodyPr rtlCol="0" anchor="ctr"/>
+          <a:lstStyle/>
+          <a:p>
+            <a:pPr algn="ctr"/>
+            <a:endParaRPr kumimoji="1" lang="ja-JP" altLang="en-US"/>
+          </a:p>
+        </p:txBody>
+      </p:sp>
+      <p:sp>
+        <p:nvSpPr>
+          <p:cNvPr id="12" name="楕円 11">
+            <a:extLst>
+              <a:ext uri="{FF2B5EF4-FFF2-40B4-BE49-F238E27FC236}">
+                <a16:creationId xmlns:a16="http://schemas.microsoft.com/office/drawing/2014/main" id="{9D706025-1675-4D50-9BDB-CB2228825D52}"/>
+              </a:ext>
+            </a:extLst>
+          </p:cNvPr>
+          <p:cNvSpPr/>
+          <p:nvPr/>
+        </p:nvSpPr>
+        <p:spPr>
+          <a:xfrm>
+            <a:off x="3347864" y="4437112"/>
+            <a:ext cx="360040" cy="360040"/>
+          </a:xfrm>
+          <a:prstGeom prst="ellipse">
+            <a:avLst/>
+          </a:prstGeom>
+          <a:solidFill>
+            <a:srgbClr val="FF0000"/>
+          </a:solidFill>
+          <a:ln>
+            <a:solidFill>
+              <a:schemeClr val="tx1"/>
+            </a:solidFill>
+          </a:ln>
+        </p:spPr>
+        <p:style>
+          <a:lnRef idx="2">
+            <a:schemeClr val="accent1">
+              <a:shade val="50000"/>
+            </a:schemeClr>
+          </a:lnRef>
+          <a:fillRef idx="1">
+            <a:schemeClr val="accent1"/>
+          </a:fillRef>
+          <a:effectRef idx="0">
+            <a:schemeClr val="accent1"/>
+          </a:effectRef>
+          <a:fontRef idx="minor">
+            <a:schemeClr val="lt1"/>
+          </a:fontRef>
+        </p:style>
+        <p:txBody>
+          <a:bodyPr rtlCol="0" anchor="ctr"/>
+          <a:lstStyle/>
+          <a:p>
+            <a:pPr algn="ctr"/>
+            <a:r>
+              <a:rPr kumimoji="1" lang="en-US" altLang="ja-JP"/>
+              <a:t>3</a:t>
+            </a:r>
+            <a:endParaRPr kumimoji="1" lang="ja-JP" altLang="en-US"/>
+          </a:p>
+        </p:txBody>
+      </p:sp>
+      <p:sp>
+        <p:nvSpPr>
+          <p:cNvPr id="13" name="四角形: 角を丸くする 12">
+            <a:extLst>
+              <a:ext uri="{FF2B5EF4-FFF2-40B4-BE49-F238E27FC236}">
+                <a16:creationId xmlns:a16="http://schemas.microsoft.com/office/drawing/2014/main" id="{C2150B63-C299-492F-8613-184A8D4F10DD}"/>
+              </a:ext>
+            </a:extLst>
+          </p:cNvPr>
+          <p:cNvSpPr/>
+          <p:nvPr/>
+        </p:nvSpPr>
+        <p:spPr>
+          <a:xfrm>
+            <a:off x="5364088" y="5085184"/>
+            <a:ext cx="360040" cy="216024"/>
+          </a:xfrm>
+          <a:prstGeom prst="roundRect">
+            <a:avLst/>
+          </a:prstGeom>
+          <a:noFill/>
+          <a:ln w="38100">
+            <a:solidFill>
+              <a:srgbClr val="FF0000"/>
+            </a:solidFill>
+          </a:ln>
+        </p:spPr>
+        <p:style>
+          <a:lnRef idx="2">
+            <a:schemeClr val="accent1">
+              <a:shade val="50000"/>
+            </a:schemeClr>
+          </a:lnRef>
+          <a:fillRef idx="1">
+            <a:schemeClr val="accent1"/>
+          </a:fillRef>
+          <a:effectRef idx="0">
+            <a:schemeClr val="accent1"/>
+          </a:effectRef>
+          <a:fontRef idx="minor">
+            <a:schemeClr val="lt1"/>
+          </a:fontRef>
+        </p:style>
+        <p:txBody>
+          <a:bodyPr rtlCol="0" anchor="ctr"/>
+          <a:lstStyle/>
+          <a:p>
+            <a:pPr algn="ctr"/>
+            <a:endParaRPr kumimoji="1" lang="ja-JP" altLang="en-US"/>
+          </a:p>
+        </p:txBody>
+      </p:sp>
+      <p:sp>
+        <p:nvSpPr>
+          <p:cNvPr id="14" name="楕円 13">
+            <a:extLst>
+              <a:ext uri="{FF2B5EF4-FFF2-40B4-BE49-F238E27FC236}">
+                <a16:creationId xmlns:a16="http://schemas.microsoft.com/office/drawing/2014/main" id="{BA2C4269-16C3-43F9-B1F6-04C2AC76AA81}"/>
+              </a:ext>
+            </a:extLst>
+          </p:cNvPr>
+          <p:cNvSpPr/>
+          <p:nvPr/>
+        </p:nvSpPr>
+        <p:spPr>
+          <a:xfrm>
+            <a:off x="5292080" y="4653136"/>
+            <a:ext cx="360040" cy="360040"/>
+          </a:xfrm>
+          <a:prstGeom prst="ellipse">
+            <a:avLst/>
+          </a:prstGeom>
+          <a:solidFill>
+            <a:srgbClr val="FF0000"/>
+          </a:solidFill>
+          <a:ln>
+            <a:solidFill>
+              <a:schemeClr val="tx1"/>
+            </a:solidFill>
+          </a:ln>
+        </p:spPr>
+        <p:style>
+          <a:lnRef idx="2">
+            <a:schemeClr val="accent1">
+              <a:shade val="50000"/>
+            </a:schemeClr>
+          </a:lnRef>
+          <a:fillRef idx="1">
+            <a:schemeClr val="accent1"/>
+          </a:fillRef>
+          <a:effectRef idx="0">
+            <a:schemeClr val="accent1"/>
+          </a:effectRef>
+          <a:fontRef idx="minor">
+            <a:schemeClr val="lt1"/>
+          </a:fontRef>
+        </p:style>
+        <p:txBody>
+          <a:bodyPr rtlCol="0" anchor="ctr"/>
+          <a:lstStyle/>
+          <a:p>
+            <a:pPr algn="ctr"/>
+            <a:r>
+              <a:rPr kumimoji="1" lang="en-US" altLang="ja-JP"/>
+              <a:t>4</a:t>
+            </a:r>
+            <a:endParaRPr kumimoji="1" lang="ja-JP" altLang="en-US"/>
+          </a:p>
+        </p:txBody>
+      </p:sp>
+      <p:sp>
+        <p:nvSpPr>
+          <p:cNvPr id="15" name="テキスト ボックス 14">
+            <a:extLst>
+              <a:ext uri="{FF2B5EF4-FFF2-40B4-BE49-F238E27FC236}">
+                <a16:creationId xmlns:a16="http://schemas.microsoft.com/office/drawing/2014/main" id="{70EEBF0B-0158-44C4-86D5-49C2A7A3371E}"/>
+              </a:ext>
+            </a:extLst>
+          </p:cNvPr>
+          <p:cNvSpPr txBox="1"/>
+          <p:nvPr/>
+        </p:nvSpPr>
+        <p:spPr>
+          <a:xfrm>
+            <a:off x="129510" y="1916832"/>
+            <a:ext cx="9123010" cy="369332"/>
+          </a:xfrm>
+          <a:prstGeom prst="rect">
+            <a:avLst/>
+          </a:prstGeom>
+          <a:noFill/>
+        </p:spPr>
+        <p:txBody>
+          <a:bodyPr wrap="none" rtlCol="0">
+            <a:spAutoFit/>
+          </a:bodyPr>
+          <a:lstStyle/>
+          <a:p>
+            <a:r>
+              <a:rPr kumimoji="1" lang="en-US" altLang="ja-JP"/>
+              <a:t>1. </a:t>
+            </a:r>
+            <a:r>
+              <a:rPr kumimoji="1" lang="ja-JP" altLang="en-US"/>
+              <a:t>自分のアカウントの </a:t>
+            </a:r>
+            <a:r>
+              <a:rPr kumimoji="1" lang="en-US" altLang="ja-JP"/>
+              <a:t>2. Code</a:t>
+            </a:r>
+            <a:r>
+              <a:rPr kumimoji="1" lang="ja-JP" altLang="en-US"/>
+              <a:t>をクリックし </a:t>
+            </a:r>
+            <a:r>
+              <a:rPr kumimoji="1" lang="en-US" altLang="ja-JP"/>
+              <a:t>3. SSH</a:t>
+            </a:r>
+            <a:r>
+              <a:rPr kumimoji="1" lang="ja-JP" altLang="en-US"/>
+              <a:t>を選んで </a:t>
+            </a:r>
+            <a:r>
+              <a:rPr kumimoji="1" lang="en-US" altLang="ja-JP"/>
+              <a:t>4. </a:t>
+            </a:r>
+            <a:r>
+              <a:rPr kumimoji="1" lang="ja-JP" altLang="en-US"/>
+              <a:t>コピーボタンを押す</a:t>
+            </a:r>
+          </a:p>
+        </p:txBody>
+      </p:sp>
+    </p:spTree>
+    <p:extLst>
+      <p:ext uri="{BB962C8B-B14F-4D97-AF65-F5344CB8AC3E}">
+        <p14:creationId xmlns:p14="http://schemas.microsoft.com/office/powerpoint/2010/main" val="2794258674"/>
+      </p:ext>
+    </p:extLst>
+  </p:cSld>
+  <p:clrMapOvr>
+    <a:masterClrMapping/>
+  </p:clrMapOvr>
+</p:sld>
+</file>
+
+<file path=ppt/slides/slide15.xml><?xml version="1.0" encoding="utf-8"?>
+<p:sld xmlns:a="http://schemas.openxmlformats.org/drawingml/2006/main" xmlns:r="http://schemas.openxmlformats.org/officeDocument/2006/relationships" xmlns:p="http://schemas.openxmlformats.org/presentationml/2006/main">
+  <p:cSld>
+    <p:spTree>
+      <p:nvGrpSpPr>
+        <p:cNvPr id="1" name=""/>
+        <p:cNvGrpSpPr/>
+        <p:nvPr/>
+      </p:nvGrpSpPr>
+      <p:grpSpPr>
+        <a:xfrm>
+          <a:off x="0" y="0"/>
+          <a:ext cx="0" cy="0"/>
+          <a:chOff x="0" y="0"/>
+          <a:chExt cx="0" cy="0"/>
+        </a:xfrm>
+      </p:grpSpPr>
+      <p:sp>
+        <p:nvSpPr>
+          <p:cNvPr id="2" name="テキスト プレースホルダー 1">
+            <a:extLst>
+              <a:ext uri="{FF2B5EF4-FFF2-40B4-BE49-F238E27FC236}">
+                <a16:creationId xmlns:a16="http://schemas.microsoft.com/office/drawing/2014/main" id="{2F0FA607-9011-4295-A85B-89A4632F2FE4}"/>
+              </a:ext>
+            </a:extLst>
+          </p:cNvPr>
+          <p:cNvSpPr>
+            <a:spLocks noGrp="1"/>
+          </p:cNvSpPr>
+          <p:nvPr>
+            <p:ph type="body" sz="quarter" idx="10"/>
+          </p:nvPr>
+        </p:nvSpPr>
+        <p:spPr/>
+        <p:txBody>
+          <a:bodyPr/>
+          <a:lstStyle/>
+          <a:p>
+            <a:r>
+              <a:rPr lang="ja-JP" altLang="en-US"/>
+              <a:t>課題</a:t>
+            </a:r>
+            <a:r>
+              <a:rPr lang="en-US" altLang="ja-JP"/>
+              <a:t>2 - Step 3</a:t>
+            </a:r>
+            <a:endParaRPr kumimoji="1" lang="ja-JP" altLang="en-US"/>
+          </a:p>
+        </p:txBody>
+      </p:sp>
+      <p:sp>
+        <p:nvSpPr>
+          <p:cNvPr id="4" name="テキスト ボックス 3">
+            <a:extLst>
+              <a:ext uri="{FF2B5EF4-FFF2-40B4-BE49-F238E27FC236}">
+                <a16:creationId xmlns:a16="http://schemas.microsoft.com/office/drawing/2014/main" id="{69B31432-F7C9-48AC-936C-0D1BEFA2202F}"/>
+              </a:ext>
+            </a:extLst>
+          </p:cNvPr>
+          <p:cNvSpPr txBox="1"/>
+          <p:nvPr/>
+        </p:nvSpPr>
+        <p:spPr>
+          <a:xfrm>
+            <a:off x="251520" y="1916832"/>
+            <a:ext cx="8496944" cy="1015663"/>
+          </a:xfrm>
+          <a:prstGeom prst="rect">
+            <a:avLst/>
+          </a:prstGeom>
+          <a:noFill/>
+          <a:ln>
+            <a:solidFill>
+              <a:schemeClr val="tx1"/>
+            </a:solidFill>
+          </a:ln>
+        </p:spPr>
+        <p:txBody>
+          <a:bodyPr wrap="square">
+            <a:spAutoFit/>
+          </a:bodyPr>
+          <a:lstStyle/>
+          <a:p>
+            <a:r>
+              <a:rPr lang="en-US" altLang="ja-JP" sz="2000">
+                <a:latin typeface="Consolas" panose="020B0609020204030204" pitchFamily="49" charset="0"/>
+              </a:rPr>
+              <a:t>cd</a:t>
+            </a:r>
+          </a:p>
+          <a:p>
+            <a:r>
+              <a:rPr lang="en-US" altLang="ja-JP" sz="2000">
+                <a:latin typeface="Consolas" panose="020B0609020204030204" pitchFamily="49" charset="0"/>
+              </a:rPr>
+              <a:t>cd github</a:t>
+            </a:r>
+          </a:p>
+          <a:p>
+            <a:r>
+              <a:rPr lang="en-US" altLang="ja-JP" sz="2000">
+                <a:latin typeface="Consolas" panose="020B0609020204030204" pitchFamily="49" charset="0"/>
+              </a:rPr>
+              <a:t>git clone </a:t>
+            </a:r>
+            <a:r>
+              <a:rPr lang="en-US" altLang="ja-JP" sz="2000">
+                <a:solidFill>
+                  <a:srgbClr val="FF0000"/>
+                </a:solidFill>
+                <a:latin typeface="Consolas" panose="020B0609020204030204" pitchFamily="49" charset="0"/>
+              </a:rPr>
+              <a:t>git@github.com:github-watanabe/tyrano_sample.git</a:t>
+            </a:r>
+          </a:p>
+        </p:txBody>
+      </p:sp>
+      <p:sp>
+        <p:nvSpPr>
+          <p:cNvPr id="5" name="テキスト ボックス 4">
+            <a:extLst>
+              <a:ext uri="{FF2B5EF4-FFF2-40B4-BE49-F238E27FC236}">
+                <a16:creationId xmlns:a16="http://schemas.microsoft.com/office/drawing/2014/main" id="{C45384CE-6A62-416E-B99E-F4B9BE5FC64A}"/>
+              </a:ext>
+            </a:extLst>
+          </p:cNvPr>
+          <p:cNvSpPr txBox="1"/>
+          <p:nvPr/>
+        </p:nvSpPr>
+        <p:spPr>
+          <a:xfrm>
+            <a:off x="107504" y="1124744"/>
+            <a:ext cx="4219425" cy="584775"/>
+          </a:xfrm>
+          <a:prstGeom prst="rect">
+            <a:avLst/>
+          </a:prstGeom>
+          <a:noFill/>
+        </p:spPr>
+        <p:txBody>
+          <a:bodyPr wrap="none" rtlCol="0">
+            <a:spAutoFit/>
+          </a:bodyPr>
+          <a:lstStyle/>
+          <a:p>
+            <a:r>
+              <a:rPr kumimoji="1" lang="en-US" altLang="ja-JP" sz="3200"/>
+              <a:t>Git Bash</a:t>
+            </a:r>
+            <a:r>
+              <a:rPr kumimoji="1" lang="ja-JP" altLang="en-US" sz="3200"/>
+              <a:t>で以下を実行</a:t>
+            </a:r>
+          </a:p>
+        </p:txBody>
+      </p:sp>
+      <p:sp>
+        <p:nvSpPr>
+          <p:cNvPr id="6" name="テキスト ボックス 5">
+            <a:extLst>
+              <a:ext uri="{FF2B5EF4-FFF2-40B4-BE49-F238E27FC236}">
+                <a16:creationId xmlns:a16="http://schemas.microsoft.com/office/drawing/2014/main" id="{454079E6-DC99-4663-8764-0A9DE27615B4}"/>
+              </a:ext>
+            </a:extLst>
+          </p:cNvPr>
+          <p:cNvSpPr txBox="1"/>
+          <p:nvPr/>
+        </p:nvSpPr>
+        <p:spPr>
+          <a:xfrm>
+            <a:off x="1475656" y="3068960"/>
+            <a:ext cx="7468711" cy="369332"/>
+          </a:xfrm>
+          <a:prstGeom prst="rect">
+            <a:avLst/>
+          </a:prstGeom>
+          <a:noFill/>
+        </p:spPr>
+        <p:txBody>
+          <a:bodyPr wrap="none" rtlCol="0">
+            <a:spAutoFit/>
+          </a:bodyPr>
+          <a:lstStyle/>
+          <a:p>
+            <a:r>
+              <a:rPr kumimoji="1" lang="ja-JP" altLang="en-US"/>
+              <a:t>ここはコピーされているはずなので、マウス右クリックから「</a:t>
+            </a:r>
+            <a:r>
+              <a:rPr kumimoji="1" lang="en-US" altLang="ja-JP"/>
+              <a:t>Paste</a:t>
+            </a:r>
+            <a:r>
+              <a:rPr kumimoji="1" lang="ja-JP" altLang="en-US"/>
+              <a:t>」</a:t>
+            </a:r>
+          </a:p>
+        </p:txBody>
+      </p:sp>
+    </p:spTree>
+    <p:extLst>
+      <p:ext uri="{BB962C8B-B14F-4D97-AF65-F5344CB8AC3E}">
+        <p14:creationId xmlns:p14="http://schemas.microsoft.com/office/powerpoint/2010/main" val="2354510424"/>
+      </p:ext>
+    </p:extLst>
+  </p:cSld>
+  <p:clrMapOvr>
+    <a:masterClrMapping/>
+  </p:clrMapOvr>
+</p:sld>
+</file>
+
+<file path=ppt/slides/slide16.xml><?xml version="1.0" encoding="utf-8"?>
+<p:sld xmlns:a="http://schemas.openxmlformats.org/drawingml/2006/main" xmlns:r="http://schemas.openxmlformats.org/officeDocument/2006/relationships" xmlns:p="http://schemas.openxmlformats.org/presentationml/2006/main">
+  <p:cSld>
+    <p:spTree>
+      <p:nvGrpSpPr>
+        <p:cNvPr id="1" name=""/>
+        <p:cNvGrpSpPr/>
+        <p:nvPr/>
+      </p:nvGrpSpPr>
+      <p:grpSpPr>
+        <a:xfrm>
+          <a:off x="0" y="0"/>
+          <a:ext cx="0" cy="0"/>
+          <a:chOff x="0" y="0"/>
+          <a:chExt cx="0" cy="0"/>
+        </a:xfrm>
+      </p:grpSpPr>
+      <p:sp>
+        <p:nvSpPr>
+          <p:cNvPr id="2" name="テキスト プレースホルダー 1">
+            <a:extLst>
+              <a:ext uri="{FF2B5EF4-FFF2-40B4-BE49-F238E27FC236}">
+                <a16:creationId xmlns:a16="http://schemas.microsoft.com/office/drawing/2014/main" id="{7C084AF3-E764-4511-AB89-AAF594B578E7}"/>
+              </a:ext>
+            </a:extLst>
+          </p:cNvPr>
+          <p:cNvSpPr>
+            <a:spLocks noGrp="1"/>
+          </p:cNvSpPr>
+          <p:nvPr>
+            <p:ph type="body" sz="quarter" idx="10"/>
+          </p:nvPr>
+        </p:nvSpPr>
+        <p:spPr/>
+        <p:txBody>
+          <a:bodyPr/>
+          <a:lstStyle/>
+          <a:p>
+            <a:r>
+              <a:rPr lang="ja-JP" altLang="en-US"/>
+              <a:t>課題</a:t>
+            </a:r>
+            <a:r>
+              <a:rPr lang="en-US" altLang="ja-JP"/>
+              <a:t>2 - Step </a:t>
+            </a:r>
+            <a:r>
+              <a:rPr lang="ja-JP" altLang="en-US"/>
+              <a:t>３</a:t>
+            </a:r>
+            <a:endParaRPr kumimoji="1" lang="ja-JP" altLang="en-US"/>
+          </a:p>
+        </p:txBody>
+      </p:sp>
+      <p:sp>
+        <p:nvSpPr>
+          <p:cNvPr id="3" name="テキスト ボックス 2">
+            <a:extLst>
+              <a:ext uri="{FF2B5EF4-FFF2-40B4-BE49-F238E27FC236}">
+                <a16:creationId xmlns:a16="http://schemas.microsoft.com/office/drawing/2014/main" id="{B4138397-3A94-483A-A78D-48AF60704EA1}"/>
+              </a:ext>
+            </a:extLst>
+          </p:cNvPr>
+          <p:cNvSpPr txBox="1"/>
+          <p:nvPr/>
+        </p:nvSpPr>
+        <p:spPr>
+          <a:xfrm>
+            <a:off x="179512" y="1196752"/>
+            <a:ext cx="8436925" cy="461665"/>
+          </a:xfrm>
+          <a:prstGeom prst="rect">
+            <a:avLst/>
+          </a:prstGeom>
+          <a:noFill/>
+        </p:spPr>
+        <p:txBody>
+          <a:bodyPr wrap="none" rtlCol="0">
+            <a:spAutoFit/>
+          </a:bodyPr>
+          <a:lstStyle/>
+          <a:p>
+            <a:r>
+              <a:rPr kumimoji="1" lang="en-US" altLang="ja-JP" sz="2000"/>
+              <a:t>VS Code</a:t>
+            </a:r>
+            <a:r>
+              <a:rPr kumimoji="1" lang="ja-JP" altLang="en-US" sz="2000"/>
+              <a:t>の「フォルダーを開く」で「</a:t>
+            </a:r>
+            <a:r>
+              <a:rPr lang="en-US" altLang="ja-JP" sz="2000"/>
+              <a:t>/z/github/</a:t>
+            </a:r>
+            <a:r>
+              <a:rPr lang="en-US" altLang="ja-JP" sz="2400"/>
+              <a:t>tyrano</a:t>
+            </a:r>
+            <a:r>
+              <a:rPr lang="en-US" altLang="ja-JP" sz="2000"/>
+              <a:t>_sample</a:t>
+            </a:r>
+            <a:r>
+              <a:rPr lang="ja-JP" altLang="en-US" sz="2000"/>
+              <a:t>」を開く</a:t>
+            </a:r>
+            <a:endParaRPr kumimoji="1" lang="ja-JP" altLang="en-US" sz="2000"/>
+          </a:p>
+        </p:txBody>
+      </p:sp>
+      <p:pic>
+        <p:nvPicPr>
+          <p:cNvPr id="6" name="図 5">
+            <a:extLst>
+              <a:ext uri="{FF2B5EF4-FFF2-40B4-BE49-F238E27FC236}">
+                <a16:creationId xmlns:a16="http://schemas.microsoft.com/office/drawing/2014/main" id="{AE3B296E-B6BB-4476-9DFE-4CD0282397C4}"/>
+              </a:ext>
+            </a:extLst>
+          </p:cNvPr>
+          <p:cNvPicPr>
+            <a:picLocks noChangeAspect="1"/>
+          </p:cNvPicPr>
+          <p:nvPr/>
+        </p:nvPicPr>
+        <p:blipFill>
+          <a:blip r:embed="rId2"/>
+          <a:stretch>
+            <a:fillRect/>
+          </a:stretch>
+        </p:blipFill>
+        <p:spPr>
+          <a:xfrm>
+            <a:off x="395536" y="1916832"/>
+            <a:ext cx="3231517" cy="4270220"/>
+          </a:xfrm>
+          <a:prstGeom prst="rect">
+            <a:avLst/>
+          </a:prstGeom>
+        </p:spPr>
+      </p:pic>
+      <p:sp>
+        <p:nvSpPr>
+          <p:cNvPr id="7" name="四角形: 角を丸くする 6">
+            <a:extLst>
+              <a:ext uri="{FF2B5EF4-FFF2-40B4-BE49-F238E27FC236}">
+                <a16:creationId xmlns:a16="http://schemas.microsoft.com/office/drawing/2014/main" id="{5E5BBBC0-3485-4284-98EF-A7172DE2D619}"/>
+              </a:ext>
+            </a:extLst>
+          </p:cNvPr>
+          <p:cNvSpPr/>
+          <p:nvPr/>
+        </p:nvSpPr>
+        <p:spPr>
+          <a:xfrm>
+            <a:off x="1331640" y="2996952"/>
+            <a:ext cx="1872208" cy="360040"/>
+          </a:xfrm>
+          <a:prstGeom prst="roundRect">
+            <a:avLst/>
+          </a:prstGeom>
+          <a:noFill/>
+          <a:ln w="38100">
+            <a:solidFill>
+              <a:srgbClr val="FF0000"/>
+            </a:solidFill>
+          </a:ln>
+        </p:spPr>
+        <p:style>
+          <a:lnRef idx="2">
+            <a:schemeClr val="accent1">
+              <a:shade val="50000"/>
+            </a:schemeClr>
+          </a:lnRef>
+          <a:fillRef idx="1">
+            <a:schemeClr val="accent1"/>
+          </a:fillRef>
+          <a:effectRef idx="0">
+            <a:schemeClr val="accent1"/>
+          </a:effectRef>
+          <a:fontRef idx="minor">
+            <a:schemeClr val="lt1"/>
+          </a:fontRef>
+        </p:style>
+        <p:txBody>
+          <a:bodyPr rtlCol="0" anchor="ctr"/>
+          <a:lstStyle/>
+          <a:p>
+            <a:pPr algn="ctr"/>
+            <a:endParaRPr kumimoji="1" lang="ja-JP" altLang="en-US"/>
+          </a:p>
+        </p:txBody>
+      </p:sp>
+      <p:sp>
+        <p:nvSpPr>
+          <p:cNvPr id="8" name="テキスト ボックス 7">
+            <a:extLst>
+              <a:ext uri="{FF2B5EF4-FFF2-40B4-BE49-F238E27FC236}">
+                <a16:creationId xmlns:a16="http://schemas.microsoft.com/office/drawing/2014/main" id="{E8B64837-0310-4EE5-8B22-A5562545C390}"/>
+              </a:ext>
+            </a:extLst>
+          </p:cNvPr>
+          <p:cNvSpPr txBox="1"/>
+          <p:nvPr/>
+        </p:nvSpPr>
+        <p:spPr>
+          <a:xfrm>
+            <a:off x="4139952" y="2132856"/>
+            <a:ext cx="4288353" cy="369332"/>
+          </a:xfrm>
+          <a:prstGeom prst="rect">
+            <a:avLst/>
+          </a:prstGeom>
+          <a:noFill/>
+        </p:spPr>
+        <p:txBody>
+          <a:bodyPr wrap="none" rtlCol="0">
+            <a:spAutoFit/>
+          </a:bodyPr>
+          <a:lstStyle/>
+          <a:p>
+            <a:r>
+              <a:rPr lang="ja-JP" altLang="en-US"/>
+              <a:t>ここに</a:t>
+            </a:r>
+            <a:r>
+              <a:rPr lang="en-US" altLang="ja-JP"/>
+              <a:t>TYRANO_SAMPLE</a:t>
+            </a:r>
+            <a:r>
+              <a:rPr lang="ja-JP" altLang="en-US"/>
+              <a:t>と表示される</a:t>
+            </a:r>
+            <a:endParaRPr kumimoji="1" lang="ja-JP" altLang="en-US"/>
+          </a:p>
+        </p:txBody>
+      </p:sp>
+      <p:cxnSp>
+        <p:nvCxnSpPr>
+          <p:cNvPr id="9" name="コネクタ: カギ線 8">
+            <a:extLst>
+              <a:ext uri="{FF2B5EF4-FFF2-40B4-BE49-F238E27FC236}">
+                <a16:creationId xmlns:a16="http://schemas.microsoft.com/office/drawing/2014/main" id="{62B39A55-72F3-436E-9B40-3EE7E2092161}"/>
+              </a:ext>
+            </a:extLst>
+          </p:cNvPr>
+          <p:cNvCxnSpPr>
+            <a:cxnSpLocks/>
+            <a:stCxn id="8" idx="2"/>
+          </p:cNvCxnSpPr>
+          <p:nvPr/>
+        </p:nvCxnSpPr>
+        <p:spPr>
+          <a:xfrm rot="5400000">
+            <a:off x="4388594" y="1317443"/>
+            <a:ext cx="710790" cy="3080281"/>
+          </a:xfrm>
+          <a:prstGeom prst="bentConnector2">
+            <a:avLst/>
+          </a:prstGeom>
+          <a:ln w="28575">
+            <a:solidFill>
+              <a:srgbClr val="FF0000"/>
+            </a:solidFill>
+            <a:headEnd type="none" w="med" len="med"/>
+            <a:tailEnd type="triangle"/>
+          </a:ln>
+        </p:spPr>
+        <p:style>
+          <a:lnRef idx="1">
+            <a:schemeClr val="accent1"/>
+          </a:lnRef>
+          <a:fillRef idx="0">
+            <a:schemeClr val="accent1"/>
+          </a:fillRef>
+          <a:effectRef idx="0">
+            <a:schemeClr val="accent1"/>
+          </a:effectRef>
+          <a:fontRef idx="minor">
+            <a:schemeClr val="tx1"/>
+          </a:fontRef>
+        </p:style>
+      </p:cxnSp>
+    </p:spTree>
+    <p:extLst>
+      <p:ext uri="{BB962C8B-B14F-4D97-AF65-F5344CB8AC3E}">
+        <p14:creationId xmlns:p14="http://schemas.microsoft.com/office/powerpoint/2010/main" val="3706782819"/>
+      </p:ext>
+    </p:extLst>
+  </p:cSld>
+  <p:clrMapOvr>
+    <a:masterClrMapping/>
+  </p:clrMapOvr>
+</p:sld>
+</file>
+
+<file path=ppt/slides/slide17.xml><?xml version="1.0" encoding="utf-8"?>
+<p:sld xmlns:a="http://schemas.openxmlformats.org/drawingml/2006/main" xmlns:r="http://schemas.openxmlformats.org/officeDocument/2006/relationships" xmlns:p="http://schemas.openxmlformats.org/presentationml/2006/main">
+  <p:cSld>
+    <p:spTree>
+      <p:nvGrpSpPr>
+        <p:cNvPr id="1" name=""/>
+        <p:cNvGrpSpPr/>
+        <p:nvPr/>
+      </p:nvGrpSpPr>
+      <p:grpSpPr>
+        <a:xfrm>
+          <a:off x="0" y="0"/>
+          <a:ext cx="0" cy="0"/>
+          <a:chOff x="0" y="0"/>
+          <a:chExt cx="0" cy="0"/>
+        </a:xfrm>
+      </p:grpSpPr>
+      <p:sp>
+        <p:nvSpPr>
+          <p:cNvPr id="2" name="テキスト プレースホルダー 1">
+            <a:extLst>
+              <a:ext uri="{FF2B5EF4-FFF2-40B4-BE49-F238E27FC236}">
+                <a16:creationId xmlns:a16="http://schemas.microsoft.com/office/drawing/2014/main" id="{EA5F53A1-3CB1-415F-B91C-F1A7DDC68AE9}"/>
+              </a:ext>
+            </a:extLst>
+          </p:cNvPr>
+          <p:cNvSpPr>
+            <a:spLocks noGrp="1"/>
+          </p:cNvSpPr>
+          <p:nvPr>
+            <p:ph type="body" sz="quarter" idx="10"/>
+          </p:nvPr>
+        </p:nvSpPr>
+        <p:spPr/>
+        <p:txBody>
+          <a:bodyPr/>
+          <a:lstStyle/>
+          <a:p>
+            <a:r>
+              <a:rPr lang="ja-JP" altLang="en-US"/>
+              <a:t>課題</a:t>
+            </a:r>
+            <a:r>
+              <a:rPr lang="en-US" altLang="ja-JP"/>
+              <a:t>2 - Step 4</a:t>
+            </a:r>
+            <a:endParaRPr kumimoji="1" lang="ja-JP" altLang="en-US"/>
+          </a:p>
+        </p:txBody>
+      </p:sp>
+      <p:pic>
+        <p:nvPicPr>
+          <p:cNvPr id="4" name="図 3">
+            <a:extLst>
+              <a:ext uri="{FF2B5EF4-FFF2-40B4-BE49-F238E27FC236}">
+                <a16:creationId xmlns:a16="http://schemas.microsoft.com/office/drawing/2014/main" id="{F9820444-49FF-4F57-9B96-37196BB3D328}"/>
+              </a:ext>
+            </a:extLst>
+          </p:cNvPr>
+          <p:cNvPicPr>
+            <a:picLocks noChangeAspect="1"/>
+          </p:cNvPicPr>
+          <p:nvPr/>
+        </p:nvPicPr>
+        <p:blipFill>
+          <a:blip r:embed="rId2"/>
+          <a:stretch>
+            <a:fillRect/>
+          </a:stretch>
+        </p:blipFill>
+        <p:spPr>
+          <a:xfrm>
+            <a:off x="467544" y="1556792"/>
+            <a:ext cx="8415895" cy="5184576"/>
+          </a:xfrm>
+          <a:prstGeom prst="rect">
+            <a:avLst/>
+          </a:prstGeom>
+        </p:spPr>
+      </p:pic>
+      <p:sp>
+        <p:nvSpPr>
+          <p:cNvPr id="5" name="四角形: 角を丸くする 4">
+            <a:extLst>
+              <a:ext uri="{FF2B5EF4-FFF2-40B4-BE49-F238E27FC236}">
+                <a16:creationId xmlns:a16="http://schemas.microsoft.com/office/drawing/2014/main" id="{07D13061-4370-45F4-AFA4-6D8F544D6A8C}"/>
+              </a:ext>
+            </a:extLst>
+          </p:cNvPr>
+          <p:cNvSpPr/>
+          <p:nvPr/>
+        </p:nvSpPr>
+        <p:spPr>
+          <a:xfrm>
+            <a:off x="395537" y="4293096"/>
+            <a:ext cx="504056" cy="360040"/>
+          </a:xfrm>
+          <a:prstGeom prst="roundRect">
+            <a:avLst/>
+          </a:prstGeom>
+          <a:noFill/>
+          <a:ln w="38100">
+            <a:solidFill>
+              <a:srgbClr val="FF0000"/>
+            </a:solidFill>
+          </a:ln>
+        </p:spPr>
+        <p:style>
+          <a:lnRef idx="2">
+            <a:schemeClr val="accent1">
+              <a:shade val="50000"/>
+            </a:schemeClr>
+          </a:lnRef>
+          <a:fillRef idx="1">
+            <a:schemeClr val="accent1"/>
+          </a:fillRef>
+          <a:effectRef idx="0">
+            <a:schemeClr val="accent1"/>
+          </a:effectRef>
+          <a:fontRef idx="minor">
+            <a:schemeClr val="lt1"/>
+          </a:fontRef>
+        </p:style>
+        <p:txBody>
+          <a:bodyPr rtlCol="0" anchor="ctr"/>
+          <a:lstStyle/>
+          <a:p>
+            <a:pPr algn="ctr"/>
+            <a:endParaRPr kumimoji="1" lang="ja-JP" altLang="en-US"/>
+          </a:p>
+        </p:txBody>
+      </p:sp>
+      <p:sp>
+        <p:nvSpPr>
+          <p:cNvPr id="6" name="四角形: 角を丸くする 5">
+            <a:extLst>
+              <a:ext uri="{FF2B5EF4-FFF2-40B4-BE49-F238E27FC236}">
+                <a16:creationId xmlns:a16="http://schemas.microsoft.com/office/drawing/2014/main" id="{45DA501C-832C-49B8-8D98-9924DC43C2DF}"/>
+              </a:ext>
+            </a:extLst>
+          </p:cNvPr>
+          <p:cNvSpPr/>
+          <p:nvPr/>
+        </p:nvSpPr>
+        <p:spPr>
+          <a:xfrm>
+            <a:off x="1115616" y="2276872"/>
+            <a:ext cx="1728192" cy="360040"/>
+          </a:xfrm>
+          <a:prstGeom prst="roundRect">
+            <a:avLst/>
+          </a:prstGeom>
+          <a:noFill/>
+          <a:ln w="38100">
+            <a:solidFill>
+              <a:srgbClr val="FF0000"/>
+            </a:solidFill>
+          </a:ln>
+        </p:spPr>
+        <p:style>
+          <a:lnRef idx="2">
+            <a:schemeClr val="accent1">
+              <a:shade val="50000"/>
+            </a:schemeClr>
+          </a:lnRef>
+          <a:fillRef idx="1">
+            <a:schemeClr val="accent1"/>
+          </a:fillRef>
+          <a:effectRef idx="0">
+            <a:schemeClr val="accent1"/>
+          </a:effectRef>
+          <a:fontRef idx="minor">
+            <a:schemeClr val="lt1"/>
+          </a:fontRef>
+        </p:style>
+        <p:txBody>
+          <a:bodyPr rtlCol="0" anchor="ctr"/>
+          <a:lstStyle/>
+          <a:p>
+            <a:pPr algn="ctr"/>
+            <a:endParaRPr kumimoji="1" lang="ja-JP" altLang="en-US"/>
+          </a:p>
+        </p:txBody>
+      </p:sp>
+      <p:sp>
+        <p:nvSpPr>
+          <p:cNvPr id="7" name="四角形: 角を丸くする 6">
+            <a:extLst>
+              <a:ext uri="{FF2B5EF4-FFF2-40B4-BE49-F238E27FC236}">
+                <a16:creationId xmlns:a16="http://schemas.microsoft.com/office/drawing/2014/main" id="{DCD9CB09-9728-4C54-BE54-F7418BD581E8}"/>
+              </a:ext>
+            </a:extLst>
+          </p:cNvPr>
+          <p:cNvSpPr/>
+          <p:nvPr/>
+        </p:nvSpPr>
+        <p:spPr>
+          <a:xfrm>
+            <a:off x="2051720" y="3284984"/>
+            <a:ext cx="792088" cy="216024"/>
+          </a:xfrm>
+          <a:prstGeom prst="roundRect">
+            <a:avLst/>
+          </a:prstGeom>
+          <a:noFill/>
+          <a:ln w="38100">
+            <a:solidFill>
+              <a:srgbClr val="FF0000"/>
+            </a:solidFill>
+          </a:ln>
+        </p:spPr>
+        <p:style>
+          <a:lnRef idx="2">
+            <a:schemeClr val="accent1">
+              <a:shade val="50000"/>
+            </a:schemeClr>
+          </a:lnRef>
+          <a:fillRef idx="1">
+            <a:schemeClr val="accent1"/>
+          </a:fillRef>
+          <a:effectRef idx="0">
+            <a:schemeClr val="accent1"/>
+          </a:effectRef>
+          <a:fontRef idx="minor">
+            <a:schemeClr val="lt1"/>
+          </a:fontRef>
+        </p:style>
+        <p:txBody>
+          <a:bodyPr rtlCol="0" anchor="ctr"/>
+          <a:lstStyle/>
+          <a:p>
+            <a:pPr algn="ctr"/>
+            <a:endParaRPr kumimoji="1" lang="ja-JP" altLang="en-US"/>
+          </a:p>
+        </p:txBody>
+      </p:sp>
+      <p:sp>
+        <p:nvSpPr>
+          <p:cNvPr id="8" name="テキスト ボックス 7">
+            <a:extLst>
+              <a:ext uri="{FF2B5EF4-FFF2-40B4-BE49-F238E27FC236}">
+                <a16:creationId xmlns:a16="http://schemas.microsoft.com/office/drawing/2014/main" id="{6DA2A16D-0A29-4CA7-9313-053E4CD97032}"/>
+              </a:ext>
+            </a:extLst>
+          </p:cNvPr>
+          <p:cNvSpPr txBox="1"/>
+          <p:nvPr/>
+        </p:nvSpPr>
+        <p:spPr>
+          <a:xfrm>
+            <a:off x="539552" y="1052736"/>
+            <a:ext cx="7789312" cy="369332"/>
+          </a:xfrm>
+          <a:prstGeom prst="rect">
+            <a:avLst/>
+          </a:prstGeom>
+          <a:noFill/>
+        </p:spPr>
+        <p:txBody>
+          <a:bodyPr wrap="none" rtlCol="0">
+            <a:spAutoFit/>
+          </a:bodyPr>
+          <a:lstStyle/>
+          <a:p>
+            <a:r>
+              <a:rPr kumimoji="1" lang="en-US" altLang="ja-JP"/>
+              <a:t>1. </a:t>
+            </a:r>
+            <a:r>
+              <a:rPr kumimoji="1" lang="ja-JP" altLang="en-US"/>
+              <a:t>拡張機能をクリック </a:t>
+            </a:r>
+            <a:r>
+              <a:rPr kumimoji="1" lang="en-US" altLang="ja-JP"/>
+              <a:t>2. </a:t>
+            </a:r>
+            <a:r>
+              <a:rPr kumimoji="1" lang="ja-JP" altLang="en-US"/>
+              <a:t>検索窓に「</a:t>
+            </a:r>
+            <a:r>
+              <a:rPr kumimoji="1" lang="en-US" altLang="ja-JP"/>
+              <a:t>Live Server</a:t>
+            </a:r>
+            <a:r>
+              <a:rPr kumimoji="1" lang="ja-JP" altLang="en-US"/>
+              <a:t>」と入力 </a:t>
+            </a:r>
+            <a:r>
+              <a:rPr kumimoji="1" lang="en-US" altLang="ja-JP"/>
+              <a:t>3. </a:t>
+            </a:r>
+            <a:r>
+              <a:rPr kumimoji="1" lang="ja-JP" altLang="en-US"/>
+              <a:t>インストール</a:t>
+            </a:r>
+          </a:p>
+        </p:txBody>
+      </p:sp>
+    </p:spTree>
+    <p:extLst>
+      <p:ext uri="{BB962C8B-B14F-4D97-AF65-F5344CB8AC3E}">
+        <p14:creationId xmlns:p14="http://schemas.microsoft.com/office/powerpoint/2010/main" val="3069352372"/>
+      </p:ext>
+    </p:extLst>
+  </p:cSld>
+  <p:clrMapOvr>
+    <a:masterClrMapping/>
+  </p:clrMapOvr>
+</p:sld>
+</file>
+
+<file path=ppt/slides/slide18.xml><?xml version="1.0" encoding="utf-8"?>
+<p:sld xmlns:a="http://schemas.openxmlformats.org/drawingml/2006/main" xmlns:r="http://schemas.openxmlformats.org/officeDocument/2006/relationships" xmlns:p="http://schemas.openxmlformats.org/presentationml/2006/main">
+  <p:cSld>
+    <p:spTree>
+      <p:nvGrpSpPr>
+        <p:cNvPr id="1" name=""/>
+        <p:cNvGrpSpPr/>
+        <p:nvPr/>
+      </p:nvGrpSpPr>
+      <p:grpSpPr>
+        <a:xfrm>
+          <a:off x="0" y="0"/>
+          <a:ext cx="0" cy="0"/>
+          <a:chOff x="0" y="0"/>
+          <a:chExt cx="0" cy="0"/>
+        </a:xfrm>
+      </p:grpSpPr>
+      <p:sp>
+        <p:nvSpPr>
+          <p:cNvPr id="2" name="テキスト プレースホルダー 1">
+            <a:extLst>
+              <a:ext uri="{FF2B5EF4-FFF2-40B4-BE49-F238E27FC236}">
+                <a16:creationId xmlns:a16="http://schemas.microsoft.com/office/drawing/2014/main" id="{AB29F8BF-9E30-4320-8780-15405B2C6AE2}"/>
+              </a:ext>
+            </a:extLst>
+          </p:cNvPr>
+          <p:cNvSpPr>
+            <a:spLocks noGrp="1"/>
+          </p:cNvSpPr>
+          <p:nvPr>
+            <p:ph type="body" sz="quarter" idx="10"/>
+          </p:nvPr>
+        </p:nvSpPr>
+        <p:spPr/>
+        <p:txBody>
+          <a:bodyPr/>
+          <a:lstStyle/>
+          <a:p>
+            <a:r>
+              <a:rPr lang="ja-JP" altLang="en-US"/>
+              <a:t>課題</a:t>
+            </a:r>
+            <a:r>
+              <a:rPr lang="en-US" altLang="ja-JP"/>
+              <a:t>2 - Step 4</a:t>
+            </a:r>
+            <a:endParaRPr kumimoji="1" lang="ja-JP" altLang="en-US"/>
+          </a:p>
+        </p:txBody>
+      </p:sp>
+      <p:pic>
+        <p:nvPicPr>
+          <p:cNvPr id="6" name="図 5">
+            <a:extLst>
+              <a:ext uri="{FF2B5EF4-FFF2-40B4-BE49-F238E27FC236}">
+                <a16:creationId xmlns:a16="http://schemas.microsoft.com/office/drawing/2014/main" id="{2EE263F4-8A63-4C0D-B7A3-D818F7CC9367}"/>
+              </a:ext>
+            </a:extLst>
+          </p:cNvPr>
+          <p:cNvPicPr>
+            <a:picLocks noChangeAspect="1"/>
+          </p:cNvPicPr>
+          <p:nvPr/>
+        </p:nvPicPr>
+        <p:blipFill>
+          <a:blip r:embed="rId2"/>
+          <a:stretch>
+            <a:fillRect/>
+          </a:stretch>
+        </p:blipFill>
+        <p:spPr>
+          <a:xfrm>
+            <a:off x="251520" y="1268760"/>
+            <a:ext cx="3689002" cy="4392488"/>
+          </a:xfrm>
+          <a:prstGeom prst="rect">
+            <a:avLst/>
+          </a:prstGeom>
+        </p:spPr>
+      </p:pic>
+      <p:pic>
+        <p:nvPicPr>
+          <p:cNvPr id="8" name="図 7">
+            <a:extLst>
+              <a:ext uri="{FF2B5EF4-FFF2-40B4-BE49-F238E27FC236}">
+                <a16:creationId xmlns:a16="http://schemas.microsoft.com/office/drawing/2014/main" id="{A3115DBD-466C-49B2-B25E-2CC59EAD9B39}"/>
+              </a:ext>
+            </a:extLst>
+          </p:cNvPr>
+          <p:cNvPicPr>
+            <a:picLocks noChangeAspect="1"/>
+          </p:cNvPicPr>
+          <p:nvPr/>
+        </p:nvPicPr>
+        <p:blipFill>
+          <a:blip r:embed="rId3"/>
+          <a:stretch>
+            <a:fillRect/>
+          </a:stretch>
+        </p:blipFill>
+        <p:spPr>
+          <a:xfrm>
+            <a:off x="179512" y="5877272"/>
+            <a:ext cx="7994799" cy="746502"/>
+          </a:xfrm>
+          <a:prstGeom prst="rect">
+            <a:avLst/>
+          </a:prstGeom>
+        </p:spPr>
+      </p:pic>
+      <p:sp>
+        <p:nvSpPr>
+          <p:cNvPr id="9" name="四角形: 角を丸くする 8">
+            <a:extLst>
+              <a:ext uri="{FF2B5EF4-FFF2-40B4-BE49-F238E27FC236}">
+                <a16:creationId xmlns:a16="http://schemas.microsoft.com/office/drawing/2014/main" id="{049741E5-CF7F-46F7-ACA1-8949D8EEDE1F}"/>
+              </a:ext>
+            </a:extLst>
+          </p:cNvPr>
+          <p:cNvSpPr/>
+          <p:nvPr/>
+        </p:nvSpPr>
+        <p:spPr>
+          <a:xfrm>
+            <a:off x="1619672" y="4509120"/>
+            <a:ext cx="1872208" cy="360040"/>
+          </a:xfrm>
+          <a:prstGeom prst="roundRect">
+            <a:avLst/>
+          </a:prstGeom>
+          <a:noFill/>
+          <a:ln w="38100">
+            <a:solidFill>
+              <a:srgbClr val="FF0000"/>
+            </a:solidFill>
+          </a:ln>
+        </p:spPr>
+        <p:style>
+          <a:lnRef idx="2">
+            <a:schemeClr val="accent1">
+              <a:shade val="50000"/>
+            </a:schemeClr>
+          </a:lnRef>
+          <a:fillRef idx="1">
+            <a:schemeClr val="accent1"/>
+          </a:fillRef>
+          <a:effectRef idx="0">
+            <a:schemeClr val="accent1"/>
+          </a:effectRef>
+          <a:fontRef idx="minor">
+            <a:schemeClr val="lt1"/>
+          </a:fontRef>
+        </p:style>
+        <p:txBody>
+          <a:bodyPr rtlCol="0" anchor="ctr"/>
+          <a:lstStyle/>
+          <a:p>
+            <a:pPr algn="ctr"/>
+            <a:endParaRPr kumimoji="1" lang="ja-JP" altLang="en-US"/>
+          </a:p>
+        </p:txBody>
+      </p:sp>
+      <p:sp>
+        <p:nvSpPr>
+          <p:cNvPr id="10" name="テキスト ボックス 9">
+            <a:extLst>
+              <a:ext uri="{FF2B5EF4-FFF2-40B4-BE49-F238E27FC236}">
+                <a16:creationId xmlns:a16="http://schemas.microsoft.com/office/drawing/2014/main" id="{59FBE452-68D8-4EDA-989F-1EAB83E15ACB}"/>
+              </a:ext>
+            </a:extLst>
+          </p:cNvPr>
+          <p:cNvSpPr txBox="1"/>
+          <p:nvPr/>
+        </p:nvSpPr>
+        <p:spPr>
+          <a:xfrm>
+            <a:off x="4211960" y="1916832"/>
+            <a:ext cx="4717958" cy="584775"/>
+          </a:xfrm>
+          <a:prstGeom prst="rect">
+            <a:avLst/>
+          </a:prstGeom>
+          <a:noFill/>
+        </p:spPr>
+        <p:txBody>
+          <a:bodyPr wrap="none" rtlCol="0">
+            <a:spAutoFit/>
+          </a:bodyPr>
+          <a:lstStyle/>
+          <a:p>
+            <a:r>
+              <a:rPr lang="en-US" altLang="ja-JP" sz="3200"/>
+              <a:t>1. docs/index.html</a:t>
+            </a:r>
+            <a:r>
+              <a:rPr lang="ja-JP" altLang="en-US" sz="3200"/>
+              <a:t>を開く</a:t>
+            </a:r>
+            <a:endParaRPr kumimoji="1" lang="ja-JP" altLang="en-US" sz="3200"/>
+          </a:p>
+        </p:txBody>
+      </p:sp>
+      <p:cxnSp>
+        <p:nvCxnSpPr>
+          <p:cNvPr id="11" name="コネクタ: カギ線 10">
+            <a:extLst>
+              <a:ext uri="{FF2B5EF4-FFF2-40B4-BE49-F238E27FC236}">
+                <a16:creationId xmlns:a16="http://schemas.microsoft.com/office/drawing/2014/main" id="{448590C9-F6A1-44C0-A1D9-0E2FA7F493B8}"/>
+              </a:ext>
+            </a:extLst>
+          </p:cNvPr>
+          <p:cNvCxnSpPr>
+            <a:cxnSpLocks/>
+            <a:stCxn id="10" idx="2"/>
+            <a:endCxn id="9" idx="0"/>
+          </p:cNvCxnSpPr>
+          <p:nvPr/>
+        </p:nvCxnSpPr>
+        <p:spPr>
+          <a:xfrm rot="5400000">
+            <a:off x="3559602" y="1497782"/>
+            <a:ext cx="2007513" cy="4015163"/>
+          </a:xfrm>
+          <a:prstGeom prst="bentConnector3">
+            <a:avLst>
+              <a:gd name="adj1" fmla="val 50000"/>
+            </a:avLst>
+          </a:prstGeom>
+          <a:ln w="28575">
+            <a:solidFill>
+              <a:srgbClr val="FF0000"/>
+            </a:solidFill>
+            <a:headEnd type="none" w="med" len="med"/>
+            <a:tailEnd type="triangle"/>
+          </a:ln>
+        </p:spPr>
+        <p:style>
+          <a:lnRef idx="1">
+            <a:schemeClr val="accent1"/>
+          </a:lnRef>
+          <a:fillRef idx="0">
+            <a:schemeClr val="accent1"/>
+          </a:fillRef>
+          <a:effectRef idx="0">
+            <a:schemeClr val="accent1"/>
+          </a:effectRef>
+          <a:fontRef idx="minor">
+            <a:schemeClr val="tx1"/>
+          </a:fontRef>
+        </p:style>
+      </p:cxnSp>
+      <p:sp>
+        <p:nvSpPr>
+          <p:cNvPr id="14" name="テキスト ボックス 13">
+            <a:extLst>
+              <a:ext uri="{FF2B5EF4-FFF2-40B4-BE49-F238E27FC236}">
+                <a16:creationId xmlns:a16="http://schemas.microsoft.com/office/drawing/2014/main" id="{31A75A33-4C33-4243-A147-5BAF5F4571D7}"/>
+              </a:ext>
+            </a:extLst>
+          </p:cNvPr>
+          <p:cNvSpPr txBox="1"/>
+          <p:nvPr/>
+        </p:nvSpPr>
+        <p:spPr>
+          <a:xfrm>
+            <a:off x="4283968" y="3789040"/>
+            <a:ext cx="4104009" cy="584775"/>
+          </a:xfrm>
+          <a:prstGeom prst="rect">
+            <a:avLst/>
+          </a:prstGeom>
+          <a:noFill/>
+        </p:spPr>
+        <p:txBody>
+          <a:bodyPr wrap="none" rtlCol="0">
+            <a:spAutoFit/>
+          </a:bodyPr>
+          <a:lstStyle/>
+          <a:p>
+            <a:r>
+              <a:rPr lang="en-US" altLang="ja-JP" sz="3200"/>
+              <a:t>2. Go Live</a:t>
+            </a:r>
+            <a:r>
+              <a:rPr lang="ja-JP" altLang="en-US" sz="3200"/>
+              <a:t>をクリック</a:t>
+            </a:r>
+            <a:endParaRPr kumimoji="1" lang="ja-JP" altLang="en-US" sz="3200"/>
+          </a:p>
+        </p:txBody>
+      </p:sp>
+      <p:sp>
+        <p:nvSpPr>
+          <p:cNvPr id="15" name="四角形: 角を丸くする 14">
+            <a:extLst>
+              <a:ext uri="{FF2B5EF4-FFF2-40B4-BE49-F238E27FC236}">
+                <a16:creationId xmlns:a16="http://schemas.microsoft.com/office/drawing/2014/main" id="{1D39AB62-16DC-4A48-A1A1-EE99B68E463B}"/>
+              </a:ext>
+            </a:extLst>
+          </p:cNvPr>
+          <p:cNvSpPr/>
+          <p:nvPr/>
+        </p:nvSpPr>
+        <p:spPr>
+          <a:xfrm>
+            <a:off x="6516216" y="6165304"/>
+            <a:ext cx="1728192" cy="504056"/>
+          </a:xfrm>
+          <a:prstGeom prst="roundRect">
+            <a:avLst/>
+          </a:prstGeom>
+          <a:noFill/>
+          <a:ln w="38100">
+            <a:solidFill>
+              <a:srgbClr val="FF0000"/>
+            </a:solidFill>
+          </a:ln>
+        </p:spPr>
+        <p:style>
+          <a:lnRef idx="2">
+            <a:schemeClr val="accent1">
+              <a:shade val="50000"/>
+            </a:schemeClr>
+          </a:lnRef>
+          <a:fillRef idx="1">
+            <a:schemeClr val="accent1"/>
+          </a:fillRef>
+          <a:effectRef idx="0">
+            <a:schemeClr val="accent1"/>
+          </a:effectRef>
+          <a:fontRef idx="minor">
+            <a:schemeClr val="lt1"/>
+          </a:fontRef>
+        </p:style>
+        <p:txBody>
+          <a:bodyPr rtlCol="0" anchor="ctr"/>
+          <a:lstStyle/>
+          <a:p>
+            <a:pPr algn="ctr"/>
+            <a:endParaRPr kumimoji="1" lang="ja-JP" altLang="en-US"/>
+          </a:p>
+        </p:txBody>
+      </p:sp>
+      <p:cxnSp>
+        <p:nvCxnSpPr>
+          <p:cNvPr id="16" name="コネクタ: カギ線 15">
+            <a:extLst>
+              <a:ext uri="{FF2B5EF4-FFF2-40B4-BE49-F238E27FC236}">
+                <a16:creationId xmlns:a16="http://schemas.microsoft.com/office/drawing/2014/main" id="{B813599B-5906-4ABF-A63C-3365AE11C38D}"/>
+              </a:ext>
+            </a:extLst>
+          </p:cNvPr>
+          <p:cNvCxnSpPr>
+            <a:cxnSpLocks/>
+            <a:stCxn id="14" idx="2"/>
+            <a:endCxn id="15" idx="0"/>
+          </p:cNvCxnSpPr>
+          <p:nvPr/>
+        </p:nvCxnSpPr>
+        <p:spPr>
+          <a:xfrm rot="16200000" flipH="1">
+            <a:off x="5962398" y="4747389"/>
+            <a:ext cx="1791489" cy="1044339"/>
+          </a:xfrm>
+          <a:prstGeom prst="bentConnector3">
+            <a:avLst>
+              <a:gd name="adj1" fmla="val 50000"/>
+            </a:avLst>
+          </a:prstGeom>
+          <a:ln w="28575">
+            <a:solidFill>
+              <a:srgbClr val="FF0000"/>
+            </a:solidFill>
+            <a:headEnd type="none" w="med" len="med"/>
+            <a:tailEnd type="triangle"/>
+          </a:ln>
+        </p:spPr>
+        <p:style>
+          <a:lnRef idx="1">
+            <a:schemeClr val="accent1"/>
+          </a:lnRef>
+          <a:fillRef idx="0">
+            <a:schemeClr val="accent1"/>
+          </a:fillRef>
+          <a:effectRef idx="0">
+            <a:schemeClr val="accent1"/>
+          </a:effectRef>
+          <a:fontRef idx="minor">
+            <a:schemeClr val="tx1"/>
+          </a:fontRef>
+        </p:style>
+      </p:cxnSp>
+    </p:spTree>
+    <p:extLst>
+      <p:ext uri="{BB962C8B-B14F-4D97-AF65-F5344CB8AC3E}">
+        <p14:creationId xmlns:p14="http://schemas.microsoft.com/office/powerpoint/2010/main" val="2638546528"/>
+      </p:ext>
+    </p:extLst>
+  </p:cSld>
+  <p:clrMapOvr>
+    <a:masterClrMapping/>
+  </p:clrMapOvr>
+</p:sld>
+</file>
+
+<file path=ppt/slides/slide19.xml><?xml version="1.0" encoding="utf-8"?>
+<p:sld xmlns:a="http://schemas.openxmlformats.org/drawingml/2006/main" xmlns:r="http://schemas.openxmlformats.org/officeDocument/2006/relationships" xmlns:p="http://schemas.openxmlformats.org/presentationml/2006/main">
+  <p:cSld>
+    <p:spTree>
+      <p:nvGrpSpPr>
+        <p:cNvPr id="1" name=""/>
+        <p:cNvGrpSpPr/>
+        <p:nvPr/>
+      </p:nvGrpSpPr>
+      <p:grpSpPr>
+        <a:xfrm>
+          <a:off x="0" y="0"/>
+          <a:ext cx="0" cy="0"/>
+          <a:chOff x="0" y="0"/>
+          <a:chExt cx="0" cy="0"/>
+        </a:xfrm>
+      </p:grpSpPr>
+      <p:sp>
+        <p:nvSpPr>
+          <p:cNvPr id="2" name="テキスト プレースホルダー 1">
+            <a:extLst>
+              <a:ext uri="{FF2B5EF4-FFF2-40B4-BE49-F238E27FC236}">
+                <a16:creationId xmlns:a16="http://schemas.microsoft.com/office/drawing/2014/main" id="{5B5E8DCF-EB67-44A3-89B4-E45F5A1124C6}"/>
+              </a:ext>
+            </a:extLst>
+          </p:cNvPr>
+          <p:cNvSpPr>
+            <a:spLocks noGrp="1"/>
+          </p:cNvSpPr>
+          <p:nvPr>
+            <p:ph type="body" sz="quarter" idx="10"/>
+          </p:nvPr>
+        </p:nvSpPr>
+        <p:spPr/>
+        <p:txBody>
+          <a:bodyPr/>
+          <a:lstStyle/>
+          <a:p>
+            <a:r>
+              <a:rPr lang="ja-JP" altLang="en-US"/>
+              <a:t>課題</a:t>
+            </a:r>
+            <a:r>
+              <a:rPr lang="en-US" altLang="ja-JP"/>
+              <a:t>2 - Step 4</a:t>
+            </a:r>
+            <a:endParaRPr kumimoji="1" lang="ja-JP" altLang="en-US"/>
+          </a:p>
+        </p:txBody>
+      </p:sp>
+      <p:sp>
+        <p:nvSpPr>
+          <p:cNvPr id="5" name="テキスト ボックス 4">
+            <a:extLst>
+              <a:ext uri="{FF2B5EF4-FFF2-40B4-BE49-F238E27FC236}">
+                <a16:creationId xmlns:a16="http://schemas.microsoft.com/office/drawing/2014/main" id="{C5D09ED4-C0D4-4DB2-B9F7-83E48E7CCE64}"/>
+              </a:ext>
+            </a:extLst>
+          </p:cNvPr>
+          <p:cNvSpPr txBox="1"/>
+          <p:nvPr/>
+        </p:nvSpPr>
+        <p:spPr>
+          <a:xfrm>
+            <a:off x="179512" y="1124744"/>
+            <a:ext cx="7571303" cy="584775"/>
+          </a:xfrm>
+          <a:prstGeom prst="rect">
+            <a:avLst/>
+          </a:prstGeom>
+          <a:noFill/>
+        </p:spPr>
+        <p:txBody>
+          <a:bodyPr wrap="none" rtlCol="0">
+            <a:spAutoFit/>
+          </a:bodyPr>
+          <a:lstStyle/>
+          <a:p>
+            <a:r>
+              <a:rPr lang="ja-JP" altLang="en-US" sz="3200"/>
+              <a:t>ブラウザが開いてゲームができれば成功</a:t>
+            </a:r>
+            <a:endParaRPr kumimoji="1" lang="ja-JP" altLang="en-US" sz="3200"/>
+          </a:p>
+        </p:txBody>
+      </p:sp>
+      <p:pic>
+        <p:nvPicPr>
+          <p:cNvPr id="7" name="図 6">
+            <a:extLst>
+              <a:ext uri="{FF2B5EF4-FFF2-40B4-BE49-F238E27FC236}">
+                <a16:creationId xmlns:a16="http://schemas.microsoft.com/office/drawing/2014/main" id="{E36141E7-394E-47D5-B351-B98C23729F14}"/>
+              </a:ext>
+            </a:extLst>
+          </p:cNvPr>
+          <p:cNvPicPr>
+            <a:picLocks noChangeAspect="1"/>
+          </p:cNvPicPr>
+          <p:nvPr/>
+        </p:nvPicPr>
+        <p:blipFill>
+          <a:blip r:embed="rId2"/>
+          <a:stretch>
+            <a:fillRect/>
+          </a:stretch>
+        </p:blipFill>
+        <p:spPr>
+          <a:xfrm>
+            <a:off x="251520" y="1844824"/>
+            <a:ext cx="7488832" cy="4836537"/>
+          </a:xfrm>
+          <a:prstGeom prst="rect">
+            <a:avLst/>
+          </a:prstGeom>
+        </p:spPr>
+      </p:pic>
+    </p:spTree>
+    <p:extLst>
+      <p:ext uri="{BB962C8B-B14F-4D97-AF65-F5344CB8AC3E}">
+        <p14:creationId xmlns:p14="http://schemas.microsoft.com/office/powerpoint/2010/main" val="1989445412"/>
+      </p:ext>
+    </p:extLst>
+  </p:cSld>
+  <p:clrMapOvr>
+    <a:masterClrMapping/>
+  </p:clrMapOvr>
+</p:sld>
+</file>
+
 <file path=ppt/slides/slide2.xml><?xml version="1.0" encoding="utf-8"?>
 <p:sld xmlns:a="http://schemas.openxmlformats.org/drawingml/2006/main" xmlns:r="http://schemas.openxmlformats.org/officeDocument/2006/relationships" xmlns:p="http://schemas.openxmlformats.org/presentationml/2006/main">
   <p:cSld>
@@ -1735,6 +4827,974 @@
     <p:extLst>
       <p:ext uri="{BB962C8B-B14F-4D97-AF65-F5344CB8AC3E}">
         <p14:creationId xmlns:p14="http://schemas.microsoft.com/office/powerpoint/2010/main" val="3652201495"/>
+      </p:ext>
+    </p:extLst>
+  </p:cSld>
+  <p:clrMapOvr>
+    <a:masterClrMapping/>
+  </p:clrMapOvr>
+</p:sld>
+</file>
+
+<file path=ppt/slides/slide20.xml><?xml version="1.0" encoding="utf-8"?>
+<p:sld xmlns:a="http://schemas.openxmlformats.org/drawingml/2006/main" xmlns:r="http://schemas.openxmlformats.org/officeDocument/2006/relationships" xmlns:p="http://schemas.openxmlformats.org/presentationml/2006/main">
+  <p:cSld>
+    <p:spTree>
+      <p:nvGrpSpPr>
+        <p:cNvPr id="1" name=""/>
+        <p:cNvGrpSpPr/>
+        <p:nvPr/>
+      </p:nvGrpSpPr>
+      <p:grpSpPr>
+        <a:xfrm>
+          <a:off x="0" y="0"/>
+          <a:ext cx="0" cy="0"/>
+          <a:chOff x="0" y="0"/>
+          <a:chExt cx="0" cy="0"/>
+        </a:xfrm>
+      </p:grpSpPr>
+      <p:sp>
+        <p:nvSpPr>
+          <p:cNvPr id="2" name="テキスト プレースホルダー 1">
+            <a:extLst>
+              <a:ext uri="{FF2B5EF4-FFF2-40B4-BE49-F238E27FC236}">
+                <a16:creationId xmlns:a16="http://schemas.microsoft.com/office/drawing/2014/main" id="{EA014185-02D9-412D-A9DD-33CB68EF0FA6}"/>
+              </a:ext>
+            </a:extLst>
+          </p:cNvPr>
+          <p:cNvSpPr>
+            <a:spLocks noGrp="1"/>
+          </p:cNvSpPr>
+          <p:nvPr>
+            <p:ph type="body" sz="quarter" idx="10"/>
+          </p:nvPr>
+        </p:nvSpPr>
+        <p:spPr/>
+        <p:txBody>
+          <a:bodyPr/>
+          <a:lstStyle/>
+          <a:p>
+            <a:r>
+              <a:rPr lang="ja-JP" altLang="en-US"/>
+              <a:t>課題</a:t>
+            </a:r>
+            <a:r>
+              <a:rPr lang="en-US" altLang="ja-JP"/>
+              <a:t>2 - Step 5</a:t>
+            </a:r>
+            <a:endParaRPr kumimoji="1" lang="ja-JP" altLang="en-US"/>
+          </a:p>
+        </p:txBody>
+      </p:sp>
+      <p:pic>
+        <p:nvPicPr>
+          <p:cNvPr id="4" name="図 3">
+            <a:extLst>
+              <a:ext uri="{FF2B5EF4-FFF2-40B4-BE49-F238E27FC236}">
+                <a16:creationId xmlns:a16="http://schemas.microsoft.com/office/drawing/2014/main" id="{7CC1978C-FFB4-4D14-AAE0-6C83515063D7}"/>
+              </a:ext>
+            </a:extLst>
+          </p:cNvPr>
+          <p:cNvPicPr>
+            <a:picLocks noChangeAspect="1"/>
+          </p:cNvPicPr>
+          <p:nvPr/>
+        </p:nvPicPr>
+        <p:blipFill>
+          <a:blip r:embed="rId2"/>
+          <a:stretch>
+            <a:fillRect/>
+          </a:stretch>
+        </p:blipFill>
+        <p:spPr>
+          <a:xfrm>
+            <a:off x="323528" y="1628800"/>
+            <a:ext cx="3168352" cy="4789029"/>
+          </a:xfrm>
+          <a:prstGeom prst="rect">
+            <a:avLst/>
+          </a:prstGeom>
+        </p:spPr>
+      </p:pic>
+      <p:sp>
+        <p:nvSpPr>
+          <p:cNvPr id="5" name="四角形: 角を丸くする 4">
+            <a:extLst>
+              <a:ext uri="{FF2B5EF4-FFF2-40B4-BE49-F238E27FC236}">
+                <a16:creationId xmlns:a16="http://schemas.microsoft.com/office/drawing/2014/main" id="{FD01A4F7-C561-4921-B60D-FF881DD0DD35}"/>
+              </a:ext>
+            </a:extLst>
+          </p:cNvPr>
+          <p:cNvSpPr/>
+          <p:nvPr/>
+        </p:nvSpPr>
+        <p:spPr>
+          <a:xfrm>
+            <a:off x="1475656" y="5373216"/>
+            <a:ext cx="1872208" cy="360040"/>
+          </a:xfrm>
+          <a:prstGeom prst="roundRect">
+            <a:avLst/>
+          </a:prstGeom>
+          <a:noFill/>
+          <a:ln w="38100">
+            <a:solidFill>
+              <a:srgbClr val="FF0000"/>
+            </a:solidFill>
+          </a:ln>
+        </p:spPr>
+        <p:style>
+          <a:lnRef idx="2">
+            <a:schemeClr val="accent1">
+              <a:shade val="50000"/>
+            </a:schemeClr>
+          </a:lnRef>
+          <a:fillRef idx="1">
+            <a:schemeClr val="accent1"/>
+          </a:fillRef>
+          <a:effectRef idx="0">
+            <a:schemeClr val="accent1"/>
+          </a:effectRef>
+          <a:fontRef idx="minor">
+            <a:schemeClr val="lt1"/>
+          </a:fontRef>
+        </p:style>
+        <p:txBody>
+          <a:bodyPr rtlCol="0" anchor="ctr"/>
+          <a:lstStyle/>
+          <a:p>
+            <a:pPr algn="ctr"/>
+            <a:endParaRPr kumimoji="1" lang="ja-JP" altLang="en-US"/>
+          </a:p>
+        </p:txBody>
+      </p:sp>
+      <p:sp>
+        <p:nvSpPr>
+          <p:cNvPr id="6" name="テキスト ボックス 5">
+            <a:extLst>
+              <a:ext uri="{FF2B5EF4-FFF2-40B4-BE49-F238E27FC236}">
+                <a16:creationId xmlns:a16="http://schemas.microsoft.com/office/drawing/2014/main" id="{DF872CB0-96DC-4BBA-BFA0-6DFF59057C16}"/>
+              </a:ext>
+            </a:extLst>
+          </p:cNvPr>
+          <p:cNvSpPr txBox="1"/>
+          <p:nvPr/>
+        </p:nvSpPr>
+        <p:spPr>
+          <a:xfrm>
+            <a:off x="1547664" y="908720"/>
+            <a:ext cx="6721740" cy="584775"/>
+          </a:xfrm>
+          <a:prstGeom prst="rect">
+            <a:avLst/>
+          </a:prstGeom>
+          <a:noFill/>
+        </p:spPr>
+        <p:txBody>
+          <a:bodyPr wrap="square" rtlCol="0">
+            <a:spAutoFit/>
+          </a:bodyPr>
+          <a:lstStyle/>
+          <a:p>
+            <a:r>
+              <a:rPr lang="en-US" altLang="ja-JP" sz="3200"/>
+              <a:t>docs/data/scenario/first.ks</a:t>
+            </a:r>
+            <a:r>
+              <a:rPr kumimoji="1" lang="ja-JP" altLang="en-US" sz="3200"/>
+              <a:t>を開く</a:t>
+            </a:r>
+          </a:p>
+        </p:txBody>
+      </p:sp>
+      <p:cxnSp>
+        <p:nvCxnSpPr>
+          <p:cNvPr id="7" name="コネクタ: カギ線 6">
+            <a:extLst>
+              <a:ext uri="{FF2B5EF4-FFF2-40B4-BE49-F238E27FC236}">
+                <a16:creationId xmlns:a16="http://schemas.microsoft.com/office/drawing/2014/main" id="{B5AB4CB2-BAF3-4FFC-9F3E-84C4BDDE96D5}"/>
+              </a:ext>
+            </a:extLst>
+          </p:cNvPr>
+          <p:cNvCxnSpPr>
+            <a:cxnSpLocks/>
+            <a:stCxn id="6" idx="2"/>
+            <a:endCxn id="5" idx="3"/>
+          </p:cNvCxnSpPr>
+          <p:nvPr/>
+        </p:nvCxnSpPr>
+        <p:spPr>
+          <a:xfrm rot="5400000">
+            <a:off x="2098329" y="2743030"/>
+            <a:ext cx="4059741" cy="1560670"/>
+          </a:xfrm>
+          <a:prstGeom prst="bentConnector2">
+            <a:avLst/>
+          </a:prstGeom>
+          <a:ln w="28575">
+            <a:solidFill>
+              <a:srgbClr val="FF0000"/>
+            </a:solidFill>
+            <a:headEnd type="none" w="med" len="med"/>
+            <a:tailEnd type="triangle"/>
+          </a:ln>
+        </p:spPr>
+        <p:style>
+          <a:lnRef idx="1">
+            <a:schemeClr val="accent1"/>
+          </a:lnRef>
+          <a:fillRef idx="0">
+            <a:schemeClr val="accent1"/>
+          </a:fillRef>
+          <a:effectRef idx="0">
+            <a:schemeClr val="accent1"/>
+          </a:effectRef>
+          <a:fontRef idx="minor">
+            <a:schemeClr val="tx1"/>
+          </a:fontRef>
+        </p:style>
+      </p:cxnSp>
+    </p:spTree>
+    <p:extLst>
+      <p:ext uri="{BB962C8B-B14F-4D97-AF65-F5344CB8AC3E}">
+        <p14:creationId xmlns:p14="http://schemas.microsoft.com/office/powerpoint/2010/main" val="2689021249"/>
+      </p:ext>
+    </p:extLst>
+  </p:cSld>
+  <p:clrMapOvr>
+    <a:masterClrMapping/>
+  </p:clrMapOvr>
+</p:sld>
+</file>
+
+<file path=ppt/slides/slide21.xml><?xml version="1.0" encoding="utf-8"?>
+<p:sld xmlns:a="http://schemas.openxmlformats.org/drawingml/2006/main" xmlns:r="http://schemas.openxmlformats.org/officeDocument/2006/relationships" xmlns:p="http://schemas.openxmlformats.org/presentationml/2006/main">
+  <p:cSld>
+    <p:spTree>
+      <p:nvGrpSpPr>
+        <p:cNvPr id="1" name=""/>
+        <p:cNvGrpSpPr/>
+        <p:nvPr/>
+      </p:nvGrpSpPr>
+      <p:grpSpPr>
+        <a:xfrm>
+          <a:off x="0" y="0"/>
+          <a:ext cx="0" cy="0"/>
+          <a:chOff x="0" y="0"/>
+          <a:chExt cx="0" cy="0"/>
+        </a:xfrm>
+      </p:grpSpPr>
+      <p:sp>
+        <p:nvSpPr>
+          <p:cNvPr id="2" name="テキスト プレースホルダー 1">
+            <a:extLst>
+              <a:ext uri="{FF2B5EF4-FFF2-40B4-BE49-F238E27FC236}">
+                <a16:creationId xmlns:a16="http://schemas.microsoft.com/office/drawing/2014/main" id="{C78A5381-F5FB-4985-A2B6-7DDB7988E9B1}"/>
+              </a:ext>
+            </a:extLst>
+          </p:cNvPr>
+          <p:cNvSpPr>
+            <a:spLocks noGrp="1"/>
+          </p:cNvSpPr>
+          <p:nvPr>
+            <p:ph type="body" sz="quarter" idx="10"/>
+          </p:nvPr>
+        </p:nvSpPr>
+        <p:spPr/>
+        <p:txBody>
+          <a:bodyPr/>
+          <a:lstStyle/>
+          <a:p>
+            <a:r>
+              <a:rPr lang="ja-JP" altLang="en-US"/>
+              <a:t>課題</a:t>
+            </a:r>
+            <a:r>
+              <a:rPr lang="en-US" altLang="ja-JP"/>
+              <a:t>2 - Step 5</a:t>
+            </a:r>
+            <a:endParaRPr kumimoji="1" lang="ja-JP" altLang="en-US"/>
+          </a:p>
+        </p:txBody>
+      </p:sp>
+      <p:sp>
+        <p:nvSpPr>
+          <p:cNvPr id="4" name="テキスト ボックス 3">
+            <a:extLst>
+              <a:ext uri="{FF2B5EF4-FFF2-40B4-BE49-F238E27FC236}">
+                <a16:creationId xmlns:a16="http://schemas.microsoft.com/office/drawing/2014/main" id="{B6AA573B-786D-493C-9310-59BFBDCDF066}"/>
+              </a:ext>
+            </a:extLst>
+          </p:cNvPr>
+          <p:cNvSpPr txBox="1"/>
+          <p:nvPr/>
+        </p:nvSpPr>
+        <p:spPr>
+          <a:xfrm>
+            <a:off x="251520" y="2348880"/>
+            <a:ext cx="8064896" cy="3416320"/>
+          </a:xfrm>
+          <a:prstGeom prst="rect">
+            <a:avLst/>
+          </a:prstGeom>
+          <a:noFill/>
+          <a:ln>
+            <a:solidFill>
+              <a:schemeClr val="tx1"/>
+            </a:solidFill>
+          </a:ln>
+        </p:spPr>
+        <p:txBody>
+          <a:bodyPr wrap="square">
+            <a:spAutoFit/>
+          </a:bodyPr>
+          <a:lstStyle/>
+          <a:p>
+            <a:r>
+              <a:rPr lang="en-US" altLang="ja-JP" sz="3600"/>
+              <a:t>*start</a:t>
+            </a:r>
+          </a:p>
+          <a:p>
+            <a:endParaRPr lang="en-US" altLang="ja-JP" sz="3600"/>
+          </a:p>
+          <a:p>
+            <a:r>
+              <a:rPr lang="en-US" altLang="ja-JP" sz="3600"/>
+              <a:t>[title name="</a:t>
+            </a:r>
+            <a:r>
+              <a:rPr lang="ja-JP" altLang="en-US" sz="3600">
+                <a:solidFill>
+                  <a:srgbClr val="FF0000"/>
+                </a:solidFill>
+              </a:rPr>
+              <a:t>怒れセリヌンティウス</a:t>
+            </a:r>
+            <a:r>
+              <a:rPr lang="en-US" altLang="ja-JP" sz="3600"/>
+              <a:t>"]</a:t>
+            </a:r>
+          </a:p>
+          <a:p>
+            <a:r>
+              <a:rPr lang="en-US" altLang="ja-JP" sz="3600"/>
+              <a:t>[hidemenubutton]</a:t>
+            </a:r>
+          </a:p>
+          <a:p>
+            <a:r>
+              <a:rPr lang="en-US" altLang="ja-JP" sz="3600"/>
+              <a:t>[wait time=200]</a:t>
+            </a:r>
+          </a:p>
+          <a:p>
+            <a:r>
+              <a:rPr lang="en-US" altLang="ja-JP" sz="3600"/>
+              <a:t>[freeimage layer="base"]</a:t>
+            </a:r>
+          </a:p>
+        </p:txBody>
+      </p:sp>
+      <p:sp>
+        <p:nvSpPr>
+          <p:cNvPr id="5" name="テキスト ボックス 4">
+            <a:extLst>
+              <a:ext uri="{FF2B5EF4-FFF2-40B4-BE49-F238E27FC236}">
+                <a16:creationId xmlns:a16="http://schemas.microsoft.com/office/drawing/2014/main" id="{0BE6AB53-60D6-4F02-AA1B-FD2BE2AA580B}"/>
+              </a:ext>
+            </a:extLst>
+          </p:cNvPr>
+          <p:cNvSpPr txBox="1"/>
+          <p:nvPr/>
+        </p:nvSpPr>
+        <p:spPr>
+          <a:xfrm>
+            <a:off x="251520" y="1124744"/>
+            <a:ext cx="6186309" cy="646331"/>
+          </a:xfrm>
+          <a:prstGeom prst="rect">
+            <a:avLst/>
+          </a:prstGeom>
+          <a:noFill/>
+        </p:spPr>
+        <p:txBody>
+          <a:bodyPr wrap="none" rtlCol="0">
+            <a:spAutoFit/>
+          </a:bodyPr>
+          <a:lstStyle/>
+          <a:p>
+            <a:r>
+              <a:rPr kumimoji="1" lang="ja-JP" altLang="en-US" sz="3600"/>
+              <a:t>タイトルを変更して</a:t>
+            </a:r>
+            <a:r>
+              <a:rPr lang="ja-JP" altLang="en-US" sz="3600"/>
+              <a:t>保存する</a:t>
+            </a:r>
+            <a:endParaRPr kumimoji="1" lang="ja-JP" altLang="en-US" sz="3600"/>
+          </a:p>
+        </p:txBody>
+      </p:sp>
+    </p:spTree>
+    <p:extLst>
+      <p:ext uri="{BB962C8B-B14F-4D97-AF65-F5344CB8AC3E}">
+        <p14:creationId xmlns:p14="http://schemas.microsoft.com/office/powerpoint/2010/main" val="1950323826"/>
+      </p:ext>
+    </p:extLst>
+  </p:cSld>
+  <p:clrMapOvr>
+    <a:masterClrMapping/>
+  </p:clrMapOvr>
+</p:sld>
+</file>
+
+<file path=ppt/slides/slide22.xml><?xml version="1.0" encoding="utf-8"?>
+<p:sld xmlns:a="http://schemas.openxmlformats.org/drawingml/2006/main" xmlns:r="http://schemas.openxmlformats.org/officeDocument/2006/relationships" xmlns:p="http://schemas.openxmlformats.org/presentationml/2006/main">
+  <p:cSld>
+    <p:spTree>
+      <p:nvGrpSpPr>
+        <p:cNvPr id="1" name=""/>
+        <p:cNvGrpSpPr/>
+        <p:nvPr/>
+      </p:nvGrpSpPr>
+      <p:grpSpPr>
+        <a:xfrm>
+          <a:off x="0" y="0"/>
+          <a:ext cx="0" cy="0"/>
+          <a:chOff x="0" y="0"/>
+          <a:chExt cx="0" cy="0"/>
+        </a:xfrm>
+      </p:grpSpPr>
+      <p:sp>
+        <p:nvSpPr>
+          <p:cNvPr id="2" name="テキスト プレースホルダー 1">
+            <a:extLst>
+              <a:ext uri="{FF2B5EF4-FFF2-40B4-BE49-F238E27FC236}">
+                <a16:creationId xmlns:a16="http://schemas.microsoft.com/office/drawing/2014/main" id="{1F9E80C5-0F3F-4B38-8A9C-142D6B6BD42E}"/>
+              </a:ext>
+            </a:extLst>
+          </p:cNvPr>
+          <p:cNvSpPr>
+            <a:spLocks noGrp="1"/>
+          </p:cNvSpPr>
+          <p:nvPr>
+            <p:ph type="body" sz="quarter" idx="10"/>
+          </p:nvPr>
+        </p:nvSpPr>
+        <p:spPr/>
+        <p:txBody>
+          <a:bodyPr/>
+          <a:lstStyle/>
+          <a:p>
+            <a:r>
+              <a:rPr lang="ja-JP" altLang="en-US"/>
+              <a:t>課題</a:t>
+            </a:r>
+            <a:r>
+              <a:rPr lang="en-US" altLang="ja-JP"/>
+              <a:t>2 - Step 5</a:t>
+            </a:r>
+            <a:endParaRPr kumimoji="1" lang="ja-JP" altLang="en-US"/>
+          </a:p>
+        </p:txBody>
+      </p:sp>
+      <p:pic>
+        <p:nvPicPr>
+          <p:cNvPr id="4" name="図 3">
+            <a:extLst>
+              <a:ext uri="{FF2B5EF4-FFF2-40B4-BE49-F238E27FC236}">
+                <a16:creationId xmlns:a16="http://schemas.microsoft.com/office/drawing/2014/main" id="{1296C6C6-E616-4D12-B3CC-5E7E98A53D75}"/>
+              </a:ext>
+            </a:extLst>
+          </p:cNvPr>
+          <p:cNvPicPr>
+            <a:picLocks noChangeAspect="1"/>
+          </p:cNvPicPr>
+          <p:nvPr/>
+        </p:nvPicPr>
+        <p:blipFill>
+          <a:blip r:embed="rId2"/>
+          <a:stretch>
+            <a:fillRect/>
+          </a:stretch>
+        </p:blipFill>
+        <p:spPr>
+          <a:xfrm>
+            <a:off x="251520" y="1700808"/>
+            <a:ext cx="7134276" cy="5082740"/>
+          </a:xfrm>
+          <a:prstGeom prst="rect">
+            <a:avLst/>
+          </a:prstGeom>
+        </p:spPr>
+      </p:pic>
+      <p:sp>
+        <p:nvSpPr>
+          <p:cNvPr id="5" name="四角形: 角を丸くする 4">
+            <a:extLst>
+              <a:ext uri="{FF2B5EF4-FFF2-40B4-BE49-F238E27FC236}">
+                <a16:creationId xmlns:a16="http://schemas.microsoft.com/office/drawing/2014/main" id="{E3D5FE2C-5B43-4497-B273-E5BDE2D68EE4}"/>
+              </a:ext>
+            </a:extLst>
+          </p:cNvPr>
+          <p:cNvSpPr/>
+          <p:nvPr/>
+        </p:nvSpPr>
+        <p:spPr>
+          <a:xfrm>
+            <a:off x="611560" y="1772816"/>
+            <a:ext cx="1368152" cy="360040"/>
+          </a:xfrm>
+          <a:prstGeom prst="roundRect">
+            <a:avLst/>
+          </a:prstGeom>
+          <a:noFill/>
+          <a:ln w="38100">
+            <a:solidFill>
+              <a:srgbClr val="FF0000"/>
+            </a:solidFill>
+          </a:ln>
+        </p:spPr>
+        <p:style>
+          <a:lnRef idx="2">
+            <a:schemeClr val="accent1">
+              <a:shade val="50000"/>
+            </a:schemeClr>
+          </a:lnRef>
+          <a:fillRef idx="1">
+            <a:schemeClr val="accent1"/>
+          </a:fillRef>
+          <a:effectRef idx="0">
+            <a:schemeClr val="accent1"/>
+          </a:effectRef>
+          <a:fontRef idx="minor">
+            <a:schemeClr val="lt1"/>
+          </a:fontRef>
+        </p:style>
+        <p:txBody>
+          <a:bodyPr rtlCol="0" anchor="ctr"/>
+          <a:lstStyle/>
+          <a:p>
+            <a:pPr algn="ctr"/>
+            <a:endParaRPr kumimoji="1" lang="ja-JP" altLang="en-US"/>
+          </a:p>
+        </p:txBody>
+      </p:sp>
+      <p:sp>
+        <p:nvSpPr>
+          <p:cNvPr id="6" name="テキスト ボックス 5">
+            <a:extLst>
+              <a:ext uri="{FF2B5EF4-FFF2-40B4-BE49-F238E27FC236}">
+                <a16:creationId xmlns:a16="http://schemas.microsoft.com/office/drawing/2014/main" id="{696146ED-E92A-4920-B2EE-8A44CFD3B977}"/>
+              </a:ext>
+            </a:extLst>
+          </p:cNvPr>
+          <p:cNvSpPr txBox="1"/>
+          <p:nvPr/>
+        </p:nvSpPr>
+        <p:spPr>
+          <a:xfrm>
+            <a:off x="827584" y="1052736"/>
+            <a:ext cx="5519460" cy="584775"/>
+          </a:xfrm>
+          <a:prstGeom prst="rect">
+            <a:avLst/>
+          </a:prstGeom>
+          <a:noFill/>
+        </p:spPr>
+        <p:txBody>
+          <a:bodyPr wrap="none" rtlCol="0">
+            <a:spAutoFit/>
+          </a:bodyPr>
+          <a:lstStyle/>
+          <a:p>
+            <a:r>
+              <a:rPr kumimoji="1" lang="ja-JP" altLang="en-US" sz="3200"/>
+              <a:t>タイトルが変更されれば成功</a:t>
+            </a:r>
+          </a:p>
+        </p:txBody>
+      </p:sp>
+    </p:spTree>
+    <p:extLst>
+      <p:ext uri="{BB962C8B-B14F-4D97-AF65-F5344CB8AC3E}">
+        <p14:creationId xmlns:p14="http://schemas.microsoft.com/office/powerpoint/2010/main" val="435174157"/>
+      </p:ext>
+    </p:extLst>
+  </p:cSld>
+  <p:clrMapOvr>
+    <a:masterClrMapping/>
+  </p:clrMapOvr>
+</p:sld>
+</file>
+
+<file path=ppt/slides/slide23.xml><?xml version="1.0" encoding="utf-8"?>
+<p:sld xmlns:a="http://schemas.openxmlformats.org/drawingml/2006/main" xmlns:r="http://schemas.openxmlformats.org/officeDocument/2006/relationships" xmlns:p="http://schemas.openxmlformats.org/presentationml/2006/main">
+  <p:cSld>
+    <p:spTree>
+      <p:nvGrpSpPr>
+        <p:cNvPr id="1" name=""/>
+        <p:cNvGrpSpPr/>
+        <p:nvPr/>
+      </p:nvGrpSpPr>
+      <p:grpSpPr>
+        <a:xfrm>
+          <a:off x="0" y="0"/>
+          <a:ext cx="0" cy="0"/>
+          <a:chOff x="0" y="0"/>
+          <a:chExt cx="0" cy="0"/>
+        </a:xfrm>
+      </p:grpSpPr>
+      <p:sp>
+        <p:nvSpPr>
+          <p:cNvPr id="2" name="テキスト プレースホルダー 1">
+            <a:extLst>
+              <a:ext uri="{FF2B5EF4-FFF2-40B4-BE49-F238E27FC236}">
+                <a16:creationId xmlns:a16="http://schemas.microsoft.com/office/drawing/2014/main" id="{711D5A76-84B0-4555-916E-774FEF15B7A2}"/>
+              </a:ext>
+            </a:extLst>
+          </p:cNvPr>
+          <p:cNvSpPr>
+            <a:spLocks noGrp="1"/>
+          </p:cNvSpPr>
+          <p:nvPr>
+            <p:ph type="body" sz="quarter" idx="10"/>
+          </p:nvPr>
+        </p:nvSpPr>
+        <p:spPr/>
+        <p:txBody>
+          <a:bodyPr/>
+          <a:lstStyle/>
+          <a:p>
+            <a:r>
+              <a:rPr lang="ja-JP" altLang="en-US"/>
+              <a:t>課題</a:t>
+            </a:r>
+            <a:r>
+              <a:rPr lang="en-US" altLang="ja-JP"/>
+              <a:t>2 - </a:t>
+            </a:r>
+            <a:r>
+              <a:rPr lang="ja-JP" altLang="en-US"/>
+              <a:t>レポート課題</a:t>
+            </a:r>
+            <a:endParaRPr kumimoji="1" lang="ja-JP" altLang="en-US"/>
+          </a:p>
+        </p:txBody>
+      </p:sp>
+      <p:sp>
+        <p:nvSpPr>
+          <p:cNvPr id="3" name="テキスト ボックス 2">
+            <a:extLst>
+              <a:ext uri="{FF2B5EF4-FFF2-40B4-BE49-F238E27FC236}">
+                <a16:creationId xmlns:a16="http://schemas.microsoft.com/office/drawing/2014/main" id="{3D872DAB-1201-4ED4-BF9C-043A25575BB0}"/>
+              </a:ext>
+            </a:extLst>
+          </p:cNvPr>
+          <p:cNvSpPr txBox="1"/>
+          <p:nvPr/>
+        </p:nvSpPr>
+        <p:spPr>
+          <a:xfrm>
+            <a:off x="218088" y="1268760"/>
+            <a:ext cx="7569701" cy="1569660"/>
+          </a:xfrm>
+          <a:prstGeom prst="rect">
+            <a:avLst/>
+          </a:prstGeom>
+          <a:noFill/>
+        </p:spPr>
+        <p:txBody>
+          <a:bodyPr wrap="none" rtlCol="0">
+            <a:spAutoFit/>
+          </a:bodyPr>
+          <a:lstStyle/>
+          <a:p>
+            <a:r>
+              <a:rPr kumimoji="1" lang="en-US" altLang="ja-JP" sz="2400"/>
+              <a:t>1. first.ks</a:t>
+            </a:r>
+            <a:r>
+              <a:rPr lang="ja-JP" altLang="en-US" sz="2400"/>
+              <a:t>を書き換えてオリジナルのゲームを作成する</a:t>
+            </a:r>
+            <a:endParaRPr lang="en-US" altLang="ja-JP" sz="2400"/>
+          </a:p>
+          <a:p>
+            <a:r>
+              <a:rPr kumimoji="1" lang="en-US" altLang="ja-JP" sz="2400"/>
+              <a:t>2. </a:t>
+            </a:r>
+            <a:r>
+              <a:rPr kumimoji="1" lang="ja-JP" altLang="en-US" sz="2400"/>
+              <a:t>ローカル</a:t>
+            </a:r>
+            <a:r>
+              <a:rPr kumimoji="1" lang="en-US" altLang="ja-JP" sz="2400"/>
+              <a:t>(Live Server)</a:t>
+            </a:r>
+            <a:r>
+              <a:rPr kumimoji="1" lang="ja-JP" altLang="en-US" sz="2400"/>
+              <a:t>で動作確認する</a:t>
+            </a:r>
+            <a:endParaRPr kumimoji="1" lang="en-US" altLang="ja-JP" sz="2400"/>
+          </a:p>
+          <a:p>
+            <a:r>
+              <a:rPr lang="en-US" altLang="ja-JP" sz="2400"/>
+              <a:t>3. git add, commit, push</a:t>
+            </a:r>
+            <a:r>
+              <a:rPr lang="ja-JP" altLang="en-US" sz="2400"/>
+              <a:t>する</a:t>
+            </a:r>
+            <a:endParaRPr lang="en-US" altLang="ja-JP" sz="2400"/>
+          </a:p>
+          <a:p>
+            <a:r>
+              <a:rPr kumimoji="1" lang="en-US" altLang="ja-JP" sz="2400"/>
+              <a:t>4. GitHub Pages</a:t>
+            </a:r>
+            <a:r>
+              <a:rPr kumimoji="1" lang="ja-JP" altLang="en-US" sz="2400"/>
+              <a:t>で動作確認する</a:t>
+            </a:r>
+          </a:p>
+        </p:txBody>
+      </p:sp>
+      <p:sp>
+        <p:nvSpPr>
+          <p:cNvPr id="5" name="テキスト ボックス 4">
+            <a:extLst>
+              <a:ext uri="{FF2B5EF4-FFF2-40B4-BE49-F238E27FC236}">
+                <a16:creationId xmlns:a16="http://schemas.microsoft.com/office/drawing/2014/main" id="{2C0CF701-E68D-42DD-9826-6DE8F46278B7}"/>
+              </a:ext>
+            </a:extLst>
+          </p:cNvPr>
+          <p:cNvSpPr txBox="1"/>
+          <p:nvPr/>
+        </p:nvSpPr>
+        <p:spPr>
+          <a:xfrm>
+            <a:off x="467544" y="3645024"/>
+            <a:ext cx="7992888" cy="523220"/>
+          </a:xfrm>
+          <a:prstGeom prst="rect">
+            <a:avLst/>
+          </a:prstGeom>
+          <a:noFill/>
+        </p:spPr>
+        <p:txBody>
+          <a:bodyPr wrap="square">
+            <a:spAutoFit/>
+          </a:bodyPr>
+          <a:lstStyle/>
+          <a:p>
+            <a:r>
+              <a:rPr lang="ja-JP" altLang="en-US" sz="2800"/>
+              <a:t>https://アカウント名.github.io/tyrano_sample/</a:t>
+            </a:r>
+          </a:p>
+        </p:txBody>
+      </p:sp>
+      <p:sp>
+        <p:nvSpPr>
+          <p:cNvPr id="6" name="テキスト ボックス 5">
+            <a:extLst>
+              <a:ext uri="{FF2B5EF4-FFF2-40B4-BE49-F238E27FC236}">
+                <a16:creationId xmlns:a16="http://schemas.microsoft.com/office/drawing/2014/main" id="{6758EECC-0447-454A-BBE6-1115270F7CD3}"/>
+              </a:ext>
+            </a:extLst>
+          </p:cNvPr>
+          <p:cNvSpPr txBox="1"/>
+          <p:nvPr/>
+        </p:nvSpPr>
+        <p:spPr>
+          <a:xfrm>
+            <a:off x="179512" y="2924944"/>
+            <a:ext cx="6186309" cy="646331"/>
+          </a:xfrm>
+          <a:prstGeom prst="rect">
+            <a:avLst/>
+          </a:prstGeom>
+          <a:noFill/>
+        </p:spPr>
+        <p:txBody>
+          <a:bodyPr wrap="none" rtlCol="0">
+            <a:spAutoFit/>
+          </a:bodyPr>
+          <a:lstStyle/>
+          <a:p>
+            <a:r>
+              <a:rPr kumimoji="1" lang="ja-JP" altLang="en-US" sz="3600"/>
+              <a:t>以下の</a:t>
+            </a:r>
+            <a:r>
+              <a:rPr lang="en-US" altLang="ja-JP" sz="3600"/>
+              <a:t>URL</a:t>
+            </a:r>
+            <a:r>
+              <a:rPr lang="ja-JP" altLang="en-US" sz="3600"/>
+              <a:t>をレポートに提出</a:t>
+            </a:r>
+            <a:endParaRPr kumimoji="1" lang="ja-JP" altLang="en-US" sz="3600"/>
+          </a:p>
+        </p:txBody>
+      </p:sp>
+      <p:sp>
+        <p:nvSpPr>
+          <p:cNvPr id="10" name="テキスト ボックス 9">
+            <a:extLst>
+              <a:ext uri="{FF2B5EF4-FFF2-40B4-BE49-F238E27FC236}">
+                <a16:creationId xmlns:a16="http://schemas.microsoft.com/office/drawing/2014/main" id="{E8153AEA-8F7A-48E3-B62C-1160F714D860}"/>
+              </a:ext>
+            </a:extLst>
+          </p:cNvPr>
+          <p:cNvSpPr txBox="1"/>
+          <p:nvPr/>
+        </p:nvSpPr>
+        <p:spPr>
+          <a:xfrm>
+            <a:off x="107504" y="5229200"/>
+            <a:ext cx="8640960" cy="1169551"/>
+          </a:xfrm>
+          <a:prstGeom prst="rect">
+            <a:avLst/>
+          </a:prstGeom>
+          <a:noFill/>
+        </p:spPr>
+        <p:txBody>
+          <a:bodyPr wrap="square">
+            <a:spAutoFit/>
+          </a:bodyPr>
+          <a:lstStyle/>
+          <a:p>
+            <a:pPr marL="285750" indent="-285750">
+              <a:buFont typeface="Arial" panose="020B0604020202020204" pitchFamily="34" charset="0"/>
+              <a:buChar char="•"/>
+            </a:pPr>
+            <a:r>
+              <a:rPr lang="ja-JP" altLang="en-US" sz="1400"/>
+              <a:t>公序良俗に反するような内容にしてはならない</a:t>
+            </a:r>
+          </a:p>
+          <a:p>
+            <a:pPr marL="285750" indent="-285750">
+              <a:buFont typeface="Arial" panose="020B0604020202020204" pitchFamily="34" charset="0"/>
+              <a:buChar char="•"/>
+            </a:pPr>
+            <a:r>
+              <a:rPr lang="en-US" altLang="ja-JP" sz="1400"/>
+              <a:t>(</a:t>
+            </a:r>
+            <a:r>
+              <a:rPr lang="ja-JP" altLang="en-US" sz="1400"/>
+              <a:t>たとえ友人であっても</a:t>
+            </a:r>
+            <a:r>
+              <a:rPr lang="en-US" altLang="ja-JP" sz="1400"/>
+              <a:t>)</a:t>
+            </a:r>
+            <a:r>
+              <a:rPr lang="ja-JP" altLang="en-US" sz="1400"/>
+              <a:t>特定個人を揶揄するような内容にしてはならない。有名人も題材としない</a:t>
+            </a:r>
+          </a:p>
+          <a:p>
+            <a:pPr marL="285750" indent="-285750">
+              <a:buFont typeface="Arial" panose="020B0604020202020204" pitchFamily="34" charset="0"/>
+              <a:buChar char="•"/>
+            </a:pPr>
+            <a:r>
+              <a:rPr lang="ja-JP" altLang="en-US" sz="1400"/>
+              <a:t>画像を用いる場合は、ライセンスとして問題ないものを利用する</a:t>
+            </a:r>
+            <a:r>
+              <a:rPr lang="en-US" altLang="ja-JP" sz="1400"/>
+              <a:t>(</a:t>
+            </a:r>
+            <a:r>
+              <a:rPr lang="ja-JP" altLang="en-US" sz="1400"/>
+              <a:t>例えば</a:t>
+            </a:r>
+            <a:r>
+              <a:rPr lang="en-US" altLang="ja-JP" sz="1400"/>
+              <a:t>Pexels</a:t>
+            </a:r>
+            <a:r>
+              <a:rPr lang="ja-JP" altLang="en-US" sz="1400"/>
+              <a:t>の画像を利用するなど</a:t>
+            </a:r>
+            <a:r>
+              <a:rPr lang="en-US" altLang="ja-JP" sz="1400"/>
+              <a:t>)</a:t>
+            </a:r>
+            <a:r>
+              <a:rPr lang="ja-JP" altLang="en-US" sz="1400"/>
+              <a:t>。</a:t>
+            </a:r>
+          </a:p>
+          <a:p>
+            <a:pPr marL="285750" indent="-285750">
+              <a:buFont typeface="Arial" panose="020B0604020202020204" pitchFamily="34" charset="0"/>
+              <a:buChar char="•"/>
+            </a:pPr>
+            <a:r>
+              <a:rPr lang="ja-JP" altLang="en-US" sz="1400"/>
+              <a:t>面白い作品は別の場所で紹介する可能性があるため、紹介されたくない場合はその旨をレポートに明記すること</a:t>
+            </a:r>
+          </a:p>
+        </p:txBody>
+      </p:sp>
+      <p:sp>
+        <p:nvSpPr>
+          <p:cNvPr id="11" name="テキスト ボックス 10">
+            <a:extLst>
+              <a:ext uri="{FF2B5EF4-FFF2-40B4-BE49-F238E27FC236}">
+                <a16:creationId xmlns:a16="http://schemas.microsoft.com/office/drawing/2014/main" id="{8C96FF41-F9B3-4AC4-8528-E22A9E99CF42}"/>
+              </a:ext>
+            </a:extLst>
+          </p:cNvPr>
+          <p:cNvSpPr txBox="1"/>
+          <p:nvPr/>
+        </p:nvSpPr>
+        <p:spPr>
+          <a:xfrm>
+            <a:off x="5089" y="4725144"/>
+            <a:ext cx="1107996" cy="461665"/>
+          </a:xfrm>
+          <a:prstGeom prst="rect">
+            <a:avLst/>
+          </a:prstGeom>
+          <a:noFill/>
+        </p:spPr>
+        <p:txBody>
+          <a:bodyPr wrap="none" rtlCol="0">
+            <a:spAutoFit/>
+          </a:bodyPr>
+          <a:lstStyle/>
+          <a:p>
+            <a:r>
+              <a:rPr lang="ja-JP" altLang="en-US" sz="2400">
+                <a:solidFill>
+                  <a:srgbClr val="FF0000"/>
+                </a:solidFill>
+              </a:rPr>
+              <a:t>注意：</a:t>
+            </a:r>
+            <a:endParaRPr kumimoji="1" lang="ja-JP" altLang="en-US" sz="2400">
+              <a:solidFill>
+                <a:srgbClr val="FF0000"/>
+              </a:solidFill>
+            </a:endParaRPr>
+          </a:p>
+        </p:txBody>
+      </p:sp>
+    </p:spTree>
+    <p:extLst>
+      <p:ext uri="{BB962C8B-B14F-4D97-AF65-F5344CB8AC3E}">
+        <p14:creationId xmlns:p14="http://schemas.microsoft.com/office/powerpoint/2010/main" val="927340383"/>
       </p:ext>
     </p:extLst>
   </p:cSld>

--- a/practice_github2/fig/github_ex04.pptx
+++ b/practice_github2/fig/github_ex04.pptx
@@ -5,32 +5,33 @@
     <p:sldMasterId id="2147483663" r:id="rId1"/>
   </p:sldMasterIdLst>
   <p:notesMasterIdLst>
-    <p:notesMasterId r:id="rId25"/>
+    <p:notesMasterId r:id="rId26"/>
   </p:notesMasterIdLst>
   <p:sldIdLst>
     <p:sldId id="256" r:id="rId2"/>
     <p:sldId id="297" r:id="rId3"/>
-    <p:sldId id="400" r:id="rId4"/>
-    <p:sldId id="404" r:id="rId5"/>
-    <p:sldId id="405" r:id="rId6"/>
-    <p:sldId id="406" r:id="rId7"/>
-    <p:sldId id="407" r:id="rId8"/>
-    <p:sldId id="408" r:id="rId9"/>
-    <p:sldId id="409" r:id="rId10"/>
-    <p:sldId id="410" r:id="rId11"/>
-    <p:sldId id="411" r:id="rId12"/>
-    <p:sldId id="412" r:id="rId13"/>
-    <p:sldId id="413" r:id="rId14"/>
-    <p:sldId id="414" r:id="rId15"/>
-    <p:sldId id="415" r:id="rId16"/>
-    <p:sldId id="416" r:id="rId17"/>
-    <p:sldId id="417" r:id="rId18"/>
-    <p:sldId id="418" r:id="rId19"/>
-    <p:sldId id="419" r:id="rId20"/>
-    <p:sldId id="420" r:id="rId21"/>
-    <p:sldId id="421" r:id="rId22"/>
-    <p:sldId id="422" r:id="rId23"/>
-    <p:sldId id="423" r:id="rId24"/>
+    <p:sldId id="424" r:id="rId4"/>
+    <p:sldId id="400" r:id="rId5"/>
+    <p:sldId id="404" r:id="rId6"/>
+    <p:sldId id="405" r:id="rId7"/>
+    <p:sldId id="406" r:id="rId8"/>
+    <p:sldId id="407" r:id="rId9"/>
+    <p:sldId id="408" r:id="rId10"/>
+    <p:sldId id="409" r:id="rId11"/>
+    <p:sldId id="410" r:id="rId12"/>
+    <p:sldId id="411" r:id="rId13"/>
+    <p:sldId id="412" r:id="rId14"/>
+    <p:sldId id="413" r:id="rId15"/>
+    <p:sldId id="414" r:id="rId16"/>
+    <p:sldId id="415" r:id="rId17"/>
+    <p:sldId id="416" r:id="rId18"/>
+    <p:sldId id="417" r:id="rId19"/>
+    <p:sldId id="418" r:id="rId20"/>
+    <p:sldId id="419" r:id="rId21"/>
+    <p:sldId id="420" r:id="rId22"/>
+    <p:sldId id="421" r:id="rId23"/>
+    <p:sldId id="422" r:id="rId24"/>
+    <p:sldId id="423" r:id="rId25"/>
   </p:sldIdLst>
   <p:sldSz cx="9144000" cy="6858000" type="screen4x3"/>
   <p:notesSz cx="6858000" cy="9144000"/>
@@ -229,7 +230,7 @@
           </a:lstStyle>
           <a:p>
             <a:fld id="{6B8D1B20-A248-FB47-8240-73C0C5F47C9D}" type="datetimeFigureOut">
-              <a:t>2021/11/3</a:t>
+              <a:t>2021/11/4</a:t>
             </a:fld>
             <a:endParaRPr kumimoji="1" lang="ja-JP" altLang="en-US"/>
           </a:p>
@@ -500,6 +501,90 @@
     </a:lvl9pPr>
   </p:notesStyle>
 </p:notesMaster>
+</file>
+
+<file path=ppt/notesSlides/notesSlide1.xml><?xml version="1.0" encoding="utf-8"?>
+<p:notes xmlns:a="http://schemas.openxmlformats.org/drawingml/2006/main" xmlns:r="http://schemas.openxmlformats.org/officeDocument/2006/relationships" xmlns:p="http://schemas.openxmlformats.org/presentationml/2006/main">
+  <p:cSld>
+    <p:spTree>
+      <p:nvGrpSpPr>
+        <p:cNvPr id="1" name=""/>
+        <p:cNvGrpSpPr/>
+        <p:nvPr/>
+      </p:nvGrpSpPr>
+      <p:grpSpPr>
+        <a:xfrm>
+          <a:off x="0" y="0"/>
+          <a:ext cx="0" cy="0"/>
+          <a:chOff x="0" y="0"/>
+          <a:chExt cx="0" cy="0"/>
+        </a:xfrm>
+      </p:grpSpPr>
+      <p:sp>
+        <p:nvSpPr>
+          <p:cNvPr id="2" name="スライド イメージ プレースホルダー 1"/>
+          <p:cNvSpPr>
+            <a:spLocks noGrp="1" noRot="1" noChangeAspect="1"/>
+          </p:cNvSpPr>
+          <p:nvPr>
+            <p:ph type="sldImg"/>
+          </p:nvPr>
+        </p:nvSpPr>
+        <p:spPr/>
+      </p:sp>
+      <p:sp>
+        <p:nvSpPr>
+          <p:cNvPr id="3" name="ノート プレースホルダー 2"/>
+          <p:cNvSpPr>
+            <a:spLocks noGrp="1"/>
+          </p:cNvSpPr>
+          <p:nvPr>
+            <p:ph type="body" idx="1"/>
+          </p:nvPr>
+        </p:nvSpPr>
+        <p:spPr/>
+        <p:txBody>
+          <a:bodyPr/>
+          <a:lstStyle/>
+          <a:p>
+            <a:endParaRPr kumimoji="1" lang="ja-JP" altLang="en-US"/>
+          </a:p>
+        </p:txBody>
+      </p:sp>
+      <p:sp>
+        <p:nvSpPr>
+          <p:cNvPr id="4" name="スライド番号プレースホルダー 3"/>
+          <p:cNvSpPr>
+            <a:spLocks noGrp="1"/>
+          </p:cNvSpPr>
+          <p:nvPr>
+            <p:ph type="sldNum" sz="quarter" idx="5"/>
+          </p:nvPr>
+        </p:nvSpPr>
+        <p:spPr/>
+        <p:txBody>
+          <a:bodyPr/>
+          <a:lstStyle/>
+          <a:p>
+            <a:fld id="{3DFA746F-AF1F-C048-A2ED-B38EF01E9631}" type="slidenum">
+              <a:rPr lang="en-US" altLang="ja-JP" smtClean="0"/>
+              <a:t>3</a:t>
+            </a:fld>
+            <a:endParaRPr kumimoji="1" lang="ja-JP" altLang="en-US"/>
+          </a:p>
+        </p:txBody>
+      </p:sp>
+    </p:spTree>
+    <p:extLst>
+      <p:ext uri="{BB962C8B-B14F-4D97-AF65-F5344CB8AC3E}">
+        <p14:creationId xmlns:p14="http://schemas.microsoft.com/office/powerpoint/2010/main" val="3032127837"/>
+      </p:ext>
+    </p:extLst>
+  </p:cSld>
+  <p:clrMapOvr>
+    <a:masterClrMapping/>
+  </p:clrMapOvr>
+</p:notes>
 </file>
 
 <file path=ppt/slideLayouts/slideLayout1.xml><?xml version="1.0" encoding="utf-8"?>
@@ -1389,7 +1474,7 @@
           <p:cNvPr id="2" name="テキスト プレースホルダー 1">
             <a:extLst>
               <a:ext uri="{FF2B5EF4-FFF2-40B4-BE49-F238E27FC236}">
-                <a16:creationId xmlns:a16="http://schemas.microsoft.com/office/drawing/2014/main" id="{3AE04C9B-68F6-4D94-98E0-43D3CCA98AC7}"/>
+                <a16:creationId xmlns:a16="http://schemas.microsoft.com/office/drawing/2014/main" id="{9B004064-74B3-4C3A-A6AE-24808C59E811}"/>
               </a:ext>
             </a:extLst>
           </p:cNvPr>
@@ -1411,11 +1496,7 @@
             </a:r>
             <a:r>
               <a:rPr lang="en-US" altLang="ja-JP"/>
-              <a:t>1 - </a:t>
-            </a:r>
-            <a:r>
-              <a:rPr lang="ja-JP" altLang="en-US"/>
-              <a:t>レポート</a:t>
+              <a:t>1 - Step 3</a:t>
             </a:r>
             <a:endParaRPr kumimoji="1" lang="ja-JP" altLang="en-US"/>
           </a:p>
@@ -1426,7 +1507,7 @@
           <p:cNvPr id="4" name="図 3">
             <a:extLst>
               <a:ext uri="{FF2B5EF4-FFF2-40B4-BE49-F238E27FC236}">
-                <a16:creationId xmlns:a16="http://schemas.microsoft.com/office/drawing/2014/main" id="{02C588EE-F4F0-4C84-BEAF-94C23A0048BC}"/>
+                <a16:creationId xmlns:a16="http://schemas.microsoft.com/office/drawing/2014/main" id="{2DD29521-8C8F-4F33-A7A8-49D2026845B2}"/>
               </a:ext>
             </a:extLst>
           </p:cNvPr>
@@ -1443,8 +1524,8 @@
         </p:blipFill>
         <p:spPr>
           <a:xfrm>
-            <a:off x="539552" y="1989982"/>
-            <a:ext cx="5760640" cy="4868018"/>
+            <a:off x="899592" y="1268760"/>
+            <a:ext cx="5862889" cy="5120385"/>
           </a:xfrm>
           <a:prstGeom prst="rect">
             <a:avLst/>
@@ -1456,7 +1537,7 @@
           <p:cNvPr id="5" name="テキスト ボックス 4">
             <a:extLst>
               <a:ext uri="{FF2B5EF4-FFF2-40B4-BE49-F238E27FC236}">
-                <a16:creationId xmlns:a16="http://schemas.microsoft.com/office/drawing/2014/main" id="{A2A487E9-C2FF-4CF2-9BC0-9A7F4059FAB0}"/>
+                <a16:creationId xmlns:a16="http://schemas.microsoft.com/office/drawing/2014/main" id="{2E680A15-8921-4C03-A8FC-9229C1BA7F57}"/>
               </a:ext>
             </a:extLst>
           </p:cNvPr>
@@ -1465,8 +1546,8 @@
         </p:nvSpPr>
         <p:spPr>
           <a:xfrm>
-            <a:off x="539552" y="1124744"/>
-            <a:ext cx="6853158" cy="707886"/>
+            <a:off x="251520" y="836712"/>
+            <a:ext cx="2698175" cy="523220"/>
           </a:xfrm>
           <a:prstGeom prst="rect">
             <a:avLst/>
@@ -1480,25 +1561,54 @@
           <a:lstStyle/>
           <a:p>
             <a:r>
-              <a:rPr kumimoji="1" lang="ja-JP" altLang="en-US" sz="2000"/>
-              <a:t>認識が誤判定する結果を作り、スクリーンショットを提出</a:t>
-            </a:r>
-            <a:endParaRPr kumimoji="1" lang="en-US" altLang="ja-JP" sz="2000"/>
-          </a:p>
-          <a:p>
-            <a:r>
-              <a:rPr kumimoji="1" lang="ja-JP" altLang="en-US" sz="2000"/>
-              <a:t>なぜ誤判定したか考察すること</a:t>
-            </a:r>
-          </a:p>
-        </p:txBody>
-      </p:sp>
-      <p:sp>
-        <p:nvSpPr>
-          <p:cNvPr id="6" name="四角形: 角を丸くする 5">
-            <a:extLst>
-              <a:ext uri="{FF2B5EF4-FFF2-40B4-BE49-F238E27FC236}">
-                <a16:creationId xmlns:a16="http://schemas.microsoft.com/office/drawing/2014/main" id="{9498EA99-42E6-411C-B199-BE68162D0467}"/>
+              <a:rPr lang="ja-JP" altLang="en-US" sz="2800"/>
+              <a:t>数字認識を確認</a:t>
+            </a:r>
+            <a:endParaRPr kumimoji="1" lang="ja-JP" altLang="en-US" sz="2800"/>
+          </a:p>
+        </p:txBody>
+      </p:sp>
+      <p:sp>
+        <p:nvSpPr>
+          <p:cNvPr id="7" name="テキスト ボックス 6">
+            <a:extLst>
+              <a:ext uri="{FF2B5EF4-FFF2-40B4-BE49-F238E27FC236}">
+                <a16:creationId xmlns:a16="http://schemas.microsoft.com/office/drawing/2014/main" id="{B546189E-1E00-4298-958C-2808FBF3193C}"/>
+              </a:ext>
+            </a:extLst>
+          </p:cNvPr>
+          <p:cNvSpPr txBox="1"/>
+          <p:nvPr/>
+        </p:nvSpPr>
+        <p:spPr>
+          <a:xfrm>
+            <a:off x="1115616" y="6165304"/>
+            <a:ext cx="2262158" cy="369332"/>
+          </a:xfrm>
+          <a:prstGeom prst="rect">
+            <a:avLst/>
+          </a:prstGeom>
+          <a:noFill/>
+        </p:spPr>
+        <p:txBody>
+          <a:bodyPr wrap="none" rtlCol="0">
+            <a:spAutoFit/>
+          </a:bodyPr>
+          <a:lstStyle/>
+          <a:p>
+            <a:r>
+              <a:rPr kumimoji="1" lang="ja-JP" altLang="en-US"/>
+              <a:t>マウスでここに入力</a:t>
+            </a:r>
+          </a:p>
+        </p:txBody>
+      </p:sp>
+      <p:sp>
+        <p:nvSpPr>
+          <p:cNvPr id="11" name="四角形: 角を丸くする 10">
+            <a:extLst>
+              <a:ext uri="{FF2B5EF4-FFF2-40B4-BE49-F238E27FC236}">
+                <a16:creationId xmlns:a16="http://schemas.microsoft.com/office/drawing/2014/main" id="{3A6A6081-B2D2-4B2F-AC6C-28380693BFC0}"/>
               </a:ext>
             </a:extLst>
           </p:cNvPr>
@@ -1507,7 +1617,7 @@
         </p:nvSpPr>
         <p:spPr>
           <a:xfrm>
-            <a:off x="2699792" y="2987660"/>
+            <a:off x="3203848" y="2348880"/>
             <a:ext cx="504056" cy="576064"/>
           </a:xfrm>
           <a:prstGeom prst="roundRect">
@@ -1549,10 +1659,10 @@
       </p:sp>
       <p:sp>
         <p:nvSpPr>
-          <p:cNvPr id="7" name="テキスト ボックス 6">
-            <a:extLst>
-              <a:ext uri="{FF2B5EF4-FFF2-40B4-BE49-F238E27FC236}">
-                <a16:creationId xmlns:a16="http://schemas.microsoft.com/office/drawing/2014/main" id="{44CFBD43-AB7B-4708-9393-D1F075E8E0B7}"/>
+          <p:cNvPr id="12" name="テキスト ボックス 11">
+            <a:extLst>
+              <a:ext uri="{FF2B5EF4-FFF2-40B4-BE49-F238E27FC236}">
+                <a16:creationId xmlns:a16="http://schemas.microsoft.com/office/drawing/2014/main" id="{E6330442-3FDA-4FB1-9CA6-93485B8E7141}"/>
               </a:ext>
             </a:extLst>
           </p:cNvPr>
@@ -1561,7 +1671,7 @@
         </p:nvSpPr>
         <p:spPr>
           <a:xfrm>
-            <a:off x="3779912" y="2339588"/>
+            <a:off x="4283968" y="1700808"/>
             <a:ext cx="1107996" cy="369332"/>
           </a:xfrm>
           <a:prstGeom prst="rect">
@@ -1577,7 +1687,7 @@
           <a:p>
             <a:r>
               <a:rPr lang="ja-JP" altLang="en-US"/>
-              <a:t>判定失敗</a:t>
+              <a:t>判定結果</a:t>
             </a:r>
             <a:endParaRPr kumimoji="1" lang="ja-JP" altLang="en-US"/>
           </a:p>
@@ -1585,23 +1695,23 @@
       </p:sp>
       <p:cxnSp>
         <p:nvCxnSpPr>
-          <p:cNvPr id="8" name="コネクタ: カギ線 7">
-            <a:extLst>
-              <a:ext uri="{FF2B5EF4-FFF2-40B4-BE49-F238E27FC236}">
-                <a16:creationId xmlns:a16="http://schemas.microsoft.com/office/drawing/2014/main" id="{2259FF03-7F91-4549-8086-00712FFB8191}"/>
+          <p:cNvPr id="13" name="コネクタ: カギ線 12">
+            <a:extLst>
+              <a:ext uri="{FF2B5EF4-FFF2-40B4-BE49-F238E27FC236}">
+                <a16:creationId xmlns:a16="http://schemas.microsoft.com/office/drawing/2014/main" id="{05AFA731-9F44-462A-BBC4-32E2F38B72A6}"/>
               </a:ext>
             </a:extLst>
           </p:cNvPr>
           <p:cNvCxnSpPr>
             <a:cxnSpLocks/>
-            <a:stCxn id="7" idx="2"/>
-            <a:endCxn id="6" idx="3"/>
+            <a:stCxn id="12" idx="2"/>
+            <a:endCxn id="11" idx="3"/>
           </p:cNvCxnSpPr>
           <p:nvPr/>
         </p:nvCxnSpPr>
         <p:spPr>
           <a:xfrm rot="5400000">
-            <a:off x="3485493" y="2427275"/>
+            <a:off x="3989549" y="1788495"/>
             <a:ext cx="566772" cy="1130062"/>
           </a:xfrm>
           <a:prstGeom prst="bentConnector2">
@@ -1630,10 +1740,52 @@
           </a:fontRef>
         </p:style>
       </p:cxnSp>
+      <p:sp>
+        <p:nvSpPr>
+          <p:cNvPr id="16" name="テキスト ボックス 15">
+            <a:extLst>
+              <a:ext uri="{FF2B5EF4-FFF2-40B4-BE49-F238E27FC236}">
+                <a16:creationId xmlns:a16="http://schemas.microsoft.com/office/drawing/2014/main" id="{3451E29B-5CC5-47EA-B467-31F2997401D3}"/>
+              </a:ext>
+            </a:extLst>
+          </p:cNvPr>
+          <p:cNvSpPr txBox="1"/>
+          <p:nvPr/>
+        </p:nvSpPr>
+        <p:spPr>
+          <a:xfrm>
+            <a:off x="3995936" y="6093296"/>
+            <a:ext cx="2492990" cy="646331"/>
+          </a:xfrm>
+          <a:prstGeom prst="rect">
+            <a:avLst/>
+          </a:prstGeom>
+          <a:noFill/>
+        </p:spPr>
+        <p:txBody>
+          <a:bodyPr wrap="none" rtlCol="0">
+            <a:spAutoFit/>
+          </a:bodyPr>
+          <a:lstStyle/>
+          <a:p>
+            <a:r>
+              <a:rPr lang="ja-JP" altLang="en-US"/>
+              <a:t>ニューラルネットへの</a:t>
+            </a:r>
+            <a:endParaRPr lang="en-US" altLang="ja-JP"/>
+          </a:p>
+          <a:p>
+            <a:r>
+              <a:rPr kumimoji="1" lang="ja-JP" altLang="en-US"/>
+              <a:t>入力画像</a:t>
+            </a:r>
+          </a:p>
+        </p:txBody>
+      </p:sp>
     </p:spTree>
     <p:extLst>
       <p:ext uri="{BB962C8B-B14F-4D97-AF65-F5344CB8AC3E}">
-        <p14:creationId xmlns:p14="http://schemas.microsoft.com/office/powerpoint/2010/main" val="3198006327"/>
+        <p14:creationId xmlns:p14="http://schemas.microsoft.com/office/powerpoint/2010/main" val="525025977"/>
       </p:ext>
     </p:extLst>
   </p:cSld>
@@ -1660,12 +1812,49 @@
           <a:chExt cx="0" cy="0"/>
         </a:xfrm>
       </p:grpSpPr>
+      <p:sp>
+        <p:nvSpPr>
+          <p:cNvPr id="2" name="テキスト プレースホルダー 1">
+            <a:extLst>
+              <a:ext uri="{FF2B5EF4-FFF2-40B4-BE49-F238E27FC236}">
+                <a16:creationId xmlns:a16="http://schemas.microsoft.com/office/drawing/2014/main" id="{3AE04C9B-68F6-4D94-98E0-43D3CCA98AC7}"/>
+              </a:ext>
+            </a:extLst>
+          </p:cNvPr>
+          <p:cNvSpPr>
+            <a:spLocks noGrp="1"/>
+          </p:cNvSpPr>
+          <p:nvPr>
+            <p:ph type="body" sz="quarter" idx="10"/>
+          </p:nvPr>
+        </p:nvSpPr>
+        <p:spPr/>
+        <p:txBody>
+          <a:bodyPr/>
+          <a:lstStyle/>
+          <a:p>
+            <a:r>
+              <a:rPr lang="ja-JP" altLang="en-US"/>
+              <a:t>課題</a:t>
+            </a:r>
+            <a:r>
+              <a:rPr lang="en-US" altLang="ja-JP"/>
+              <a:t>1 - </a:t>
+            </a:r>
+            <a:r>
+              <a:rPr lang="ja-JP" altLang="en-US"/>
+              <a:t>レポート</a:t>
+            </a:r>
+            <a:endParaRPr kumimoji="1" lang="ja-JP" altLang="en-US"/>
+          </a:p>
+        </p:txBody>
+      </p:sp>
       <p:pic>
         <p:nvPicPr>
-          <p:cNvPr id="12" name="図 11">
-            <a:extLst>
-              <a:ext uri="{FF2B5EF4-FFF2-40B4-BE49-F238E27FC236}">
-                <a16:creationId xmlns:a16="http://schemas.microsoft.com/office/drawing/2014/main" id="{AEEB154C-2300-43EF-85B3-473EAFC6C202}"/>
+          <p:cNvPr id="4" name="図 3">
+            <a:extLst>
+              <a:ext uri="{FF2B5EF4-FFF2-40B4-BE49-F238E27FC236}">
+                <a16:creationId xmlns:a16="http://schemas.microsoft.com/office/drawing/2014/main" id="{02C588EE-F4F0-4C84-BEAF-94C23A0048BC}"/>
               </a:ext>
             </a:extLst>
           </p:cNvPr>
@@ -1682,8 +1871,8 @@
         </p:blipFill>
         <p:spPr>
           <a:xfrm>
-            <a:off x="179511" y="2276872"/>
-            <a:ext cx="8338583" cy="3960440"/>
+            <a:off x="539552" y="1989982"/>
+            <a:ext cx="5760640" cy="4868018"/>
           </a:xfrm>
           <a:prstGeom prst="rect">
             <a:avLst/>
@@ -1692,43 +1881,10 @@
       </p:pic>
       <p:sp>
         <p:nvSpPr>
-          <p:cNvPr id="2" name="テキスト プレースホルダー 1">
-            <a:extLst>
-              <a:ext uri="{FF2B5EF4-FFF2-40B4-BE49-F238E27FC236}">
-                <a16:creationId xmlns:a16="http://schemas.microsoft.com/office/drawing/2014/main" id="{C0A2E5A6-B2AB-4E05-84E8-E38112400E34}"/>
-              </a:ext>
-            </a:extLst>
-          </p:cNvPr>
-          <p:cNvSpPr>
-            <a:spLocks noGrp="1"/>
-          </p:cNvSpPr>
-          <p:nvPr>
-            <p:ph type="body" sz="quarter" idx="10"/>
-          </p:nvPr>
-        </p:nvSpPr>
-        <p:spPr/>
-        <p:txBody>
-          <a:bodyPr/>
-          <a:lstStyle/>
-          <a:p>
-            <a:r>
-              <a:rPr lang="ja-JP" altLang="en-US"/>
-              <a:t>課題</a:t>
-            </a:r>
-            <a:r>
-              <a:rPr lang="en-US" altLang="ja-JP"/>
-              <a:t>2 - Step 1</a:t>
-            </a:r>
-            <a:endParaRPr kumimoji="1" lang="ja-JP" altLang="en-US"/>
-          </a:p>
-        </p:txBody>
-      </p:sp>
-      <p:sp>
-        <p:nvSpPr>
-          <p:cNvPr id="8" name="テキスト ボックス 7">
-            <a:extLst>
-              <a:ext uri="{FF2B5EF4-FFF2-40B4-BE49-F238E27FC236}">
-                <a16:creationId xmlns:a16="http://schemas.microsoft.com/office/drawing/2014/main" id="{3579BC42-1E02-4098-8716-AF2722D1E547}"/>
+          <p:cNvPr id="5" name="テキスト ボックス 4">
+            <a:extLst>
+              <a:ext uri="{FF2B5EF4-FFF2-40B4-BE49-F238E27FC236}">
+                <a16:creationId xmlns:a16="http://schemas.microsoft.com/office/drawing/2014/main" id="{A2A487E9-C2FF-4CF2-9BC0-9A7F4059FAB0}"/>
               </a:ext>
             </a:extLst>
           </p:cNvPr>
@@ -1737,43 +1893,8 @@
         </p:nvSpPr>
         <p:spPr>
           <a:xfrm>
-            <a:off x="323528" y="1124744"/>
-            <a:ext cx="4896544" cy="369332"/>
-          </a:xfrm>
-          <a:prstGeom prst="rect">
-            <a:avLst/>
-          </a:prstGeom>
-          <a:noFill/>
-        </p:spPr>
-        <p:txBody>
-          <a:bodyPr wrap="square">
-            <a:spAutoFit/>
-          </a:bodyPr>
-          <a:lstStyle/>
-          <a:p>
-            <a:r>
-              <a:rPr lang="ja-JP" altLang="en-US"/>
-              <a:t>https://github.com/appi-github/tyrano_sample</a:t>
-            </a:r>
-          </a:p>
-        </p:txBody>
-      </p:sp>
-      <p:sp>
-        <p:nvSpPr>
-          <p:cNvPr id="9" name="テキスト ボックス 8">
-            <a:extLst>
-              <a:ext uri="{FF2B5EF4-FFF2-40B4-BE49-F238E27FC236}">
-                <a16:creationId xmlns:a16="http://schemas.microsoft.com/office/drawing/2014/main" id="{6AFF404B-26FF-4BA0-BD6B-8734C8DE17C8}"/>
-              </a:ext>
-            </a:extLst>
-          </p:cNvPr>
-          <p:cNvSpPr txBox="1"/>
-          <p:nvPr/>
-        </p:nvSpPr>
-        <p:spPr>
-          <a:xfrm>
-            <a:off x="323528" y="1556792"/>
-            <a:ext cx="1261884" cy="369332"/>
+            <a:off x="539552" y="1124744"/>
+            <a:ext cx="6853158" cy="707886"/>
           </a:xfrm>
           <a:prstGeom prst="rect">
             <a:avLst/>
@@ -1787,27 +1908,25 @@
           <a:lstStyle/>
           <a:p>
             <a:r>
-              <a:rPr lang="ja-JP" altLang="en-US"/>
-              <a:t>を</a:t>
-            </a:r>
-            <a:r>
-              <a:rPr lang="en-US" altLang="ja-JP"/>
-              <a:t>fork</a:t>
-            </a:r>
-            <a:r>
-              <a:rPr lang="ja-JP" altLang="en-US"/>
-              <a:t>する</a:t>
-            </a:r>
-            <a:endParaRPr kumimoji="1" lang="ja-JP" altLang="en-US"/>
-          </a:p>
-        </p:txBody>
-      </p:sp>
-      <p:sp>
-        <p:nvSpPr>
-          <p:cNvPr id="10" name="四角形: 角を丸くする 9">
-            <a:extLst>
-              <a:ext uri="{FF2B5EF4-FFF2-40B4-BE49-F238E27FC236}">
-                <a16:creationId xmlns:a16="http://schemas.microsoft.com/office/drawing/2014/main" id="{043EFE0D-978F-442A-9CF3-F2492F3ABD8C}"/>
+              <a:rPr kumimoji="1" lang="ja-JP" altLang="en-US" sz="2000"/>
+              <a:t>認識が誤判定する結果を作り、スクリーンショットを提出</a:t>
+            </a:r>
+            <a:endParaRPr kumimoji="1" lang="en-US" altLang="ja-JP" sz="2000"/>
+          </a:p>
+          <a:p>
+            <a:r>
+              <a:rPr kumimoji="1" lang="ja-JP" altLang="en-US" sz="2000"/>
+              <a:t>なぜ誤判定したか考察すること</a:t>
+            </a:r>
+          </a:p>
+        </p:txBody>
+      </p:sp>
+      <p:sp>
+        <p:nvSpPr>
+          <p:cNvPr id="6" name="四角形: 角を丸くする 5">
+            <a:extLst>
+              <a:ext uri="{FF2B5EF4-FFF2-40B4-BE49-F238E27FC236}">
+                <a16:creationId xmlns:a16="http://schemas.microsoft.com/office/drawing/2014/main" id="{9498EA99-42E6-411C-B199-BE68162D0467}"/>
               </a:ext>
             </a:extLst>
           </p:cNvPr>
@@ -1816,11 +1935,13 @@
         </p:nvSpPr>
         <p:spPr>
           <a:xfrm>
-            <a:off x="7452320" y="2852936"/>
-            <a:ext cx="504056" cy="216024"/>
+            <a:off x="2699792" y="2987660"/>
+            <a:ext cx="504056" cy="576064"/>
           </a:xfrm>
           <a:prstGeom prst="roundRect">
-            <a:avLst/>
+            <a:avLst>
+              <a:gd name="adj" fmla="val 1989"/>
+            </a:avLst>
           </a:prstGeom>
           <a:noFill/>
           <a:ln w="38100">
@@ -1854,10 +1975,93 @@
           </a:p>
         </p:txBody>
       </p:sp>
+      <p:sp>
+        <p:nvSpPr>
+          <p:cNvPr id="7" name="テキスト ボックス 6">
+            <a:extLst>
+              <a:ext uri="{FF2B5EF4-FFF2-40B4-BE49-F238E27FC236}">
+                <a16:creationId xmlns:a16="http://schemas.microsoft.com/office/drawing/2014/main" id="{44CFBD43-AB7B-4708-9393-D1F075E8E0B7}"/>
+              </a:ext>
+            </a:extLst>
+          </p:cNvPr>
+          <p:cNvSpPr txBox="1"/>
+          <p:nvPr/>
+        </p:nvSpPr>
+        <p:spPr>
+          <a:xfrm>
+            <a:off x="3779912" y="2339588"/>
+            <a:ext cx="1107996" cy="369332"/>
+          </a:xfrm>
+          <a:prstGeom prst="rect">
+            <a:avLst/>
+          </a:prstGeom>
+          <a:noFill/>
+        </p:spPr>
+        <p:txBody>
+          <a:bodyPr wrap="none" rtlCol="0">
+            <a:spAutoFit/>
+          </a:bodyPr>
+          <a:lstStyle/>
+          <a:p>
+            <a:r>
+              <a:rPr lang="ja-JP" altLang="en-US"/>
+              <a:t>判定失敗</a:t>
+            </a:r>
+            <a:endParaRPr kumimoji="1" lang="ja-JP" altLang="en-US"/>
+          </a:p>
+        </p:txBody>
+      </p:sp>
+      <p:cxnSp>
+        <p:nvCxnSpPr>
+          <p:cNvPr id="8" name="コネクタ: カギ線 7">
+            <a:extLst>
+              <a:ext uri="{FF2B5EF4-FFF2-40B4-BE49-F238E27FC236}">
+                <a16:creationId xmlns:a16="http://schemas.microsoft.com/office/drawing/2014/main" id="{2259FF03-7F91-4549-8086-00712FFB8191}"/>
+              </a:ext>
+            </a:extLst>
+          </p:cNvPr>
+          <p:cNvCxnSpPr>
+            <a:cxnSpLocks/>
+            <a:stCxn id="7" idx="2"/>
+            <a:endCxn id="6" idx="3"/>
+          </p:cNvCxnSpPr>
+          <p:nvPr/>
+        </p:nvCxnSpPr>
+        <p:spPr>
+          <a:xfrm rot="5400000">
+            <a:off x="3485493" y="2427275"/>
+            <a:ext cx="566772" cy="1130062"/>
+          </a:xfrm>
+          <a:prstGeom prst="bentConnector2">
+            <a:avLst/>
+          </a:prstGeom>
+          <a:ln w="28575">
+            <a:solidFill>
+              <a:srgbClr val="FF0000"/>
+            </a:solidFill>
+            <a:headEnd type="none" w="med" len="med"/>
+            <a:tailEnd type="triangle"/>
+          </a:ln>
+        </p:spPr>
+        <p:style>
+          <a:lnRef idx="1">
+            <a:schemeClr val="accent1"/>
+          </a:lnRef>
+          <a:fillRef idx="0">
+            <a:schemeClr val="accent1"/>
+          </a:fillRef>
+          <a:effectRef idx="0">
+            <a:schemeClr val="accent1"/>
+          </a:effectRef>
+          <a:fontRef idx="minor">
+            <a:schemeClr val="tx1"/>
+          </a:fontRef>
+        </p:style>
+      </p:cxnSp>
     </p:spTree>
     <p:extLst>
       <p:ext uri="{BB962C8B-B14F-4D97-AF65-F5344CB8AC3E}">
-        <p14:creationId xmlns:p14="http://schemas.microsoft.com/office/powerpoint/2010/main" val="2255261583"/>
+        <p14:creationId xmlns:p14="http://schemas.microsoft.com/office/powerpoint/2010/main" val="3198006327"/>
       </p:ext>
     </p:extLst>
   </p:cSld>
@@ -1884,45 +2088,12 @@
           <a:chExt cx="0" cy="0"/>
         </a:xfrm>
       </p:grpSpPr>
-      <p:sp>
-        <p:nvSpPr>
-          <p:cNvPr id="2" name="テキスト プレースホルダー 1">
-            <a:extLst>
-              <a:ext uri="{FF2B5EF4-FFF2-40B4-BE49-F238E27FC236}">
-                <a16:creationId xmlns:a16="http://schemas.microsoft.com/office/drawing/2014/main" id="{2D8CE7ED-5EDA-4EF8-8917-571DF090042E}"/>
-              </a:ext>
-            </a:extLst>
-          </p:cNvPr>
-          <p:cNvSpPr>
-            <a:spLocks noGrp="1"/>
-          </p:cNvSpPr>
-          <p:nvPr>
-            <p:ph type="body" sz="quarter" idx="10"/>
-          </p:nvPr>
-        </p:nvSpPr>
-        <p:spPr/>
-        <p:txBody>
-          <a:bodyPr/>
-          <a:lstStyle/>
-          <a:p>
-            <a:r>
-              <a:rPr lang="ja-JP" altLang="en-US"/>
-              <a:t>課題</a:t>
-            </a:r>
-            <a:r>
-              <a:rPr lang="en-US" altLang="ja-JP"/>
-              <a:t>2 - Step 2</a:t>
-            </a:r>
-            <a:endParaRPr kumimoji="1" lang="ja-JP" altLang="en-US"/>
-          </a:p>
-        </p:txBody>
-      </p:sp>
       <p:pic>
         <p:nvPicPr>
-          <p:cNvPr id="4" name="図 3">
-            <a:extLst>
-              <a:ext uri="{FF2B5EF4-FFF2-40B4-BE49-F238E27FC236}">
-                <a16:creationId xmlns:a16="http://schemas.microsoft.com/office/drawing/2014/main" id="{7245BCF9-0FA9-40DF-B46C-474EB646FE11}"/>
+          <p:cNvPr id="12" name="図 11">
+            <a:extLst>
+              <a:ext uri="{FF2B5EF4-FFF2-40B4-BE49-F238E27FC236}">
+                <a16:creationId xmlns:a16="http://schemas.microsoft.com/office/drawing/2014/main" id="{AEEB154C-2300-43EF-85B3-473EAFC6C202}"/>
               </a:ext>
             </a:extLst>
           </p:cNvPr>
@@ -1939,8 +2110,8 @@
         </p:blipFill>
         <p:spPr>
           <a:xfrm>
-            <a:off x="395536" y="1700808"/>
-            <a:ext cx="6794849" cy="4896102"/>
+            <a:off x="179511" y="2276872"/>
+            <a:ext cx="8338583" cy="3960440"/>
           </a:xfrm>
           <a:prstGeom prst="rect">
             <a:avLst/>
@@ -1949,10 +2120,43 @@
       </p:pic>
       <p:sp>
         <p:nvSpPr>
-          <p:cNvPr id="5" name="テキスト ボックス 4">
-            <a:extLst>
-              <a:ext uri="{FF2B5EF4-FFF2-40B4-BE49-F238E27FC236}">
-                <a16:creationId xmlns:a16="http://schemas.microsoft.com/office/drawing/2014/main" id="{30E38009-7DBB-4AA9-89B8-C522F89C19A4}"/>
+          <p:cNvPr id="2" name="テキスト プレースホルダー 1">
+            <a:extLst>
+              <a:ext uri="{FF2B5EF4-FFF2-40B4-BE49-F238E27FC236}">
+                <a16:creationId xmlns:a16="http://schemas.microsoft.com/office/drawing/2014/main" id="{C0A2E5A6-B2AB-4E05-84E8-E38112400E34}"/>
+              </a:ext>
+            </a:extLst>
+          </p:cNvPr>
+          <p:cNvSpPr>
+            <a:spLocks noGrp="1"/>
+          </p:cNvSpPr>
+          <p:nvPr>
+            <p:ph type="body" sz="quarter" idx="10"/>
+          </p:nvPr>
+        </p:nvSpPr>
+        <p:spPr/>
+        <p:txBody>
+          <a:bodyPr/>
+          <a:lstStyle/>
+          <a:p>
+            <a:r>
+              <a:rPr lang="ja-JP" altLang="en-US"/>
+              <a:t>課題</a:t>
+            </a:r>
+            <a:r>
+              <a:rPr lang="en-US" altLang="ja-JP"/>
+              <a:t>2 - Step 1</a:t>
+            </a:r>
+            <a:endParaRPr kumimoji="1" lang="ja-JP" altLang="en-US"/>
+          </a:p>
+        </p:txBody>
+      </p:sp>
+      <p:sp>
+        <p:nvSpPr>
+          <p:cNvPr id="8" name="テキスト ボックス 7">
+            <a:extLst>
+              <a:ext uri="{FF2B5EF4-FFF2-40B4-BE49-F238E27FC236}">
+                <a16:creationId xmlns:a16="http://schemas.microsoft.com/office/drawing/2014/main" id="{3579BC42-1E02-4098-8716-AF2722D1E547}"/>
               </a:ext>
             </a:extLst>
           </p:cNvPr>
@@ -1962,7 +2166,42 @@
         <p:spPr>
           <a:xfrm>
             <a:off x="323528" y="1124744"/>
-            <a:ext cx="5674951" cy="461665"/>
+            <a:ext cx="4896544" cy="369332"/>
+          </a:xfrm>
+          <a:prstGeom prst="rect">
+            <a:avLst/>
+          </a:prstGeom>
+          <a:noFill/>
+        </p:spPr>
+        <p:txBody>
+          <a:bodyPr wrap="square">
+            <a:spAutoFit/>
+          </a:bodyPr>
+          <a:lstStyle/>
+          <a:p>
+            <a:r>
+              <a:rPr lang="ja-JP" altLang="en-US"/>
+              <a:t>https://github.com/appi-github/tyrano_sample</a:t>
+            </a:r>
+          </a:p>
+        </p:txBody>
+      </p:sp>
+      <p:sp>
+        <p:nvSpPr>
+          <p:cNvPr id="9" name="テキスト ボックス 8">
+            <a:extLst>
+              <a:ext uri="{FF2B5EF4-FFF2-40B4-BE49-F238E27FC236}">
+                <a16:creationId xmlns:a16="http://schemas.microsoft.com/office/drawing/2014/main" id="{6AFF404B-26FF-4BA0-BD6B-8734C8DE17C8}"/>
+              </a:ext>
+            </a:extLst>
+          </p:cNvPr>
+          <p:cNvSpPr txBox="1"/>
+          <p:nvPr/>
+        </p:nvSpPr>
+        <p:spPr>
+          <a:xfrm>
+            <a:off x="323528" y="1556792"/>
+            <a:ext cx="1261884" cy="369332"/>
           </a:xfrm>
           <a:prstGeom prst="rect">
             <a:avLst/>
@@ -1976,26 +2215,27 @@
           <a:lstStyle/>
           <a:p>
             <a:r>
-              <a:rPr kumimoji="1" lang="ja-JP" altLang="en-US" sz="2400"/>
-              <a:t>先ほどと同様の手順で</a:t>
-            </a:r>
-            <a:r>
-              <a:rPr kumimoji="1" lang="en-US" altLang="ja-JP" sz="2400"/>
-              <a:t>Pages</a:t>
-            </a:r>
-            <a:r>
-              <a:rPr kumimoji="1" lang="ja-JP" altLang="en-US" sz="2400"/>
-              <a:t>を公開する</a:t>
-            </a:r>
-          </a:p>
-        </p:txBody>
-      </p:sp>
-      <p:sp>
-        <p:nvSpPr>
-          <p:cNvPr id="6" name="四角形: 角を丸くする 5">
-            <a:extLst>
-              <a:ext uri="{FF2B5EF4-FFF2-40B4-BE49-F238E27FC236}">
-                <a16:creationId xmlns:a16="http://schemas.microsoft.com/office/drawing/2014/main" id="{77FF31BE-00DC-4B16-86F6-04E6C2ADB721}"/>
+              <a:rPr lang="ja-JP" altLang="en-US"/>
+              <a:t>を</a:t>
+            </a:r>
+            <a:r>
+              <a:rPr lang="en-US" altLang="ja-JP"/>
+              <a:t>fork</a:t>
+            </a:r>
+            <a:r>
+              <a:rPr lang="ja-JP" altLang="en-US"/>
+              <a:t>する</a:t>
+            </a:r>
+            <a:endParaRPr kumimoji="1" lang="ja-JP" altLang="en-US"/>
+          </a:p>
+        </p:txBody>
+      </p:sp>
+      <p:sp>
+        <p:nvSpPr>
+          <p:cNvPr id="10" name="四角形: 角を丸くする 9">
+            <a:extLst>
+              <a:ext uri="{FF2B5EF4-FFF2-40B4-BE49-F238E27FC236}">
+                <a16:creationId xmlns:a16="http://schemas.microsoft.com/office/drawing/2014/main" id="{043EFE0D-978F-442A-9CF3-F2492F3ABD8C}"/>
               </a:ext>
             </a:extLst>
           </p:cNvPr>
@@ -2004,8 +2244,8 @@
         </p:nvSpPr>
         <p:spPr>
           <a:xfrm>
-            <a:off x="539552" y="6237312"/>
-            <a:ext cx="1872208" cy="360040"/>
+            <a:off x="7452320" y="2852936"/>
+            <a:ext cx="504056" cy="216024"/>
           </a:xfrm>
           <a:prstGeom prst="roundRect">
             <a:avLst/>
@@ -2042,507 +2282,10 @@
           </a:p>
         </p:txBody>
       </p:sp>
-      <p:sp>
-        <p:nvSpPr>
-          <p:cNvPr id="7" name="四角形: 角を丸くする 6">
-            <a:extLst>
-              <a:ext uri="{FF2B5EF4-FFF2-40B4-BE49-F238E27FC236}">
-                <a16:creationId xmlns:a16="http://schemas.microsoft.com/office/drawing/2014/main" id="{1A00CBCA-6BB9-42C2-9956-D2D791D20AEE}"/>
-              </a:ext>
-            </a:extLst>
-          </p:cNvPr>
-          <p:cNvSpPr/>
-          <p:nvPr/>
-        </p:nvSpPr>
-        <p:spPr>
-          <a:xfrm>
-            <a:off x="2555776" y="3933056"/>
-            <a:ext cx="936104" cy="288032"/>
-          </a:xfrm>
-          <a:prstGeom prst="roundRect">
-            <a:avLst/>
-          </a:prstGeom>
-          <a:noFill/>
-          <a:ln w="38100">
-            <a:solidFill>
-              <a:srgbClr val="FF0000"/>
-            </a:solidFill>
-          </a:ln>
-        </p:spPr>
-        <p:style>
-          <a:lnRef idx="2">
-            <a:schemeClr val="accent1">
-              <a:shade val="50000"/>
-            </a:schemeClr>
-          </a:lnRef>
-          <a:fillRef idx="1">
-            <a:schemeClr val="accent1"/>
-          </a:fillRef>
-          <a:effectRef idx="0">
-            <a:schemeClr val="accent1"/>
-          </a:effectRef>
-          <a:fontRef idx="minor">
-            <a:schemeClr val="lt1"/>
-          </a:fontRef>
-        </p:style>
-        <p:txBody>
-          <a:bodyPr rtlCol="0" anchor="ctr"/>
-          <a:lstStyle/>
-          <a:p>
-            <a:pPr algn="ctr"/>
-            <a:endParaRPr kumimoji="1" lang="ja-JP" altLang="en-US"/>
-          </a:p>
-        </p:txBody>
-      </p:sp>
-      <p:sp>
-        <p:nvSpPr>
-          <p:cNvPr id="8" name="四角形: 角を丸くする 7">
-            <a:extLst>
-              <a:ext uri="{FF2B5EF4-FFF2-40B4-BE49-F238E27FC236}">
-                <a16:creationId xmlns:a16="http://schemas.microsoft.com/office/drawing/2014/main" id="{29B6899E-ECDE-43D3-BC12-A9D8CE9AF035}"/>
-              </a:ext>
-            </a:extLst>
-          </p:cNvPr>
-          <p:cNvSpPr/>
-          <p:nvPr/>
-        </p:nvSpPr>
-        <p:spPr>
-          <a:xfrm>
-            <a:off x="3563888" y="3933056"/>
-            <a:ext cx="648072" cy="288032"/>
-          </a:xfrm>
-          <a:prstGeom prst="roundRect">
-            <a:avLst/>
-          </a:prstGeom>
-          <a:noFill/>
-          <a:ln w="38100">
-            <a:solidFill>
-              <a:srgbClr val="FF0000"/>
-            </a:solidFill>
-          </a:ln>
-        </p:spPr>
-        <p:style>
-          <a:lnRef idx="2">
-            <a:schemeClr val="accent1">
-              <a:shade val="50000"/>
-            </a:schemeClr>
-          </a:lnRef>
-          <a:fillRef idx="1">
-            <a:schemeClr val="accent1"/>
-          </a:fillRef>
-          <a:effectRef idx="0">
-            <a:schemeClr val="accent1"/>
-          </a:effectRef>
-          <a:fontRef idx="minor">
-            <a:schemeClr val="lt1"/>
-          </a:fontRef>
-        </p:style>
-        <p:txBody>
-          <a:bodyPr rtlCol="0" anchor="ctr"/>
-          <a:lstStyle/>
-          <a:p>
-            <a:pPr algn="ctr"/>
-            <a:endParaRPr kumimoji="1" lang="ja-JP" altLang="en-US"/>
-          </a:p>
-        </p:txBody>
-      </p:sp>
-      <p:sp>
-        <p:nvSpPr>
-          <p:cNvPr id="9" name="四角形: 角を丸くする 8">
-            <a:extLst>
-              <a:ext uri="{FF2B5EF4-FFF2-40B4-BE49-F238E27FC236}">
-                <a16:creationId xmlns:a16="http://schemas.microsoft.com/office/drawing/2014/main" id="{BA78CE15-3A5A-45E8-9A5C-B19256A39A99}"/>
-              </a:ext>
-            </a:extLst>
-          </p:cNvPr>
-          <p:cNvSpPr/>
-          <p:nvPr/>
-        </p:nvSpPr>
-        <p:spPr>
-          <a:xfrm>
-            <a:off x="4283968" y="3933056"/>
-            <a:ext cx="432048" cy="288032"/>
-          </a:xfrm>
-          <a:prstGeom prst="roundRect">
-            <a:avLst/>
-          </a:prstGeom>
-          <a:noFill/>
-          <a:ln w="38100">
-            <a:solidFill>
-              <a:srgbClr val="FF0000"/>
-            </a:solidFill>
-          </a:ln>
-        </p:spPr>
-        <p:style>
-          <a:lnRef idx="2">
-            <a:schemeClr val="accent1">
-              <a:shade val="50000"/>
-            </a:schemeClr>
-          </a:lnRef>
-          <a:fillRef idx="1">
-            <a:schemeClr val="accent1"/>
-          </a:fillRef>
-          <a:effectRef idx="0">
-            <a:schemeClr val="accent1"/>
-          </a:effectRef>
-          <a:fontRef idx="minor">
-            <a:schemeClr val="lt1"/>
-          </a:fontRef>
-        </p:style>
-        <p:txBody>
-          <a:bodyPr rtlCol="0" anchor="ctr"/>
-          <a:lstStyle/>
-          <a:p>
-            <a:pPr algn="ctr"/>
-            <a:endParaRPr kumimoji="1" lang="ja-JP" altLang="en-US"/>
-          </a:p>
-        </p:txBody>
-      </p:sp>
-      <p:sp>
-        <p:nvSpPr>
-          <p:cNvPr id="10" name="楕円 9">
-            <a:extLst>
-              <a:ext uri="{FF2B5EF4-FFF2-40B4-BE49-F238E27FC236}">
-                <a16:creationId xmlns:a16="http://schemas.microsoft.com/office/drawing/2014/main" id="{0C4D754E-E4A5-42AE-A738-415BEBD98E9B}"/>
-              </a:ext>
-            </a:extLst>
-          </p:cNvPr>
-          <p:cNvSpPr/>
-          <p:nvPr/>
-        </p:nvSpPr>
-        <p:spPr>
-          <a:xfrm>
-            <a:off x="107504" y="6237312"/>
-            <a:ext cx="360040" cy="360040"/>
-          </a:xfrm>
-          <a:prstGeom prst="ellipse">
-            <a:avLst/>
-          </a:prstGeom>
-          <a:solidFill>
-            <a:srgbClr val="FF0000"/>
-          </a:solidFill>
-          <a:ln>
-            <a:solidFill>
-              <a:schemeClr val="tx1"/>
-            </a:solidFill>
-          </a:ln>
-        </p:spPr>
-        <p:style>
-          <a:lnRef idx="2">
-            <a:schemeClr val="accent1">
-              <a:shade val="50000"/>
-            </a:schemeClr>
-          </a:lnRef>
-          <a:fillRef idx="1">
-            <a:schemeClr val="accent1"/>
-          </a:fillRef>
-          <a:effectRef idx="0">
-            <a:schemeClr val="accent1"/>
-          </a:effectRef>
-          <a:fontRef idx="minor">
-            <a:schemeClr val="lt1"/>
-          </a:fontRef>
-        </p:style>
-        <p:txBody>
-          <a:bodyPr rtlCol="0" anchor="ctr"/>
-          <a:lstStyle/>
-          <a:p>
-            <a:pPr algn="ctr"/>
-            <a:r>
-              <a:rPr kumimoji="1" lang="en-US" altLang="ja-JP"/>
-              <a:t>2</a:t>
-            </a:r>
-            <a:endParaRPr kumimoji="1" lang="ja-JP" altLang="en-US"/>
-          </a:p>
-        </p:txBody>
-      </p:sp>
-      <p:sp>
-        <p:nvSpPr>
-          <p:cNvPr id="11" name="楕円 10">
-            <a:extLst>
-              <a:ext uri="{FF2B5EF4-FFF2-40B4-BE49-F238E27FC236}">
-                <a16:creationId xmlns:a16="http://schemas.microsoft.com/office/drawing/2014/main" id="{7A2CA886-8897-4ED7-8656-F3A825107938}"/>
-              </a:ext>
-            </a:extLst>
-          </p:cNvPr>
-          <p:cNvSpPr/>
-          <p:nvPr/>
-        </p:nvSpPr>
-        <p:spPr>
-          <a:xfrm>
-            <a:off x="2771800" y="3501008"/>
-            <a:ext cx="360040" cy="360040"/>
-          </a:xfrm>
-          <a:prstGeom prst="ellipse">
-            <a:avLst/>
-          </a:prstGeom>
-          <a:solidFill>
-            <a:srgbClr val="FF0000"/>
-          </a:solidFill>
-          <a:ln>
-            <a:solidFill>
-              <a:schemeClr val="tx1"/>
-            </a:solidFill>
-          </a:ln>
-        </p:spPr>
-        <p:style>
-          <a:lnRef idx="2">
-            <a:schemeClr val="accent1">
-              <a:shade val="50000"/>
-            </a:schemeClr>
-          </a:lnRef>
-          <a:fillRef idx="1">
-            <a:schemeClr val="accent1"/>
-          </a:fillRef>
-          <a:effectRef idx="0">
-            <a:schemeClr val="accent1"/>
-          </a:effectRef>
-          <a:fontRef idx="minor">
-            <a:schemeClr val="lt1"/>
-          </a:fontRef>
-        </p:style>
-        <p:txBody>
-          <a:bodyPr rtlCol="0" anchor="ctr"/>
-          <a:lstStyle/>
-          <a:p>
-            <a:pPr algn="ctr"/>
-            <a:r>
-              <a:rPr lang="en-US" altLang="ja-JP"/>
-              <a:t>3</a:t>
-            </a:r>
-            <a:endParaRPr kumimoji="1" lang="ja-JP" altLang="en-US"/>
-          </a:p>
-        </p:txBody>
-      </p:sp>
-      <p:sp>
-        <p:nvSpPr>
-          <p:cNvPr id="12" name="楕円 11">
-            <a:extLst>
-              <a:ext uri="{FF2B5EF4-FFF2-40B4-BE49-F238E27FC236}">
-                <a16:creationId xmlns:a16="http://schemas.microsoft.com/office/drawing/2014/main" id="{319FC94B-BB7E-4B5E-8378-45247A152E8B}"/>
-              </a:ext>
-            </a:extLst>
-          </p:cNvPr>
-          <p:cNvSpPr/>
-          <p:nvPr/>
-        </p:nvSpPr>
-        <p:spPr>
-          <a:xfrm>
-            <a:off x="3635896" y="3501008"/>
-            <a:ext cx="360040" cy="360040"/>
-          </a:xfrm>
-          <a:prstGeom prst="ellipse">
-            <a:avLst/>
-          </a:prstGeom>
-          <a:solidFill>
-            <a:srgbClr val="FF0000"/>
-          </a:solidFill>
-          <a:ln>
-            <a:solidFill>
-              <a:schemeClr val="tx1"/>
-            </a:solidFill>
-          </a:ln>
-        </p:spPr>
-        <p:style>
-          <a:lnRef idx="2">
-            <a:schemeClr val="accent1">
-              <a:shade val="50000"/>
-            </a:schemeClr>
-          </a:lnRef>
-          <a:fillRef idx="1">
-            <a:schemeClr val="accent1"/>
-          </a:fillRef>
-          <a:effectRef idx="0">
-            <a:schemeClr val="accent1"/>
-          </a:effectRef>
-          <a:fontRef idx="minor">
-            <a:schemeClr val="lt1"/>
-          </a:fontRef>
-        </p:style>
-        <p:txBody>
-          <a:bodyPr rtlCol="0" anchor="ctr"/>
-          <a:lstStyle/>
-          <a:p>
-            <a:pPr algn="ctr"/>
-            <a:r>
-              <a:rPr kumimoji="1" lang="en-US" altLang="ja-JP"/>
-              <a:t>4</a:t>
-            </a:r>
-            <a:endParaRPr kumimoji="1" lang="ja-JP" altLang="en-US"/>
-          </a:p>
-        </p:txBody>
-      </p:sp>
-      <p:sp>
-        <p:nvSpPr>
-          <p:cNvPr id="13" name="楕円 12">
-            <a:extLst>
-              <a:ext uri="{FF2B5EF4-FFF2-40B4-BE49-F238E27FC236}">
-                <a16:creationId xmlns:a16="http://schemas.microsoft.com/office/drawing/2014/main" id="{77CE4B10-E201-4417-A277-BC14FDE75A4E}"/>
-              </a:ext>
-            </a:extLst>
-          </p:cNvPr>
-          <p:cNvSpPr/>
-          <p:nvPr/>
-        </p:nvSpPr>
-        <p:spPr>
-          <a:xfrm>
-            <a:off x="4355976" y="3501008"/>
-            <a:ext cx="360040" cy="360040"/>
-          </a:xfrm>
-          <a:prstGeom prst="ellipse">
-            <a:avLst/>
-          </a:prstGeom>
-          <a:solidFill>
-            <a:srgbClr val="FF0000"/>
-          </a:solidFill>
-          <a:ln>
-            <a:solidFill>
-              <a:schemeClr val="tx1"/>
-            </a:solidFill>
-          </a:ln>
-        </p:spPr>
-        <p:style>
-          <a:lnRef idx="2">
-            <a:schemeClr val="accent1">
-              <a:shade val="50000"/>
-            </a:schemeClr>
-          </a:lnRef>
-          <a:fillRef idx="1">
-            <a:schemeClr val="accent1"/>
-          </a:fillRef>
-          <a:effectRef idx="0">
-            <a:schemeClr val="accent1"/>
-          </a:effectRef>
-          <a:fontRef idx="minor">
-            <a:schemeClr val="lt1"/>
-          </a:fontRef>
-        </p:style>
-        <p:txBody>
-          <a:bodyPr rtlCol="0" anchor="ctr"/>
-          <a:lstStyle/>
-          <a:p>
-            <a:pPr algn="ctr"/>
-            <a:r>
-              <a:rPr lang="en-US" altLang="ja-JP"/>
-              <a:t>5</a:t>
-            </a:r>
-            <a:endParaRPr kumimoji="1" lang="ja-JP" altLang="en-US"/>
-          </a:p>
-        </p:txBody>
-      </p:sp>
-      <p:sp>
-        <p:nvSpPr>
-          <p:cNvPr id="14" name="四角形: 角を丸くする 13">
-            <a:extLst>
-              <a:ext uri="{FF2B5EF4-FFF2-40B4-BE49-F238E27FC236}">
-                <a16:creationId xmlns:a16="http://schemas.microsoft.com/office/drawing/2014/main" id="{A7180E3E-5727-457A-81D7-B9D94B37AB54}"/>
-              </a:ext>
-            </a:extLst>
-          </p:cNvPr>
-          <p:cNvSpPr/>
-          <p:nvPr/>
-        </p:nvSpPr>
-        <p:spPr>
-          <a:xfrm>
-            <a:off x="5076056" y="2564904"/>
-            <a:ext cx="720080" cy="288032"/>
-          </a:xfrm>
-          <a:prstGeom prst="roundRect">
-            <a:avLst/>
-          </a:prstGeom>
-          <a:noFill/>
-          <a:ln w="38100">
-            <a:solidFill>
-              <a:srgbClr val="FF0000"/>
-            </a:solidFill>
-          </a:ln>
-        </p:spPr>
-        <p:style>
-          <a:lnRef idx="2">
-            <a:schemeClr val="accent1">
-              <a:shade val="50000"/>
-            </a:schemeClr>
-          </a:lnRef>
-          <a:fillRef idx="1">
-            <a:schemeClr val="accent1"/>
-          </a:fillRef>
-          <a:effectRef idx="0">
-            <a:schemeClr val="accent1"/>
-          </a:effectRef>
-          <a:fontRef idx="minor">
-            <a:schemeClr val="lt1"/>
-          </a:fontRef>
-        </p:style>
-        <p:txBody>
-          <a:bodyPr rtlCol="0" anchor="ctr"/>
-          <a:lstStyle/>
-          <a:p>
-            <a:pPr algn="ctr"/>
-            <a:endParaRPr kumimoji="1" lang="ja-JP" altLang="en-US"/>
-          </a:p>
-        </p:txBody>
-      </p:sp>
-      <p:sp>
-        <p:nvSpPr>
-          <p:cNvPr id="15" name="楕円 14">
-            <a:extLst>
-              <a:ext uri="{FF2B5EF4-FFF2-40B4-BE49-F238E27FC236}">
-                <a16:creationId xmlns:a16="http://schemas.microsoft.com/office/drawing/2014/main" id="{83B2DDFC-05CC-4E85-B9A7-3FA73C22283B}"/>
-              </a:ext>
-            </a:extLst>
-          </p:cNvPr>
-          <p:cNvSpPr/>
-          <p:nvPr/>
-        </p:nvSpPr>
-        <p:spPr>
-          <a:xfrm>
-            <a:off x="4644008" y="2492896"/>
-            <a:ext cx="360040" cy="360040"/>
-          </a:xfrm>
-          <a:prstGeom prst="ellipse">
-            <a:avLst/>
-          </a:prstGeom>
-          <a:solidFill>
-            <a:srgbClr val="FF0000"/>
-          </a:solidFill>
-          <a:ln>
-            <a:solidFill>
-              <a:schemeClr val="tx1"/>
-            </a:solidFill>
-          </a:ln>
-        </p:spPr>
-        <p:style>
-          <a:lnRef idx="2">
-            <a:schemeClr val="accent1">
-              <a:shade val="50000"/>
-            </a:schemeClr>
-          </a:lnRef>
-          <a:fillRef idx="1">
-            <a:schemeClr val="accent1"/>
-          </a:fillRef>
-          <a:effectRef idx="0">
-            <a:schemeClr val="accent1"/>
-          </a:effectRef>
-          <a:fontRef idx="minor">
-            <a:schemeClr val="lt1"/>
-          </a:fontRef>
-        </p:style>
-        <p:txBody>
-          <a:bodyPr rtlCol="0" anchor="ctr"/>
-          <a:lstStyle/>
-          <a:p>
-            <a:pPr algn="ctr"/>
-            <a:r>
-              <a:rPr kumimoji="1" lang="ja-JP" altLang="en-US"/>
-              <a:t>１</a:t>
-            </a:r>
-          </a:p>
-        </p:txBody>
-      </p:sp>
     </p:spTree>
     <p:extLst>
       <p:ext uri="{BB962C8B-B14F-4D97-AF65-F5344CB8AC3E}">
-        <p14:creationId xmlns:p14="http://schemas.microsoft.com/office/powerpoint/2010/main" val="1965049577"/>
+        <p14:creationId xmlns:p14="http://schemas.microsoft.com/office/powerpoint/2010/main" val="2255261583"/>
       </p:ext>
     </p:extLst>
   </p:cSld>
@@ -2574,7 +2317,7 @@
           <p:cNvPr id="2" name="テキスト プレースホルダー 1">
             <a:extLst>
               <a:ext uri="{FF2B5EF4-FFF2-40B4-BE49-F238E27FC236}">
-                <a16:creationId xmlns:a16="http://schemas.microsoft.com/office/drawing/2014/main" id="{4400C90D-A223-47C6-AA95-3812923A72C6}"/>
+                <a16:creationId xmlns:a16="http://schemas.microsoft.com/office/drawing/2014/main" id="{2D8CE7ED-5EDA-4EF8-8917-571DF090042E}"/>
               </a:ext>
             </a:extLst>
           </p:cNvPr>
@@ -2607,7 +2350,7 @@
           <p:cNvPr id="4" name="図 3">
             <a:extLst>
               <a:ext uri="{FF2B5EF4-FFF2-40B4-BE49-F238E27FC236}">
-                <a16:creationId xmlns:a16="http://schemas.microsoft.com/office/drawing/2014/main" id="{971DCBC3-E82B-4BA8-992E-EAF24076ABD1}"/>
+                <a16:creationId xmlns:a16="http://schemas.microsoft.com/office/drawing/2014/main" id="{7245BCF9-0FA9-40DF-B46C-474EB646FE11}"/>
               </a:ext>
             </a:extLst>
           </p:cNvPr>
@@ -2624,8 +2367,8 @@
         </p:blipFill>
         <p:spPr>
           <a:xfrm>
-            <a:off x="251520" y="2276872"/>
-            <a:ext cx="8662039" cy="3384376"/>
+            <a:off x="395536" y="1700808"/>
+            <a:ext cx="6794849" cy="4896102"/>
           </a:xfrm>
           <a:prstGeom prst="rect">
             <a:avLst/>
@@ -2637,7 +2380,7 @@
           <p:cNvPr id="5" name="テキスト ボックス 4">
             <a:extLst>
               <a:ext uri="{FF2B5EF4-FFF2-40B4-BE49-F238E27FC236}">
-                <a16:creationId xmlns:a16="http://schemas.microsoft.com/office/drawing/2014/main" id="{165B1961-526D-4A22-B4EB-EFD8954685B8}"/>
+                <a16:creationId xmlns:a16="http://schemas.microsoft.com/office/drawing/2014/main" id="{30E38009-7DBB-4AA9-89B8-C522F89C19A4}"/>
               </a:ext>
             </a:extLst>
           </p:cNvPr>
@@ -2646,8 +2389,8 @@
         </p:nvSpPr>
         <p:spPr>
           <a:xfrm>
-            <a:off x="323528" y="1268760"/>
-            <a:ext cx="4493538" cy="954107"/>
+            <a:off x="323528" y="1124744"/>
+            <a:ext cx="5674951" cy="461665"/>
           </a:xfrm>
           <a:prstGeom prst="rect">
             <a:avLst/>
@@ -2661,58 +2404,565 @@
           <a:lstStyle/>
           <a:p>
             <a:r>
-              <a:rPr kumimoji="1" lang="ja-JP" altLang="en-US" sz="2800"/>
-              <a:t>こんな画面が出たら成功</a:t>
-            </a:r>
-            <a:endParaRPr kumimoji="1" lang="en-US" altLang="ja-JP" sz="2800"/>
-          </a:p>
-          <a:p>
-            <a:r>
-              <a:rPr kumimoji="1" lang="ja-JP" altLang="en-US" sz="2800"/>
-              <a:t>テストプレイをしてみよう</a:t>
-            </a:r>
-            <a:endParaRPr kumimoji="1" lang="en-US" altLang="ja-JP" sz="2800"/>
-          </a:p>
-        </p:txBody>
-      </p:sp>
-      <p:sp>
-        <p:nvSpPr>
-          <p:cNvPr id="6" name="テキスト ボックス 5">
-            <a:extLst>
-              <a:ext uri="{FF2B5EF4-FFF2-40B4-BE49-F238E27FC236}">
-                <a16:creationId xmlns:a16="http://schemas.microsoft.com/office/drawing/2014/main" id="{EDDC528F-3756-41B1-8E8D-10070006AE33}"/>
-              </a:ext>
-            </a:extLst>
-          </p:cNvPr>
-          <p:cNvSpPr txBox="1"/>
-          <p:nvPr/>
-        </p:nvSpPr>
-        <p:spPr>
-          <a:xfrm>
-            <a:off x="611560" y="5877272"/>
-            <a:ext cx="5416868" cy="830997"/>
-          </a:xfrm>
-          <a:prstGeom prst="rect">
+              <a:rPr kumimoji="1" lang="ja-JP" altLang="en-US" sz="2400"/>
+              <a:t>先ほどと同様の手順で</a:t>
+            </a:r>
+            <a:r>
+              <a:rPr kumimoji="1" lang="en-US" altLang="ja-JP" sz="2400"/>
+              <a:t>Pages</a:t>
+            </a:r>
+            <a:r>
+              <a:rPr kumimoji="1" lang="ja-JP" altLang="en-US" sz="2400"/>
+              <a:t>を公開する</a:t>
+            </a:r>
+          </a:p>
+        </p:txBody>
+      </p:sp>
+      <p:sp>
+        <p:nvSpPr>
+          <p:cNvPr id="6" name="四角形: 角を丸くする 5">
+            <a:extLst>
+              <a:ext uri="{FF2B5EF4-FFF2-40B4-BE49-F238E27FC236}">
+                <a16:creationId xmlns:a16="http://schemas.microsoft.com/office/drawing/2014/main" id="{77FF31BE-00DC-4B16-86F6-04E6C2ADB721}"/>
+              </a:ext>
+            </a:extLst>
+          </p:cNvPr>
+          <p:cNvSpPr/>
+          <p:nvPr/>
+        </p:nvSpPr>
+        <p:spPr>
+          <a:xfrm>
+            <a:off x="539552" y="6237312"/>
+            <a:ext cx="1872208" cy="360040"/>
+          </a:xfrm>
+          <a:prstGeom prst="roundRect">
             <a:avLst/>
           </a:prstGeom>
           <a:noFill/>
-        </p:spPr>
-        <p:txBody>
-          <a:bodyPr wrap="none" rtlCol="0">
-            <a:spAutoFit/>
-          </a:bodyPr>
-          <a:lstStyle/>
-          <a:p>
-            <a:r>
-              <a:rPr kumimoji="1" lang="ja-JP" altLang="en-US" sz="2400"/>
-              <a:t>マウスクリックでメッセージ送り</a:t>
-            </a:r>
-            <a:endParaRPr kumimoji="1" lang="en-US" altLang="ja-JP" sz="2400"/>
-          </a:p>
-          <a:p>
-            <a:r>
-              <a:rPr kumimoji="1" lang="ja-JP" altLang="en-US" sz="2400"/>
-              <a:t>選択肢が出たらマウスクリックで選ぶ</a:t>
+          <a:ln w="38100">
+            <a:solidFill>
+              <a:srgbClr val="FF0000"/>
+            </a:solidFill>
+          </a:ln>
+        </p:spPr>
+        <p:style>
+          <a:lnRef idx="2">
+            <a:schemeClr val="accent1">
+              <a:shade val="50000"/>
+            </a:schemeClr>
+          </a:lnRef>
+          <a:fillRef idx="1">
+            <a:schemeClr val="accent1"/>
+          </a:fillRef>
+          <a:effectRef idx="0">
+            <a:schemeClr val="accent1"/>
+          </a:effectRef>
+          <a:fontRef idx="minor">
+            <a:schemeClr val="lt1"/>
+          </a:fontRef>
+        </p:style>
+        <p:txBody>
+          <a:bodyPr rtlCol="0" anchor="ctr"/>
+          <a:lstStyle/>
+          <a:p>
+            <a:pPr algn="ctr"/>
+            <a:endParaRPr kumimoji="1" lang="ja-JP" altLang="en-US"/>
+          </a:p>
+        </p:txBody>
+      </p:sp>
+      <p:sp>
+        <p:nvSpPr>
+          <p:cNvPr id="7" name="四角形: 角を丸くする 6">
+            <a:extLst>
+              <a:ext uri="{FF2B5EF4-FFF2-40B4-BE49-F238E27FC236}">
+                <a16:creationId xmlns:a16="http://schemas.microsoft.com/office/drawing/2014/main" id="{1A00CBCA-6BB9-42C2-9956-D2D791D20AEE}"/>
+              </a:ext>
+            </a:extLst>
+          </p:cNvPr>
+          <p:cNvSpPr/>
+          <p:nvPr/>
+        </p:nvSpPr>
+        <p:spPr>
+          <a:xfrm>
+            <a:off x="2555776" y="3933056"/>
+            <a:ext cx="936104" cy="288032"/>
+          </a:xfrm>
+          <a:prstGeom prst="roundRect">
+            <a:avLst/>
+          </a:prstGeom>
+          <a:noFill/>
+          <a:ln w="38100">
+            <a:solidFill>
+              <a:srgbClr val="FF0000"/>
+            </a:solidFill>
+          </a:ln>
+        </p:spPr>
+        <p:style>
+          <a:lnRef idx="2">
+            <a:schemeClr val="accent1">
+              <a:shade val="50000"/>
+            </a:schemeClr>
+          </a:lnRef>
+          <a:fillRef idx="1">
+            <a:schemeClr val="accent1"/>
+          </a:fillRef>
+          <a:effectRef idx="0">
+            <a:schemeClr val="accent1"/>
+          </a:effectRef>
+          <a:fontRef idx="minor">
+            <a:schemeClr val="lt1"/>
+          </a:fontRef>
+        </p:style>
+        <p:txBody>
+          <a:bodyPr rtlCol="0" anchor="ctr"/>
+          <a:lstStyle/>
+          <a:p>
+            <a:pPr algn="ctr"/>
+            <a:endParaRPr kumimoji="1" lang="ja-JP" altLang="en-US"/>
+          </a:p>
+        </p:txBody>
+      </p:sp>
+      <p:sp>
+        <p:nvSpPr>
+          <p:cNvPr id="8" name="四角形: 角を丸くする 7">
+            <a:extLst>
+              <a:ext uri="{FF2B5EF4-FFF2-40B4-BE49-F238E27FC236}">
+                <a16:creationId xmlns:a16="http://schemas.microsoft.com/office/drawing/2014/main" id="{29B6899E-ECDE-43D3-BC12-A9D8CE9AF035}"/>
+              </a:ext>
+            </a:extLst>
+          </p:cNvPr>
+          <p:cNvSpPr/>
+          <p:nvPr/>
+        </p:nvSpPr>
+        <p:spPr>
+          <a:xfrm>
+            <a:off x="3563888" y="3933056"/>
+            <a:ext cx="648072" cy="288032"/>
+          </a:xfrm>
+          <a:prstGeom prst="roundRect">
+            <a:avLst/>
+          </a:prstGeom>
+          <a:noFill/>
+          <a:ln w="38100">
+            <a:solidFill>
+              <a:srgbClr val="FF0000"/>
+            </a:solidFill>
+          </a:ln>
+        </p:spPr>
+        <p:style>
+          <a:lnRef idx="2">
+            <a:schemeClr val="accent1">
+              <a:shade val="50000"/>
+            </a:schemeClr>
+          </a:lnRef>
+          <a:fillRef idx="1">
+            <a:schemeClr val="accent1"/>
+          </a:fillRef>
+          <a:effectRef idx="0">
+            <a:schemeClr val="accent1"/>
+          </a:effectRef>
+          <a:fontRef idx="minor">
+            <a:schemeClr val="lt1"/>
+          </a:fontRef>
+        </p:style>
+        <p:txBody>
+          <a:bodyPr rtlCol="0" anchor="ctr"/>
+          <a:lstStyle/>
+          <a:p>
+            <a:pPr algn="ctr"/>
+            <a:endParaRPr kumimoji="1" lang="ja-JP" altLang="en-US"/>
+          </a:p>
+        </p:txBody>
+      </p:sp>
+      <p:sp>
+        <p:nvSpPr>
+          <p:cNvPr id="9" name="四角形: 角を丸くする 8">
+            <a:extLst>
+              <a:ext uri="{FF2B5EF4-FFF2-40B4-BE49-F238E27FC236}">
+                <a16:creationId xmlns:a16="http://schemas.microsoft.com/office/drawing/2014/main" id="{BA78CE15-3A5A-45E8-9A5C-B19256A39A99}"/>
+              </a:ext>
+            </a:extLst>
+          </p:cNvPr>
+          <p:cNvSpPr/>
+          <p:nvPr/>
+        </p:nvSpPr>
+        <p:spPr>
+          <a:xfrm>
+            <a:off x="4283968" y="3933056"/>
+            <a:ext cx="432048" cy="288032"/>
+          </a:xfrm>
+          <a:prstGeom prst="roundRect">
+            <a:avLst/>
+          </a:prstGeom>
+          <a:noFill/>
+          <a:ln w="38100">
+            <a:solidFill>
+              <a:srgbClr val="FF0000"/>
+            </a:solidFill>
+          </a:ln>
+        </p:spPr>
+        <p:style>
+          <a:lnRef idx="2">
+            <a:schemeClr val="accent1">
+              <a:shade val="50000"/>
+            </a:schemeClr>
+          </a:lnRef>
+          <a:fillRef idx="1">
+            <a:schemeClr val="accent1"/>
+          </a:fillRef>
+          <a:effectRef idx="0">
+            <a:schemeClr val="accent1"/>
+          </a:effectRef>
+          <a:fontRef idx="minor">
+            <a:schemeClr val="lt1"/>
+          </a:fontRef>
+        </p:style>
+        <p:txBody>
+          <a:bodyPr rtlCol="0" anchor="ctr"/>
+          <a:lstStyle/>
+          <a:p>
+            <a:pPr algn="ctr"/>
+            <a:endParaRPr kumimoji="1" lang="ja-JP" altLang="en-US"/>
+          </a:p>
+        </p:txBody>
+      </p:sp>
+      <p:sp>
+        <p:nvSpPr>
+          <p:cNvPr id="10" name="楕円 9">
+            <a:extLst>
+              <a:ext uri="{FF2B5EF4-FFF2-40B4-BE49-F238E27FC236}">
+                <a16:creationId xmlns:a16="http://schemas.microsoft.com/office/drawing/2014/main" id="{0C4D754E-E4A5-42AE-A738-415BEBD98E9B}"/>
+              </a:ext>
+            </a:extLst>
+          </p:cNvPr>
+          <p:cNvSpPr/>
+          <p:nvPr/>
+        </p:nvSpPr>
+        <p:spPr>
+          <a:xfrm>
+            <a:off x="107504" y="6237312"/>
+            <a:ext cx="360040" cy="360040"/>
+          </a:xfrm>
+          <a:prstGeom prst="ellipse">
+            <a:avLst/>
+          </a:prstGeom>
+          <a:solidFill>
+            <a:srgbClr val="FF0000"/>
+          </a:solidFill>
+          <a:ln>
+            <a:solidFill>
+              <a:schemeClr val="tx1"/>
+            </a:solidFill>
+          </a:ln>
+        </p:spPr>
+        <p:style>
+          <a:lnRef idx="2">
+            <a:schemeClr val="accent1">
+              <a:shade val="50000"/>
+            </a:schemeClr>
+          </a:lnRef>
+          <a:fillRef idx="1">
+            <a:schemeClr val="accent1"/>
+          </a:fillRef>
+          <a:effectRef idx="0">
+            <a:schemeClr val="accent1"/>
+          </a:effectRef>
+          <a:fontRef idx="minor">
+            <a:schemeClr val="lt1"/>
+          </a:fontRef>
+        </p:style>
+        <p:txBody>
+          <a:bodyPr rtlCol="0" anchor="ctr"/>
+          <a:lstStyle/>
+          <a:p>
+            <a:pPr algn="ctr"/>
+            <a:r>
+              <a:rPr kumimoji="1" lang="en-US" altLang="ja-JP"/>
+              <a:t>2</a:t>
+            </a:r>
+            <a:endParaRPr kumimoji="1" lang="ja-JP" altLang="en-US"/>
+          </a:p>
+        </p:txBody>
+      </p:sp>
+      <p:sp>
+        <p:nvSpPr>
+          <p:cNvPr id="11" name="楕円 10">
+            <a:extLst>
+              <a:ext uri="{FF2B5EF4-FFF2-40B4-BE49-F238E27FC236}">
+                <a16:creationId xmlns:a16="http://schemas.microsoft.com/office/drawing/2014/main" id="{7A2CA886-8897-4ED7-8656-F3A825107938}"/>
+              </a:ext>
+            </a:extLst>
+          </p:cNvPr>
+          <p:cNvSpPr/>
+          <p:nvPr/>
+        </p:nvSpPr>
+        <p:spPr>
+          <a:xfrm>
+            <a:off x="2771800" y="3501008"/>
+            <a:ext cx="360040" cy="360040"/>
+          </a:xfrm>
+          <a:prstGeom prst="ellipse">
+            <a:avLst/>
+          </a:prstGeom>
+          <a:solidFill>
+            <a:srgbClr val="FF0000"/>
+          </a:solidFill>
+          <a:ln>
+            <a:solidFill>
+              <a:schemeClr val="tx1"/>
+            </a:solidFill>
+          </a:ln>
+        </p:spPr>
+        <p:style>
+          <a:lnRef idx="2">
+            <a:schemeClr val="accent1">
+              <a:shade val="50000"/>
+            </a:schemeClr>
+          </a:lnRef>
+          <a:fillRef idx="1">
+            <a:schemeClr val="accent1"/>
+          </a:fillRef>
+          <a:effectRef idx="0">
+            <a:schemeClr val="accent1"/>
+          </a:effectRef>
+          <a:fontRef idx="minor">
+            <a:schemeClr val="lt1"/>
+          </a:fontRef>
+        </p:style>
+        <p:txBody>
+          <a:bodyPr rtlCol="0" anchor="ctr"/>
+          <a:lstStyle/>
+          <a:p>
+            <a:pPr algn="ctr"/>
+            <a:r>
+              <a:rPr lang="en-US" altLang="ja-JP"/>
+              <a:t>3</a:t>
+            </a:r>
+            <a:endParaRPr kumimoji="1" lang="ja-JP" altLang="en-US"/>
+          </a:p>
+        </p:txBody>
+      </p:sp>
+      <p:sp>
+        <p:nvSpPr>
+          <p:cNvPr id="12" name="楕円 11">
+            <a:extLst>
+              <a:ext uri="{FF2B5EF4-FFF2-40B4-BE49-F238E27FC236}">
+                <a16:creationId xmlns:a16="http://schemas.microsoft.com/office/drawing/2014/main" id="{319FC94B-BB7E-4B5E-8378-45247A152E8B}"/>
+              </a:ext>
+            </a:extLst>
+          </p:cNvPr>
+          <p:cNvSpPr/>
+          <p:nvPr/>
+        </p:nvSpPr>
+        <p:spPr>
+          <a:xfrm>
+            <a:off x="3635896" y="3501008"/>
+            <a:ext cx="360040" cy="360040"/>
+          </a:xfrm>
+          <a:prstGeom prst="ellipse">
+            <a:avLst/>
+          </a:prstGeom>
+          <a:solidFill>
+            <a:srgbClr val="FF0000"/>
+          </a:solidFill>
+          <a:ln>
+            <a:solidFill>
+              <a:schemeClr val="tx1"/>
+            </a:solidFill>
+          </a:ln>
+        </p:spPr>
+        <p:style>
+          <a:lnRef idx="2">
+            <a:schemeClr val="accent1">
+              <a:shade val="50000"/>
+            </a:schemeClr>
+          </a:lnRef>
+          <a:fillRef idx="1">
+            <a:schemeClr val="accent1"/>
+          </a:fillRef>
+          <a:effectRef idx="0">
+            <a:schemeClr val="accent1"/>
+          </a:effectRef>
+          <a:fontRef idx="minor">
+            <a:schemeClr val="lt1"/>
+          </a:fontRef>
+        </p:style>
+        <p:txBody>
+          <a:bodyPr rtlCol="0" anchor="ctr"/>
+          <a:lstStyle/>
+          <a:p>
+            <a:pPr algn="ctr"/>
+            <a:r>
+              <a:rPr kumimoji="1" lang="en-US" altLang="ja-JP"/>
+              <a:t>4</a:t>
+            </a:r>
+            <a:endParaRPr kumimoji="1" lang="ja-JP" altLang="en-US"/>
+          </a:p>
+        </p:txBody>
+      </p:sp>
+      <p:sp>
+        <p:nvSpPr>
+          <p:cNvPr id="13" name="楕円 12">
+            <a:extLst>
+              <a:ext uri="{FF2B5EF4-FFF2-40B4-BE49-F238E27FC236}">
+                <a16:creationId xmlns:a16="http://schemas.microsoft.com/office/drawing/2014/main" id="{77CE4B10-E201-4417-A277-BC14FDE75A4E}"/>
+              </a:ext>
+            </a:extLst>
+          </p:cNvPr>
+          <p:cNvSpPr/>
+          <p:nvPr/>
+        </p:nvSpPr>
+        <p:spPr>
+          <a:xfrm>
+            <a:off x="4355976" y="3501008"/>
+            <a:ext cx="360040" cy="360040"/>
+          </a:xfrm>
+          <a:prstGeom prst="ellipse">
+            <a:avLst/>
+          </a:prstGeom>
+          <a:solidFill>
+            <a:srgbClr val="FF0000"/>
+          </a:solidFill>
+          <a:ln>
+            <a:solidFill>
+              <a:schemeClr val="tx1"/>
+            </a:solidFill>
+          </a:ln>
+        </p:spPr>
+        <p:style>
+          <a:lnRef idx="2">
+            <a:schemeClr val="accent1">
+              <a:shade val="50000"/>
+            </a:schemeClr>
+          </a:lnRef>
+          <a:fillRef idx="1">
+            <a:schemeClr val="accent1"/>
+          </a:fillRef>
+          <a:effectRef idx="0">
+            <a:schemeClr val="accent1"/>
+          </a:effectRef>
+          <a:fontRef idx="minor">
+            <a:schemeClr val="lt1"/>
+          </a:fontRef>
+        </p:style>
+        <p:txBody>
+          <a:bodyPr rtlCol="0" anchor="ctr"/>
+          <a:lstStyle/>
+          <a:p>
+            <a:pPr algn="ctr"/>
+            <a:r>
+              <a:rPr lang="en-US" altLang="ja-JP"/>
+              <a:t>5</a:t>
+            </a:r>
+            <a:endParaRPr kumimoji="1" lang="ja-JP" altLang="en-US"/>
+          </a:p>
+        </p:txBody>
+      </p:sp>
+      <p:sp>
+        <p:nvSpPr>
+          <p:cNvPr id="14" name="四角形: 角を丸くする 13">
+            <a:extLst>
+              <a:ext uri="{FF2B5EF4-FFF2-40B4-BE49-F238E27FC236}">
+                <a16:creationId xmlns:a16="http://schemas.microsoft.com/office/drawing/2014/main" id="{A7180E3E-5727-457A-81D7-B9D94B37AB54}"/>
+              </a:ext>
+            </a:extLst>
+          </p:cNvPr>
+          <p:cNvSpPr/>
+          <p:nvPr/>
+        </p:nvSpPr>
+        <p:spPr>
+          <a:xfrm>
+            <a:off x="5076056" y="2564904"/>
+            <a:ext cx="720080" cy="288032"/>
+          </a:xfrm>
+          <a:prstGeom prst="roundRect">
+            <a:avLst/>
+          </a:prstGeom>
+          <a:noFill/>
+          <a:ln w="38100">
+            <a:solidFill>
+              <a:srgbClr val="FF0000"/>
+            </a:solidFill>
+          </a:ln>
+        </p:spPr>
+        <p:style>
+          <a:lnRef idx="2">
+            <a:schemeClr val="accent1">
+              <a:shade val="50000"/>
+            </a:schemeClr>
+          </a:lnRef>
+          <a:fillRef idx="1">
+            <a:schemeClr val="accent1"/>
+          </a:fillRef>
+          <a:effectRef idx="0">
+            <a:schemeClr val="accent1"/>
+          </a:effectRef>
+          <a:fontRef idx="minor">
+            <a:schemeClr val="lt1"/>
+          </a:fontRef>
+        </p:style>
+        <p:txBody>
+          <a:bodyPr rtlCol="0" anchor="ctr"/>
+          <a:lstStyle/>
+          <a:p>
+            <a:pPr algn="ctr"/>
+            <a:endParaRPr kumimoji="1" lang="ja-JP" altLang="en-US"/>
+          </a:p>
+        </p:txBody>
+      </p:sp>
+      <p:sp>
+        <p:nvSpPr>
+          <p:cNvPr id="15" name="楕円 14">
+            <a:extLst>
+              <a:ext uri="{FF2B5EF4-FFF2-40B4-BE49-F238E27FC236}">
+                <a16:creationId xmlns:a16="http://schemas.microsoft.com/office/drawing/2014/main" id="{83B2DDFC-05CC-4E85-B9A7-3FA73C22283B}"/>
+              </a:ext>
+            </a:extLst>
+          </p:cNvPr>
+          <p:cNvSpPr/>
+          <p:nvPr/>
+        </p:nvSpPr>
+        <p:spPr>
+          <a:xfrm>
+            <a:off x="4644008" y="2492896"/>
+            <a:ext cx="360040" cy="360040"/>
+          </a:xfrm>
+          <a:prstGeom prst="ellipse">
+            <a:avLst/>
+          </a:prstGeom>
+          <a:solidFill>
+            <a:srgbClr val="FF0000"/>
+          </a:solidFill>
+          <a:ln>
+            <a:solidFill>
+              <a:schemeClr val="tx1"/>
+            </a:solidFill>
+          </a:ln>
+        </p:spPr>
+        <p:style>
+          <a:lnRef idx="2">
+            <a:schemeClr val="accent1">
+              <a:shade val="50000"/>
+            </a:schemeClr>
+          </a:lnRef>
+          <a:fillRef idx="1">
+            <a:schemeClr val="accent1"/>
+          </a:fillRef>
+          <a:effectRef idx="0">
+            <a:schemeClr val="accent1"/>
+          </a:effectRef>
+          <a:fontRef idx="minor">
+            <a:schemeClr val="lt1"/>
+          </a:fontRef>
+        </p:style>
+        <p:txBody>
+          <a:bodyPr rtlCol="0" anchor="ctr"/>
+          <a:lstStyle/>
+          <a:p>
+            <a:pPr algn="ctr"/>
+            <a:r>
+              <a:rPr kumimoji="1" lang="ja-JP" altLang="en-US"/>
+              <a:t>１</a:t>
             </a:r>
           </a:p>
         </p:txBody>
@@ -2720,7 +2970,7 @@
     </p:spTree>
     <p:extLst>
       <p:ext uri="{BB962C8B-B14F-4D97-AF65-F5344CB8AC3E}">
-        <p14:creationId xmlns:p14="http://schemas.microsoft.com/office/powerpoint/2010/main" val="3740385715"/>
+        <p14:creationId xmlns:p14="http://schemas.microsoft.com/office/powerpoint/2010/main" val="1965049577"/>
       </p:ext>
     </p:extLst>
   </p:cSld>
@@ -2752,7 +3002,7 @@
           <p:cNvPr id="2" name="テキスト プレースホルダー 1">
             <a:extLst>
               <a:ext uri="{FF2B5EF4-FFF2-40B4-BE49-F238E27FC236}">
-                <a16:creationId xmlns:a16="http://schemas.microsoft.com/office/drawing/2014/main" id="{812C5709-3489-431B-AAAC-E3096D65E9EC}"/>
+                <a16:creationId xmlns:a16="http://schemas.microsoft.com/office/drawing/2014/main" id="{4400C90D-A223-47C6-AA95-3812923A72C6}"/>
               </a:ext>
             </a:extLst>
           </p:cNvPr>
@@ -2774,61 +3024,18 @@
             </a:r>
             <a:r>
               <a:rPr lang="en-US" altLang="ja-JP"/>
-              <a:t>2 - Step 3</a:t>
+              <a:t>2 - Step 2</a:t>
             </a:r>
             <a:endParaRPr kumimoji="1" lang="ja-JP" altLang="en-US"/>
-          </a:p>
-        </p:txBody>
-      </p:sp>
-      <p:sp>
-        <p:nvSpPr>
-          <p:cNvPr id="3" name="テキスト ボックス 2">
-            <a:extLst>
-              <a:ext uri="{FF2B5EF4-FFF2-40B4-BE49-F238E27FC236}">
-                <a16:creationId xmlns:a16="http://schemas.microsoft.com/office/drawing/2014/main" id="{5027C318-1CB1-41EB-900A-C2A174A886B7}"/>
-              </a:ext>
-            </a:extLst>
-          </p:cNvPr>
-          <p:cNvSpPr txBox="1"/>
-          <p:nvPr/>
-        </p:nvSpPr>
-        <p:spPr>
-          <a:xfrm>
-            <a:off x="179512" y="1052736"/>
-            <a:ext cx="8804013" cy="523220"/>
-          </a:xfrm>
-          <a:prstGeom prst="rect">
-            <a:avLst/>
-          </a:prstGeom>
-          <a:noFill/>
-        </p:spPr>
-        <p:txBody>
-          <a:bodyPr wrap="none" rtlCol="0">
-            <a:spAutoFit/>
-          </a:bodyPr>
-          <a:lstStyle/>
-          <a:p>
-            <a:r>
-              <a:rPr kumimoji="1" lang="ja-JP" altLang="en-US" sz="2800"/>
-              <a:t>リポジトリのクローンのため、リモート</a:t>
-            </a:r>
-            <a:r>
-              <a:rPr kumimoji="1" lang="en-US" altLang="ja-JP" sz="2800"/>
-              <a:t>URL</a:t>
-            </a:r>
-            <a:r>
-              <a:rPr kumimoji="1" lang="ja-JP" altLang="en-US" sz="2800"/>
-              <a:t>をコピー</a:t>
-            </a:r>
           </a:p>
         </p:txBody>
       </p:sp>
       <p:pic>
         <p:nvPicPr>
-          <p:cNvPr id="5" name="図 4">
-            <a:extLst>
-              <a:ext uri="{FF2B5EF4-FFF2-40B4-BE49-F238E27FC236}">
-                <a16:creationId xmlns:a16="http://schemas.microsoft.com/office/drawing/2014/main" id="{F61664FD-C86F-41BB-8BE3-A5F85895CED8}"/>
+          <p:cNvPr id="4" name="図 3">
+            <a:extLst>
+              <a:ext uri="{FF2B5EF4-FFF2-40B4-BE49-F238E27FC236}">
+                <a16:creationId xmlns:a16="http://schemas.microsoft.com/office/drawing/2014/main" id="{971DCBC3-E82B-4BA8-992E-EAF24076ABD1}"/>
               </a:ext>
             </a:extLst>
           </p:cNvPr>
@@ -2845,8 +3052,8 @@
         </p:blipFill>
         <p:spPr>
           <a:xfrm>
-            <a:off x="467544" y="2636912"/>
-            <a:ext cx="7924995" cy="3888432"/>
+            <a:off x="251520" y="2276872"/>
+            <a:ext cx="8662039" cy="3384376"/>
           </a:xfrm>
           <a:prstGeom prst="rect">
             <a:avLst/>
@@ -2855,450 +3062,10 @@
       </p:pic>
       <p:sp>
         <p:nvSpPr>
-          <p:cNvPr id="7" name="四角形: 角を丸くする 6">
-            <a:extLst>
-              <a:ext uri="{FF2B5EF4-FFF2-40B4-BE49-F238E27FC236}">
-                <a16:creationId xmlns:a16="http://schemas.microsoft.com/office/drawing/2014/main" id="{E53D6DE6-45C8-4550-83A3-571EED161350}"/>
-              </a:ext>
-            </a:extLst>
-          </p:cNvPr>
-          <p:cNvSpPr/>
-          <p:nvPr/>
-        </p:nvSpPr>
-        <p:spPr>
-          <a:xfrm>
-            <a:off x="611560" y="3068960"/>
-            <a:ext cx="1440160" cy="360040"/>
-          </a:xfrm>
-          <a:prstGeom prst="roundRect">
-            <a:avLst/>
-          </a:prstGeom>
-          <a:noFill/>
-          <a:ln w="38100">
-            <a:solidFill>
-              <a:srgbClr val="FF0000"/>
-            </a:solidFill>
-          </a:ln>
-        </p:spPr>
-        <p:style>
-          <a:lnRef idx="2">
-            <a:schemeClr val="accent1">
-              <a:shade val="50000"/>
-            </a:schemeClr>
-          </a:lnRef>
-          <a:fillRef idx="1">
-            <a:schemeClr val="accent1"/>
-          </a:fillRef>
-          <a:effectRef idx="0">
-            <a:schemeClr val="accent1"/>
-          </a:effectRef>
-          <a:fontRef idx="minor">
-            <a:schemeClr val="lt1"/>
-          </a:fontRef>
-        </p:style>
-        <p:txBody>
-          <a:bodyPr rtlCol="0" anchor="ctr"/>
-          <a:lstStyle/>
-          <a:p>
-            <a:pPr algn="ctr"/>
-            <a:endParaRPr kumimoji="1" lang="ja-JP" altLang="en-US"/>
-          </a:p>
-        </p:txBody>
-      </p:sp>
-      <p:sp>
-        <p:nvSpPr>
-          <p:cNvPr id="8" name="楕円 7">
-            <a:extLst>
-              <a:ext uri="{FF2B5EF4-FFF2-40B4-BE49-F238E27FC236}">
-                <a16:creationId xmlns:a16="http://schemas.microsoft.com/office/drawing/2014/main" id="{57B147E2-162B-4C3B-A948-7118DEE10863}"/>
-              </a:ext>
-            </a:extLst>
-          </p:cNvPr>
-          <p:cNvSpPr/>
-          <p:nvPr/>
-        </p:nvSpPr>
-        <p:spPr>
-          <a:xfrm>
-            <a:off x="179512" y="3068960"/>
-            <a:ext cx="360040" cy="360040"/>
-          </a:xfrm>
-          <a:prstGeom prst="ellipse">
-            <a:avLst/>
-          </a:prstGeom>
-          <a:solidFill>
-            <a:srgbClr val="FF0000"/>
-          </a:solidFill>
-          <a:ln>
-            <a:solidFill>
-              <a:schemeClr val="tx1"/>
-            </a:solidFill>
-          </a:ln>
-        </p:spPr>
-        <p:style>
-          <a:lnRef idx="2">
-            <a:schemeClr val="accent1">
-              <a:shade val="50000"/>
-            </a:schemeClr>
-          </a:lnRef>
-          <a:fillRef idx="1">
-            <a:schemeClr val="accent1"/>
-          </a:fillRef>
-          <a:effectRef idx="0">
-            <a:schemeClr val="accent1"/>
-          </a:effectRef>
-          <a:fontRef idx="minor">
-            <a:schemeClr val="lt1"/>
-          </a:fontRef>
-        </p:style>
-        <p:txBody>
-          <a:bodyPr rtlCol="0" anchor="ctr"/>
-          <a:lstStyle/>
-          <a:p>
-            <a:pPr algn="ctr"/>
-            <a:r>
-              <a:rPr kumimoji="1" lang="en-US" altLang="ja-JP"/>
-              <a:t>1</a:t>
-            </a:r>
-            <a:endParaRPr kumimoji="1" lang="ja-JP" altLang="en-US"/>
-          </a:p>
-        </p:txBody>
-      </p:sp>
-      <p:sp>
-        <p:nvSpPr>
-          <p:cNvPr id="9" name="楕円 8">
-            <a:extLst>
-              <a:ext uri="{FF2B5EF4-FFF2-40B4-BE49-F238E27FC236}">
-                <a16:creationId xmlns:a16="http://schemas.microsoft.com/office/drawing/2014/main" id="{D63A72CB-9DD5-4E29-8A35-D5EFA85ECD4A}"/>
-              </a:ext>
-            </a:extLst>
-          </p:cNvPr>
-          <p:cNvSpPr/>
-          <p:nvPr/>
-        </p:nvSpPr>
-        <p:spPr>
-          <a:xfrm>
-            <a:off x="5220072" y="3789040"/>
-            <a:ext cx="360040" cy="360040"/>
-          </a:xfrm>
-          <a:prstGeom prst="ellipse">
-            <a:avLst/>
-          </a:prstGeom>
-          <a:solidFill>
-            <a:srgbClr val="FF0000"/>
-          </a:solidFill>
-          <a:ln>
-            <a:solidFill>
-              <a:schemeClr val="tx1"/>
-            </a:solidFill>
-          </a:ln>
-        </p:spPr>
-        <p:style>
-          <a:lnRef idx="2">
-            <a:schemeClr val="accent1">
-              <a:shade val="50000"/>
-            </a:schemeClr>
-          </a:lnRef>
-          <a:fillRef idx="1">
-            <a:schemeClr val="accent1"/>
-          </a:fillRef>
-          <a:effectRef idx="0">
-            <a:schemeClr val="accent1"/>
-          </a:effectRef>
-          <a:fontRef idx="minor">
-            <a:schemeClr val="lt1"/>
-          </a:fontRef>
-        </p:style>
-        <p:txBody>
-          <a:bodyPr rtlCol="0" anchor="ctr"/>
-          <a:lstStyle/>
-          <a:p>
-            <a:pPr algn="ctr"/>
-            <a:r>
-              <a:rPr kumimoji="1" lang="en-US" altLang="ja-JP"/>
-              <a:t>2</a:t>
-            </a:r>
-            <a:endParaRPr kumimoji="1" lang="ja-JP" altLang="en-US"/>
-          </a:p>
-        </p:txBody>
-      </p:sp>
-      <p:sp>
-        <p:nvSpPr>
-          <p:cNvPr id="10" name="四角形: 角を丸くする 9">
-            <a:extLst>
-              <a:ext uri="{FF2B5EF4-FFF2-40B4-BE49-F238E27FC236}">
-                <a16:creationId xmlns:a16="http://schemas.microsoft.com/office/drawing/2014/main" id="{63565B92-1236-41F0-8DA1-8F15CE4E71D7}"/>
-              </a:ext>
-            </a:extLst>
-          </p:cNvPr>
-          <p:cNvSpPr/>
-          <p:nvPr/>
-        </p:nvSpPr>
-        <p:spPr>
-          <a:xfrm>
-            <a:off x="5220072" y="4149080"/>
-            <a:ext cx="720080" cy="360040"/>
-          </a:xfrm>
-          <a:prstGeom prst="roundRect">
-            <a:avLst/>
-          </a:prstGeom>
-          <a:noFill/>
-          <a:ln w="38100">
-            <a:solidFill>
-              <a:srgbClr val="FF0000"/>
-            </a:solidFill>
-          </a:ln>
-        </p:spPr>
-        <p:style>
-          <a:lnRef idx="2">
-            <a:schemeClr val="accent1">
-              <a:shade val="50000"/>
-            </a:schemeClr>
-          </a:lnRef>
-          <a:fillRef idx="1">
-            <a:schemeClr val="accent1"/>
-          </a:fillRef>
-          <a:effectRef idx="0">
-            <a:schemeClr val="accent1"/>
-          </a:effectRef>
-          <a:fontRef idx="minor">
-            <a:schemeClr val="lt1"/>
-          </a:fontRef>
-        </p:style>
-        <p:txBody>
-          <a:bodyPr rtlCol="0" anchor="ctr"/>
-          <a:lstStyle/>
-          <a:p>
-            <a:pPr algn="ctr"/>
-            <a:endParaRPr kumimoji="1" lang="ja-JP" altLang="en-US"/>
-          </a:p>
-        </p:txBody>
-      </p:sp>
-      <p:sp>
-        <p:nvSpPr>
-          <p:cNvPr id="11" name="四角形: 角を丸くする 10">
-            <a:extLst>
-              <a:ext uri="{FF2B5EF4-FFF2-40B4-BE49-F238E27FC236}">
-                <a16:creationId xmlns:a16="http://schemas.microsoft.com/office/drawing/2014/main" id="{919C4ADA-88E1-45EE-ACFD-8B7F3AEC97A1}"/>
-              </a:ext>
-            </a:extLst>
-          </p:cNvPr>
-          <p:cNvSpPr/>
-          <p:nvPr/>
-        </p:nvSpPr>
-        <p:spPr>
-          <a:xfrm>
-            <a:off x="3419872" y="4869160"/>
-            <a:ext cx="288032" cy="144016"/>
-          </a:xfrm>
-          <a:prstGeom prst="roundRect">
-            <a:avLst/>
-          </a:prstGeom>
-          <a:noFill/>
-          <a:ln w="38100">
-            <a:solidFill>
-              <a:srgbClr val="FF0000"/>
-            </a:solidFill>
-          </a:ln>
-        </p:spPr>
-        <p:style>
-          <a:lnRef idx="2">
-            <a:schemeClr val="accent1">
-              <a:shade val="50000"/>
-            </a:schemeClr>
-          </a:lnRef>
-          <a:fillRef idx="1">
-            <a:schemeClr val="accent1"/>
-          </a:fillRef>
-          <a:effectRef idx="0">
-            <a:schemeClr val="accent1"/>
-          </a:effectRef>
-          <a:fontRef idx="minor">
-            <a:schemeClr val="lt1"/>
-          </a:fontRef>
-        </p:style>
-        <p:txBody>
-          <a:bodyPr rtlCol="0" anchor="ctr"/>
-          <a:lstStyle/>
-          <a:p>
-            <a:pPr algn="ctr"/>
-            <a:endParaRPr kumimoji="1" lang="ja-JP" altLang="en-US"/>
-          </a:p>
-        </p:txBody>
-      </p:sp>
-      <p:sp>
-        <p:nvSpPr>
-          <p:cNvPr id="12" name="楕円 11">
-            <a:extLst>
-              <a:ext uri="{FF2B5EF4-FFF2-40B4-BE49-F238E27FC236}">
-                <a16:creationId xmlns:a16="http://schemas.microsoft.com/office/drawing/2014/main" id="{9D706025-1675-4D50-9BDB-CB2228825D52}"/>
-              </a:ext>
-            </a:extLst>
-          </p:cNvPr>
-          <p:cNvSpPr/>
-          <p:nvPr/>
-        </p:nvSpPr>
-        <p:spPr>
-          <a:xfrm>
-            <a:off x="3347864" y="4437112"/>
-            <a:ext cx="360040" cy="360040"/>
-          </a:xfrm>
-          <a:prstGeom prst="ellipse">
-            <a:avLst/>
-          </a:prstGeom>
-          <a:solidFill>
-            <a:srgbClr val="FF0000"/>
-          </a:solidFill>
-          <a:ln>
-            <a:solidFill>
-              <a:schemeClr val="tx1"/>
-            </a:solidFill>
-          </a:ln>
-        </p:spPr>
-        <p:style>
-          <a:lnRef idx="2">
-            <a:schemeClr val="accent1">
-              <a:shade val="50000"/>
-            </a:schemeClr>
-          </a:lnRef>
-          <a:fillRef idx="1">
-            <a:schemeClr val="accent1"/>
-          </a:fillRef>
-          <a:effectRef idx="0">
-            <a:schemeClr val="accent1"/>
-          </a:effectRef>
-          <a:fontRef idx="minor">
-            <a:schemeClr val="lt1"/>
-          </a:fontRef>
-        </p:style>
-        <p:txBody>
-          <a:bodyPr rtlCol="0" anchor="ctr"/>
-          <a:lstStyle/>
-          <a:p>
-            <a:pPr algn="ctr"/>
-            <a:r>
-              <a:rPr kumimoji="1" lang="en-US" altLang="ja-JP"/>
-              <a:t>3</a:t>
-            </a:r>
-            <a:endParaRPr kumimoji="1" lang="ja-JP" altLang="en-US"/>
-          </a:p>
-        </p:txBody>
-      </p:sp>
-      <p:sp>
-        <p:nvSpPr>
-          <p:cNvPr id="13" name="四角形: 角を丸くする 12">
-            <a:extLst>
-              <a:ext uri="{FF2B5EF4-FFF2-40B4-BE49-F238E27FC236}">
-                <a16:creationId xmlns:a16="http://schemas.microsoft.com/office/drawing/2014/main" id="{C2150B63-C299-492F-8613-184A8D4F10DD}"/>
-              </a:ext>
-            </a:extLst>
-          </p:cNvPr>
-          <p:cNvSpPr/>
-          <p:nvPr/>
-        </p:nvSpPr>
-        <p:spPr>
-          <a:xfrm>
-            <a:off x="5364088" y="5085184"/>
-            <a:ext cx="360040" cy="216024"/>
-          </a:xfrm>
-          <a:prstGeom prst="roundRect">
-            <a:avLst/>
-          </a:prstGeom>
-          <a:noFill/>
-          <a:ln w="38100">
-            <a:solidFill>
-              <a:srgbClr val="FF0000"/>
-            </a:solidFill>
-          </a:ln>
-        </p:spPr>
-        <p:style>
-          <a:lnRef idx="2">
-            <a:schemeClr val="accent1">
-              <a:shade val="50000"/>
-            </a:schemeClr>
-          </a:lnRef>
-          <a:fillRef idx="1">
-            <a:schemeClr val="accent1"/>
-          </a:fillRef>
-          <a:effectRef idx="0">
-            <a:schemeClr val="accent1"/>
-          </a:effectRef>
-          <a:fontRef idx="minor">
-            <a:schemeClr val="lt1"/>
-          </a:fontRef>
-        </p:style>
-        <p:txBody>
-          <a:bodyPr rtlCol="0" anchor="ctr"/>
-          <a:lstStyle/>
-          <a:p>
-            <a:pPr algn="ctr"/>
-            <a:endParaRPr kumimoji="1" lang="ja-JP" altLang="en-US"/>
-          </a:p>
-        </p:txBody>
-      </p:sp>
-      <p:sp>
-        <p:nvSpPr>
-          <p:cNvPr id="14" name="楕円 13">
-            <a:extLst>
-              <a:ext uri="{FF2B5EF4-FFF2-40B4-BE49-F238E27FC236}">
-                <a16:creationId xmlns:a16="http://schemas.microsoft.com/office/drawing/2014/main" id="{BA2C4269-16C3-43F9-B1F6-04C2AC76AA81}"/>
-              </a:ext>
-            </a:extLst>
-          </p:cNvPr>
-          <p:cNvSpPr/>
-          <p:nvPr/>
-        </p:nvSpPr>
-        <p:spPr>
-          <a:xfrm>
-            <a:off x="5292080" y="4653136"/>
-            <a:ext cx="360040" cy="360040"/>
-          </a:xfrm>
-          <a:prstGeom prst="ellipse">
-            <a:avLst/>
-          </a:prstGeom>
-          <a:solidFill>
-            <a:srgbClr val="FF0000"/>
-          </a:solidFill>
-          <a:ln>
-            <a:solidFill>
-              <a:schemeClr val="tx1"/>
-            </a:solidFill>
-          </a:ln>
-        </p:spPr>
-        <p:style>
-          <a:lnRef idx="2">
-            <a:schemeClr val="accent1">
-              <a:shade val="50000"/>
-            </a:schemeClr>
-          </a:lnRef>
-          <a:fillRef idx="1">
-            <a:schemeClr val="accent1"/>
-          </a:fillRef>
-          <a:effectRef idx="0">
-            <a:schemeClr val="accent1"/>
-          </a:effectRef>
-          <a:fontRef idx="minor">
-            <a:schemeClr val="lt1"/>
-          </a:fontRef>
-        </p:style>
-        <p:txBody>
-          <a:bodyPr rtlCol="0" anchor="ctr"/>
-          <a:lstStyle/>
-          <a:p>
-            <a:pPr algn="ctr"/>
-            <a:r>
-              <a:rPr kumimoji="1" lang="en-US" altLang="ja-JP"/>
-              <a:t>4</a:t>
-            </a:r>
-            <a:endParaRPr kumimoji="1" lang="ja-JP" altLang="en-US"/>
-          </a:p>
-        </p:txBody>
-      </p:sp>
-      <p:sp>
-        <p:nvSpPr>
-          <p:cNvPr id="15" name="テキスト ボックス 14">
-            <a:extLst>
-              <a:ext uri="{FF2B5EF4-FFF2-40B4-BE49-F238E27FC236}">
-                <a16:creationId xmlns:a16="http://schemas.microsoft.com/office/drawing/2014/main" id="{70EEBF0B-0158-44C4-86D5-49C2A7A3371E}"/>
+          <p:cNvPr id="5" name="テキスト ボックス 4">
+            <a:extLst>
+              <a:ext uri="{FF2B5EF4-FFF2-40B4-BE49-F238E27FC236}">
+                <a16:creationId xmlns:a16="http://schemas.microsoft.com/office/drawing/2014/main" id="{165B1961-526D-4A22-B4EB-EFD8954685B8}"/>
               </a:ext>
             </a:extLst>
           </p:cNvPr>
@@ -3307,8 +3074,8 @@
         </p:nvSpPr>
         <p:spPr>
           <a:xfrm>
-            <a:off x="129510" y="1916832"/>
-            <a:ext cx="9123010" cy="369332"/>
+            <a:off x="323528" y="1268760"/>
+            <a:ext cx="4493538" cy="954107"/>
           </a:xfrm>
           <a:prstGeom prst="rect">
             <a:avLst/>
@@ -3322,36 +3089,58 @@
           <a:lstStyle/>
           <a:p>
             <a:r>
-              <a:rPr kumimoji="1" lang="en-US" altLang="ja-JP"/>
-              <a:t>1. </a:t>
-            </a:r>
-            <a:r>
-              <a:rPr kumimoji="1" lang="ja-JP" altLang="en-US"/>
-              <a:t>自分のアカウントの </a:t>
-            </a:r>
-            <a:r>
-              <a:rPr kumimoji="1" lang="en-US" altLang="ja-JP"/>
-              <a:t>2. Code</a:t>
-            </a:r>
-            <a:r>
-              <a:rPr kumimoji="1" lang="ja-JP" altLang="en-US"/>
-              <a:t>をクリックし </a:t>
-            </a:r>
-            <a:r>
-              <a:rPr kumimoji="1" lang="en-US" altLang="ja-JP"/>
-              <a:t>3. SSH</a:t>
-            </a:r>
-            <a:r>
-              <a:rPr kumimoji="1" lang="ja-JP" altLang="en-US"/>
-              <a:t>を選んで </a:t>
-            </a:r>
-            <a:r>
-              <a:rPr kumimoji="1" lang="en-US" altLang="ja-JP"/>
-              <a:t>4. </a:t>
-            </a:r>
-            <a:r>
-              <a:rPr kumimoji="1" lang="ja-JP" altLang="en-US"/>
-              <a:t>コピーボタンを押す</a:t>
+              <a:rPr kumimoji="1" lang="ja-JP" altLang="en-US" sz="2800"/>
+              <a:t>こんな画面が出たら成功</a:t>
+            </a:r>
+            <a:endParaRPr kumimoji="1" lang="en-US" altLang="ja-JP" sz="2800"/>
+          </a:p>
+          <a:p>
+            <a:r>
+              <a:rPr kumimoji="1" lang="ja-JP" altLang="en-US" sz="2800"/>
+              <a:t>テストプレイをしてみよう</a:t>
+            </a:r>
+            <a:endParaRPr kumimoji="1" lang="en-US" altLang="ja-JP" sz="2800"/>
+          </a:p>
+        </p:txBody>
+      </p:sp>
+      <p:sp>
+        <p:nvSpPr>
+          <p:cNvPr id="6" name="テキスト ボックス 5">
+            <a:extLst>
+              <a:ext uri="{FF2B5EF4-FFF2-40B4-BE49-F238E27FC236}">
+                <a16:creationId xmlns:a16="http://schemas.microsoft.com/office/drawing/2014/main" id="{EDDC528F-3756-41B1-8E8D-10070006AE33}"/>
+              </a:ext>
+            </a:extLst>
+          </p:cNvPr>
+          <p:cNvSpPr txBox="1"/>
+          <p:nvPr/>
+        </p:nvSpPr>
+        <p:spPr>
+          <a:xfrm>
+            <a:off x="611560" y="5877272"/>
+            <a:ext cx="5416868" cy="830997"/>
+          </a:xfrm>
+          <a:prstGeom prst="rect">
+            <a:avLst/>
+          </a:prstGeom>
+          <a:noFill/>
+        </p:spPr>
+        <p:txBody>
+          <a:bodyPr wrap="none" rtlCol="0">
+            <a:spAutoFit/>
+          </a:bodyPr>
+          <a:lstStyle/>
+          <a:p>
+            <a:r>
+              <a:rPr kumimoji="1" lang="ja-JP" altLang="en-US" sz="2400"/>
+              <a:t>マウスクリックでメッセージ送り</a:t>
+            </a:r>
+            <a:endParaRPr kumimoji="1" lang="en-US" altLang="ja-JP" sz="2400"/>
+          </a:p>
+          <a:p>
+            <a:r>
+              <a:rPr kumimoji="1" lang="ja-JP" altLang="en-US" sz="2400"/>
+              <a:t>選択肢が出たらマウスクリックで選ぶ</a:t>
             </a:r>
           </a:p>
         </p:txBody>
@@ -3359,7 +3148,7 @@
     </p:spTree>
     <p:extLst>
       <p:ext uri="{BB962C8B-B14F-4D97-AF65-F5344CB8AC3E}">
-        <p14:creationId xmlns:p14="http://schemas.microsoft.com/office/powerpoint/2010/main" val="2794258674"/>
+        <p14:creationId xmlns:p14="http://schemas.microsoft.com/office/powerpoint/2010/main" val="3740385715"/>
       </p:ext>
     </p:extLst>
   </p:cSld>
@@ -3391,7 +3180,7 @@
           <p:cNvPr id="2" name="テキスト プレースホルダー 1">
             <a:extLst>
               <a:ext uri="{FF2B5EF4-FFF2-40B4-BE49-F238E27FC236}">
-                <a16:creationId xmlns:a16="http://schemas.microsoft.com/office/drawing/2014/main" id="{2F0FA607-9011-4295-A85B-89A4632F2FE4}"/>
+                <a16:creationId xmlns:a16="http://schemas.microsoft.com/office/drawing/2014/main" id="{812C5709-3489-431B-AAAC-E3096D65E9EC}"/>
               </a:ext>
             </a:extLst>
           </p:cNvPr>
@@ -3421,10 +3210,10 @@
       </p:sp>
       <p:sp>
         <p:nvSpPr>
-          <p:cNvPr id="4" name="テキスト ボックス 3">
-            <a:extLst>
-              <a:ext uri="{FF2B5EF4-FFF2-40B4-BE49-F238E27FC236}">
-                <a16:creationId xmlns:a16="http://schemas.microsoft.com/office/drawing/2014/main" id="{69B31432-F7C9-48AC-936C-0D1BEFA2202F}"/>
+          <p:cNvPr id="3" name="テキスト ボックス 2">
+            <a:extLst>
+              <a:ext uri="{FF2B5EF4-FFF2-40B4-BE49-F238E27FC236}">
+                <a16:creationId xmlns:a16="http://schemas.microsoft.com/office/drawing/2014/main" id="{5027C318-1CB1-41EB-900A-C2A174A886B7}"/>
               </a:ext>
             </a:extLst>
           </p:cNvPr>
@@ -3433,65 +3222,511 @@
         </p:nvSpPr>
         <p:spPr>
           <a:xfrm>
-            <a:off x="251520" y="1916832"/>
-            <a:ext cx="8496944" cy="1015663"/>
+            <a:off x="179512" y="1052736"/>
+            <a:ext cx="8804013" cy="523220"/>
           </a:xfrm>
           <a:prstGeom prst="rect">
             <a:avLst/>
           </a:prstGeom>
           <a:noFill/>
+        </p:spPr>
+        <p:txBody>
+          <a:bodyPr wrap="none" rtlCol="0">
+            <a:spAutoFit/>
+          </a:bodyPr>
+          <a:lstStyle/>
+          <a:p>
+            <a:r>
+              <a:rPr kumimoji="1" lang="ja-JP" altLang="en-US" sz="2800"/>
+              <a:t>リポジトリのクローンのため、リモート</a:t>
+            </a:r>
+            <a:r>
+              <a:rPr kumimoji="1" lang="en-US" altLang="ja-JP" sz="2800"/>
+              <a:t>URL</a:t>
+            </a:r>
+            <a:r>
+              <a:rPr kumimoji="1" lang="ja-JP" altLang="en-US" sz="2800"/>
+              <a:t>をコピー</a:t>
+            </a:r>
+          </a:p>
+        </p:txBody>
+      </p:sp>
+      <p:pic>
+        <p:nvPicPr>
+          <p:cNvPr id="5" name="図 4">
+            <a:extLst>
+              <a:ext uri="{FF2B5EF4-FFF2-40B4-BE49-F238E27FC236}">
+                <a16:creationId xmlns:a16="http://schemas.microsoft.com/office/drawing/2014/main" id="{F61664FD-C86F-41BB-8BE3-A5F85895CED8}"/>
+              </a:ext>
+            </a:extLst>
+          </p:cNvPr>
+          <p:cNvPicPr>
+            <a:picLocks noChangeAspect="1"/>
+          </p:cNvPicPr>
+          <p:nvPr/>
+        </p:nvPicPr>
+        <p:blipFill>
+          <a:blip r:embed="rId2"/>
+          <a:stretch>
+            <a:fillRect/>
+          </a:stretch>
+        </p:blipFill>
+        <p:spPr>
+          <a:xfrm>
+            <a:off x="467544" y="2636912"/>
+            <a:ext cx="7924995" cy="3888432"/>
+          </a:xfrm>
+          <a:prstGeom prst="rect">
+            <a:avLst/>
+          </a:prstGeom>
+        </p:spPr>
+      </p:pic>
+      <p:sp>
+        <p:nvSpPr>
+          <p:cNvPr id="7" name="四角形: 角を丸くする 6">
+            <a:extLst>
+              <a:ext uri="{FF2B5EF4-FFF2-40B4-BE49-F238E27FC236}">
+                <a16:creationId xmlns:a16="http://schemas.microsoft.com/office/drawing/2014/main" id="{E53D6DE6-45C8-4550-83A3-571EED161350}"/>
+              </a:ext>
+            </a:extLst>
+          </p:cNvPr>
+          <p:cNvSpPr/>
+          <p:nvPr/>
+        </p:nvSpPr>
+        <p:spPr>
+          <a:xfrm>
+            <a:off x="611560" y="3068960"/>
+            <a:ext cx="1440160" cy="360040"/>
+          </a:xfrm>
+          <a:prstGeom prst="roundRect">
+            <a:avLst/>
+          </a:prstGeom>
+          <a:noFill/>
+          <a:ln w="38100">
+            <a:solidFill>
+              <a:srgbClr val="FF0000"/>
+            </a:solidFill>
+          </a:ln>
+        </p:spPr>
+        <p:style>
+          <a:lnRef idx="2">
+            <a:schemeClr val="accent1">
+              <a:shade val="50000"/>
+            </a:schemeClr>
+          </a:lnRef>
+          <a:fillRef idx="1">
+            <a:schemeClr val="accent1"/>
+          </a:fillRef>
+          <a:effectRef idx="0">
+            <a:schemeClr val="accent1"/>
+          </a:effectRef>
+          <a:fontRef idx="minor">
+            <a:schemeClr val="lt1"/>
+          </a:fontRef>
+        </p:style>
+        <p:txBody>
+          <a:bodyPr rtlCol="0" anchor="ctr"/>
+          <a:lstStyle/>
+          <a:p>
+            <a:pPr algn="ctr"/>
+            <a:endParaRPr kumimoji="1" lang="ja-JP" altLang="en-US"/>
+          </a:p>
+        </p:txBody>
+      </p:sp>
+      <p:sp>
+        <p:nvSpPr>
+          <p:cNvPr id="8" name="楕円 7">
+            <a:extLst>
+              <a:ext uri="{FF2B5EF4-FFF2-40B4-BE49-F238E27FC236}">
+                <a16:creationId xmlns:a16="http://schemas.microsoft.com/office/drawing/2014/main" id="{57B147E2-162B-4C3B-A948-7118DEE10863}"/>
+              </a:ext>
+            </a:extLst>
+          </p:cNvPr>
+          <p:cNvSpPr/>
+          <p:nvPr/>
+        </p:nvSpPr>
+        <p:spPr>
+          <a:xfrm>
+            <a:off x="179512" y="3068960"/>
+            <a:ext cx="360040" cy="360040"/>
+          </a:xfrm>
+          <a:prstGeom prst="ellipse">
+            <a:avLst/>
+          </a:prstGeom>
+          <a:solidFill>
+            <a:srgbClr val="FF0000"/>
+          </a:solidFill>
           <a:ln>
             <a:solidFill>
               <a:schemeClr val="tx1"/>
             </a:solidFill>
           </a:ln>
         </p:spPr>
-        <p:txBody>
-          <a:bodyPr wrap="square">
-            <a:spAutoFit/>
-          </a:bodyPr>
-          <a:lstStyle/>
-          <a:p>
-            <a:r>
-              <a:rPr lang="en-US" altLang="ja-JP" sz="2000">
-                <a:latin typeface="Consolas" panose="020B0609020204030204" pitchFamily="49" charset="0"/>
-              </a:rPr>
-              <a:t>cd</a:t>
-            </a:r>
-          </a:p>
-          <a:p>
-            <a:r>
-              <a:rPr lang="en-US" altLang="ja-JP" sz="2000">
-                <a:latin typeface="Consolas" panose="020B0609020204030204" pitchFamily="49" charset="0"/>
-              </a:rPr>
-              <a:t>cd github</a:t>
-            </a:r>
-          </a:p>
-          <a:p>
-            <a:r>
-              <a:rPr lang="en-US" altLang="ja-JP" sz="2000">
-                <a:latin typeface="Consolas" panose="020B0609020204030204" pitchFamily="49" charset="0"/>
-              </a:rPr>
-              <a:t>git clone </a:t>
-            </a:r>
-            <a:r>
-              <a:rPr lang="en-US" altLang="ja-JP" sz="2000">
-                <a:solidFill>
-                  <a:srgbClr val="FF0000"/>
-                </a:solidFill>
-                <a:latin typeface="Consolas" panose="020B0609020204030204" pitchFamily="49" charset="0"/>
-              </a:rPr>
-              <a:t>git@github.com:github-watanabe/tyrano_sample.git</a:t>
-            </a:r>
-          </a:p>
-        </p:txBody>
-      </p:sp>
-      <p:sp>
-        <p:nvSpPr>
-          <p:cNvPr id="5" name="テキスト ボックス 4">
-            <a:extLst>
-              <a:ext uri="{FF2B5EF4-FFF2-40B4-BE49-F238E27FC236}">
-                <a16:creationId xmlns:a16="http://schemas.microsoft.com/office/drawing/2014/main" id="{C45384CE-6A62-416E-B99E-F4B9BE5FC64A}"/>
+        <p:style>
+          <a:lnRef idx="2">
+            <a:schemeClr val="accent1">
+              <a:shade val="50000"/>
+            </a:schemeClr>
+          </a:lnRef>
+          <a:fillRef idx="1">
+            <a:schemeClr val="accent1"/>
+          </a:fillRef>
+          <a:effectRef idx="0">
+            <a:schemeClr val="accent1"/>
+          </a:effectRef>
+          <a:fontRef idx="minor">
+            <a:schemeClr val="lt1"/>
+          </a:fontRef>
+        </p:style>
+        <p:txBody>
+          <a:bodyPr rtlCol="0" anchor="ctr"/>
+          <a:lstStyle/>
+          <a:p>
+            <a:pPr algn="ctr"/>
+            <a:r>
+              <a:rPr kumimoji="1" lang="en-US" altLang="ja-JP"/>
+              <a:t>1</a:t>
+            </a:r>
+            <a:endParaRPr kumimoji="1" lang="ja-JP" altLang="en-US"/>
+          </a:p>
+        </p:txBody>
+      </p:sp>
+      <p:sp>
+        <p:nvSpPr>
+          <p:cNvPr id="9" name="楕円 8">
+            <a:extLst>
+              <a:ext uri="{FF2B5EF4-FFF2-40B4-BE49-F238E27FC236}">
+                <a16:creationId xmlns:a16="http://schemas.microsoft.com/office/drawing/2014/main" id="{D63A72CB-9DD5-4E29-8A35-D5EFA85ECD4A}"/>
+              </a:ext>
+            </a:extLst>
+          </p:cNvPr>
+          <p:cNvSpPr/>
+          <p:nvPr/>
+        </p:nvSpPr>
+        <p:spPr>
+          <a:xfrm>
+            <a:off x="5220072" y="3789040"/>
+            <a:ext cx="360040" cy="360040"/>
+          </a:xfrm>
+          <a:prstGeom prst="ellipse">
+            <a:avLst/>
+          </a:prstGeom>
+          <a:solidFill>
+            <a:srgbClr val="FF0000"/>
+          </a:solidFill>
+          <a:ln>
+            <a:solidFill>
+              <a:schemeClr val="tx1"/>
+            </a:solidFill>
+          </a:ln>
+        </p:spPr>
+        <p:style>
+          <a:lnRef idx="2">
+            <a:schemeClr val="accent1">
+              <a:shade val="50000"/>
+            </a:schemeClr>
+          </a:lnRef>
+          <a:fillRef idx="1">
+            <a:schemeClr val="accent1"/>
+          </a:fillRef>
+          <a:effectRef idx="0">
+            <a:schemeClr val="accent1"/>
+          </a:effectRef>
+          <a:fontRef idx="minor">
+            <a:schemeClr val="lt1"/>
+          </a:fontRef>
+        </p:style>
+        <p:txBody>
+          <a:bodyPr rtlCol="0" anchor="ctr"/>
+          <a:lstStyle/>
+          <a:p>
+            <a:pPr algn="ctr"/>
+            <a:r>
+              <a:rPr kumimoji="1" lang="en-US" altLang="ja-JP"/>
+              <a:t>2</a:t>
+            </a:r>
+            <a:endParaRPr kumimoji="1" lang="ja-JP" altLang="en-US"/>
+          </a:p>
+        </p:txBody>
+      </p:sp>
+      <p:sp>
+        <p:nvSpPr>
+          <p:cNvPr id="10" name="四角形: 角を丸くする 9">
+            <a:extLst>
+              <a:ext uri="{FF2B5EF4-FFF2-40B4-BE49-F238E27FC236}">
+                <a16:creationId xmlns:a16="http://schemas.microsoft.com/office/drawing/2014/main" id="{63565B92-1236-41F0-8DA1-8F15CE4E71D7}"/>
+              </a:ext>
+            </a:extLst>
+          </p:cNvPr>
+          <p:cNvSpPr/>
+          <p:nvPr/>
+        </p:nvSpPr>
+        <p:spPr>
+          <a:xfrm>
+            <a:off x="5220072" y="4149080"/>
+            <a:ext cx="720080" cy="360040"/>
+          </a:xfrm>
+          <a:prstGeom prst="roundRect">
+            <a:avLst/>
+          </a:prstGeom>
+          <a:noFill/>
+          <a:ln w="38100">
+            <a:solidFill>
+              <a:srgbClr val="FF0000"/>
+            </a:solidFill>
+          </a:ln>
+        </p:spPr>
+        <p:style>
+          <a:lnRef idx="2">
+            <a:schemeClr val="accent1">
+              <a:shade val="50000"/>
+            </a:schemeClr>
+          </a:lnRef>
+          <a:fillRef idx="1">
+            <a:schemeClr val="accent1"/>
+          </a:fillRef>
+          <a:effectRef idx="0">
+            <a:schemeClr val="accent1"/>
+          </a:effectRef>
+          <a:fontRef idx="minor">
+            <a:schemeClr val="lt1"/>
+          </a:fontRef>
+        </p:style>
+        <p:txBody>
+          <a:bodyPr rtlCol="0" anchor="ctr"/>
+          <a:lstStyle/>
+          <a:p>
+            <a:pPr algn="ctr"/>
+            <a:endParaRPr kumimoji="1" lang="ja-JP" altLang="en-US"/>
+          </a:p>
+        </p:txBody>
+      </p:sp>
+      <p:sp>
+        <p:nvSpPr>
+          <p:cNvPr id="11" name="四角形: 角を丸くする 10">
+            <a:extLst>
+              <a:ext uri="{FF2B5EF4-FFF2-40B4-BE49-F238E27FC236}">
+                <a16:creationId xmlns:a16="http://schemas.microsoft.com/office/drawing/2014/main" id="{919C4ADA-88E1-45EE-ACFD-8B7F3AEC97A1}"/>
+              </a:ext>
+            </a:extLst>
+          </p:cNvPr>
+          <p:cNvSpPr/>
+          <p:nvPr/>
+        </p:nvSpPr>
+        <p:spPr>
+          <a:xfrm>
+            <a:off x="3419872" y="4869160"/>
+            <a:ext cx="288032" cy="144016"/>
+          </a:xfrm>
+          <a:prstGeom prst="roundRect">
+            <a:avLst/>
+          </a:prstGeom>
+          <a:noFill/>
+          <a:ln w="38100">
+            <a:solidFill>
+              <a:srgbClr val="FF0000"/>
+            </a:solidFill>
+          </a:ln>
+        </p:spPr>
+        <p:style>
+          <a:lnRef idx="2">
+            <a:schemeClr val="accent1">
+              <a:shade val="50000"/>
+            </a:schemeClr>
+          </a:lnRef>
+          <a:fillRef idx="1">
+            <a:schemeClr val="accent1"/>
+          </a:fillRef>
+          <a:effectRef idx="0">
+            <a:schemeClr val="accent1"/>
+          </a:effectRef>
+          <a:fontRef idx="minor">
+            <a:schemeClr val="lt1"/>
+          </a:fontRef>
+        </p:style>
+        <p:txBody>
+          <a:bodyPr rtlCol="0" anchor="ctr"/>
+          <a:lstStyle/>
+          <a:p>
+            <a:pPr algn="ctr"/>
+            <a:endParaRPr kumimoji="1" lang="ja-JP" altLang="en-US"/>
+          </a:p>
+        </p:txBody>
+      </p:sp>
+      <p:sp>
+        <p:nvSpPr>
+          <p:cNvPr id="12" name="楕円 11">
+            <a:extLst>
+              <a:ext uri="{FF2B5EF4-FFF2-40B4-BE49-F238E27FC236}">
+                <a16:creationId xmlns:a16="http://schemas.microsoft.com/office/drawing/2014/main" id="{9D706025-1675-4D50-9BDB-CB2228825D52}"/>
+              </a:ext>
+            </a:extLst>
+          </p:cNvPr>
+          <p:cNvSpPr/>
+          <p:nvPr/>
+        </p:nvSpPr>
+        <p:spPr>
+          <a:xfrm>
+            <a:off x="3347864" y="4437112"/>
+            <a:ext cx="360040" cy="360040"/>
+          </a:xfrm>
+          <a:prstGeom prst="ellipse">
+            <a:avLst/>
+          </a:prstGeom>
+          <a:solidFill>
+            <a:srgbClr val="FF0000"/>
+          </a:solidFill>
+          <a:ln>
+            <a:solidFill>
+              <a:schemeClr val="tx1"/>
+            </a:solidFill>
+          </a:ln>
+        </p:spPr>
+        <p:style>
+          <a:lnRef idx="2">
+            <a:schemeClr val="accent1">
+              <a:shade val="50000"/>
+            </a:schemeClr>
+          </a:lnRef>
+          <a:fillRef idx="1">
+            <a:schemeClr val="accent1"/>
+          </a:fillRef>
+          <a:effectRef idx="0">
+            <a:schemeClr val="accent1"/>
+          </a:effectRef>
+          <a:fontRef idx="minor">
+            <a:schemeClr val="lt1"/>
+          </a:fontRef>
+        </p:style>
+        <p:txBody>
+          <a:bodyPr rtlCol="0" anchor="ctr"/>
+          <a:lstStyle/>
+          <a:p>
+            <a:pPr algn="ctr"/>
+            <a:r>
+              <a:rPr kumimoji="1" lang="en-US" altLang="ja-JP"/>
+              <a:t>3</a:t>
+            </a:r>
+            <a:endParaRPr kumimoji="1" lang="ja-JP" altLang="en-US"/>
+          </a:p>
+        </p:txBody>
+      </p:sp>
+      <p:sp>
+        <p:nvSpPr>
+          <p:cNvPr id="13" name="四角形: 角を丸くする 12">
+            <a:extLst>
+              <a:ext uri="{FF2B5EF4-FFF2-40B4-BE49-F238E27FC236}">
+                <a16:creationId xmlns:a16="http://schemas.microsoft.com/office/drawing/2014/main" id="{C2150B63-C299-492F-8613-184A8D4F10DD}"/>
+              </a:ext>
+            </a:extLst>
+          </p:cNvPr>
+          <p:cNvSpPr/>
+          <p:nvPr/>
+        </p:nvSpPr>
+        <p:spPr>
+          <a:xfrm>
+            <a:off x="5364088" y="5085184"/>
+            <a:ext cx="360040" cy="216024"/>
+          </a:xfrm>
+          <a:prstGeom prst="roundRect">
+            <a:avLst/>
+          </a:prstGeom>
+          <a:noFill/>
+          <a:ln w="38100">
+            <a:solidFill>
+              <a:srgbClr val="FF0000"/>
+            </a:solidFill>
+          </a:ln>
+        </p:spPr>
+        <p:style>
+          <a:lnRef idx="2">
+            <a:schemeClr val="accent1">
+              <a:shade val="50000"/>
+            </a:schemeClr>
+          </a:lnRef>
+          <a:fillRef idx="1">
+            <a:schemeClr val="accent1"/>
+          </a:fillRef>
+          <a:effectRef idx="0">
+            <a:schemeClr val="accent1"/>
+          </a:effectRef>
+          <a:fontRef idx="minor">
+            <a:schemeClr val="lt1"/>
+          </a:fontRef>
+        </p:style>
+        <p:txBody>
+          <a:bodyPr rtlCol="0" anchor="ctr"/>
+          <a:lstStyle/>
+          <a:p>
+            <a:pPr algn="ctr"/>
+            <a:endParaRPr kumimoji="1" lang="ja-JP" altLang="en-US"/>
+          </a:p>
+        </p:txBody>
+      </p:sp>
+      <p:sp>
+        <p:nvSpPr>
+          <p:cNvPr id="14" name="楕円 13">
+            <a:extLst>
+              <a:ext uri="{FF2B5EF4-FFF2-40B4-BE49-F238E27FC236}">
+                <a16:creationId xmlns:a16="http://schemas.microsoft.com/office/drawing/2014/main" id="{BA2C4269-16C3-43F9-B1F6-04C2AC76AA81}"/>
+              </a:ext>
+            </a:extLst>
+          </p:cNvPr>
+          <p:cNvSpPr/>
+          <p:nvPr/>
+        </p:nvSpPr>
+        <p:spPr>
+          <a:xfrm>
+            <a:off x="5292080" y="4653136"/>
+            <a:ext cx="360040" cy="360040"/>
+          </a:xfrm>
+          <a:prstGeom prst="ellipse">
+            <a:avLst/>
+          </a:prstGeom>
+          <a:solidFill>
+            <a:srgbClr val="FF0000"/>
+          </a:solidFill>
+          <a:ln>
+            <a:solidFill>
+              <a:schemeClr val="tx1"/>
+            </a:solidFill>
+          </a:ln>
+        </p:spPr>
+        <p:style>
+          <a:lnRef idx="2">
+            <a:schemeClr val="accent1">
+              <a:shade val="50000"/>
+            </a:schemeClr>
+          </a:lnRef>
+          <a:fillRef idx="1">
+            <a:schemeClr val="accent1"/>
+          </a:fillRef>
+          <a:effectRef idx="0">
+            <a:schemeClr val="accent1"/>
+          </a:effectRef>
+          <a:fontRef idx="minor">
+            <a:schemeClr val="lt1"/>
+          </a:fontRef>
+        </p:style>
+        <p:txBody>
+          <a:bodyPr rtlCol="0" anchor="ctr"/>
+          <a:lstStyle/>
+          <a:p>
+            <a:pPr algn="ctr"/>
+            <a:r>
+              <a:rPr kumimoji="1" lang="en-US" altLang="ja-JP"/>
+              <a:t>4</a:t>
+            </a:r>
+            <a:endParaRPr kumimoji="1" lang="ja-JP" altLang="en-US"/>
+          </a:p>
+        </p:txBody>
+      </p:sp>
+      <p:sp>
+        <p:nvSpPr>
+          <p:cNvPr id="15" name="テキスト ボックス 14">
+            <a:extLst>
+              <a:ext uri="{FF2B5EF4-FFF2-40B4-BE49-F238E27FC236}">
+                <a16:creationId xmlns:a16="http://schemas.microsoft.com/office/drawing/2014/main" id="{70EEBF0B-0158-44C4-86D5-49C2A7A3371E}"/>
               </a:ext>
             </a:extLst>
           </p:cNvPr>
@@ -3500,8 +3735,8 @@
         </p:nvSpPr>
         <p:spPr>
           <a:xfrm>
-            <a:off x="107504" y="1124744"/>
-            <a:ext cx="4219425" cy="584775"/>
+            <a:off x="129510" y="1916832"/>
+            <a:ext cx="9123010" cy="369332"/>
           </a:xfrm>
           <a:prstGeom prst="rect">
             <a:avLst/>
@@ -3515,55 +3750,36 @@
           <a:lstStyle/>
           <a:p>
             <a:r>
-              <a:rPr kumimoji="1" lang="en-US" altLang="ja-JP" sz="3200"/>
-              <a:t>Git Bash</a:t>
-            </a:r>
-            <a:r>
-              <a:rPr kumimoji="1" lang="ja-JP" altLang="en-US" sz="3200"/>
-              <a:t>で以下を実行</a:t>
-            </a:r>
-          </a:p>
-        </p:txBody>
-      </p:sp>
-      <p:sp>
-        <p:nvSpPr>
-          <p:cNvPr id="6" name="テキスト ボックス 5">
-            <a:extLst>
-              <a:ext uri="{FF2B5EF4-FFF2-40B4-BE49-F238E27FC236}">
-                <a16:creationId xmlns:a16="http://schemas.microsoft.com/office/drawing/2014/main" id="{454079E6-DC99-4663-8764-0A9DE27615B4}"/>
-              </a:ext>
-            </a:extLst>
-          </p:cNvPr>
-          <p:cNvSpPr txBox="1"/>
-          <p:nvPr/>
-        </p:nvSpPr>
-        <p:spPr>
-          <a:xfrm>
-            <a:off x="1475656" y="3068960"/>
-            <a:ext cx="7468711" cy="369332"/>
-          </a:xfrm>
-          <a:prstGeom prst="rect">
-            <a:avLst/>
-          </a:prstGeom>
-          <a:noFill/>
-        </p:spPr>
-        <p:txBody>
-          <a:bodyPr wrap="none" rtlCol="0">
-            <a:spAutoFit/>
-          </a:bodyPr>
-          <a:lstStyle/>
-          <a:p>
+              <a:rPr kumimoji="1" lang="en-US" altLang="ja-JP"/>
+              <a:t>1. </a:t>
+            </a:r>
             <a:r>
               <a:rPr kumimoji="1" lang="ja-JP" altLang="en-US"/>
-              <a:t>ここはコピーされているはずなので、マウス右クリックから「</a:t>
+              <a:t>自分のアカウントの </a:t>
             </a:r>
             <a:r>
               <a:rPr kumimoji="1" lang="en-US" altLang="ja-JP"/>
-              <a:t>Paste</a:t>
+              <a:t>2. Code</a:t>
             </a:r>
             <a:r>
               <a:rPr kumimoji="1" lang="ja-JP" altLang="en-US"/>
-              <a:t>」</a:t>
+              <a:t>をクリックし </a:t>
+            </a:r>
+            <a:r>
+              <a:rPr kumimoji="1" lang="en-US" altLang="ja-JP"/>
+              <a:t>3. SSH</a:t>
+            </a:r>
+            <a:r>
+              <a:rPr kumimoji="1" lang="ja-JP" altLang="en-US"/>
+              <a:t>を選んで </a:t>
+            </a:r>
+            <a:r>
+              <a:rPr kumimoji="1" lang="en-US" altLang="ja-JP"/>
+              <a:t>4. </a:t>
+            </a:r>
+            <a:r>
+              <a:rPr kumimoji="1" lang="ja-JP" altLang="en-US"/>
+              <a:t>コピーボタンを押す</a:t>
             </a:r>
           </a:p>
         </p:txBody>
@@ -3571,7 +3787,7 @@
     </p:spTree>
     <p:extLst>
       <p:ext uri="{BB962C8B-B14F-4D97-AF65-F5344CB8AC3E}">
-        <p14:creationId xmlns:p14="http://schemas.microsoft.com/office/powerpoint/2010/main" val="2354510424"/>
+        <p14:creationId xmlns:p14="http://schemas.microsoft.com/office/powerpoint/2010/main" val="2794258674"/>
       </p:ext>
     </p:extLst>
   </p:cSld>
@@ -3603,7 +3819,7 @@
           <p:cNvPr id="2" name="テキスト プレースホルダー 1">
             <a:extLst>
               <a:ext uri="{FF2B5EF4-FFF2-40B4-BE49-F238E27FC236}">
-                <a16:creationId xmlns:a16="http://schemas.microsoft.com/office/drawing/2014/main" id="{7C084AF3-E764-4511-AB89-AAF594B578E7}"/>
+                <a16:creationId xmlns:a16="http://schemas.microsoft.com/office/drawing/2014/main" id="{2F0FA607-9011-4295-A85B-89A4632F2FE4}"/>
               </a:ext>
             </a:extLst>
           </p:cNvPr>
@@ -3625,11 +3841,7 @@
             </a:r>
             <a:r>
               <a:rPr lang="en-US" altLang="ja-JP"/>
-              <a:t>2 - Step </a:t>
-            </a:r>
-            <a:r>
-              <a:rPr lang="ja-JP" altLang="en-US"/>
-              <a:t>３</a:t>
+              <a:t>2 - Step 3</a:t>
             </a:r>
             <a:endParaRPr kumimoji="1" lang="ja-JP" altLang="en-US"/>
           </a:p>
@@ -3637,10 +3849,10 @@
       </p:sp>
       <p:sp>
         <p:nvSpPr>
-          <p:cNvPr id="3" name="テキスト ボックス 2">
-            <a:extLst>
-              <a:ext uri="{FF2B5EF4-FFF2-40B4-BE49-F238E27FC236}">
-                <a16:creationId xmlns:a16="http://schemas.microsoft.com/office/drawing/2014/main" id="{B4138397-3A94-483A-A78D-48AF60704EA1}"/>
+          <p:cNvPr id="4" name="テキスト ボックス 3">
+            <a:extLst>
+              <a:ext uri="{FF2B5EF4-FFF2-40B4-BE49-F238E27FC236}">
+                <a16:creationId xmlns:a16="http://schemas.microsoft.com/office/drawing/2014/main" id="{69B31432-F7C9-48AC-936C-0D1BEFA2202F}"/>
               </a:ext>
             </a:extLst>
           </p:cNvPr>
@@ -3649,8 +3861,75 @@
         </p:nvSpPr>
         <p:spPr>
           <a:xfrm>
-            <a:off x="179512" y="1196752"/>
-            <a:ext cx="8436925" cy="461665"/>
+            <a:off x="251520" y="1916832"/>
+            <a:ext cx="8496944" cy="1015663"/>
+          </a:xfrm>
+          <a:prstGeom prst="rect">
+            <a:avLst/>
+          </a:prstGeom>
+          <a:noFill/>
+          <a:ln>
+            <a:solidFill>
+              <a:schemeClr val="tx1"/>
+            </a:solidFill>
+          </a:ln>
+        </p:spPr>
+        <p:txBody>
+          <a:bodyPr wrap="square">
+            <a:spAutoFit/>
+          </a:bodyPr>
+          <a:lstStyle/>
+          <a:p>
+            <a:r>
+              <a:rPr lang="en-US" altLang="ja-JP" sz="2000">
+                <a:latin typeface="Consolas" panose="020B0609020204030204" pitchFamily="49" charset="0"/>
+              </a:rPr>
+              <a:t>cd</a:t>
+            </a:r>
+          </a:p>
+          <a:p>
+            <a:r>
+              <a:rPr lang="en-US" altLang="ja-JP" sz="2000">
+                <a:latin typeface="Consolas" panose="020B0609020204030204" pitchFamily="49" charset="0"/>
+              </a:rPr>
+              <a:t>cd github</a:t>
+            </a:r>
+          </a:p>
+          <a:p>
+            <a:r>
+              <a:rPr lang="en-US" altLang="ja-JP" sz="2000">
+                <a:latin typeface="Consolas" panose="020B0609020204030204" pitchFamily="49" charset="0"/>
+              </a:rPr>
+              <a:t>git clone </a:t>
+            </a:r>
+            <a:r>
+              <a:rPr lang="en-US" altLang="ja-JP" sz="2000">
+                <a:solidFill>
+                  <a:srgbClr val="FF0000"/>
+                </a:solidFill>
+                <a:latin typeface="Consolas" panose="020B0609020204030204" pitchFamily="49" charset="0"/>
+              </a:rPr>
+              <a:t>git@github.com:github-watanabe/tyrano_sample.git</a:t>
+            </a:r>
+          </a:p>
+        </p:txBody>
+      </p:sp>
+      <p:sp>
+        <p:nvSpPr>
+          <p:cNvPr id="5" name="テキスト ボックス 4">
+            <a:extLst>
+              <a:ext uri="{FF2B5EF4-FFF2-40B4-BE49-F238E27FC236}">
+                <a16:creationId xmlns:a16="http://schemas.microsoft.com/office/drawing/2014/main" id="{C45384CE-6A62-416E-B99E-F4B9BE5FC64A}"/>
+              </a:ext>
+            </a:extLst>
+          </p:cNvPr>
+          <p:cNvSpPr txBox="1"/>
+          <p:nvPr/>
+        </p:nvSpPr>
+        <p:spPr>
+          <a:xfrm>
+            <a:off x="107504" y="1124744"/>
+            <a:ext cx="4219425" cy="584775"/>
           </a:xfrm>
           <a:prstGeom prst="rect">
             <a:avLst/>
@@ -3664,121 +3943,22 @@
           <a:lstStyle/>
           <a:p>
             <a:r>
-              <a:rPr kumimoji="1" lang="en-US" altLang="ja-JP" sz="2000"/>
-              <a:t>VS Code</a:t>
-            </a:r>
-            <a:r>
-              <a:rPr kumimoji="1" lang="ja-JP" altLang="en-US" sz="2000"/>
-              <a:t>の「フォルダーを開く」で「</a:t>
-            </a:r>
-            <a:r>
-              <a:rPr lang="en-US" altLang="ja-JP" sz="2000"/>
-              <a:t>/z/github/</a:t>
-            </a:r>
-            <a:r>
-              <a:rPr lang="en-US" altLang="ja-JP" sz="2400"/>
-              <a:t>tyrano</a:t>
-            </a:r>
-            <a:r>
-              <a:rPr lang="en-US" altLang="ja-JP" sz="2000"/>
-              <a:t>_sample</a:t>
-            </a:r>
-            <a:r>
-              <a:rPr lang="ja-JP" altLang="en-US" sz="2000"/>
-              <a:t>」を開く</a:t>
-            </a:r>
-            <a:endParaRPr kumimoji="1" lang="ja-JP" altLang="en-US" sz="2000"/>
-          </a:p>
-        </p:txBody>
-      </p:sp>
-      <p:pic>
-        <p:nvPicPr>
-          <p:cNvPr id="6" name="図 5">
-            <a:extLst>
-              <a:ext uri="{FF2B5EF4-FFF2-40B4-BE49-F238E27FC236}">
-                <a16:creationId xmlns:a16="http://schemas.microsoft.com/office/drawing/2014/main" id="{AE3B296E-B6BB-4476-9DFE-4CD0282397C4}"/>
-              </a:ext>
-            </a:extLst>
-          </p:cNvPr>
-          <p:cNvPicPr>
-            <a:picLocks noChangeAspect="1"/>
-          </p:cNvPicPr>
-          <p:nvPr/>
-        </p:nvPicPr>
-        <p:blipFill>
-          <a:blip r:embed="rId2"/>
-          <a:stretch>
-            <a:fillRect/>
-          </a:stretch>
-        </p:blipFill>
-        <p:spPr>
-          <a:xfrm>
-            <a:off x="395536" y="1916832"/>
-            <a:ext cx="3231517" cy="4270220"/>
-          </a:xfrm>
-          <a:prstGeom prst="rect">
-            <a:avLst/>
-          </a:prstGeom>
-        </p:spPr>
-      </p:pic>
-      <p:sp>
-        <p:nvSpPr>
-          <p:cNvPr id="7" name="四角形: 角を丸くする 6">
-            <a:extLst>
-              <a:ext uri="{FF2B5EF4-FFF2-40B4-BE49-F238E27FC236}">
-                <a16:creationId xmlns:a16="http://schemas.microsoft.com/office/drawing/2014/main" id="{5E5BBBC0-3485-4284-98EF-A7172DE2D619}"/>
-              </a:ext>
-            </a:extLst>
-          </p:cNvPr>
-          <p:cNvSpPr/>
-          <p:nvPr/>
-        </p:nvSpPr>
-        <p:spPr>
-          <a:xfrm>
-            <a:off x="1331640" y="2996952"/>
-            <a:ext cx="1872208" cy="360040"/>
-          </a:xfrm>
-          <a:prstGeom prst="roundRect">
-            <a:avLst/>
-          </a:prstGeom>
-          <a:noFill/>
-          <a:ln w="38100">
-            <a:solidFill>
-              <a:srgbClr val="FF0000"/>
-            </a:solidFill>
-          </a:ln>
-        </p:spPr>
-        <p:style>
-          <a:lnRef idx="2">
-            <a:schemeClr val="accent1">
-              <a:shade val="50000"/>
-            </a:schemeClr>
-          </a:lnRef>
-          <a:fillRef idx="1">
-            <a:schemeClr val="accent1"/>
-          </a:fillRef>
-          <a:effectRef idx="0">
-            <a:schemeClr val="accent1"/>
-          </a:effectRef>
-          <a:fontRef idx="minor">
-            <a:schemeClr val="lt1"/>
-          </a:fontRef>
-        </p:style>
-        <p:txBody>
-          <a:bodyPr rtlCol="0" anchor="ctr"/>
-          <a:lstStyle/>
-          <a:p>
-            <a:pPr algn="ctr"/>
-            <a:endParaRPr kumimoji="1" lang="ja-JP" altLang="en-US"/>
-          </a:p>
-        </p:txBody>
-      </p:sp>
-      <p:sp>
-        <p:nvSpPr>
-          <p:cNvPr id="8" name="テキスト ボックス 7">
-            <a:extLst>
-              <a:ext uri="{FF2B5EF4-FFF2-40B4-BE49-F238E27FC236}">
-                <a16:creationId xmlns:a16="http://schemas.microsoft.com/office/drawing/2014/main" id="{E8B64837-0310-4EE5-8B22-A5562545C390}"/>
+              <a:rPr kumimoji="1" lang="en-US" altLang="ja-JP" sz="3200"/>
+              <a:t>Git Bash</a:t>
+            </a:r>
+            <a:r>
+              <a:rPr kumimoji="1" lang="ja-JP" altLang="en-US" sz="3200"/>
+              <a:t>で以下を実行</a:t>
+            </a:r>
+          </a:p>
+        </p:txBody>
+      </p:sp>
+      <p:sp>
+        <p:nvSpPr>
+          <p:cNvPr id="6" name="テキスト ボックス 5">
+            <a:extLst>
+              <a:ext uri="{FF2B5EF4-FFF2-40B4-BE49-F238E27FC236}">
+                <a16:creationId xmlns:a16="http://schemas.microsoft.com/office/drawing/2014/main" id="{454079E6-DC99-4663-8764-0A9DE27615B4}"/>
               </a:ext>
             </a:extLst>
           </p:cNvPr>
@@ -3787,8 +3967,8 @@
         </p:nvSpPr>
         <p:spPr>
           <a:xfrm>
-            <a:off x="4139952" y="2132856"/>
-            <a:ext cx="4288353" cy="369332"/>
+            <a:off x="1475656" y="3068960"/>
+            <a:ext cx="7468711" cy="369332"/>
           </a:xfrm>
           <a:prstGeom prst="rect">
             <a:avLst/>
@@ -3802,71 +3982,24 @@
           <a:lstStyle/>
           <a:p>
             <a:r>
-              <a:rPr lang="ja-JP" altLang="en-US"/>
-              <a:t>ここに</a:t>
-            </a:r>
-            <a:r>
-              <a:rPr lang="en-US" altLang="ja-JP"/>
-              <a:t>TYRANO_SAMPLE</a:t>
-            </a:r>
-            <a:r>
-              <a:rPr lang="ja-JP" altLang="en-US"/>
-              <a:t>と表示される</a:t>
-            </a:r>
-            <a:endParaRPr kumimoji="1" lang="ja-JP" altLang="en-US"/>
-          </a:p>
-        </p:txBody>
-      </p:sp>
-      <p:cxnSp>
-        <p:nvCxnSpPr>
-          <p:cNvPr id="9" name="コネクタ: カギ線 8">
-            <a:extLst>
-              <a:ext uri="{FF2B5EF4-FFF2-40B4-BE49-F238E27FC236}">
-                <a16:creationId xmlns:a16="http://schemas.microsoft.com/office/drawing/2014/main" id="{62B39A55-72F3-436E-9B40-3EE7E2092161}"/>
-              </a:ext>
-            </a:extLst>
-          </p:cNvPr>
-          <p:cNvCxnSpPr>
-            <a:cxnSpLocks/>
-            <a:stCxn id="8" idx="2"/>
-          </p:cNvCxnSpPr>
-          <p:nvPr/>
-        </p:nvCxnSpPr>
-        <p:spPr>
-          <a:xfrm rot="5400000">
-            <a:off x="4388594" y="1317443"/>
-            <a:ext cx="710790" cy="3080281"/>
-          </a:xfrm>
-          <a:prstGeom prst="bentConnector2">
-            <a:avLst/>
-          </a:prstGeom>
-          <a:ln w="28575">
-            <a:solidFill>
-              <a:srgbClr val="FF0000"/>
-            </a:solidFill>
-            <a:headEnd type="none" w="med" len="med"/>
-            <a:tailEnd type="triangle"/>
-          </a:ln>
-        </p:spPr>
-        <p:style>
-          <a:lnRef idx="1">
-            <a:schemeClr val="accent1"/>
-          </a:lnRef>
-          <a:fillRef idx="0">
-            <a:schemeClr val="accent1"/>
-          </a:fillRef>
-          <a:effectRef idx="0">
-            <a:schemeClr val="accent1"/>
-          </a:effectRef>
-          <a:fontRef idx="minor">
-            <a:schemeClr val="tx1"/>
-          </a:fontRef>
-        </p:style>
-      </p:cxnSp>
+              <a:rPr kumimoji="1" lang="ja-JP" altLang="en-US"/>
+              <a:t>ここはコピーされているはずなので、マウス右クリックから「</a:t>
+            </a:r>
+            <a:r>
+              <a:rPr kumimoji="1" lang="en-US" altLang="ja-JP"/>
+              <a:t>Paste</a:t>
+            </a:r>
+            <a:r>
+              <a:rPr kumimoji="1" lang="ja-JP" altLang="en-US"/>
+              <a:t>」</a:t>
+            </a:r>
+          </a:p>
+        </p:txBody>
+      </p:sp>
     </p:spTree>
     <p:extLst>
       <p:ext uri="{BB962C8B-B14F-4D97-AF65-F5344CB8AC3E}">
-        <p14:creationId xmlns:p14="http://schemas.microsoft.com/office/powerpoint/2010/main" val="3706782819"/>
+        <p14:creationId xmlns:p14="http://schemas.microsoft.com/office/powerpoint/2010/main" val="2354510424"/>
       </p:ext>
     </p:extLst>
   </p:cSld>
@@ -3898,7 +4031,7 @@
           <p:cNvPr id="2" name="テキスト プレースホルダー 1">
             <a:extLst>
               <a:ext uri="{FF2B5EF4-FFF2-40B4-BE49-F238E27FC236}">
-                <a16:creationId xmlns:a16="http://schemas.microsoft.com/office/drawing/2014/main" id="{EA5F53A1-3CB1-415F-B91C-F1A7DDC68AE9}"/>
+                <a16:creationId xmlns:a16="http://schemas.microsoft.com/office/drawing/2014/main" id="{7C084AF3-E764-4511-AB89-AAF594B578E7}"/>
               </a:ext>
             </a:extLst>
           </p:cNvPr>
@@ -3920,18 +4053,78 @@
             </a:r>
             <a:r>
               <a:rPr lang="en-US" altLang="ja-JP"/>
-              <a:t>2 - Step 4</a:t>
+              <a:t>2 - Step </a:t>
+            </a:r>
+            <a:r>
+              <a:rPr lang="ja-JP" altLang="en-US"/>
+              <a:t>３</a:t>
             </a:r>
             <a:endParaRPr kumimoji="1" lang="ja-JP" altLang="en-US"/>
+          </a:p>
+        </p:txBody>
+      </p:sp>
+      <p:sp>
+        <p:nvSpPr>
+          <p:cNvPr id="3" name="テキスト ボックス 2">
+            <a:extLst>
+              <a:ext uri="{FF2B5EF4-FFF2-40B4-BE49-F238E27FC236}">
+                <a16:creationId xmlns:a16="http://schemas.microsoft.com/office/drawing/2014/main" id="{B4138397-3A94-483A-A78D-48AF60704EA1}"/>
+              </a:ext>
+            </a:extLst>
+          </p:cNvPr>
+          <p:cNvSpPr txBox="1"/>
+          <p:nvPr/>
+        </p:nvSpPr>
+        <p:spPr>
+          <a:xfrm>
+            <a:off x="179512" y="1196752"/>
+            <a:ext cx="8436925" cy="461665"/>
+          </a:xfrm>
+          <a:prstGeom prst="rect">
+            <a:avLst/>
+          </a:prstGeom>
+          <a:noFill/>
+        </p:spPr>
+        <p:txBody>
+          <a:bodyPr wrap="none" rtlCol="0">
+            <a:spAutoFit/>
+          </a:bodyPr>
+          <a:lstStyle/>
+          <a:p>
+            <a:r>
+              <a:rPr kumimoji="1" lang="en-US" altLang="ja-JP" sz="2000"/>
+              <a:t>VS Code</a:t>
+            </a:r>
+            <a:r>
+              <a:rPr kumimoji="1" lang="ja-JP" altLang="en-US" sz="2000"/>
+              <a:t>の「フォルダーを開く」で「</a:t>
+            </a:r>
+            <a:r>
+              <a:rPr lang="en-US" altLang="ja-JP" sz="2000"/>
+              <a:t>/z/github/</a:t>
+            </a:r>
+            <a:r>
+              <a:rPr lang="en-US" altLang="ja-JP" sz="2400"/>
+              <a:t>tyrano</a:t>
+            </a:r>
+            <a:r>
+              <a:rPr lang="en-US" altLang="ja-JP" sz="2000"/>
+              <a:t>_sample</a:t>
+            </a:r>
+            <a:r>
+              <a:rPr lang="ja-JP" altLang="en-US" sz="2000"/>
+              <a:t>」を開く</a:t>
+            </a:r>
+            <a:endParaRPr kumimoji="1" lang="ja-JP" altLang="en-US" sz="2000"/>
           </a:p>
         </p:txBody>
       </p:sp>
       <p:pic>
         <p:nvPicPr>
-          <p:cNvPr id="4" name="図 3">
-            <a:extLst>
-              <a:ext uri="{FF2B5EF4-FFF2-40B4-BE49-F238E27FC236}">
-                <a16:creationId xmlns:a16="http://schemas.microsoft.com/office/drawing/2014/main" id="{F9820444-49FF-4F57-9B96-37196BB3D328}"/>
+          <p:cNvPr id="6" name="図 5">
+            <a:extLst>
+              <a:ext uri="{FF2B5EF4-FFF2-40B4-BE49-F238E27FC236}">
+                <a16:creationId xmlns:a16="http://schemas.microsoft.com/office/drawing/2014/main" id="{AE3B296E-B6BB-4476-9DFE-4CD0282397C4}"/>
               </a:ext>
             </a:extLst>
           </p:cNvPr>
@@ -3948,8 +4141,8 @@
         </p:blipFill>
         <p:spPr>
           <a:xfrm>
-            <a:off x="467544" y="1556792"/>
-            <a:ext cx="8415895" cy="5184576"/>
+            <a:off x="395536" y="1916832"/>
+            <a:ext cx="3231517" cy="4270220"/>
           </a:xfrm>
           <a:prstGeom prst="rect">
             <a:avLst/>
@@ -3958,10 +4151,10 @@
       </p:pic>
       <p:sp>
         <p:nvSpPr>
-          <p:cNvPr id="5" name="四角形: 角を丸くする 4">
-            <a:extLst>
-              <a:ext uri="{FF2B5EF4-FFF2-40B4-BE49-F238E27FC236}">
-                <a16:creationId xmlns:a16="http://schemas.microsoft.com/office/drawing/2014/main" id="{07D13061-4370-45F4-AFA4-6D8F544D6A8C}"/>
+          <p:cNvPr id="7" name="四角形: 角を丸くする 6">
+            <a:extLst>
+              <a:ext uri="{FF2B5EF4-FFF2-40B4-BE49-F238E27FC236}">
+                <a16:creationId xmlns:a16="http://schemas.microsoft.com/office/drawing/2014/main" id="{5E5BBBC0-3485-4284-98EF-A7172DE2D619}"/>
               </a:ext>
             </a:extLst>
           </p:cNvPr>
@@ -3970,8 +4163,8 @@
         </p:nvSpPr>
         <p:spPr>
           <a:xfrm>
-            <a:off x="395537" y="4293096"/>
-            <a:ext cx="504056" cy="360040"/>
+            <a:off x="1331640" y="2996952"/>
+            <a:ext cx="1872208" cy="360040"/>
           </a:xfrm>
           <a:prstGeom prst="roundRect">
             <a:avLst/>
@@ -4010,175 +4203,98 @@
       </p:sp>
       <p:sp>
         <p:nvSpPr>
-          <p:cNvPr id="6" name="四角形: 角を丸くする 5">
-            <a:extLst>
-              <a:ext uri="{FF2B5EF4-FFF2-40B4-BE49-F238E27FC236}">
-                <a16:creationId xmlns:a16="http://schemas.microsoft.com/office/drawing/2014/main" id="{45DA501C-832C-49B8-8D98-9924DC43C2DF}"/>
-              </a:ext>
-            </a:extLst>
-          </p:cNvPr>
-          <p:cNvSpPr/>
-          <p:nvPr/>
-        </p:nvSpPr>
-        <p:spPr>
-          <a:xfrm>
-            <a:off x="1115616" y="2276872"/>
-            <a:ext cx="1728192" cy="360040"/>
-          </a:xfrm>
-          <a:prstGeom prst="roundRect">
+          <p:cNvPr id="8" name="テキスト ボックス 7">
+            <a:extLst>
+              <a:ext uri="{FF2B5EF4-FFF2-40B4-BE49-F238E27FC236}">
+                <a16:creationId xmlns:a16="http://schemas.microsoft.com/office/drawing/2014/main" id="{E8B64837-0310-4EE5-8B22-A5562545C390}"/>
+              </a:ext>
+            </a:extLst>
+          </p:cNvPr>
+          <p:cNvSpPr txBox="1"/>
+          <p:nvPr/>
+        </p:nvSpPr>
+        <p:spPr>
+          <a:xfrm>
+            <a:off x="4139952" y="2132856"/>
+            <a:ext cx="4288353" cy="369332"/>
+          </a:xfrm>
+          <a:prstGeom prst="rect">
             <a:avLst/>
           </a:prstGeom>
           <a:noFill/>
-          <a:ln w="38100">
+        </p:spPr>
+        <p:txBody>
+          <a:bodyPr wrap="none" rtlCol="0">
+            <a:spAutoFit/>
+          </a:bodyPr>
+          <a:lstStyle/>
+          <a:p>
+            <a:r>
+              <a:rPr lang="ja-JP" altLang="en-US"/>
+              <a:t>ここに</a:t>
+            </a:r>
+            <a:r>
+              <a:rPr lang="en-US" altLang="ja-JP"/>
+              <a:t>TYRANO_SAMPLE</a:t>
+            </a:r>
+            <a:r>
+              <a:rPr lang="ja-JP" altLang="en-US"/>
+              <a:t>と表示される</a:t>
+            </a:r>
+            <a:endParaRPr kumimoji="1" lang="ja-JP" altLang="en-US"/>
+          </a:p>
+        </p:txBody>
+      </p:sp>
+      <p:cxnSp>
+        <p:nvCxnSpPr>
+          <p:cNvPr id="9" name="コネクタ: カギ線 8">
+            <a:extLst>
+              <a:ext uri="{FF2B5EF4-FFF2-40B4-BE49-F238E27FC236}">
+                <a16:creationId xmlns:a16="http://schemas.microsoft.com/office/drawing/2014/main" id="{62B39A55-72F3-436E-9B40-3EE7E2092161}"/>
+              </a:ext>
+            </a:extLst>
+          </p:cNvPr>
+          <p:cNvCxnSpPr>
+            <a:cxnSpLocks/>
+            <a:stCxn id="8" idx="2"/>
+          </p:cNvCxnSpPr>
+          <p:nvPr/>
+        </p:nvCxnSpPr>
+        <p:spPr>
+          <a:xfrm rot="5400000">
+            <a:off x="4388594" y="1317443"/>
+            <a:ext cx="710790" cy="3080281"/>
+          </a:xfrm>
+          <a:prstGeom prst="bentConnector2">
+            <a:avLst/>
+          </a:prstGeom>
+          <a:ln w="28575">
             <a:solidFill>
               <a:srgbClr val="FF0000"/>
             </a:solidFill>
+            <a:headEnd type="none" w="med" len="med"/>
+            <a:tailEnd type="triangle"/>
           </a:ln>
         </p:spPr>
         <p:style>
-          <a:lnRef idx="2">
-            <a:schemeClr val="accent1">
-              <a:shade val="50000"/>
-            </a:schemeClr>
+          <a:lnRef idx="1">
+            <a:schemeClr val="accent1"/>
           </a:lnRef>
-          <a:fillRef idx="1">
+          <a:fillRef idx="0">
             <a:schemeClr val="accent1"/>
           </a:fillRef>
           <a:effectRef idx="0">
             <a:schemeClr val="accent1"/>
           </a:effectRef>
           <a:fontRef idx="minor">
-            <a:schemeClr val="lt1"/>
+            <a:schemeClr val="tx1"/>
           </a:fontRef>
         </p:style>
-        <p:txBody>
-          <a:bodyPr rtlCol="0" anchor="ctr"/>
-          <a:lstStyle/>
-          <a:p>
-            <a:pPr algn="ctr"/>
-            <a:endParaRPr kumimoji="1" lang="ja-JP" altLang="en-US"/>
-          </a:p>
-        </p:txBody>
-      </p:sp>
-      <p:sp>
-        <p:nvSpPr>
-          <p:cNvPr id="7" name="四角形: 角を丸くする 6">
-            <a:extLst>
-              <a:ext uri="{FF2B5EF4-FFF2-40B4-BE49-F238E27FC236}">
-                <a16:creationId xmlns:a16="http://schemas.microsoft.com/office/drawing/2014/main" id="{DCD9CB09-9728-4C54-BE54-F7418BD581E8}"/>
-              </a:ext>
-            </a:extLst>
-          </p:cNvPr>
-          <p:cNvSpPr/>
-          <p:nvPr/>
-        </p:nvSpPr>
-        <p:spPr>
-          <a:xfrm>
-            <a:off x="2051720" y="3284984"/>
-            <a:ext cx="792088" cy="216024"/>
-          </a:xfrm>
-          <a:prstGeom prst="roundRect">
-            <a:avLst/>
-          </a:prstGeom>
-          <a:noFill/>
-          <a:ln w="38100">
-            <a:solidFill>
-              <a:srgbClr val="FF0000"/>
-            </a:solidFill>
-          </a:ln>
-        </p:spPr>
-        <p:style>
-          <a:lnRef idx="2">
-            <a:schemeClr val="accent1">
-              <a:shade val="50000"/>
-            </a:schemeClr>
-          </a:lnRef>
-          <a:fillRef idx="1">
-            <a:schemeClr val="accent1"/>
-          </a:fillRef>
-          <a:effectRef idx="0">
-            <a:schemeClr val="accent1"/>
-          </a:effectRef>
-          <a:fontRef idx="minor">
-            <a:schemeClr val="lt1"/>
-          </a:fontRef>
-        </p:style>
-        <p:txBody>
-          <a:bodyPr rtlCol="0" anchor="ctr"/>
-          <a:lstStyle/>
-          <a:p>
-            <a:pPr algn="ctr"/>
-            <a:endParaRPr kumimoji="1" lang="ja-JP" altLang="en-US"/>
-          </a:p>
-        </p:txBody>
-      </p:sp>
-      <p:sp>
-        <p:nvSpPr>
-          <p:cNvPr id="8" name="テキスト ボックス 7">
-            <a:extLst>
-              <a:ext uri="{FF2B5EF4-FFF2-40B4-BE49-F238E27FC236}">
-                <a16:creationId xmlns:a16="http://schemas.microsoft.com/office/drawing/2014/main" id="{6DA2A16D-0A29-4CA7-9313-053E4CD97032}"/>
-              </a:ext>
-            </a:extLst>
-          </p:cNvPr>
-          <p:cNvSpPr txBox="1"/>
-          <p:nvPr/>
-        </p:nvSpPr>
-        <p:spPr>
-          <a:xfrm>
-            <a:off x="539552" y="1052736"/>
-            <a:ext cx="7789312" cy="369332"/>
-          </a:xfrm>
-          <a:prstGeom prst="rect">
-            <a:avLst/>
-          </a:prstGeom>
-          <a:noFill/>
-        </p:spPr>
-        <p:txBody>
-          <a:bodyPr wrap="none" rtlCol="0">
-            <a:spAutoFit/>
-          </a:bodyPr>
-          <a:lstStyle/>
-          <a:p>
-            <a:r>
-              <a:rPr kumimoji="1" lang="en-US" altLang="ja-JP"/>
-              <a:t>1. </a:t>
-            </a:r>
-            <a:r>
-              <a:rPr kumimoji="1" lang="ja-JP" altLang="en-US"/>
-              <a:t>拡張機能をクリック </a:t>
-            </a:r>
-            <a:r>
-              <a:rPr kumimoji="1" lang="en-US" altLang="ja-JP"/>
-              <a:t>2. </a:t>
-            </a:r>
-            <a:r>
-              <a:rPr kumimoji="1" lang="ja-JP" altLang="en-US"/>
-              <a:t>検索窓に「</a:t>
-            </a:r>
-            <a:r>
-              <a:rPr kumimoji="1" lang="en-US" altLang="ja-JP"/>
-              <a:t>Live Server</a:t>
-            </a:r>
-            <a:r>
-              <a:rPr kumimoji="1" lang="ja-JP" altLang="en-US"/>
-              <a:t>」と入力 </a:t>
-            </a:r>
-            <a:r>
-              <a:rPr kumimoji="1" lang="en-US" altLang="ja-JP"/>
-              <a:t>3. </a:t>
-            </a:r>
-            <a:r>
-              <a:rPr kumimoji="1" lang="ja-JP" altLang="en-US"/>
-              <a:t>インストール</a:t>
-            </a:r>
-          </a:p>
-        </p:txBody>
-      </p:sp>
+      </p:cxnSp>
     </p:spTree>
     <p:extLst>
       <p:ext uri="{BB962C8B-B14F-4D97-AF65-F5344CB8AC3E}">
-        <p14:creationId xmlns:p14="http://schemas.microsoft.com/office/powerpoint/2010/main" val="3069352372"/>
+        <p14:creationId xmlns:p14="http://schemas.microsoft.com/office/powerpoint/2010/main" val="3706782819"/>
       </p:ext>
     </p:extLst>
   </p:cSld>
@@ -4210,7 +4326,7 @@
           <p:cNvPr id="2" name="テキスト プレースホルダー 1">
             <a:extLst>
               <a:ext uri="{FF2B5EF4-FFF2-40B4-BE49-F238E27FC236}">
-                <a16:creationId xmlns:a16="http://schemas.microsoft.com/office/drawing/2014/main" id="{AB29F8BF-9E30-4320-8780-15405B2C6AE2}"/>
+                <a16:creationId xmlns:a16="http://schemas.microsoft.com/office/drawing/2014/main" id="{EA5F53A1-3CB1-415F-B91C-F1A7DDC68AE9}"/>
               </a:ext>
             </a:extLst>
           </p:cNvPr>
@@ -4240,10 +4356,10 @@
       </p:sp>
       <p:pic>
         <p:nvPicPr>
-          <p:cNvPr id="6" name="図 5">
-            <a:extLst>
-              <a:ext uri="{FF2B5EF4-FFF2-40B4-BE49-F238E27FC236}">
-                <a16:creationId xmlns:a16="http://schemas.microsoft.com/office/drawing/2014/main" id="{2EE263F4-8A63-4C0D-B7A3-D818F7CC9367}"/>
+          <p:cNvPr id="4" name="図 3">
+            <a:extLst>
+              <a:ext uri="{FF2B5EF4-FFF2-40B4-BE49-F238E27FC236}">
+                <a16:creationId xmlns:a16="http://schemas.microsoft.com/office/drawing/2014/main" id="{F9820444-49FF-4F57-9B96-37196BB3D328}"/>
               </a:ext>
             </a:extLst>
           </p:cNvPr>
@@ -4260,50 +4376,20 @@
         </p:blipFill>
         <p:spPr>
           <a:xfrm>
-            <a:off x="251520" y="1268760"/>
-            <a:ext cx="3689002" cy="4392488"/>
+            <a:off x="467544" y="1556792"/>
+            <a:ext cx="8415895" cy="5184576"/>
           </a:xfrm>
           <a:prstGeom prst="rect">
             <a:avLst/>
           </a:prstGeom>
         </p:spPr>
       </p:pic>
-      <p:pic>
-        <p:nvPicPr>
-          <p:cNvPr id="8" name="図 7">
-            <a:extLst>
-              <a:ext uri="{FF2B5EF4-FFF2-40B4-BE49-F238E27FC236}">
-                <a16:creationId xmlns:a16="http://schemas.microsoft.com/office/drawing/2014/main" id="{A3115DBD-466C-49B2-B25E-2CC59EAD9B39}"/>
-              </a:ext>
-            </a:extLst>
-          </p:cNvPr>
-          <p:cNvPicPr>
-            <a:picLocks noChangeAspect="1"/>
-          </p:cNvPicPr>
-          <p:nvPr/>
-        </p:nvPicPr>
-        <p:blipFill>
-          <a:blip r:embed="rId3"/>
-          <a:stretch>
-            <a:fillRect/>
-          </a:stretch>
-        </p:blipFill>
-        <p:spPr>
-          <a:xfrm>
-            <a:off x="179512" y="5877272"/>
-            <a:ext cx="7994799" cy="746502"/>
-          </a:xfrm>
-          <a:prstGeom prst="rect">
-            <a:avLst/>
-          </a:prstGeom>
-        </p:spPr>
-      </p:pic>
-      <p:sp>
-        <p:nvSpPr>
-          <p:cNvPr id="9" name="四角形: 角を丸くする 8">
-            <a:extLst>
-              <a:ext uri="{FF2B5EF4-FFF2-40B4-BE49-F238E27FC236}">
-                <a16:creationId xmlns:a16="http://schemas.microsoft.com/office/drawing/2014/main" id="{049741E5-CF7F-46F7-ACA1-8949D8EEDE1F}"/>
+      <p:sp>
+        <p:nvSpPr>
+          <p:cNvPr id="5" name="四角形: 角を丸くする 4">
+            <a:extLst>
+              <a:ext uri="{FF2B5EF4-FFF2-40B4-BE49-F238E27FC236}">
+                <a16:creationId xmlns:a16="http://schemas.microsoft.com/office/drawing/2014/main" id="{07D13061-4370-45F4-AFA4-6D8F544D6A8C}"/>
               </a:ext>
             </a:extLst>
           </p:cNvPr>
@@ -4312,8 +4398,8 @@
         </p:nvSpPr>
         <p:spPr>
           <a:xfrm>
-            <a:off x="1619672" y="4509120"/>
-            <a:ext cx="1872208" cy="360040"/>
+            <a:off x="395537" y="4293096"/>
+            <a:ext cx="504056" cy="360040"/>
           </a:xfrm>
           <a:prstGeom prst="roundRect">
             <a:avLst/>
@@ -4352,139 +4438,10 @@
       </p:sp>
       <p:sp>
         <p:nvSpPr>
-          <p:cNvPr id="10" name="テキスト ボックス 9">
-            <a:extLst>
-              <a:ext uri="{FF2B5EF4-FFF2-40B4-BE49-F238E27FC236}">
-                <a16:creationId xmlns:a16="http://schemas.microsoft.com/office/drawing/2014/main" id="{59FBE452-68D8-4EDA-989F-1EAB83E15ACB}"/>
-              </a:ext>
-            </a:extLst>
-          </p:cNvPr>
-          <p:cNvSpPr txBox="1"/>
-          <p:nvPr/>
-        </p:nvSpPr>
-        <p:spPr>
-          <a:xfrm>
-            <a:off x="4211960" y="1916832"/>
-            <a:ext cx="4717958" cy="584775"/>
-          </a:xfrm>
-          <a:prstGeom prst="rect">
-            <a:avLst/>
-          </a:prstGeom>
-          <a:noFill/>
-        </p:spPr>
-        <p:txBody>
-          <a:bodyPr wrap="none" rtlCol="0">
-            <a:spAutoFit/>
-          </a:bodyPr>
-          <a:lstStyle/>
-          <a:p>
-            <a:r>
-              <a:rPr lang="en-US" altLang="ja-JP" sz="3200"/>
-              <a:t>1. docs/index.html</a:t>
-            </a:r>
-            <a:r>
-              <a:rPr lang="ja-JP" altLang="en-US" sz="3200"/>
-              <a:t>を開く</a:t>
-            </a:r>
-            <a:endParaRPr kumimoji="1" lang="ja-JP" altLang="en-US" sz="3200"/>
-          </a:p>
-        </p:txBody>
-      </p:sp>
-      <p:cxnSp>
-        <p:nvCxnSpPr>
-          <p:cNvPr id="11" name="コネクタ: カギ線 10">
-            <a:extLst>
-              <a:ext uri="{FF2B5EF4-FFF2-40B4-BE49-F238E27FC236}">
-                <a16:creationId xmlns:a16="http://schemas.microsoft.com/office/drawing/2014/main" id="{448590C9-F6A1-44C0-A1D9-0E2FA7F493B8}"/>
-              </a:ext>
-            </a:extLst>
-          </p:cNvPr>
-          <p:cNvCxnSpPr>
-            <a:cxnSpLocks/>
-            <a:stCxn id="10" idx="2"/>
-            <a:endCxn id="9" idx="0"/>
-          </p:cNvCxnSpPr>
-          <p:nvPr/>
-        </p:nvCxnSpPr>
-        <p:spPr>
-          <a:xfrm rot="5400000">
-            <a:off x="3559602" y="1497782"/>
-            <a:ext cx="2007513" cy="4015163"/>
-          </a:xfrm>
-          <a:prstGeom prst="bentConnector3">
-            <a:avLst>
-              <a:gd name="adj1" fmla="val 50000"/>
-            </a:avLst>
-          </a:prstGeom>
-          <a:ln w="28575">
-            <a:solidFill>
-              <a:srgbClr val="FF0000"/>
-            </a:solidFill>
-            <a:headEnd type="none" w="med" len="med"/>
-            <a:tailEnd type="triangle"/>
-          </a:ln>
-        </p:spPr>
-        <p:style>
-          <a:lnRef idx="1">
-            <a:schemeClr val="accent1"/>
-          </a:lnRef>
-          <a:fillRef idx="0">
-            <a:schemeClr val="accent1"/>
-          </a:fillRef>
-          <a:effectRef idx="0">
-            <a:schemeClr val="accent1"/>
-          </a:effectRef>
-          <a:fontRef idx="minor">
-            <a:schemeClr val="tx1"/>
-          </a:fontRef>
-        </p:style>
-      </p:cxnSp>
-      <p:sp>
-        <p:nvSpPr>
-          <p:cNvPr id="14" name="テキスト ボックス 13">
-            <a:extLst>
-              <a:ext uri="{FF2B5EF4-FFF2-40B4-BE49-F238E27FC236}">
-                <a16:creationId xmlns:a16="http://schemas.microsoft.com/office/drawing/2014/main" id="{31A75A33-4C33-4243-A147-5BAF5F4571D7}"/>
-              </a:ext>
-            </a:extLst>
-          </p:cNvPr>
-          <p:cNvSpPr txBox="1"/>
-          <p:nvPr/>
-        </p:nvSpPr>
-        <p:spPr>
-          <a:xfrm>
-            <a:off x="4283968" y="3789040"/>
-            <a:ext cx="4104009" cy="584775"/>
-          </a:xfrm>
-          <a:prstGeom prst="rect">
-            <a:avLst/>
-          </a:prstGeom>
-          <a:noFill/>
-        </p:spPr>
-        <p:txBody>
-          <a:bodyPr wrap="none" rtlCol="0">
-            <a:spAutoFit/>
-          </a:bodyPr>
-          <a:lstStyle/>
-          <a:p>
-            <a:r>
-              <a:rPr lang="en-US" altLang="ja-JP" sz="3200"/>
-              <a:t>2. Go Live</a:t>
-            </a:r>
-            <a:r>
-              <a:rPr lang="ja-JP" altLang="en-US" sz="3200"/>
-              <a:t>をクリック</a:t>
-            </a:r>
-            <a:endParaRPr kumimoji="1" lang="ja-JP" altLang="en-US" sz="3200"/>
-          </a:p>
-        </p:txBody>
-      </p:sp>
-      <p:sp>
-        <p:nvSpPr>
-          <p:cNvPr id="15" name="四角形: 角を丸くする 14">
-            <a:extLst>
-              <a:ext uri="{FF2B5EF4-FFF2-40B4-BE49-F238E27FC236}">
-                <a16:creationId xmlns:a16="http://schemas.microsoft.com/office/drawing/2014/main" id="{1D39AB62-16DC-4A48-A1A1-EE99B68E463B}"/>
+          <p:cNvPr id="6" name="四角形: 角を丸くする 5">
+            <a:extLst>
+              <a:ext uri="{FF2B5EF4-FFF2-40B4-BE49-F238E27FC236}">
+                <a16:creationId xmlns:a16="http://schemas.microsoft.com/office/drawing/2014/main" id="{45DA501C-832C-49B8-8D98-9924DC43C2DF}"/>
               </a:ext>
             </a:extLst>
           </p:cNvPr>
@@ -4493,8 +4450,8 @@
         </p:nvSpPr>
         <p:spPr>
           <a:xfrm>
-            <a:off x="6516216" y="6165304"/>
-            <a:ext cx="1728192" cy="504056"/>
+            <a:off x="1115616" y="2276872"/>
+            <a:ext cx="1728192" cy="360040"/>
           </a:xfrm>
           <a:prstGeom prst="roundRect">
             <a:avLst/>
@@ -4531,59 +4488,125 @@
           </a:p>
         </p:txBody>
       </p:sp>
-      <p:cxnSp>
-        <p:nvCxnSpPr>
-          <p:cNvPr id="16" name="コネクタ: カギ線 15">
-            <a:extLst>
-              <a:ext uri="{FF2B5EF4-FFF2-40B4-BE49-F238E27FC236}">
-                <a16:creationId xmlns:a16="http://schemas.microsoft.com/office/drawing/2014/main" id="{B813599B-5906-4ABF-A63C-3365AE11C38D}"/>
-              </a:ext>
-            </a:extLst>
-          </p:cNvPr>
-          <p:cNvCxnSpPr>
-            <a:cxnSpLocks/>
-            <a:stCxn id="14" idx="2"/>
-            <a:endCxn id="15" idx="0"/>
-          </p:cNvCxnSpPr>
-          <p:nvPr/>
-        </p:nvCxnSpPr>
-        <p:spPr>
-          <a:xfrm rot="16200000" flipH="1">
-            <a:off x="5962398" y="4747389"/>
-            <a:ext cx="1791489" cy="1044339"/>
-          </a:xfrm>
-          <a:prstGeom prst="bentConnector3">
-            <a:avLst>
-              <a:gd name="adj1" fmla="val 50000"/>
-            </a:avLst>
-          </a:prstGeom>
-          <a:ln w="28575">
+      <p:sp>
+        <p:nvSpPr>
+          <p:cNvPr id="7" name="四角形: 角を丸くする 6">
+            <a:extLst>
+              <a:ext uri="{FF2B5EF4-FFF2-40B4-BE49-F238E27FC236}">
+                <a16:creationId xmlns:a16="http://schemas.microsoft.com/office/drawing/2014/main" id="{DCD9CB09-9728-4C54-BE54-F7418BD581E8}"/>
+              </a:ext>
+            </a:extLst>
+          </p:cNvPr>
+          <p:cNvSpPr/>
+          <p:nvPr/>
+        </p:nvSpPr>
+        <p:spPr>
+          <a:xfrm>
+            <a:off x="2051720" y="3284984"/>
+            <a:ext cx="792088" cy="216024"/>
+          </a:xfrm>
+          <a:prstGeom prst="roundRect">
+            <a:avLst/>
+          </a:prstGeom>
+          <a:noFill/>
+          <a:ln w="38100">
             <a:solidFill>
               <a:srgbClr val="FF0000"/>
             </a:solidFill>
-            <a:headEnd type="none" w="med" len="med"/>
-            <a:tailEnd type="triangle"/>
           </a:ln>
         </p:spPr>
         <p:style>
-          <a:lnRef idx="1">
-            <a:schemeClr val="accent1"/>
+          <a:lnRef idx="2">
+            <a:schemeClr val="accent1">
+              <a:shade val="50000"/>
+            </a:schemeClr>
           </a:lnRef>
-          <a:fillRef idx="0">
+          <a:fillRef idx="1">
             <a:schemeClr val="accent1"/>
           </a:fillRef>
           <a:effectRef idx="0">
             <a:schemeClr val="accent1"/>
           </a:effectRef>
           <a:fontRef idx="minor">
-            <a:schemeClr val="tx1"/>
+            <a:schemeClr val="lt1"/>
           </a:fontRef>
         </p:style>
-      </p:cxnSp>
+        <p:txBody>
+          <a:bodyPr rtlCol="0" anchor="ctr"/>
+          <a:lstStyle/>
+          <a:p>
+            <a:pPr algn="ctr"/>
+            <a:endParaRPr kumimoji="1" lang="ja-JP" altLang="en-US"/>
+          </a:p>
+        </p:txBody>
+      </p:sp>
+      <p:sp>
+        <p:nvSpPr>
+          <p:cNvPr id="8" name="テキスト ボックス 7">
+            <a:extLst>
+              <a:ext uri="{FF2B5EF4-FFF2-40B4-BE49-F238E27FC236}">
+                <a16:creationId xmlns:a16="http://schemas.microsoft.com/office/drawing/2014/main" id="{6DA2A16D-0A29-4CA7-9313-053E4CD97032}"/>
+              </a:ext>
+            </a:extLst>
+          </p:cNvPr>
+          <p:cNvSpPr txBox="1"/>
+          <p:nvPr/>
+        </p:nvSpPr>
+        <p:spPr>
+          <a:xfrm>
+            <a:off x="539552" y="1052736"/>
+            <a:ext cx="7789312" cy="369332"/>
+          </a:xfrm>
+          <a:prstGeom prst="rect">
+            <a:avLst/>
+          </a:prstGeom>
+          <a:noFill/>
+        </p:spPr>
+        <p:txBody>
+          <a:bodyPr wrap="none" rtlCol="0">
+            <a:spAutoFit/>
+          </a:bodyPr>
+          <a:lstStyle/>
+          <a:p>
+            <a:r>
+              <a:rPr kumimoji="1" lang="en-US" altLang="ja-JP"/>
+              <a:t>1. </a:t>
+            </a:r>
+            <a:r>
+              <a:rPr kumimoji="1" lang="ja-JP" altLang="en-US"/>
+              <a:t>拡張機能をクリック </a:t>
+            </a:r>
+            <a:r>
+              <a:rPr kumimoji="1" lang="en-US" altLang="ja-JP"/>
+              <a:t>2. </a:t>
+            </a:r>
+            <a:r>
+              <a:rPr kumimoji="1" lang="ja-JP" altLang="en-US"/>
+              <a:t>検索窓に「</a:t>
+            </a:r>
+            <a:r>
+              <a:rPr kumimoji="1" lang="en-US" altLang="ja-JP"/>
+              <a:t>Live Server</a:t>
+            </a:r>
+            <a:r>
+              <a:rPr kumimoji="1" lang="ja-JP" altLang="en-US"/>
+              <a:t>」と入力 </a:t>
+            </a:r>
+            <a:r>
+              <a:rPr kumimoji="1" lang="en-US" altLang="ja-JP"/>
+              <a:t>3. </a:t>
+            </a:r>
+            <a:r>
+              <a:rPr kumimoji="1" lang="ja-JP" altLang="en-US"/>
+              <a:t>インストール</a:t>
+            </a:r>
+          </a:p>
+        </p:txBody>
+      </p:sp>
     </p:spTree>
     <p:extLst>
       <p:ext uri="{BB962C8B-B14F-4D97-AF65-F5344CB8AC3E}">
-        <p14:creationId xmlns:p14="http://schemas.microsoft.com/office/powerpoint/2010/main" val="2638546528"/>
+        <p14:creationId xmlns:p14="http://schemas.microsoft.com/office/powerpoint/2010/main" val="3069352372"/>
       </p:ext>
     </p:extLst>
   </p:cSld>
@@ -4615,7 +4638,7 @@
           <p:cNvPr id="2" name="テキスト プレースホルダー 1">
             <a:extLst>
               <a:ext uri="{FF2B5EF4-FFF2-40B4-BE49-F238E27FC236}">
-                <a16:creationId xmlns:a16="http://schemas.microsoft.com/office/drawing/2014/main" id="{5B5E8DCF-EB67-44A3-89B4-E45F5A1124C6}"/>
+                <a16:creationId xmlns:a16="http://schemas.microsoft.com/office/drawing/2014/main" id="{AB29F8BF-9E30-4320-8780-15405B2C6AE2}"/>
               </a:ext>
             </a:extLst>
           </p:cNvPr>
@@ -4643,48 +4666,12 @@
           </a:p>
         </p:txBody>
       </p:sp>
-      <p:sp>
-        <p:nvSpPr>
-          <p:cNvPr id="5" name="テキスト ボックス 4">
-            <a:extLst>
-              <a:ext uri="{FF2B5EF4-FFF2-40B4-BE49-F238E27FC236}">
-                <a16:creationId xmlns:a16="http://schemas.microsoft.com/office/drawing/2014/main" id="{C5D09ED4-C0D4-4DB2-B9F7-83E48E7CCE64}"/>
-              </a:ext>
-            </a:extLst>
-          </p:cNvPr>
-          <p:cNvSpPr txBox="1"/>
-          <p:nvPr/>
-        </p:nvSpPr>
-        <p:spPr>
-          <a:xfrm>
-            <a:off x="179512" y="1124744"/>
-            <a:ext cx="7571303" cy="584775"/>
-          </a:xfrm>
-          <a:prstGeom prst="rect">
-            <a:avLst/>
-          </a:prstGeom>
-          <a:noFill/>
-        </p:spPr>
-        <p:txBody>
-          <a:bodyPr wrap="none" rtlCol="0">
-            <a:spAutoFit/>
-          </a:bodyPr>
-          <a:lstStyle/>
-          <a:p>
-            <a:r>
-              <a:rPr lang="ja-JP" altLang="en-US" sz="3200"/>
-              <a:t>ブラウザが開いてゲームができれば成功</a:t>
-            </a:r>
-            <a:endParaRPr kumimoji="1" lang="ja-JP" altLang="en-US" sz="3200"/>
-          </a:p>
-        </p:txBody>
-      </p:sp>
       <p:pic>
         <p:nvPicPr>
-          <p:cNvPr id="7" name="図 6">
-            <a:extLst>
-              <a:ext uri="{FF2B5EF4-FFF2-40B4-BE49-F238E27FC236}">
-                <a16:creationId xmlns:a16="http://schemas.microsoft.com/office/drawing/2014/main" id="{E36141E7-394E-47D5-B351-B98C23729F14}"/>
+          <p:cNvPr id="6" name="図 5">
+            <a:extLst>
+              <a:ext uri="{FF2B5EF4-FFF2-40B4-BE49-F238E27FC236}">
+                <a16:creationId xmlns:a16="http://schemas.microsoft.com/office/drawing/2014/main" id="{2EE263F4-8A63-4C0D-B7A3-D818F7CC9367}"/>
               </a:ext>
             </a:extLst>
           </p:cNvPr>
@@ -4701,18 +4688,330 @@
         </p:blipFill>
         <p:spPr>
           <a:xfrm>
-            <a:off x="251520" y="1844824"/>
-            <a:ext cx="7488832" cy="4836537"/>
+            <a:off x="251520" y="1268760"/>
+            <a:ext cx="3689002" cy="4392488"/>
           </a:xfrm>
           <a:prstGeom prst="rect">
             <a:avLst/>
           </a:prstGeom>
         </p:spPr>
       </p:pic>
+      <p:pic>
+        <p:nvPicPr>
+          <p:cNvPr id="8" name="図 7">
+            <a:extLst>
+              <a:ext uri="{FF2B5EF4-FFF2-40B4-BE49-F238E27FC236}">
+                <a16:creationId xmlns:a16="http://schemas.microsoft.com/office/drawing/2014/main" id="{A3115DBD-466C-49B2-B25E-2CC59EAD9B39}"/>
+              </a:ext>
+            </a:extLst>
+          </p:cNvPr>
+          <p:cNvPicPr>
+            <a:picLocks noChangeAspect="1"/>
+          </p:cNvPicPr>
+          <p:nvPr/>
+        </p:nvPicPr>
+        <p:blipFill>
+          <a:blip r:embed="rId3"/>
+          <a:stretch>
+            <a:fillRect/>
+          </a:stretch>
+        </p:blipFill>
+        <p:spPr>
+          <a:xfrm>
+            <a:off x="179512" y="5877272"/>
+            <a:ext cx="7994799" cy="746502"/>
+          </a:xfrm>
+          <a:prstGeom prst="rect">
+            <a:avLst/>
+          </a:prstGeom>
+        </p:spPr>
+      </p:pic>
+      <p:sp>
+        <p:nvSpPr>
+          <p:cNvPr id="9" name="四角形: 角を丸くする 8">
+            <a:extLst>
+              <a:ext uri="{FF2B5EF4-FFF2-40B4-BE49-F238E27FC236}">
+                <a16:creationId xmlns:a16="http://schemas.microsoft.com/office/drawing/2014/main" id="{049741E5-CF7F-46F7-ACA1-8949D8EEDE1F}"/>
+              </a:ext>
+            </a:extLst>
+          </p:cNvPr>
+          <p:cNvSpPr/>
+          <p:nvPr/>
+        </p:nvSpPr>
+        <p:spPr>
+          <a:xfrm>
+            <a:off x="1619672" y="4509120"/>
+            <a:ext cx="1872208" cy="360040"/>
+          </a:xfrm>
+          <a:prstGeom prst="roundRect">
+            <a:avLst/>
+          </a:prstGeom>
+          <a:noFill/>
+          <a:ln w="38100">
+            <a:solidFill>
+              <a:srgbClr val="FF0000"/>
+            </a:solidFill>
+          </a:ln>
+        </p:spPr>
+        <p:style>
+          <a:lnRef idx="2">
+            <a:schemeClr val="accent1">
+              <a:shade val="50000"/>
+            </a:schemeClr>
+          </a:lnRef>
+          <a:fillRef idx="1">
+            <a:schemeClr val="accent1"/>
+          </a:fillRef>
+          <a:effectRef idx="0">
+            <a:schemeClr val="accent1"/>
+          </a:effectRef>
+          <a:fontRef idx="minor">
+            <a:schemeClr val="lt1"/>
+          </a:fontRef>
+        </p:style>
+        <p:txBody>
+          <a:bodyPr rtlCol="0" anchor="ctr"/>
+          <a:lstStyle/>
+          <a:p>
+            <a:pPr algn="ctr"/>
+            <a:endParaRPr kumimoji="1" lang="ja-JP" altLang="en-US"/>
+          </a:p>
+        </p:txBody>
+      </p:sp>
+      <p:sp>
+        <p:nvSpPr>
+          <p:cNvPr id="10" name="テキスト ボックス 9">
+            <a:extLst>
+              <a:ext uri="{FF2B5EF4-FFF2-40B4-BE49-F238E27FC236}">
+                <a16:creationId xmlns:a16="http://schemas.microsoft.com/office/drawing/2014/main" id="{59FBE452-68D8-4EDA-989F-1EAB83E15ACB}"/>
+              </a:ext>
+            </a:extLst>
+          </p:cNvPr>
+          <p:cNvSpPr txBox="1"/>
+          <p:nvPr/>
+        </p:nvSpPr>
+        <p:spPr>
+          <a:xfrm>
+            <a:off x="4211960" y="1916832"/>
+            <a:ext cx="4717958" cy="584775"/>
+          </a:xfrm>
+          <a:prstGeom prst="rect">
+            <a:avLst/>
+          </a:prstGeom>
+          <a:noFill/>
+        </p:spPr>
+        <p:txBody>
+          <a:bodyPr wrap="none" rtlCol="0">
+            <a:spAutoFit/>
+          </a:bodyPr>
+          <a:lstStyle/>
+          <a:p>
+            <a:r>
+              <a:rPr lang="en-US" altLang="ja-JP" sz="3200"/>
+              <a:t>1. docs/index.html</a:t>
+            </a:r>
+            <a:r>
+              <a:rPr lang="ja-JP" altLang="en-US" sz="3200"/>
+              <a:t>を開く</a:t>
+            </a:r>
+            <a:endParaRPr kumimoji="1" lang="ja-JP" altLang="en-US" sz="3200"/>
+          </a:p>
+        </p:txBody>
+      </p:sp>
+      <p:cxnSp>
+        <p:nvCxnSpPr>
+          <p:cNvPr id="11" name="コネクタ: カギ線 10">
+            <a:extLst>
+              <a:ext uri="{FF2B5EF4-FFF2-40B4-BE49-F238E27FC236}">
+                <a16:creationId xmlns:a16="http://schemas.microsoft.com/office/drawing/2014/main" id="{448590C9-F6A1-44C0-A1D9-0E2FA7F493B8}"/>
+              </a:ext>
+            </a:extLst>
+          </p:cNvPr>
+          <p:cNvCxnSpPr>
+            <a:cxnSpLocks/>
+            <a:stCxn id="10" idx="2"/>
+            <a:endCxn id="9" idx="0"/>
+          </p:cNvCxnSpPr>
+          <p:nvPr/>
+        </p:nvCxnSpPr>
+        <p:spPr>
+          <a:xfrm rot="5400000">
+            <a:off x="3559602" y="1497782"/>
+            <a:ext cx="2007513" cy="4015163"/>
+          </a:xfrm>
+          <a:prstGeom prst="bentConnector3">
+            <a:avLst>
+              <a:gd name="adj1" fmla="val 50000"/>
+            </a:avLst>
+          </a:prstGeom>
+          <a:ln w="28575">
+            <a:solidFill>
+              <a:srgbClr val="FF0000"/>
+            </a:solidFill>
+            <a:headEnd type="none" w="med" len="med"/>
+            <a:tailEnd type="triangle"/>
+          </a:ln>
+        </p:spPr>
+        <p:style>
+          <a:lnRef idx="1">
+            <a:schemeClr val="accent1"/>
+          </a:lnRef>
+          <a:fillRef idx="0">
+            <a:schemeClr val="accent1"/>
+          </a:fillRef>
+          <a:effectRef idx="0">
+            <a:schemeClr val="accent1"/>
+          </a:effectRef>
+          <a:fontRef idx="minor">
+            <a:schemeClr val="tx1"/>
+          </a:fontRef>
+        </p:style>
+      </p:cxnSp>
+      <p:sp>
+        <p:nvSpPr>
+          <p:cNvPr id="14" name="テキスト ボックス 13">
+            <a:extLst>
+              <a:ext uri="{FF2B5EF4-FFF2-40B4-BE49-F238E27FC236}">
+                <a16:creationId xmlns:a16="http://schemas.microsoft.com/office/drawing/2014/main" id="{31A75A33-4C33-4243-A147-5BAF5F4571D7}"/>
+              </a:ext>
+            </a:extLst>
+          </p:cNvPr>
+          <p:cNvSpPr txBox="1"/>
+          <p:nvPr/>
+        </p:nvSpPr>
+        <p:spPr>
+          <a:xfrm>
+            <a:off x="4283968" y="3789040"/>
+            <a:ext cx="4104009" cy="584775"/>
+          </a:xfrm>
+          <a:prstGeom prst="rect">
+            <a:avLst/>
+          </a:prstGeom>
+          <a:noFill/>
+        </p:spPr>
+        <p:txBody>
+          <a:bodyPr wrap="none" rtlCol="0">
+            <a:spAutoFit/>
+          </a:bodyPr>
+          <a:lstStyle/>
+          <a:p>
+            <a:r>
+              <a:rPr lang="en-US" altLang="ja-JP" sz="3200"/>
+              <a:t>2. Go Live</a:t>
+            </a:r>
+            <a:r>
+              <a:rPr lang="ja-JP" altLang="en-US" sz="3200"/>
+              <a:t>をクリック</a:t>
+            </a:r>
+            <a:endParaRPr kumimoji="1" lang="ja-JP" altLang="en-US" sz="3200"/>
+          </a:p>
+        </p:txBody>
+      </p:sp>
+      <p:sp>
+        <p:nvSpPr>
+          <p:cNvPr id="15" name="四角形: 角を丸くする 14">
+            <a:extLst>
+              <a:ext uri="{FF2B5EF4-FFF2-40B4-BE49-F238E27FC236}">
+                <a16:creationId xmlns:a16="http://schemas.microsoft.com/office/drawing/2014/main" id="{1D39AB62-16DC-4A48-A1A1-EE99B68E463B}"/>
+              </a:ext>
+            </a:extLst>
+          </p:cNvPr>
+          <p:cNvSpPr/>
+          <p:nvPr/>
+        </p:nvSpPr>
+        <p:spPr>
+          <a:xfrm>
+            <a:off x="6516216" y="6165304"/>
+            <a:ext cx="1728192" cy="504056"/>
+          </a:xfrm>
+          <a:prstGeom prst="roundRect">
+            <a:avLst/>
+          </a:prstGeom>
+          <a:noFill/>
+          <a:ln w="38100">
+            <a:solidFill>
+              <a:srgbClr val="FF0000"/>
+            </a:solidFill>
+          </a:ln>
+        </p:spPr>
+        <p:style>
+          <a:lnRef idx="2">
+            <a:schemeClr val="accent1">
+              <a:shade val="50000"/>
+            </a:schemeClr>
+          </a:lnRef>
+          <a:fillRef idx="1">
+            <a:schemeClr val="accent1"/>
+          </a:fillRef>
+          <a:effectRef idx="0">
+            <a:schemeClr val="accent1"/>
+          </a:effectRef>
+          <a:fontRef idx="minor">
+            <a:schemeClr val="lt1"/>
+          </a:fontRef>
+        </p:style>
+        <p:txBody>
+          <a:bodyPr rtlCol="0" anchor="ctr"/>
+          <a:lstStyle/>
+          <a:p>
+            <a:pPr algn="ctr"/>
+            <a:endParaRPr kumimoji="1" lang="ja-JP" altLang="en-US"/>
+          </a:p>
+        </p:txBody>
+      </p:sp>
+      <p:cxnSp>
+        <p:nvCxnSpPr>
+          <p:cNvPr id="16" name="コネクタ: カギ線 15">
+            <a:extLst>
+              <a:ext uri="{FF2B5EF4-FFF2-40B4-BE49-F238E27FC236}">
+                <a16:creationId xmlns:a16="http://schemas.microsoft.com/office/drawing/2014/main" id="{B813599B-5906-4ABF-A63C-3365AE11C38D}"/>
+              </a:ext>
+            </a:extLst>
+          </p:cNvPr>
+          <p:cNvCxnSpPr>
+            <a:cxnSpLocks/>
+            <a:stCxn id="14" idx="2"/>
+            <a:endCxn id="15" idx="0"/>
+          </p:cNvCxnSpPr>
+          <p:nvPr/>
+        </p:nvCxnSpPr>
+        <p:spPr>
+          <a:xfrm rot="16200000" flipH="1">
+            <a:off x="5962398" y="4747389"/>
+            <a:ext cx="1791489" cy="1044339"/>
+          </a:xfrm>
+          <a:prstGeom prst="bentConnector3">
+            <a:avLst>
+              <a:gd name="adj1" fmla="val 50000"/>
+            </a:avLst>
+          </a:prstGeom>
+          <a:ln w="28575">
+            <a:solidFill>
+              <a:srgbClr val="FF0000"/>
+            </a:solidFill>
+            <a:headEnd type="none" w="med" len="med"/>
+            <a:tailEnd type="triangle"/>
+          </a:ln>
+        </p:spPr>
+        <p:style>
+          <a:lnRef idx="1">
+            <a:schemeClr val="accent1"/>
+          </a:lnRef>
+          <a:fillRef idx="0">
+            <a:schemeClr val="accent1"/>
+          </a:fillRef>
+          <a:effectRef idx="0">
+            <a:schemeClr val="accent1"/>
+          </a:effectRef>
+          <a:fontRef idx="minor">
+            <a:schemeClr val="tx1"/>
+          </a:fontRef>
+        </p:style>
+      </p:cxnSp>
     </p:spTree>
     <p:extLst>
       <p:ext uri="{BB962C8B-B14F-4D97-AF65-F5344CB8AC3E}">
-        <p14:creationId xmlns:p14="http://schemas.microsoft.com/office/powerpoint/2010/main" val="1989445412"/>
+        <p14:creationId xmlns:p14="http://schemas.microsoft.com/office/powerpoint/2010/main" val="2638546528"/>
       </p:ext>
     </p:extLst>
   </p:cSld>
@@ -4858,7 +5157,7 @@
           <p:cNvPr id="2" name="テキスト プレースホルダー 1">
             <a:extLst>
               <a:ext uri="{FF2B5EF4-FFF2-40B4-BE49-F238E27FC236}">
-                <a16:creationId xmlns:a16="http://schemas.microsoft.com/office/drawing/2014/main" id="{EA014185-02D9-412D-A9DD-33CB68EF0FA6}"/>
+                <a16:creationId xmlns:a16="http://schemas.microsoft.com/office/drawing/2014/main" id="{5B5E8DCF-EB67-44A3-89B4-E45F5A1124C6}"/>
               </a:ext>
             </a:extLst>
           </p:cNvPr>
@@ -4880,18 +5179,54 @@
             </a:r>
             <a:r>
               <a:rPr lang="en-US" altLang="ja-JP"/>
-              <a:t>2 - Step 5</a:t>
+              <a:t>2 - Step 4</a:t>
             </a:r>
             <a:endParaRPr kumimoji="1" lang="ja-JP" altLang="en-US"/>
+          </a:p>
+        </p:txBody>
+      </p:sp>
+      <p:sp>
+        <p:nvSpPr>
+          <p:cNvPr id="5" name="テキスト ボックス 4">
+            <a:extLst>
+              <a:ext uri="{FF2B5EF4-FFF2-40B4-BE49-F238E27FC236}">
+                <a16:creationId xmlns:a16="http://schemas.microsoft.com/office/drawing/2014/main" id="{C5D09ED4-C0D4-4DB2-B9F7-83E48E7CCE64}"/>
+              </a:ext>
+            </a:extLst>
+          </p:cNvPr>
+          <p:cNvSpPr txBox="1"/>
+          <p:nvPr/>
+        </p:nvSpPr>
+        <p:spPr>
+          <a:xfrm>
+            <a:off x="179512" y="1124744"/>
+            <a:ext cx="7571303" cy="584775"/>
+          </a:xfrm>
+          <a:prstGeom prst="rect">
+            <a:avLst/>
+          </a:prstGeom>
+          <a:noFill/>
+        </p:spPr>
+        <p:txBody>
+          <a:bodyPr wrap="none" rtlCol="0">
+            <a:spAutoFit/>
+          </a:bodyPr>
+          <a:lstStyle/>
+          <a:p>
+            <a:r>
+              <a:rPr lang="ja-JP" altLang="en-US" sz="3200"/>
+              <a:t>ブラウザが開いてゲームができれば成功</a:t>
+            </a:r>
+            <a:endParaRPr kumimoji="1" lang="ja-JP" altLang="en-US" sz="3200"/>
           </a:p>
         </p:txBody>
       </p:sp>
       <p:pic>
         <p:nvPicPr>
-          <p:cNvPr id="4" name="図 3">
-            <a:extLst>
-              <a:ext uri="{FF2B5EF4-FFF2-40B4-BE49-F238E27FC236}">
-                <a16:creationId xmlns:a16="http://schemas.microsoft.com/office/drawing/2014/main" id="{7CC1978C-FFB4-4D14-AAE0-6C83515063D7}"/>
+          <p:cNvPr id="7" name="図 6">
+            <a:extLst>
+              <a:ext uri="{FF2B5EF4-FFF2-40B4-BE49-F238E27FC236}">
+                <a16:creationId xmlns:a16="http://schemas.microsoft.com/office/drawing/2014/main" id="{E36141E7-394E-47D5-B351-B98C23729F14}"/>
               </a:ext>
             </a:extLst>
           </p:cNvPr>
@@ -4908,156 +5243,18 @@
         </p:blipFill>
         <p:spPr>
           <a:xfrm>
-            <a:off x="323528" y="1628800"/>
-            <a:ext cx="3168352" cy="4789029"/>
+            <a:off x="251520" y="1844824"/>
+            <a:ext cx="7488832" cy="4836537"/>
           </a:xfrm>
           <a:prstGeom prst="rect">
             <a:avLst/>
           </a:prstGeom>
         </p:spPr>
       </p:pic>
-      <p:sp>
-        <p:nvSpPr>
-          <p:cNvPr id="5" name="四角形: 角を丸くする 4">
-            <a:extLst>
-              <a:ext uri="{FF2B5EF4-FFF2-40B4-BE49-F238E27FC236}">
-                <a16:creationId xmlns:a16="http://schemas.microsoft.com/office/drawing/2014/main" id="{FD01A4F7-C561-4921-B60D-FF881DD0DD35}"/>
-              </a:ext>
-            </a:extLst>
-          </p:cNvPr>
-          <p:cNvSpPr/>
-          <p:nvPr/>
-        </p:nvSpPr>
-        <p:spPr>
-          <a:xfrm>
-            <a:off x="1475656" y="5373216"/>
-            <a:ext cx="1872208" cy="360040"/>
-          </a:xfrm>
-          <a:prstGeom prst="roundRect">
-            <a:avLst/>
-          </a:prstGeom>
-          <a:noFill/>
-          <a:ln w="38100">
-            <a:solidFill>
-              <a:srgbClr val="FF0000"/>
-            </a:solidFill>
-          </a:ln>
-        </p:spPr>
-        <p:style>
-          <a:lnRef idx="2">
-            <a:schemeClr val="accent1">
-              <a:shade val="50000"/>
-            </a:schemeClr>
-          </a:lnRef>
-          <a:fillRef idx="1">
-            <a:schemeClr val="accent1"/>
-          </a:fillRef>
-          <a:effectRef idx="0">
-            <a:schemeClr val="accent1"/>
-          </a:effectRef>
-          <a:fontRef idx="minor">
-            <a:schemeClr val="lt1"/>
-          </a:fontRef>
-        </p:style>
-        <p:txBody>
-          <a:bodyPr rtlCol="0" anchor="ctr"/>
-          <a:lstStyle/>
-          <a:p>
-            <a:pPr algn="ctr"/>
-            <a:endParaRPr kumimoji="1" lang="ja-JP" altLang="en-US"/>
-          </a:p>
-        </p:txBody>
-      </p:sp>
-      <p:sp>
-        <p:nvSpPr>
-          <p:cNvPr id="6" name="テキスト ボックス 5">
-            <a:extLst>
-              <a:ext uri="{FF2B5EF4-FFF2-40B4-BE49-F238E27FC236}">
-                <a16:creationId xmlns:a16="http://schemas.microsoft.com/office/drawing/2014/main" id="{DF872CB0-96DC-4BBA-BFA0-6DFF59057C16}"/>
-              </a:ext>
-            </a:extLst>
-          </p:cNvPr>
-          <p:cNvSpPr txBox="1"/>
-          <p:nvPr/>
-        </p:nvSpPr>
-        <p:spPr>
-          <a:xfrm>
-            <a:off x="1547664" y="908720"/>
-            <a:ext cx="6721740" cy="584775"/>
-          </a:xfrm>
-          <a:prstGeom prst="rect">
-            <a:avLst/>
-          </a:prstGeom>
-          <a:noFill/>
-        </p:spPr>
-        <p:txBody>
-          <a:bodyPr wrap="square" rtlCol="0">
-            <a:spAutoFit/>
-          </a:bodyPr>
-          <a:lstStyle/>
-          <a:p>
-            <a:r>
-              <a:rPr lang="en-US" altLang="ja-JP" sz="3200"/>
-              <a:t>docs/data/scenario/first.ks</a:t>
-            </a:r>
-            <a:r>
-              <a:rPr kumimoji="1" lang="ja-JP" altLang="en-US" sz="3200"/>
-              <a:t>を開く</a:t>
-            </a:r>
-          </a:p>
-        </p:txBody>
-      </p:sp>
-      <p:cxnSp>
-        <p:nvCxnSpPr>
-          <p:cNvPr id="7" name="コネクタ: カギ線 6">
-            <a:extLst>
-              <a:ext uri="{FF2B5EF4-FFF2-40B4-BE49-F238E27FC236}">
-                <a16:creationId xmlns:a16="http://schemas.microsoft.com/office/drawing/2014/main" id="{B5AB4CB2-BAF3-4FFC-9F3E-84C4BDDE96D5}"/>
-              </a:ext>
-            </a:extLst>
-          </p:cNvPr>
-          <p:cNvCxnSpPr>
-            <a:cxnSpLocks/>
-            <a:stCxn id="6" idx="2"/>
-            <a:endCxn id="5" idx="3"/>
-          </p:cNvCxnSpPr>
-          <p:nvPr/>
-        </p:nvCxnSpPr>
-        <p:spPr>
-          <a:xfrm rot="5400000">
-            <a:off x="2098329" y="2743030"/>
-            <a:ext cx="4059741" cy="1560670"/>
-          </a:xfrm>
-          <a:prstGeom prst="bentConnector2">
-            <a:avLst/>
-          </a:prstGeom>
-          <a:ln w="28575">
-            <a:solidFill>
-              <a:srgbClr val="FF0000"/>
-            </a:solidFill>
-            <a:headEnd type="none" w="med" len="med"/>
-            <a:tailEnd type="triangle"/>
-          </a:ln>
-        </p:spPr>
-        <p:style>
-          <a:lnRef idx="1">
-            <a:schemeClr val="accent1"/>
-          </a:lnRef>
-          <a:fillRef idx="0">
-            <a:schemeClr val="accent1"/>
-          </a:fillRef>
-          <a:effectRef idx="0">
-            <a:schemeClr val="accent1"/>
-          </a:effectRef>
-          <a:fontRef idx="minor">
-            <a:schemeClr val="tx1"/>
-          </a:fontRef>
-        </p:style>
-      </p:cxnSp>
     </p:spTree>
     <p:extLst>
       <p:ext uri="{BB962C8B-B14F-4D97-AF65-F5344CB8AC3E}">
-        <p14:creationId xmlns:p14="http://schemas.microsoft.com/office/powerpoint/2010/main" val="2689021249"/>
+        <p14:creationId xmlns:p14="http://schemas.microsoft.com/office/powerpoint/2010/main" val="1989445412"/>
       </p:ext>
     </p:extLst>
   </p:cSld>
@@ -5089,7 +5286,7 @@
           <p:cNvPr id="2" name="テキスト プレースホルダー 1">
             <a:extLst>
               <a:ext uri="{FF2B5EF4-FFF2-40B4-BE49-F238E27FC236}">
-                <a16:creationId xmlns:a16="http://schemas.microsoft.com/office/drawing/2014/main" id="{C78A5381-F5FB-4985-A2B6-7DDB7988E9B1}"/>
+                <a16:creationId xmlns:a16="http://schemas.microsoft.com/office/drawing/2014/main" id="{EA014185-02D9-412D-A9DD-33CB68EF0FA6}"/>
               </a:ext>
             </a:extLst>
           </p:cNvPr>
@@ -5117,129 +5314,178 @@
           </a:p>
         </p:txBody>
       </p:sp>
-      <p:sp>
-        <p:nvSpPr>
-          <p:cNvPr id="4" name="テキスト ボックス 3">
-            <a:extLst>
-              <a:ext uri="{FF2B5EF4-FFF2-40B4-BE49-F238E27FC236}">
-                <a16:creationId xmlns:a16="http://schemas.microsoft.com/office/drawing/2014/main" id="{B6AA573B-786D-493C-9310-59BFBDCDF066}"/>
-              </a:ext>
-            </a:extLst>
-          </p:cNvPr>
-          <p:cNvSpPr txBox="1"/>
-          <p:nvPr/>
-        </p:nvSpPr>
-        <p:spPr>
-          <a:xfrm>
-            <a:off x="251520" y="2348880"/>
-            <a:ext cx="8064896" cy="3416320"/>
+      <p:pic>
+        <p:nvPicPr>
+          <p:cNvPr id="4" name="図 3">
+            <a:extLst>
+              <a:ext uri="{FF2B5EF4-FFF2-40B4-BE49-F238E27FC236}">
+                <a16:creationId xmlns:a16="http://schemas.microsoft.com/office/drawing/2014/main" id="{7CC1978C-FFB4-4D14-AAE0-6C83515063D7}"/>
+              </a:ext>
+            </a:extLst>
+          </p:cNvPr>
+          <p:cNvPicPr>
+            <a:picLocks noChangeAspect="1"/>
+          </p:cNvPicPr>
+          <p:nvPr/>
+        </p:nvPicPr>
+        <p:blipFill>
+          <a:blip r:embed="rId2"/>
+          <a:stretch>
+            <a:fillRect/>
+          </a:stretch>
+        </p:blipFill>
+        <p:spPr>
+          <a:xfrm>
+            <a:off x="323528" y="1628800"/>
+            <a:ext cx="3168352" cy="4789029"/>
           </a:xfrm>
           <a:prstGeom prst="rect">
             <a:avLst/>
           </a:prstGeom>
+        </p:spPr>
+      </p:pic>
+      <p:sp>
+        <p:nvSpPr>
+          <p:cNvPr id="5" name="四角形: 角を丸くする 4">
+            <a:extLst>
+              <a:ext uri="{FF2B5EF4-FFF2-40B4-BE49-F238E27FC236}">
+                <a16:creationId xmlns:a16="http://schemas.microsoft.com/office/drawing/2014/main" id="{FD01A4F7-C561-4921-B60D-FF881DD0DD35}"/>
+              </a:ext>
+            </a:extLst>
+          </p:cNvPr>
+          <p:cNvSpPr/>
+          <p:nvPr/>
+        </p:nvSpPr>
+        <p:spPr>
+          <a:xfrm>
+            <a:off x="1475656" y="5373216"/>
+            <a:ext cx="1872208" cy="360040"/>
+          </a:xfrm>
+          <a:prstGeom prst="roundRect">
+            <a:avLst/>
+          </a:prstGeom>
           <a:noFill/>
-          <a:ln>
+          <a:ln w="38100">
             <a:solidFill>
-              <a:schemeClr val="tx1"/>
+              <a:srgbClr val="FF0000"/>
             </a:solidFill>
           </a:ln>
         </p:spPr>
-        <p:txBody>
-          <a:bodyPr wrap="square">
+        <p:style>
+          <a:lnRef idx="2">
+            <a:schemeClr val="accent1">
+              <a:shade val="50000"/>
+            </a:schemeClr>
+          </a:lnRef>
+          <a:fillRef idx="1">
+            <a:schemeClr val="accent1"/>
+          </a:fillRef>
+          <a:effectRef idx="0">
+            <a:schemeClr val="accent1"/>
+          </a:effectRef>
+          <a:fontRef idx="minor">
+            <a:schemeClr val="lt1"/>
+          </a:fontRef>
+        </p:style>
+        <p:txBody>
+          <a:bodyPr rtlCol="0" anchor="ctr"/>
+          <a:lstStyle/>
+          <a:p>
+            <a:pPr algn="ctr"/>
+            <a:endParaRPr kumimoji="1" lang="ja-JP" altLang="en-US"/>
+          </a:p>
+        </p:txBody>
+      </p:sp>
+      <p:sp>
+        <p:nvSpPr>
+          <p:cNvPr id="6" name="テキスト ボックス 5">
+            <a:extLst>
+              <a:ext uri="{FF2B5EF4-FFF2-40B4-BE49-F238E27FC236}">
+                <a16:creationId xmlns:a16="http://schemas.microsoft.com/office/drawing/2014/main" id="{DF872CB0-96DC-4BBA-BFA0-6DFF59057C16}"/>
+              </a:ext>
+            </a:extLst>
+          </p:cNvPr>
+          <p:cNvSpPr txBox="1"/>
+          <p:nvPr/>
+        </p:nvSpPr>
+        <p:spPr>
+          <a:xfrm>
+            <a:off x="1547664" y="908720"/>
+            <a:ext cx="6721740" cy="584775"/>
+          </a:xfrm>
+          <a:prstGeom prst="rect">
+            <a:avLst/>
+          </a:prstGeom>
+          <a:noFill/>
+        </p:spPr>
+        <p:txBody>
+          <a:bodyPr wrap="square" rtlCol="0">
             <a:spAutoFit/>
           </a:bodyPr>
           <a:lstStyle/>
           <a:p>
             <a:r>
-              <a:rPr lang="en-US" altLang="ja-JP" sz="3600"/>
-              <a:t>*start</a:t>
-            </a:r>
-          </a:p>
-          <a:p>
-            <a:endParaRPr lang="en-US" altLang="ja-JP" sz="3600"/>
-          </a:p>
-          <a:p>
-            <a:r>
-              <a:rPr lang="en-US" altLang="ja-JP" sz="3600"/>
-              <a:t>[title name="</a:t>
-            </a:r>
-            <a:r>
-              <a:rPr lang="ja-JP" altLang="en-US" sz="3600">
-                <a:solidFill>
-                  <a:srgbClr val="FF0000"/>
-                </a:solidFill>
-              </a:rPr>
-              <a:t>怒れセリヌンティウス</a:t>
-            </a:r>
-            <a:r>
-              <a:rPr lang="en-US" altLang="ja-JP" sz="3600"/>
-              <a:t>"]</a:t>
-            </a:r>
-          </a:p>
-          <a:p>
-            <a:r>
-              <a:rPr lang="en-US" altLang="ja-JP" sz="3600"/>
-              <a:t>[hidemenubutton]</a:t>
-            </a:r>
-          </a:p>
-          <a:p>
-            <a:r>
-              <a:rPr lang="en-US" altLang="ja-JP" sz="3600"/>
-              <a:t>[wait time=200]</a:t>
-            </a:r>
-          </a:p>
-          <a:p>
-            <a:r>
-              <a:rPr lang="en-US" altLang="ja-JP" sz="3600"/>
-              <a:t>[freeimage layer="base"]</a:t>
-            </a:r>
-          </a:p>
-        </p:txBody>
-      </p:sp>
-      <p:sp>
-        <p:nvSpPr>
-          <p:cNvPr id="5" name="テキスト ボックス 4">
-            <a:extLst>
-              <a:ext uri="{FF2B5EF4-FFF2-40B4-BE49-F238E27FC236}">
-                <a16:creationId xmlns:a16="http://schemas.microsoft.com/office/drawing/2014/main" id="{0BE6AB53-60D6-4F02-AA1B-FD2BE2AA580B}"/>
-              </a:ext>
-            </a:extLst>
-          </p:cNvPr>
-          <p:cNvSpPr txBox="1"/>
-          <p:nvPr/>
-        </p:nvSpPr>
-        <p:spPr>
-          <a:xfrm>
-            <a:off x="251520" y="1124744"/>
-            <a:ext cx="6186309" cy="646331"/>
-          </a:xfrm>
-          <a:prstGeom prst="rect">
-            <a:avLst/>
-          </a:prstGeom>
-          <a:noFill/>
-        </p:spPr>
-        <p:txBody>
-          <a:bodyPr wrap="none" rtlCol="0">
-            <a:spAutoFit/>
-          </a:bodyPr>
-          <a:lstStyle/>
-          <a:p>
-            <a:r>
-              <a:rPr kumimoji="1" lang="ja-JP" altLang="en-US" sz="3600"/>
-              <a:t>タイトルを変更して</a:t>
-            </a:r>
-            <a:r>
-              <a:rPr lang="ja-JP" altLang="en-US" sz="3600"/>
-              <a:t>保存する</a:t>
-            </a:r>
-            <a:endParaRPr kumimoji="1" lang="ja-JP" altLang="en-US" sz="3600"/>
-          </a:p>
-        </p:txBody>
-      </p:sp>
+              <a:rPr lang="en-US" altLang="ja-JP" sz="3200"/>
+              <a:t>docs/data/scenario/first.ks</a:t>
+            </a:r>
+            <a:r>
+              <a:rPr kumimoji="1" lang="ja-JP" altLang="en-US" sz="3200"/>
+              <a:t>を開く</a:t>
+            </a:r>
+          </a:p>
+        </p:txBody>
+      </p:sp>
+      <p:cxnSp>
+        <p:nvCxnSpPr>
+          <p:cNvPr id="7" name="コネクタ: カギ線 6">
+            <a:extLst>
+              <a:ext uri="{FF2B5EF4-FFF2-40B4-BE49-F238E27FC236}">
+                <a16:creationId xmlns:a16="http://schemas.microsoft.com/office/drawing/2014/main" id="{B5AB4CB2-BAF3-4FFC-9F3E-84C4BDDE96D5}"/>
+              </a:ext>
+            </a:extLst>
+          </p:cNvPr>
+          <p:cNvCxnSpPr>
+            <a:cxnSpLocks/>
+            <a:stCxn id="6" idx="2"/>
+            <a:endCxn id="5" idx="3"/>
+          </p:cNvCxnSpPr>
+          <p:nvPr/>
+        </p:nvCxnSpPr>
+        <p:spPr>
+          <a:xfrm rot="5400000">
+            <a:off x="2098329" y="2743030"/>
+            <a:ext cx="4059741" cy="1560670"/>
+          </a:xfrm>
+          <a:prstGeom prst="bentConnector2">
+            <a:avLst/>
+          </a:prstGeom>
+          <a:ln w="28575">
+            <a:solidFill>
+              <a:srgbClr val="FF0000"/>
+            </a:solidFill>
+            <a:headEnd type="none" w="med" len="med"/>
+            <a:tailEnd type="triangle"/>
+          </a:ln>
+        </p:spPr>
+        <p:style>
+          <a:lnRef idx="1">
+            <a:schemeClr val="accent1"/>
+          </a:lnRef>
+          <a:fillRef idx="0">
+            <a:schemeClr val="accent1"/>
+          </a:fillRef>
+          <a:effectRef idx="0">
+            <a:schemeClr val="accent1"/>
+          </a:effectRef>
+          <a:fontRef idx="minor">
+            <a:schemeClr val="tx1"/>
+          </a:fontRef>
+        </p:style>
+      </p:cxnSp>
     </p:spTree>
     <p:extLst>
       <p:ext uri="{BB962C8B-B14F-4D97-AF65-F5344CB8AC3E}">
-        <p14:creationId xmlns:p14="http://schemas.microsoft.com/office/powerpoint/2010/main" val="1950323826"/>
+        <p14:creationId xmlns:p14="http://schemas.microsoft.com/office/powerpoint/2010/main" val="2689021249"/>
       </p:ext>
     </p:extLst>
   </p:cSld>
@@ -5271,6 +5517,188 @@
           <p:cNvPr id="2" name="テキスト プレースホルダー 1">
             <a:extLst>
               <a:ext uri="{FF2B5EF4-FFF2-40B4-BE49-F238E27FC236}">
+                <a16:creationId xmlns:a16="http://schemas.microsoft.com/office/drawing/2014/main" id="{C78A5381-F5FB-4985-A2B6-7DDB7988E9B1}"/>
+              </a:ext>
+            </a:extLst>
+          </p:cNvPr>
+          <p:cNvSpPr>
+            <a:spLocks noGrp="1"/>
+          </p:cNvSpPr>
+          <p:nvPr>
+            <p:ph type="body" sz="quarter" idx="10"/>
+          </p:nvPr>
+        </p:nvSpPr>
+        <p:spPr/>
+        <p:txBody>
+          <a:bodyPr/>
+          <a:lstStyle/>
+          <a:p>
+            <a:r>
+              <a:rPr lang="ja-JP" altLang="en-US"/>
+              <a:t>課題</a:t>
+            </a:r>
+            <a:r>
+              <a:rPr lang="en-US" altLang="ja-JP"/>
+              <a:t>2 - Step 5</a:t>
+            </a:r>
+            <a:endParaRPr kumimoji="1" lang="ja-JP" altLang="en-US"/>
+          </a:p>
+        </p:txBody>
+      </p:sp>
+      <p:sp>
+        <p:nvSpPr>
+          <p:cNvPr id="4" name="テキスト ボックス 3">
+            <a:extLst>
+              <a:ext uri="{FF2B5EF4-FFF2-40B4-BE49-F238E27FC236}">
+                <a16:creationId xmlns:a16="http://schemas.microsoft.com/office/drawing/2014/main" id="{B6AA573B-786D-493C-9310-59BFBDCDF066}"/>
+              </a:ext>
+            </a:extLst>
+          </p:cNvPr>
+          <p:cNvSpPr txBox="1"/>
+          <p:nvPr/>
+        </p:nvSpPr>
+        <p:spPr>
+          <a:xfrm>
+            <a:off x="251520" y="2348880"/>
+            <a:ext cx="8064896" cy="3416320"/>
+          </a:xfrm>
+          <a:prstGeom prst="rect">
+            <a:avLst/>
+          </a:prstGeom>
+          <a:noFill/>
+          <a:ln>
+            <a:solidFill>
+              <a:schemeClr val="tx1"/>
+            </a:solidFill>
+          </a:ln>
+        </p:spPr>
+        <p:txBody>
+          <a:bodyPr wrap="square">
+            <a:spAutoFit/>
+          </a:bodyPr>
+          <a:lstStyle/>
+          <a:p>
+            <a:r>
+              <a:rPr lang="en-US" altLang="ja-JP" sz="3600"/>
+              <a:t>*start</a:t>
+            </a:r>
+          </a:p>
+          <a:p>
+            <a:endParaRPr lang="en-US" altLang="ja-JP" sz="3600"/>
+          </a:p>
+          <a:p>
+            <a:r>
+              <a:rPr lang="en-US" altLang="ja-JP" sz="3600"/>
+              <a:t>[title name="</a:t>
+            </a:r>
+            <a:r>
+              <a:rPr lang="ja-JP" altLang="en-US" sz="3600">
+                <a:solidFill>
+                  <a:srgbClr val="FF0000"/>
+                </a:solidFill>
+              </a:rPr>
+              <a:t>怒れセリヌンティウス</a:t>
+            </a:r>
+            <a:r>
+              <a:rPr lang="en-US" altLang="ja-JP" sz="3600"/>
+              <a:t>"]</a:t>
+            </a:r>
+          </a:p>
+          <a:p>
+            <a:r>
+              <a:rPr lang="en-US" altLang="ja-JP" sz="3600"/>
+              <a:t>[hidemenubutton]</a:t>
+            </a:r>
+          </a:p>
+          <a:p>
+            <a:r>
+              <a:rPr lang="en-US" altLang="ja-JP" sz="3600"/>
+              <a:t>[wait time=200]</a:t>
+            </a:r>
+          </a:p>
+          <a:p>
+            <a:r>
+              <a:rPr lang="en-US" altLang="ja-JP" sz="3600"/>
+              <a:t>[freeimage layer="base"]</a:t>
+            </a:r>
+          </a:p>
+        </p:txBody>
+      </p:sp>
+      <p:sp>
+        <p:nvSpPr>
+          <p:cNvPr id="5" name="テキスト ボックス 4">
+            <a:extLst>
+              <a:ext uri="{FF2B5EF4-FFF2-40B4-BE49-F238E27FC236}">
+                <a16:creationId xmlns:a16="http://schemas.microsoft.com/office/drawing/2014/main" id="{0BE6AB53-60D6-4F02-AA1B-FD2BE2AA580B}"/>
+              </a:ext>
+            </a:extLst>
+          </p:cNvPr>
+          <p:cNvSpPr txBox="1"/>
+          <p:nvPr/>
+        </p:nvSpPr>
+        <p:spPr>
+          <a:xfrm>
+            <a:off x="251520" y="1124744"/>
+            <a:ext cx="6186309" cy="646331"/>
+          </a:xfrm>
+          <a:prstGeom prst="rect">
+            <a:avLst/>
+          </a:prstGeom>
+          <a:noFill/>
+        </p:spPr>
+        <p:txBody>
+          <a:bodyPr wrap="none" rtlCol="0">
+            <a:spAutoFit/>
+          </a:bodyPr>
+          <a:lstStyle/>
+          <a:p>
+            <a:r>
+              <a:rPr kumimoji="1" lang="ja-JP" altLang="en-US" sz="3600"/>
+              <a:t>タイトルを変更して</a:t>
+            </a:r>
+            <a:r>
+              <a:rPr lang="ja-JP" altLang="en-US" sz="3600"/>
+              <a:t>保存する</a:t>
+            </a:r>
+            <a:endParaRPr kumimoji="1" lang="ja-JP" altLang="en-US" sz="3600"/>
+          </a:p>
+        </p:txBody>
+      </p:sp>
+    </p:spTree>
+    <p:extLst>
+      <p:ext uri="{BB962C8B-B14F-4D97-AF65-F5344CB8AC3E}">
+        <p14:creationId xmlns:p14="http://schemas.microsoft.com/office/powerpoint/2010/main" val="1950323826"/>
+      </p:ext>
+    </p:extLst>
+  </p:cSld>
+  <p:clrMapOvr>
+    <a:masterClrMapping/>
+  </p:clrMapOvr>
+</p:sld>
+</file>
+
+<file path=ppt/slides/slide23.xml><?xml version="1.0" encoding="utf-8"?>
+<p:sld xmlns:a="http://schemas.openxmlformats.org/drawingml/2006/main" xmlns:r="http://schemas.openxmlformats.org/officeDocument/2006/relationships" xmlns:p="http://schemas.openxmlformats.org/presentationml/2006/main">
+  <p:cSld>
+    <p:spTree>
+      <p:nvGrpSpPr>
+        <p:cNvPr id="1" name=""/>
+        <p:cNvGrpSpPr/>
+        <p:nvPr/>
+      </p:nvGrpSpPr>
+      <p:grpSpPr>
+        <a:xfrm>
+          <a:off x="0" y="0"/>
+          <a:ext cx="0" cy="0"/>
+          <a:chOff x="0" y="0"/>
+          <a:chExt cx="0" cy="0"/>
+        </a:xfrm>
+      </p:grpSpPr>
+      <p:sp>
+        <p:nvSpPr>
+          <p:cNvPr id="2" name="テキスト プレースホルダー 1">
+            <a:extLst>
+              <a:ext uri="{FF2B5EF4-FFF2-40B4-BE49-F238E27FC236}">
                 <a16:creationId xmlns:a16="http://schemas.microsoft.com/office/drawing/2014/main" id="{1F9E80C5-0F3F-4B38-8A9C-142D6B6BD42E}"/>
               </a:ext>
             </a:extLst>
@@ -5429,7 +5857,7 @@
 </p:sld>
 </file>
 
-<file path=ppt/slides/slide23.xml><?xml version="1.0" encoding="utf-8"?>
+<file path=ppt/slides/slide24.xml><?xml version="1.0" encoding="utf-8"?>
 <p:sld xmlns:a="http://schemas.openxmlformats.org/drawingml/2006/main" xmlns:r="http://schemas.openxmlformats.org/officeDocument/2006/relationships" xmlns:p="http://schemas.openxmlformats.org/presentationml/2006/main">
   <p:cSld>
     <p:spTree>
@@ -5821,42 +6249,12 @@
           <a:chExt cx="0" cy="0"/>
         </a:xfrm>
       </p:grpSpPr>
-      <p:pic>
-        <p:nvPicPr>
-          <p:cNvPr id="15" name="図 14">
-            <a:extLst>
-              <a:ext uri="{FF2B5EF4-FFF2-40B4-BE49-F238E27FC236}">
-                <a16:creationId xmlns:a16="http://schemas.microsoft.com/office/drawing/2014/main" id="{B2D52B7D-0AAB-4D04-96F5-4AB37757D194}"/>
-              </a:ext>
-            </a:extLst>
-          </p:cNvPr>
-          <p:cNvPicPr>
-            <a:picLocks noChangeAspect="1"/>
-          </p:cNvPicPr>
-          <p:nvPr/>
-        </p:nvPicPr>
-        <p:blipFill>
-          <a:blip r:embed="rId2"/>
-          <a:stretch>
-            <a:fillRect/>
-          </a:stretch>
-        </p:blipFill>
-        <p:spPr>
-          <a:xfrm>
-            <a:off x="417258" y="1916832"/>
-            <a:ext cx="8331206" cy="1944216"/>
-          </a:xfrm>
-          <a:prstGeom prst="rect">
-            <a:avLst/>
-          </a:prstGeom>
-        </p:spPr>
-      </p:pic>
       <p:sp>
         <p:nvSpPr>
           <p:cNvPr id="2" name="テキスト プレースホルダー 1">
             <a:extLst>
               <a:ext uri="{FF2B5EF4-FFF2-40B4-BE49-F238E27FC236}">
-                <a16:creationId xmlns:a16="http://schemas.microsoft.com/office/drawing/2014/main" id="{A11F2F44-75E7-4A95-9EDD-FD49AFC3067C}"/>
+                <a16:creationId xmlns:a16="http://schemas.microsoft.com/office/drawing/2014/main" id="{3B79CACC-1AF0-4393-A504-C9C70F62B0C4}"/>
               </a:ext>
             </a:extLst>
           </p:cNvPr>
@@ -5873,23 +6271,19 @@
           <a:lstStyle/>
           <a:p>
             <a:r>
-              <a:rPr lang="ja-JP" altLang="en-US"/>
-              <a:t>課題</a:t>
-            </a:r>
-            <a:r>
-              <a:rPr lang="en-US" altLang="ja-JP"/>
-              <a:t>1 - Step 1</a:t>
-            </a:r>
-            <a:endParaRPr kumimoji="1" lang="ja-JP" altLang="en-US"/>
-          </a:p>
-        </p:txBody>
-      </p:sp>
-      <p:sp>
-        <p:nvSpPr>
-          <p:cNvPr id="6" name="テキスト ボックス 5">
-            <a:extLst>
-              <a:ext uri="{FF2B5EF4-FFF2-40B4-BE49-F238E27FC236}">
-                <a16:creationId xmlns:a16="http://schemas.microsoft.com/office/drawing/2014/main" id="{F8D957B2-6283-4465-A89D-2F9335CE2DDC}"/>
+              <a:rPr lang="ja-JP" altLang="en-US" dirty="0"/>
+              <a:t>ウェブサーバとは</a:t>
+            </a:r>
+            <a:endParaRPr kumimoji="1" lang="ja-JP" altLang="en-US" dirty="0"/>
+          </a:p>
+        </p:txBody>
+      </p:sp>
+      <p:sp>
+        <p:nvSpPr>
+          <p:cNvPr id="3" name="テキスト ボックス 2">
+            <a:extLst>
+              <a:ext uri="{FF2B5EF4-FFF2-40B4-BE49-F238E27FC236}">
+                <a16:creationId xmlns:a16="http://schemas.microsoft.com/office/drawing/2014/main" id="{6372A13C-FF3A-42A1-92E0-89D89FC8E2BC}"/>
               </a:ext>
             </a:extLst>
           </p:cNvPr>
@@ -5898,8 +6292,8 @@
         </p:nvSpPr>
         <p:spPr>
           <a:xfrm>
-            <a:off x="107504" y="908720"/>
-            <a:ext cx="3058851" cy="523220"/>
+            <a:off x="179512" y="1268760"/>
+            <a:ext cx="8725466" cy="369332"/>
           </a:xfrm>
           <a:prstGeom prst="rect">
             <a:avLst/>
@@ -5913,103 +6307,159 @@
           <a:lstStyle/>
           <a:p>
             <a:r>
-              <a:rPr kumimoji="1" lang="ja-JP" altLang="en-US" sz="2800"/>
-              <a:t>リポジトリの</a:t>
-            </a:r>
-            <a:r>
-              <a:rPr kumimoji="1" lang="en-US" altLang="ja-JP" sz="2800"/>
-              <a:t>Fork</a:t>
-            </a:r>
-            <a:endParaRPr kumimoji="1" lang="ja-JP" altLang="en-US" sz="2800"/>
-          </a:p>
-        </p:txBody>
-      </p:sp>
-      <p:sp>
-        <p:nvSpPr>
-          <p:cNvPr id="12" name="テキスト ボックス 11">
-            <a:extLst>
-              <a:ext uri="{FF2B5EF4-FFF2-40B4-BE49-F238E27FC236}">
-                <a16:creationId xmlns:a16="http://schemas.microsoft.com/office/drawing/2014/main" id="{73EC5E95-3D03-441D-9E0A-45CF9F3F444B}"/>
-              </a:ext>
-            </a:extLst>
-          </p:cNvPr>
-          <p:cNvSpPr txBox="1"/>
-          <p:nvPr/>
-        </p:nvSpPr>
-        <p:spPr>
-          <a:xfrm>
-            <a:off x="395536" y="1484784"/>
-            <a:ext cx="6192688" cy="369332"/>
+              <a:rPr kumimoji="1" lang="ja-JP" altLang="en-US" dirty="0"/>
+              <a:t>我々がインターネットを閲覧する時、クライアントとウェブサーバが通信している</a:t>
+            </a:r>
+          </a:p>
+        </p:txBody>
+      </p:sp>
+      <p:pic>
+        <p:nvPicPr>
+          <p:cNvPr id="1026" name="Picture 2" descr="パソコンを使う人のイラスト（男性・笑顔）">
+            <a:extLst>
+              <a:ext uri="{FF2B5EF4-FFF2-40B4-BE49-F238E27FC236}">
+                <a16:creationId xmlns:a16="http://schemas.microsoft.com/office/drawing/2014/main" id="{F1AA9883-F619-4DA7-AC26-B9E34B9C745F}"/>
+              </a:ext>
+            </a:extLst>
+          </p:cNvPr>
+          <p:cNvPicPr>
+            <a:picLocks noChangeAspect="1" noChangeArrowheads="1"/>
+          </p:cNvPicPr>
+          <p:nvPr/>
+        </p:nvPicPr>
+        <p:blipFill>
+          <a:blip r:embed="rId3">
+            <a:extLst>
+              <a:ext uri="{28A0092B-C50C-407E-A947-70E740481C1C}">
+                <a14:useLocalDpi xmlns:a14="http://schemas.microsoft.com/office/drawing/2010/main" val="0"/>
+              </a:ext>
+            </a:extLst>
+          </a:blip>
+          <a:srcRect/>
+          <a:stretch>
+            <a:fillRect/>
+          </a:stretch>
+        </p:blipFill>
+        <p:spPr bwMode="auto">
+          <a:xfrm>
+            <a:off x="467544" y="4365104"/>
+            <a:ext cx="1303872" cy="1893590"/>
           </a:xfrm>
           <a:prstGeom prst="rect">
             <a:avLst/>
           </a:prstGeom>
           <a:noFill/>
-        </p:spPr>
-        <p:txBody>
-          <a:bodyPr wrap="square">
-            <a:spAutoFit/>
-          </a:bodyPr>
-          <a:lstStyle/>
-          <a:p>
-            <a:r>
-              <a:rPr lang="en-US" altLang="ja-JP"/>
-              <a:t>https://github.com/appi-github/pages-sample</a:t>
-            </a:r>
-            <a:endParaRPr lang="ja-JP" altLang="en-US"/>
-          </a:p>
-        </p:txBody>
-      </p:sp>
-      <p:sp>
-        <p:nvSpPr>
-          <p:cNvPr id="4" name="テキスト ボックス 3">
-            <a:extLst>
-              <a:ext uri="{FF2B5EF4-FFF2-40B4-BE49-F238E27FC236}">
-                <a16:creationId xmlns:a16="http://schemas.microsoft.com/office/drawing/2014/main" id="{7DE6A80F-FDCC-47D7-9016-097A9AA64CE9}"/>
-              </a:ext>
-            </a:extLst>
-          </p:cNvPr>
-          <p:cNvSpPr txBox="1"/>
-          <p:nvPr/>
-        </p:nvSpPr>
-        <p:spPr>
-          <a:xfrm>
-            <a:off x="5148064" y="1484784"/>
-            <a:ext cx="3877985" cy="369332"/>
+          <a:extLst>
+            <a:ext uri="{909E8E84-426E-40DD-AFC4-6F175D3DCCD1}">
+              <a14:hiddenFill xmlns:a14="http://schemas.microsoft.com/office/drawing/2010/main">
+                <a:solidFill>
+                  <a:srgbClr val="FFFFFF"/>
+                </a:solidFill>
+              </a14:hiddenFill>
+            </a:ext>
+          </a:extLst>
+        </p:spPr>
+      </p:pic>
+      <p:pic>
+        <p:nvPicPr>
+          <p:cNvPr id="1028" name="Picture 4">
+            <a:extLst>
+              <a:ext uri="{FF2B5EF4-FFF2-40B4-BE49-F238E27FC236}">
+                <a16:creationId xmlns:a16="http://schemas.microsoft.com/office/drawing/2014/main" id="{F0CCF203-5DD0-49CF-99E1-63BD689F8DD4}"/>
+              </a:ext>
+            </a:extLst>
+          </p:cNvPr>
+          <p:cNvPicPr>
+            <a:picLocks noChangeAspect="1" noChangeArrowheads="1"/>
+          </p:cNvPicPr>
+          <p:nvPr/>
+        </p:nvPicPr>
+        <p:blipFill>
+          <a:blip r:embed="rId4" cstate="print">
+            <a:extLst>
+              <a:ext uri="{28A0092B-C50C-407E-A947-70E740481C1C}">
+                <a14:useLocalDpi xmlns:a14="http://schemas.microsoft.com/office/drawing/2010/main" val="0"/>
+              </a:ext>
+            </a:extLst>
+          </a:blip>
+          <a:srcRect/>
+          <a:stretch>
+            <a:fillRect/>
+          </a:stretch>
+        </p:blipFill>
+        <p:spPr bwMode="auto">
+          <a:xfrm>
+            <a:off x="2627784" y="2492896"/>
+            <a:ext cx="1080120" cy="1080120"/>
           </a:xfrm>
           <a:prstGeom prst="rect">
             <a:avLst/>
           </a:prstGeom>
           <a:noFill/>
-        </p:spPr>
-        <p:txBody>
-          <a:bodyPr wrap="none" rtlCol="0">
-            <a:spAutoFit/>
-          </a:bodyPr>
-          <a:lstStyle/>
-          <a:p>
-            <a:r>
-              <a:rPr lang="ja-JP" altLang="en-US"/>
-              <a:t>にアクセスして、</a:t>
-            </a:r>
-            <a:r>
-              <a:rPr lang="en-US" altLang="ja-JP"/>
-              <a:t>Fork</a:t>
-            </a:r>
-            <a:r>
-              <a:rPr lang="ja-JP" altLang="en-US"/>
-              <a:t>ボタンを押す</a:t>
-            </a:r>
-            <a:endParaRPr kumimoji="1" lang="ja-JP" altLang="en-US"/>
-          </a:p>
-        </p:txBody>
-      </p:sp>
-      <p:sp>
-        <p:nvSpPr>
-          <p:cNvPr id="8" name="四角形: 角を丸くする 7">
-            <a:extLst>
-              <a:ext uri="{FF2B5EF4-FFF2-40B4-BE49-F238E27FC236}">
-                <a16:creationId xmlns:a16="http://schemas.microsoft.com/office/drawing/2014/main" id="{F17F18B3-37CA-485B-A473-911C57FC11BF}"/>
+          <a:extLst>
+            <a:ext uri="{909E8E84-426E-40DD-AFC4-6F175D3DCCD1}">
+              <a14:hiddenFill xmlns:a14="http://schemas.microsoft.com/office/drawing/2010/main">
+                <a:solidFill>
+                  <a:srgbClr val="FFFFFF"/>
+                </a:solidFill>
+              </a14:hiddenFill>
+            </a:ext>
+          </a:extLst>
+        </p:spPr>
+      </p:pic>
+      <p:pic>
+        <p:nvPicPr>
+          <p:cNvPr id="1030" name="Picture 6" descr="データセンターのイラスト（単体）">
+            <a:extLst>
+              <a:ext uri="{FF2B5EF4-FFF2-40B4-BE49-F238E27FC236}">
+                <a16:creationId xmlns:a16="http://schemas.microsoft.com/office/drawing/2014/main" id="{3E667C23-B448-4574-B6EE-466986F2765E}"/>
+              </a:ext>
+            </a:extLst>
+          </p:cNvPr>
+          <p:cNvPicPr>
+            <a:picLocks noChangeAspect="1" noChangeArrowheads="1"/>
+          </p:cNvPicPr>
+          <p:nvPr/>
+        </p:nvPicPr>
+        <p:blipFill>
+          <a:blip r:embed="rId5" cstate="print">
+            <a:extLst>
+              <a:ext uri="{28A0092B-C50C-407E-A947-70E740481C1C}">
+                <a14:useLocalDpi xmlns:a14="http://schemas.microsoft.com/office/drawing/2010/main" val="0"/>
+              </a:ext>
+            </a:extLst>
+          </a:blip>
+          <a:srcRect/>
+          <a:stretch>
+            <a:fillRect/>
+          </a:stretch>
+        </p:blipFill>
+        <p:spPr bwMode="auto">
+          <a:xfrm>
+            <a:off x="5436096" y="2204864"/>
+            <a:ext cx="1097090" cy="1649760"/>
+          </a:xfrm>
+          <a:prstGeom prst="rect">
+            <a:avLst/>
+          </a:prstGeom>
+          <a:noFill/>
+          <a:extLst>
+            <a:ext uri="{909E8E84-426E-40DD-AFC4-6F175D3DCCD1}">
+              <a14:hiddenFill xmlns:a14="http://schemas.microsoft.com/office/drawing/2010/main">
+                <a:solidFill>
+                  <a:srgbClr val="FFFFFF"/>
+                </a:solidFill>
+              </a14:hiddenFill>
+            </a:ext>
+          </a:extLst>
+        </p:spPr>
+      </p:pic>
+      <p:sp>
+        <p:nvSpPr>
+          <p:cNvPr id="4" name="フローチャート: 磁気ディスク 3">
+            <a:extLst>
+              <a:ext uri="{FF2B5EF4-FFF2-40B4-BE49-F238E27FC236}">
+                <a16:creationId xmlns:a16="http://schemas.microsoft.com/office/drawing/2014/main" id="{3B4CD286-9653-46E3-8721-1E8E92B5EDA4}"/>
               </a:ext>
             </a:extLst>
           </p:cNvPr>
@@ -6018,16 +6468,20 @@
         </p:nvSpPr>
         <p:spPr>
           <a:xfrm>
-            <a:off x="7668344" y="2492896"/>
-            <a:ext cx="576064" cy="288032"/>
-          </a:xfrm>
-          <a:prstGeom prst="roundRect">
-            <a:avLst/>
-          </a:prstGeom>
-          <a:noFill/>
-          <a:ln w="38100">
+            <a:off x="6732240" y="4797152"/>
+            <a:ext cx="1224136" cy="1080120"/>
+          </a:xfrm>
+          <a:prstGeom prst="flowChartMagneticDisk">
+            <a:avLst/>
+          </a:prstGeom>
+          <a:solidFill>
+            <a:schemeClr val="bg1">
+              <a:lumMod val="85000"/>
+            </a:schemeClr>
+          </a:solidFill>
+          <a:ln>
             <a:solidFill>
-              <a:srgbClr val="FF0000"/>
+              <a:schemeClr val="tx1"/>
             </a:solidFill>
           </a:ln>
         </p:spPr>
@@ -6056,86 +6510,12 @@
           </a:p>
         </p:txBody>
       </p:sp>
-      <p:pic>
-        <p:nvPicPr>
-          <p:cNvPr id="9" name="図 8">
-            <a:extLst>
-              <a:ext uri="{FF2B5EF4-FFF2-40B4-BE49-F238E27FC236}">
-                <a16:creationId xmlns:a16="http://schemas.microsoft.com/office/drawing/2014/main" id="{28A91EBE-3552-4802-A79B-2DD692C72485}"/>
-              </a:ext>
-            </a:extLst>
-          </p:cNvPr>
-          <p:cNvPicPr>
-            <a:picLocks noChangeAspect="1"/>
-          </p:cNvPicPr>
-          <p:nvPr/>
-        </p:nvPicPr>
-        <p:blipFill>
-          <a:blip r:embed="rId3"/>
-          <a:stretch>
-            <a:fillRect/>
-          </a:stretch>
-        </p:blipFill>
-        <p:spPr>
-          <a:xfrm>
-            <a:off x="323528" y="4653136"/>
-            <a:ext cx="7560840" cy="2028874"/>
-          </a:xfrm>
-          <a:prstGeom prst="rect">
-            <a:avLst/>
-          </a:prstGeom>
-        </p:spPr>
-      </p:pic>
-      <p:sp>
-        <p:nvSpPr>
-          <p:cNvPr id="10" name="テキスト ボックス 9">
-            <a:extLst>
-              <a:ext uri="{FF2B5EF4-FFF2-40B4-BE49-F238E27FC236}">
-                <a16:creationId xmlns:a16="http://schemas.microsoft.com/office/drawing/2014/main" id="{6C1291B6-8395-4F85-94CF-BDC4DE462582}"/>
-              </a:ext>
-            </a:extLst>
-          </p:cNvPr>
-          <p:cNvSpPr txBox="1"/>
-          <p:nvPr/>
-        </p:nvSpPr>
-        <p:spPr>
-          <a:xfrm>
-            <a:off x="323528" y="4221088"/>
-            <a:ext cx="3339376" cy="369332"/>
-          </a:xfrm>
-          <a:prstGeom prst="rect">
-            <a:avLst/>
-          </a:prstGeom>
-          <a:noFill/>
-        </p:spPr>
-        <p:txBody>
-          <a:bodyPr wrap="none" rtlCol="0">
-            <a:spAutoFit/>
-          </a:bodyPr>
-          <a:lstStyle/>
-          <a:p>
-            <a:r>
-              <a:rPr kumimoji="1" lang="ja-JP" altLang="en-US"/>
-              <a:t>自分のアカウントに</a:t>
-            </a:r>
-            <a:r>
-              <a:rPr kumimoji="1" lang="en-US" altLang="ja-JP"/>
-              <a:t>fork</a:t>
-            </a:r>
-            <a:r>
-              <a:rPr lang="ja-JP" altLang="en-US"/>
-              <a:t>される</a:t>
-            </a:r>
-            <a:endParaRPr kumimoji="1" lang="ja-JP" altLang="en-US"/>
-          </a:p>
-        </p:txBody>
-      </p:sp>
-      <p:sp>
-        <p:nvSpPr>
-          <p:cNvPr id="13" name="四角形: 角を丸くする 12">
-            <a:extLst>
-              <a:ext uri="{FF2B5EF4-FFF2-40B4-BE49-F238E27FC236}">
-                <a16:creationId xmlns:a16="http://schemas.microsoft.com/office/drawing/2014/main" id="{AB981F10-3E45-4B3E-965C-905DEC913F5F}"/>
+      <p:sp>
+        <p:nvSpPr>
+          <p:cNvPr id="5" name="矢印: 左右 4">
+            <a:extLst>
+              <a:ext uri="{FF2B5EF4-FFF2-40B4-BE49-F238E27FC236}">
+                <a16:creationId xmlns:a16="http://schemas.microsoft.com/office/drawing/2014/main" id="{A8BC12D6-B462-403D-A58A-F2C392EF2B5A}"/>
               </a:ext>
             </a:extLst>
           </p:cNvPr>
@@ -6144,62 +6524,10 @@
         </p:nvSpPr>
         <p:spPr>
           <a:xfrm>
-            <a:off x="395536" y="5157192"/>
-            <a:ext cx="1512168" cy="288032"/>
-          </a:xfrm>
-          <a:prstGeom prst="roundRect">
-            <a:avLst/>
-          </a:prstGeom>
-          <a:noFill/>
-          <a:ln w="38100">
-            <a:solidFill>
-              <a:srgbClr val="FF0000"/>
-            </a:solidFill>
-          </a:ln>
-        </p:spPr>
-        <p:style>
-          <a:lnRef idx="2">
-            <a:schemeClr val="accent1">
-              <a:shade val="50000"/>
-            </a:schemeClr>
-          </a:lnRef>
-          <a:fillRef idx="1">
-            <a:schemeClr val="accent1"/>
-          </a:fillRef>
-          <a:effectRef idx="0">
-            <a:schemeClr val="accent1"/>
-          </a:effectRef>
-          <a:fontRef idx="minor">
-            <a:schemeClr val="lt1"/>
-          </a:fontRef>
-        </p:style>
-        <p:txBody>
-          <a:bodyPr rtlCol="0" anchor="ctr"/>
-          <a:lstStyle/>
-          <a:p>
-            <a:pPr algn="ctr"/>
-            <a:endParaRPr kumimoji="1" lang="ja-JP" altLang="en-US"/>
-          </a:p>
-        </p:txBody>
-      </p:sp>
-      <p:sp>
-        <p:nvSpPr>
-          <p:cNvPr id="11" name="矢印: 下 10">
-            <a:extLst>
-              <a:ext uri="{FF2B5EF4-FFF2-40B4-BE49-F238E27FC236}">
-                <a16:creationId xmlns:a16="http://schemas.microsoft.com/office/drawing/2014/main" id="{4CD21199-9602-4FB9-9C9E-97A957B64054}"/>
-              </a:ext>
-            </a:extLst>
-          </p:cNvPr>
-          <p:cNvSpPr/>
-          <p:nvPr/>
-        </p:nvSpPr>
-        <p:spPr>
-          <a:xfrm>
-            <a:off x="4355976" y="4005064"/>
-            <a:ext cx="504056" cy="474352"/>
-          </a:xfrm>
-          <a:prstGeom prst="downArrow">
+            <a:off x="3923928" y="2780928"/>
+            <a:ext cx="1224136" cy="432048"/>
+          </a:xfrm>
+          <a:prstGeom prst="leftRightArrow">
             <a:avLst/>
           </a:prstGeom>
           <a:solidFill>
@@ -6238,10 +6566,80 @@
       </p:sp>
       <p:sp>
         <p:nvSpPr>
-          <p:cNvPr id="16" name="四角形: 角を丸くする 15">
-            <a:extLst>
-              <a:ext uri="{FF2B5EF4-FFF2-40B4-BE49-F238E27FC236}">
-                <a16:creationId xmlns:a16="http://schemas.microsoft.com/office/drawing/2014/main" id="{6D6A4E0F-6F1D-4FFB-B899-86962F416617}"/>
+          <p:cNvPr id="6" name="テキスト ボックス 5">
+            <a:extLst>
+              <a:ext uri="{FF2B5EF4-FFF2-40B4-BE49-F238E27FC236}">
+                <a16:creationId xmlns:a16="http://schemas.microsoft.com/office/drawing/2014/main" id="{EB194774-17B1-4552-8D94-2180E5CB8E45}"/>
+              </a:ext>
+            </a:extLst>
+          </p:cNvPr>
+          <p:cNvSpPr txBox="1"/>
+          <p:nvPr/>
+        </p:nvSpPr>
+        <p:spPr>
+          <a:xfrm>
+            <a:off x="5292080" y="1844824"/>
+            <a:ext cx="1569660" cy="369332"/>
+          </a:xfrm>
+          <a:prstGeom prst="rect">
+            <a:avLst/>
+          </a:prstGeom>
+          <a:noFill/>
+        </p:spPr>
+        <p:txBody>
+          <a:bodyPr wrap="none" rtlCol="0">
+            <a:spAutoFit/>
+          </a:bodyPr>
+          <a:lstStyle/>
+          <a:p>
+            <a:r>
+              <a:rPr kumimoji="1" lang="ja-JP" altLang="en-US" dirty="0"/>
+              <a:t>ウェブサーバ</a:t>
+            </a:r>
+          </a:p>
+        </p:txBody>
+      </p:sp>
+      <p:sp>
+        <p:nvSpPr>
+          <p:cNvPr id="10" name="テキスト ボックス 9">
+            <a:extLst>
+              <a:ext uri="{FF2B5EF4-FFF2-40B4-BE49-F238E27FC236}">
+                <a16:creationId xmlns:a16="http://schemas.microsoft.com/office/drawing/2014/main" id="{9F3E9CFB-7147-4185-B28A-E9A846557371}"/>
+              </a:ext>
+            </a:extLst>
+          </p:cNvPr>
+          <p:cNvSpPr txBox="1"/>
+          <p:nvPr/>
+        </p:nvSpPr>
+        <p:spPr>
+          <a:xfrm>
+            <a:off x="2339752" y="1844824"/>
+            <a:ext cx="1569660" cy="369332"/>
+          </a:xfrm>
+          <a:prstGeom prst="rect">
+            <a:avLst/>
+          </a:prstGeom>
+          <a:noFill/>
+        </p:spPr>
+        <p:txBody>
+          <a:bodyPr wrap="none" rtlCol="0">
+            <a:spAutoFit/>
+          </a:bodyPr>
+          <a:lstStyle/>
+          <a:p>
+            <a:r>
+              <a:rPr kumimoji="1" lang="ja-JP" altLang="en-US" dirty="0"/>
+              <a:t>クライアント</a:t>
+            </a:r>
+          </a:p>
+        </p:txBody>
+      </p:sp>
+      <p:sp>
+        <p:nvSpPr>
+          <p:cNvPr id="11" name="矢印: 左右 10">
+            <a:extLst>
+              <a:ext uri="{FF2B5EF4-FFF2-40B4-BE49-F238E27FC236}">
+                <a16:creationId xmlns:a16="http://schemas.microsoft.com/office/drawing/2014/main" id="{F3C62DFB-AD64-4024-BE24-D45127635428}"/>
               </a:ext>
             </a:extLst>
           </p:cNvPr>
@@ -6249,17 +6647,19 @@
           <p:nvPr/>
         </p:nvSpPr>
         <p:spPr>
-          <a:xfrm>
-            <a:off x="5724128" y="5661248"/>
-            <a:ext cx="864096" cy="360040"/>
-          </a:xfrm>
-          <a:prstGeom prst="roundRect">
-            <a:avLst/>
-          </a:prstGeom>
-          <a:noFill/>
-          <a:ln w="38100">
+          <a:xfrm rot="18900000">
+            <a:off x="1593154" y="3870534"/>
+            <a:ext cx="1224136" cy="432048"/>
+          </a:xfrm>
+          <a:prstGeom prst="leftRightArrow">
+            <a:avLst/>
+          </a:prstGeom>
+          <a:solidFill>
+            <a:srgbClr val="FF0000"/>
+          </a:solidFill>
+          <a:ln>
             <a:solidFill>
-              <a:srgbClr val="FF0000"/>
+              <a:schemeClr val="tx1"/>
             </a:solidFill>
           </a:ln>
         </p:spPr>
@@ -6290,10 +6690,64 @@
       </p:sp>
       <p:sp>
         <p:nvSpPr>
-          <p:cNvPr id="17" name="テキスト ボックス 16">
-            <a:extLst>
-              <a:ext uri="{FF2B5EF4-FFF2-40B4-BE49-F238E27FC236}">
-                <a16:creationId xmlns:a16="http://schemas.microsoft.com/office/drawing/2014/main" id="{AB6414E5-518E-419D-87B2-C1FB6B076EB9}"/>
+          <p:cNvPr id="12" name="矢印: 左右 11">
+            <a:extLst>
+              <a:ext uri="{FF2B5EF4-FFF2-40B4-BE49-F238E27FC236}">
+                <a16:creationId xmlns:a16="http://schemas.microsoft.com/office/drawing/2014/main" id="{3FB7FF22-E88C-42BA-B324-0447E9717B33}"/>
+              </a:ext>
+            </a:extLst>
+          </p:cNvPr>
+          <p:cNvSpPr/>
+          <p:nvPr/>
+        </p:nvSpPr>
+        <p:spPr>
+          <a:xfrm rot="2700000">
+            <a:off x="6057649" y="3942542"/>
+            <a:ext cx="1224136" cy="432048"/>
+          </a:xfrm>
+          <a:prstGeom prst="leftRightArrow">
+            <a:avLst/>
+          </a:prstGeom>
+          <a:solidFill>
+            <a:srgbClr val="FF0000"/>
+          </a:solidFill>
+          <a:ln>
+            <a:solidFill>
+              <a:schemeClr val="tx1"/>
+            </a:solidFill>
+          </a:ln>
+        </p:spPr>
+        <p:style>
+          <a:lnRef idx="2">
+            <a:schemeClr val="accent1">
+              <a:shade val="50000"/>
+            </a:schemeClr>
+          </a:lnRef>
+          <a:fillRef idx="1">
+            <a:schemeClr val="accent1"/>
+          </a:fillRef>
+          <a:effectRef idx="0">
+            <a:schemeClr val="accent1"/>
+          </a:effectRef>
+          <a:fontRef idx="minor">
+            <a:schemeClr val="lt1"/>
+          </a:fontRef>
+        </p:style>
+        <p:txBody>
+          <a:bodyPr rtlCol="0" anchor="ctr"/>
+          <a:lstStyle/>
+          <a:p>
+            <a:pPr algn="ctr"/>
+            <a:endParaRPr kumimoji="1" lang="ja-JP" altLang="en-US"/>
+          </a:p>
+        </p:txBody>
+      </p:sp>
+      <p:sp>
+        <p:nvSpPr>
+          <p:cNvPr id="13" name="テキスト ボックス 12">
+            <a:extLst>
+              <a:ext uri="{FF2B5EF4-FFF2-40B4-BE49-F238E27FC236}">
+                <a16:creationId xmlns:a16="http://schemas.microsoft.com/office/drawing/2014/main" id="{F727CA02-A607-483B-B2B2-3383ABE64624}"/>
               </a:ext>
             </a:extLst>
           </p:cNvPr>
@@ -6302,8 +6756,8 @@
         </p:nvSpPr>
         <p:spPr>
           <a:xfrm>
-            <a:off x="6876256" y="4149080"/>
-            <a:ext cx="1941557" cy="369332"/>
+            <a:off x="5940152" y="5949280"/>
+            <a:ext cx="2723823" cy="369332"/>
           </a:xfrm>
           <a:prstGeom prst="rect">
             <a:avLst/>
@@ -6317,67 +6771,21 @@
           <a:lstStyle/>
           <a:p>
             <a:r>
-              <a:rPr kumimoji="1" lang="en-US" altLang="ja-JP"/>
-              <a:t>Settings</a:t>
-            </a:r>
-            <a:r>
-              <a:rPr kumimoji="1" lang="ja-JP" altLang="en-US"/>
-              <a:t>が現れる</a:t>
-            </a:r>
-            <a:endParaRPr kumimoji="1" lang="en-US" altLang="ja-JP"/>
-          </a:p>
-        </p:txBody>
-      </p:sp>
-      <p:cxnSp>
-        <p:nvCxnSpPr>
-          <p:cNvPr id="19" name="コネクタ: カギ線 18">
-            <a:extLst>
-              <a:ext uri="{FF2B5EF4-FFF2-40B4-BE49-F238E27FC236}">
-                <a16:creationId xmlns:a16="http://schemas.microsoft.com/office/drawing/2014/main" id="{F448B147-16CA-426E-8272-776D16E0FA13}"/>
-              </a:ext>
-            </a:extLst>
-          </p:cNvPr>
-          <p:cNvCxnSpPr>
-            <a:stCxn id="17" idx="2"/>
-            <a:endCxn id="16" idx="3"/>
-          </p:cNvCxnSpPr>
-          <p:nvPr/>
-        </p:nvCxnSpPr>
-        <p:spPr>
-          <a:xfrm rot="5400000">
-            <a:off x="6556202" y="4550435"/>
-            <a:ext cx="1322856" cy="1258811"/>
-          </a:xfrm>
-          <a:prstGeom prst="bentConnector2">
-            <a:avLst/>
-          </a:prstGeom>
-          <a:ln w="28575">
-            <a:solidFill>
-              <a:srgbClr val="FF0000"/>
-            </a:solidFill>
-            <a:headEnd type="none" w="med" len="med"/>
-            <a:tailEnd type="triangle"/>
-          </a:ln>
-        </p:spPr>
-        <p:style>
-          <a:lnRef idx="1">
-            <a:schemeClr val="accent1"/>
-          </a:lnRef>
-          <a:fillRef idx="0">
-            <a:schemeClr val="accent1"/>
-          </a:fillRef>
-          <a:effectRef idx="0">
-            <a:schemeClr val="accent1"/>
-          </a:effectRef>
-          <a:fontRef idx="minor">
-            <a:schemeClr val="tx1"/>
-          </a:fontRef>
-        </p:style>
-      </p:cxnSp>
+              <a:rPr kumimoji="1" lang="ja-JP" altLang="en-US" dirty="0"/>
+              <a:t>サーバ</a:t>
+            </a:r>
+            <a:r>
+              <a:rPr lang="ja-JP" altLang="en-US" dirty="0"/>
+              <a:t>のローカルデータ</a:t>
+            </a:r>
+            <a:endParaRPr kumimoji="1" lang="ja-JP" altLang="en-US" dirty="0"/>
+          </a:p>
+        </p:txBody>
+      </p:sp>
     </p:spTree>
     <p:extLst>
       <p:ext uri="{BB962C8B-B14F-4D97-AF65-F5344CB8AC3E}">
-        <p14:creationId xmlns:p14="http://schemas.microsoft.com/office/powerpoint/2010/main" val="887077700"/>
+        <p14:creationId xmlns:p14="http://schemas.microsoft.com/office/powerpoint/2010/main" val="1042166616"/>
       </p:ext>
     </p:extLst>
   </p:cSld>
@@ -6404,84 +6812,12 @@
           <a:chExt cx="0" cy="0"/>
         </a:xfrm>
       </p:grpSpPr>
-      <p:sp>
-        <p:nvSpPr>
-          <p:cNvPr id="2" name="テキスト プレースホルダー 1">
-            <a:extLst>
-              <a:ext uri="{FF2B5EF4-FFF2-40B4-BE49-F238E27FC236}">
-                <a16:creationId xmlns:a16="http://schemas.microsoft.com/office/drawing/2014/main" id="{D6C3448F-A855-4158-9540-663E3B8AF3D9}"/>
-              </a:ext>
-            </a:extLst>
-          </p:cNvPr>
-          <p:cNvSpPr>
-            <a:spLocks noGrp="1"/>
-          </p:cNvSpPr>
-          <p:nvPr>
-            <p:ph type="body" sz="quarter" idx="10"/>
-          </p:nvPr>
-        </p:nvSpPr>
-        <p:spPr/>
-        <p:txBody>
-          <a:bodyPr/>
-          <a:lstStyle/>
-          <a:p>
-            <a:r>
-              <a:rPr lang="ja-JP" altLang="en-US"/>
-              <a:t>課題</a:t>
-            </a:r>
-            <a:r>
-              <a:rPr lang="en-US" altLang="ja-JP"/>
-              <a:t>1 - Step 2</a:t>
-            </a:r>
-            <a:endParaRPr kumimoji="1" lang="ja-JP" altLang="en-US"/>
-          </a:p>
-        </p:txBody>
-      </p:sp>
-      <p:sp>
-        <p:nvSpPr>
-          <p:cNvPr id="3" name="テキスト ボックス 2">
-            <a:extLst>
-              <a:ext uri="{FF2B5EF4-FFF2-40B4-BE49-F238E27FC236}">
-                <a16:creationId xmlns:a16="http://schemas.microsoft.com/office/drawing/2014/main" id="{CE156FCE-5CDF-4D18-BB50-30D49482D9E1}"/>
-              </a:ext>
-            </a:extLst>
-          </p:cNvPr>
-          <p:cNvSpPr txBox="1"/>
-          <p:nvPr/>
-        </p:nvSpPr>
-        <p:spPr>
-          <a:xfrm>
-            <a:off x="251520" y="980728"/>
-            <a:ext cx="2281394" cy="523220"/>
-          </a:xfrm>
-          <a:prstGeom prst="rect">
-            <a:avLst/>
-          </a:prstGeom>
-          <a:noFill/>
-        </p:spPr>
-        <p:txBody>
-          <a:bodyPr wrap="none" rtlCol="0">
-            <a:spAutoFit/>
-          </a:bodyPr>
-          <a:lstStyle/>
-          <a:p>
-            <a:r>
-              <a:rPr kumimoji="1" lang="en-US" altLang="ja-JP" sz="2800"/>
-              <a:t>Pages</a:t>
-            </a:r>
-            <a:r>
-              <a:rPr kumimoji="1" lang="ja-JP" altLang="en-US" sz="2800"/>
-              <a:t>の設定</a:t>
-            </a:r>
-          </a:p>
-        </p:txBody>
-      </p:sp>
       <p:pic>
         <p:nvPicPr>
-          <p:cNvPr id="4" name="図 3">
-            <a:extLst>
-              <a:ext uri="{FF2B5EF4-FFF2-40B4-BE49-F238E27FC236}">
-                <a16:creationId xmlns:a16="http://schemas.microsoft.com/office/drawing/2014/main" id="{B2AB1E34-47E2-420C-98E5-7CFD04BBDC57}"/>
+          <p:cNvPr id="15" name="図 14">
+            <a:extLst>
+              <a:ext uri="{FF2B5EF4-FFF2-40B4-BE49-F238E27FC236}">
+                <a16:creationId xmlns:a16="http://schemas.microsoft.com/office/drawing/2014/main" id="{B2D52B7D-0AAB-4D04-96F5-4AB37757D194}"/>
               </a:ext>
             </a:extLst>
           </p:cNvPr>
@@ -6498,8 +6834,8 @@
         </p:blipFill>
         <p:spPr>
           <a:xfrm>
-            <a:off x="467544" y="2492896"/>
-            <a:ext cx="7560840" cy="2028874"/>
+            <a:off x="417258" y="1916832"/>
+            <a:ext cx="8331206" cy="1944216"/>
           </a:xfrm>
           <a:prstGeom prst="rect">
             <a:avLst/>
@@ -6508,10 +6844,163 @@
       </p:pic>
       <p:sp>
         <p:nvSpPr>
-          <p:cNvPr id="5" name="四角形: 角を丸くする 4">
-            <a:extLst>
-              <a:ext uri="{FF2B5EF4-FFF2-40B4-BE49-F238E27FC236}">
-                <a16:creationId xmlns:a16="http://schemas.microsoft.com/office/drawing/2014/main" id="{8A938504-F626-480B-A7F9-FA2CCE841EAB}"/>
+          <p:cNvPr id="2" name="テキスト プレースホルダー 1">
+            <a:extLst>
+              <a:ext uri="{FF2B5EF4-FFF2-40B4-BE49-F238E27FC236}">
+                <a16:creationId xmlns:a16="http://schemas.microsoft.com/office/drawing/2014/main" id="{A11F2F44-75E7-4A95-9EDD-FD49AFC3067C}"/>
+              </a:ext>
+            </a:extLst>
+          </p:cNvPr>
+          <p:cNvSpPr>
+            <a:spLocks noGrp="1"/>
+          </p:cNvSpPr>
+          <p:nvPr>
+            <p:ph type="body" sz="quarter" idx="10"/>
+          </p:nvPr>
+        </p:nvSpPr>
+        <p:spPr/>
+        <p:txBody>
+          <a:bodyPr/>
+          <a:lstStyle/>
+          <a:p>
+            <a:r>
+              <a:rPr lang="ja-JP" altLang="en-US"/>
+              <a:t>課題</a:t>
+            </a:r>
+            <a:r>
+              <a:rPr lang="en-US" altLang="ja-JP"/>
+              <a:t>1 - Step 1</a:t>
+            </a:r>
+            <a:endParaRPr kumimoji="1" lang="ja-JP" altLang="en-US"/>
+          </a:p>
+        </p:txBody>
+      </p:sp>
+      <p:sp>
+        <p:nvSpPr>
+          <p:cNvPr id="6" name="テキスト ボックス 5">
+            <a:extLst>
+              <a:ext uri="{FF2B5EF4-FFF2-40B4-BE49-F238E27FC236}">
+                <a16:creationId xmlns:a16="http://schemas.microsoft.com/office/drawing/2014/main" id="{F8D957B2-6283-4465-A89D-2F9335CE2DDC}"/>
+              </a:ext>
+            </a:extLst>
+          </p:cNvPr>
+          <p:cNvSpPr txBox="1"/>
+          <p:nvPr/>
+        </p:nvSpPr>
+        <p:spPr>
+          <a:xfrm>
+            <a:off x="107504" y="908720"/>
+            <a:ext cx="3058851" cy="523220"/>
+          </a:xfrm>
+          <a:prstGeom prst="rect">
+            <a:avLst/>
+          </a:prstGeom>
+          <a:noFill/>
+        </p:spPr>
+        <p:txBody>
+          <a:bodyPr wrap="none" rtlCol="0">
+            <a:spAutoFit/>
+          </a:bodyPr>
+          <a:lstStyle/>
+          <a:p>
+            <a:r>
+              <a:rPr kumimoji="1" lang="ja-JP" altLang="en-US" sz="2800"/>
+              <a:t>リポジトリの</a:t>
+            </a:r>
+            <a:r>
+              <a:rPr kumimoji="1" lang="en-US" altLang="ja-JP" sz="2800"/>
+              <a:t>Fork</a:t>
+            </a:r>
+            <a:endParaRPr kumimoji="1" lang="ja-JP" altLang="en-US" sz="2800"/>
+          </a:p>
+        </p:txBody>
+      </p:sp>
+      <p:sp>
+        <p:nvSpPr>
+          <p:cNvPr id="12" name="テキスト ボックス 11">
+            <a:extLst>
+              <a:ext uri="{FF2B5EF4-FFF2-40B4-BE49-F238E27FC236}">
+                <a16:creationId xmlns:a16="http://schemas.microsoft.com/office/drawing/2014/main" id="{73EC5E95-3D03-441D-9E0A-45CF9F3F444B}"/>
+              </a:ext>
+            </a:extLst>
+          </p:cNvPr>
+          <p:cNvSpPr txBox="1"/>
+          <p:nvPr/>
+        </p:nvSpPr>
+        <p:spPr>
+          <a:xfrm>
+            <a:off x="395536" y="1484784"/>
+            <a:ext cx="6192688" cy="369332"/>
+          </a:xfrm>
+          <a:prstGeom prst="rect">
+            <a:avLst/>
+          </a:prstGeom>
+          <a:noFill/>
+        </p:spPr>
+        <p:txBody>
+          <a:bodyPr wrap="square">
+            <a:spAutoFit/>
+          </a:bodyPr>
+          <a:lstStyle/>
+          <a:p>
+            <a:r>
+              <a:rPr lang="en-US" altLang="ja-JP"/>
+              <a:t>https://github.com/appi-github/pages-sample</a:t>
+            </a:r>
+            <a:endParaRPr lang="ja-JP" altLang="en-US"/>
+          </a:p>
+        </p:txBody>
+      </p:sp>
+      <p:sp>
+        <p:nvSpPr>
+          <p:cNvPr id="4" name="テキスト ボックス 3">
+            <a:extLst>
+              <a:ext uri="{FF2B5EF4-FFF2-40B4-BE49-F238E27FC236}">
+                <a16:creationId xmlns:a16="http://schemas.microsoft.com/office/drawing/2014/main" id="{7DE6A80F-FDCC-47D7-9016-097A9AA64CE9}"/>
+              </a:ext>
+            </a:extLst>
+          </p:cNvPr>
+          <p:cNvSpPr txBox="1"/>
+          <p:nvPr/>
+        </p:nvSpPr>
+        <p:spPr>
+          <a:xfrm>
+            <a:off x="5148064" y="1484784"/>
+            <a:ext cx="3877985" cy="369332"/>
+          </a:xfrm>
+          <a:prstGeom prst="rect">
+            <a:avLst/>
+          </a:prstGeom>
+          <a:noFill/>
+        </p:spPr>
+        <p:txBody>
+          <a:bodyPr wrap="none" rtlCol="0">
+            <a:spAutoFit/>
+          </a:bodyPr>
+          <a:lstStyle/>
+          <a:p>
+            <a:r>
+              <a:rPr lang="ja-JP" altLang="en-US"/>
+              <a:t>にアクセスして、</a:t>
+            </a:r>
+            <a:r>
+              <a:rPr lang="en-US" altLang="ja-JP"/>
+              <a:t>Fork</a:t>
+            </a:r>
+            <a:r>
+              <a:rPr lang="ja-JP" altLang="en-US"/>
+              <a:t>ボタンを押す</a:t>
+            </a:r>
+            <a:endParaRPr kumimoji="1" lang="ja-JP" altLang="en-US"/>
+          </a:p>
+        </p:txBody>
+      </p:sp>
+      <p:sp>
+        <p:nvSpPr>
+          <p:cNvPr id="8" name="四角形: 角を丸くする 7">
+            <a:extLst>
+              <a:ext uri="{FF2B5EF4-FFF2-40B4-BE49-F238E27FC236}">
+                <a16:creationId xmlns:a16="http://schemas.microsoft.com/office/drawing/2014/main" id="{F17F18B3-37CA-485B-A473-911C57FC11BF}"/>
               </a:ext>
             </a:extLst>
           </p:cNvPr>
@@ -6520,8 +7009,8 @@
         </p:nvSpPr>
         <p:spPr>
           <a:xfrm>
-            <a:off x="5868144" y="3501008"/>
-            <a:ext cx="864096" cy="360040"/>
+            <a:off x="7668344" y="2492896"/>
+            <a:ext cx="576064" cy="288032"/>
           </a:xfrm>
           <a:prstGeom prst="roundRect">
             <a:avLst/>
@@ -6558,12 +7047,42 @@
           </a:p>
         </p:txBody>
       </p:sp>
-      <p:sp>
-        <p:nvSpPr>
-          <p:cNvPr id="6" name="テキスト ボックス 5">
-            <a:extLst>
-              <a:ext uri="{FF2B5EF4-FFF2-40B4-BE49-F238E27FC236}">
-                <a16:creationId xmlns:a16="http://schemas.microsoft.com/office/drawing/2014/main" id="{3A641D98-35D1-40F1-B40A-72FFA187BAEE}"/>
+      <p:pic>
+        <p:nvPicPr>
+          <p:cNvPr id="9" name="図 8">
+            <a:extLst>
+              <a:ext uri="{FF2B5EF4-FFF2-40B4-BE49-F238E27FC236}">
+                <a16:creationId xmlns:a16="http://schemas.microsoft.com/office/drawing/2014/main" id="{28A91EBE-3552-4802-A79B-2DD692C72485}"/>
+              </a:ext>
+            </a:extLst>
+          </p:cNvPr>
+          <p:cNvPicPr>
+            <a:picLocks noChangeAspect="1"/>
+          </p:cNvPicPr>
+          <p:nvPr/>
+        </p:nvPicPr>
+        <p:blipFill>
+          <a:blip r:embed="rId3"/>
+          <a:stretch>
+            <a:fillRect/>
+          </a:stretch>
+        </p:blipFill>
+        <p:spPr>
+          <a:xfrm>
+            <a:off x="323528" y="4653136"/>
+            <a:ext cx="7560840" cy="2028874"/>
+          </a:xfrm>
+          <a:prstGeom prst="rect">
+            <a:avLst/>
+          </a:prstGeom>
+        </p:spPr>
+      </p:pic>
+      <p:sp>
+        <p:nvSpPr>
+          <p:cNvPr id="10" name="テキスト ボックス 9">
+            <a:extLst>
+              <a:ext uri="{FF2B5EF4-FFF2-40B4-BE49-F238E27FC236}">
+                <a16:creationId xmlns:a16="http://schemas.microsoft.com/office/drawing/2014/main" id="{6C1291B6-8395-4F85-94CF-BDC4DE462582}"/>
               </a:ext>
             </a:extLst>
           </p:cNvPr>
@@ -6572,8 +7091,8 @@
         </p:nvSpPr>
         <p:spPr>
           <a:xfrm>
-            <a:off x="395536" y="1700808"/>
-            <a:ext cx="8097088" cy="369332"/>
+            <a:off x="323528" y="4221088"/>
+            <a:ext cx="3339376" cy="369332"/>
           </a:xfrm>
           <a:prstGeom prst="rect">
             <a:avLst/>
@@ -6587,59 +7106,238 @@
           <a:lstStyle/>
           <a:p>
             <a:r>
+              <a:rPr kumimoji="1" lang="ja-JP" altLang="en-US"/>
+              <a:t>自分のアカウントに</a:t>
+            </a:r>
+            <a:r>
               <a:rPr kumimoji="1" lang="en-US" altLang="ja-JP"/>
-              <a:t>Fork</a:t>
-            </a:r>
-            <a:r>
-              <a:rPr kumimoji="1" lang="ja-JP" altLang="en-US"/>
-              <a:t>されたリポジトリ</a:t>
-            </a:r>
-            <a:r>
-              <a:rPr kumimoji="1" lang="en-US" altLang="ja-JP"/>
-              <a:t>(</a:t>
-            </a:r>
-            <a:r>
-              <a:rPr kumimoji="1" lang="ja-JP" altLang="en-US"/>
-              <a:t>自分のアカウントに表示されたもの</a:t>
-            </a:r>
-            <a:r>
-              <a:rPr kumimoji="1" lang="en-US" altLang="ja-JP"/>
-              <a:t>)</a:t>
-            </a:r>
-            <a:r>
-              <a:rPr kumimoji="1" lang="ja-JP" altLang="en-US"/>
-              <a:t>の</a:t>
-            </a:r>
+              <a:t>fork</a:t>
+            </a:r>
+            <a:r>
+              <a:rPr lang="ja-JP" altLang="en-US"/>
+              <a:t>される</a:t>
+            </a:r>
+            <a:endParaRPr kumimoji="1" lang="ja-JP" altLang="en-US"/>
+          </a:p>
+        </p:txBody>
+      </p:sp>
+      <p:sp>
+        <p:nvSpPr>
+          <p:cNvPr id="13" name="四角形: 角を丸くする 12">
+            <a:extLst>
+              <a:ext uri="{FF2B5EF4-FFF2-40B4-BE49-F238E27FC236}">
+                <a16:creationId xmlns:a16="http://schemas.microsoft.com/office/drawing/2014/main" id="{AB981F10-3E45-4B3E-965C-905DEC913F5F}"/>
+              </a:ext>
+            </a:extLst>
+          </p:cNvPr>
+          <p:cNvSpPr/>
+          <p:nvPr/>
+        </p:nvSpPr>
+        <p:spPr>
+          <a:xfrm>
+            <a:off x="395536" y="5157192"/>
+            <a:ext cx="1512168" cy="288032"/>
+          </a:xfrm>
+          <a:prstGeom prst="roundRect">
+            <a:avLst/>
+          </a:prstGeom>
+          <a:noFill/>
+          <a:ln w="38100">
+            <a:solidFill>
+              <a:srgbClr val="FF0000"/>
+            </a:solidFill>
+          </a:ln>
+        </p:spPr>
+        <p:style>
+          <a:lnRef idx="2">
+            <a:schemeClr val="accent1">
+              <a:shade val="50000"/>
+            </a:schemeClr>
+          </a:lnRef>
+          <a:fillRef idx="1">
+            <a:schemeClr val="accent1"/>
+          </a:fillRef>
+          <a:effectRef idx="0">
+            <a:schemeClr val="accent1"/>
+          </a:effectRef>
+          <a:fontRef idx="minor">
+            <a:schemeClr val="lt1"/>
+          </a:fontRef>
+        </p:style>
+        <p:txBody>
+          <a:bodyPr rtlCol="0" anchor="ctr"/>
+          <a:lstStyle/>
+          <a:p>
+            <a:pPr algn="ctr"/>
+            <a:endParaRPr kumimoji="1" lang="ja-JP" altLang="en-US"/>
+          </a:p>
+        </p:txBody>
+      </p:sp>
+      <p:sp>
+        <p:nvSpPr>
+          <p:cNvPr id="11" name="矢印: 下 10">
+            <a:extLst>
+              <a:ext uri="{FF2B5EF4-FFF2-40B4-BE49-F238E27FC236}">
+                <a16:creationId xmlns:a16="http://schemas.microsoft.com/office/drawing/2014/main" id="{4CD21199-9602-4FB9-9C9E-97A957B64054}"/>
+              </a:ext>
+            </a:extLst>
+          </p:cNvPr>
+          <p:cNvSpPr/>
+          <p:nvPr/>
+        </p:nvSpPr>
+        <p:spPr>
+          <a:xfrm>
+            <a:off x="4355976" y="4005064"/>
+            <a:ext cx="504056" cy="474352"/>
+          </a:xfrm>
+          <a:prstGeom prst="downArrow">
+            <a:avLst/>
+          </a:prstGeom>
+          <a:solidFill>
+            <a:srgbClr val="FF0000"/>
+          </a:solidFill>
+          <a:ln>
+            <a:solidFill>
+              <a:schemeClr val="tx1"/>
+            </a:solidFill>
+          </a:ln>
+        </p:spPr>
+        <p:style>
+          <a:lnRef idx="2">
+            <a:schemeClr val="accent1">
+              <a:shade val="50000"/>
+            </a:schemeClr>
+          </a:lnRef>
+          <a:fillRef idx="1">
+            <a:schemeClr val="accent1"/>
+          </a:fillRef>
+          <a:effectRef idx="0">
+            <a:schemeClr val="accent1"/>
+          </a:effectRef>
+          <a:fontRef idx="minor">
+            <a:schemeClr val="lt1"/>
+          </a:fontRef>
+        </p:style>
+        <p:txBody>
+          <a:bodyPr rtlCol="0" anchor="ctr"/>
+          <a:lstStyle/>
+          <a:p>
+            <a:pPr algn="ctr"/>
+            <a:endParaRPr kumimoji="1" lang="ja-JP" altLang="en-US"/>
+          </a:p>
+        </p:txBody>
+      </p:sp>
+      <p:sp>
+        <p:nvSpPr>
+          <p:cNvPr id="16" name="四角形: 角を丸くする 15">
+            <a:extLst>
+              <a:ext uri="{FF2B5EF4-FFF2-40B4-BE49-F238E27FC236}">
+                <a16:creationId xmlns:a16="http://schemas.microsoft.com/office/drawing/2014/main" id="{6D6A4E0F-6F1D-4FFB-B899-86962F416617}"/>
+              </a:ext>
+            </a:extLst>
+          </p:cNvPr>
+          <p:cNvSpPr/>
+          <p:nvPr/>
+        </p:nvSpPr>
+        <p:spPr>
+          <a:xfrm>
+            <a:off x="5724128" y="5661248"/>
+            <a:ext cx="864096" cy="360040"/>
+          </a:xfrm>
+          <a:prstGeom prst="roundRect">
+            <a:avLst/>
+          </a:prstGeom>
+          <a:noFill/>
+          <a:ln w="38100">
+            <a:solidFill>
+              <a:srgbClr val="FF0000"/>
+            </a:solidFill>
+          </a:ln>
+        </p:spPr>
+        <p:style>
+          <a:lnRef idx="2">
+            <a:schemeClr val="accent1">
+              <a:shade val="50000"/>
+            </a:schemeClr>
+          </a:lnRef>
+          <a:fillRef idx="1">
+            <a:schemeClr val="accent1"/>
+          </a:fillRef>
+          <a:effectRef idx="0">
+            <a:schemeClr val="accent1"/>
+          </a:effectRef>
+          <a:fontRef idx="minor">
+            <a:schemeClr val="lt1"/>
+          </a:fontRef>
+        </p:style>
+        <p:txBody>
+          <a:bodyPr rtlCol="0" anchor="ctr"/>
+          <a:lstStyle/>
+          <a:p>
+            <a:pPr algn="ctr"/>
+            <a:endParaRPr kumimoji="1" lang="ja-JP" altLang="en-US"/>
+          </a:p>
+        </p:txBody>
+      </p:sp>
+      <p:sp>
+        <p:nvSpPr>
+          <p:cNvPr id="17" name="テキスト ボックス 16">
+            <a:extLst>
+              <a:ext uri="{FF2B5EF4-FFF2-40B4-BE49-F238E27FC236}">
+                <a16:creationId xmlns:a16="http://schemas.microsoft.com/office/drawing/2014/main" id="{AB6414E5-518E-419D-87B2-C1FB6B076EB9}"/>
+              </a:ext>
+            </a:extLst>
+          </p:cNvPr>
+          <p:cNvSpPr txBox="1"/>
+          <p:nvPr/>
+        </p:nvSpPr>
+        <p:spPr>
+          <a:xfrm>
+            <a:off x="6876256" y="4149080"/>
+            <a:ext cx="1941557" cy="369332"/>
+          </a:xfrm>
+          <a:prstGeom prst="rect">
+            <a:avLst/>
+          </a:prstGeom>
+          <a:noFill/>
+        </p:spPr>
+        <p:txBody>
+          <a:bodyPr wrap="none" rtlCol="0">
+            <a:spAutoFit/>
+          </a:bodyPr>
+          <a:lstStyle/>
+          <a:p>
             <a:r>
               <a:rPr kumimoji="1" lang="en-US" altLang="ja-JP"/>
               <a:t>Settings</a:t>
             </a:r>
             <a:r>
               <a:rPr kumimoji="1" lang="ja-JP" altLang="en-US"/>
-              <a:t>を押す</a:t>
-            </a:r>
+              <a:t>が現れる</a:t>
+            </a:r>
+            <a:endParaRPr kumimoji="1" lang="en-US" altLang="ja-JP"/>
           </a:p>
         </p:txBody>
       </p:sp>
       <p:cxnSp>
         <p:nvCxnSpPr>
-          <p:cNvPr id="7" name="コネクタ: カギ線 6">
-            <a:extLst>
-              <a:ext uri="{FF2B5EF4-FFF2-40B4-BE49-F238E27FC236}">
-                <a16:creationId xmlns:a16="http://schemas.microsoft.com/office/drawing/2014/main" id="{18BD49BD-761E-4FC6-BA7A-F670B3044C2B}"/>
+          <p:cNvPr id="19" name="コネクタ: カギ線 18">
+            <a:extLst>
+              <a:ext uri="{FF2B5EF4-FFF2-40B4-BE49-F238E27FC236}">
+                <a16:creationId xmlns:a16="http://schemas.microsoft.com/office/drawing/2014/main" id="{F448B147-16CA-426E-8272-776D16E0FA13}"/>
               </a:ext>
             </a:extLst>
           </p:cNvPr>
           <p:cNvCxnSpPr>
-            <a:cxnSpLocks/>
-            <a:endCxn id="5" idx="3"/>
+            <a:stCxn id="17" idx="2"/>
+            <a:endCxn id="16" idx="3"/>
           </p:cNvCxnSpPr>
           <p:nvPr/>
         </p:nvCxnSpPr>
         <p:spPr>
           <a:xfrm rot="5400000">
-            <a:off x="6174179" y="2618909"/>
-            <a:ext cx="1620180" cy="504058"/>
+            <a:off x="6556202" y="4550435"/>
+            <a:ext cx="1322856" cy="1258811"/>
           </a:xfrm>
           <a:prstGeom prst="bentConnector2">
             <a:avLst/>
@@ -6670,7 +7368,7 @@
     </p:spTree>
     <p:extLst>
       <p:ext uri="{BB962C8B-B14F-4D97-AF65-F5344CB8AC3E}">
-        <p14:creationId xmlns:p14="http://schemas.microsoft.com/office/powerpoint/2010/main" val="1081436701"/>
+        <p14:creationId xmlns:p14="http://schemas.microsoft.com/office/powerpoint/2010/main" val="887077700"/>
       </p:ext>
     </p:extLst>
   </p:cSld>
@@ -6702,7 +7400,7 @@
           <p:cNvPr id="2" name="テキスト プレースホルダー 1">
             <a:extLst>
               <a:ext uri="{FF2B5EF4-FFF2-40B4-BE49-F238E27FC236}">
-                <a16:creationId xmlns:a16="http://schemas.microsoft.com/office/drawing/2014/main" id="{23B579FA-B985-4FBF-98CC-B4EE05B38063}"/>
+                <a16:creationId xmlns:a16="http://schemas.microsoft.com/office/drawing/2014/main" id="{D6C3448F-A855-4158-9540-663E3B8AF3D9}"/>
               </a:ext>
             </a:extLst>
           </p:cNvPr>
@@ -6724,18 +7422,57 @@
             </a:r>
             <a:r>
               <a:rPr lang="en-US" altLang="ja-JP"/>
-              <a:t>1 - Step2 </a:t>
+              <a:t>1 - Step 2</a:t>
             </a:r>
             <a:endParaRPr kumimoji="1" lang="ja-JP" altLang="en-US"/>
+          </a:p>
+        </p:txBody>
+      </p:sp>
+      <p:sp>
+        <p:nvSpPr>
+          <p:cNvPr id="3" name="テキスト ボックス 2">
+            <a:extLst>
+              <a:ext uri="{FF2B5EF4-FFF2-40B4-BE49-F238E27FC236}">
+                <a16:creationId xmlns:a16="http://schemas.microsoft.com/office/drawing/2014/main" id="{CE156FCE-5CDF-4D18-BB50-30D49482D9E1}"/>
+              </a:ext>
+            </a:extLst>
+          </p:cNvPr>
+          <p:cNvSpPr txBox="1"/>
+          <p:nvPr/>
+        </p:nvSpPr>
+        <p:spPr>
+          <a:xfrm>
+            <a:off x="251520" y="980728"/>
+            <a:ext cx="2281394" cy="523220"/>
+          </a:xfrm>
+          <a:prstGeom prst="rect">
+            <a:avLst/>
+          </a:prstGeom>
+          <a:noFill/>
+        </p:spPr>
+        <p:txBody>
+          <a:bodyPr wrap="none" rtlCol="0">
+            <a:spAutoFit/>
+          </a:bodyPr>
+          <a:lstStyle/>
+          <a:p>
+            <a:r>
+              <a:rPr kumimoji="1" lang="en-US" altLang="ja-JP" sz="2800"/>
+              <a:t>Pages</a:t>
+            </a:r>
+            <a:r>
+              <a:rPr kumimoji="1" lang="ja-JP" altLang="en-US" sz="2800"/>
+              <a:t>の設定</a:t>
+            </a:r>
           </a:p>
         </p:txBody>
       </p:sp>
       <p:pic>
         <p:nvPicPr>
-          <p:cNvPr id="7" name="図 6">
-            <a:extLst>
-              <a:ext uri="{FF2B5EF4-FFF2-40B4-BE49-F238E27FC236}">
-                <a16:creationId xmlns:a16="http://schemas.microsoft.com/office/drawing/2014/main" id="{FCE87E6B-6E39-4DDB-87D4-6D958DF964C4}"/>
+          <p:cNvPr id="4" name="図 3">
+            <a:extLst>
+              <a:ext uri="{FF2B5EF4-FFF2-40B4-BE49-F238E27FC236}">
+                <a16:creationId xmlns:a16="http://schemas.microsoft.com/office/drawing/2014/main" id="{B2AB1E34-47E2-420C-98E5-7CFD04BBDC57}"/>
               </a:ext>
             </a:extLst>
           </p:cNvPr>
@@ -6752,8 +7489,8 @@
         </p:blipFill>
         <p:spPr>
           <a:xfrm>
-            <a:off x="323528" y="1772816"/>
-            <a:ext cx="6750397" cy="4946904"/>
+            <a:off x="467544" y="2492896"/>
+            <a:ext cx="7560840" cy="2028874"/>
           </a:xfrm>
           <a:prstGeom prst="rect">
             <a:avLst/>
@@ -6762,10 +7499,10 @@
       </p:pic>
       <p:sp>
         <p:nvSpPr>
-          <p:cNvPr id="8" name="四角形: 角を丸くする 7">
-            <a:extLst>
-              <a:ext uri="{FF2B5EF4-FFF2-40B4-BE49-F238E27FC236}">
-                <a16:creationId xmlns:a16="http://schemas.microsoft.com/office/drawing/2014/main" id="{780E4D70-1CA0-4235-B42A-1623A2586CF8}"/>
+          <p:cNvPr id="5" name="四角形: 角を丸くする 4">
+            <a:extLst>
+              <a:ext uri="{FF2B5EF4-FFF2-40B4-BE49-F238E27FC236}">
+                <a16:creationId xmlns:a16="http://schemas.microsoft.com/office/drawing/2014/main" id="{8A938504-F626-480B-A7F9-FA2CCE841EAB}"/>
               </a:ext>
             </a:extLst>
           </p:cNvPr>
@@ -6774,8 +7511,8 @@
         </p:nvSpPr>
         <p:spPr>
           <a:xfrm>
-            <a:off x="395536" y="6309320"/>
-            <a:ext cx="1872208" cy="360040"/>
+            <a:off x="5868144" y="3501008"/>
+            <a:ext cx="864096" cy="360040"/>
           </a:xfrm>
           <a:prstGeom prst="roundRect">
             <a:avLst/>
@@ -6814,466 +7551,117 @@
       </p:sp>
       <p:sp>
         <p:nvSpPr>
-          <p:cNvPr id="9" name="四角形: 角を丸くする 8">
-            <a:extLst>
-              <a:ext uri="{FF2B5EF4-FFF2-40B4-BE49-F238E27FC236}">
-                <a16:creationId xmlns:a16="http://schemas.microsoft.com/office/drawing/2014/main" id="{944C9C21-21C2-4417-873E-594B4ECA6DEC}"/>
-              </a:ext>
-            </a:extLst>
-          </p:cNvPr>
-          <p:cNvSpPr/>
-          <p:nvPr/>
-        </p:nvSpPr>
-        <p:spPr>
-          <a:xfrm>
-            <a:off x="2411760" y="4005064"/>
-            <a:ext cx="936104" cy="288032"/>
-          </a:xfrm>
-          <a:prstGeom prst="roundRect">
+          <p:cNvPr id="6" name="テキスト ボックス 5">
+            <a:extLst>
+              <a:ext uri="{FF2B5EF4-FFF2-40B4-BE49-F238E27FC236}">
+                <a16:creationId xmlns:a16="http://schemas.microsoft.com/office/drawing/2014/main" id="{3A641D98-35D1-40F1-B40A-72FFA187BAEE}"/>
+              </a:ext>
+            </a:extLst>
+          </p:cNvPr>
+          <p:cNvSpPr txBox="1"/>
+          <p:nvPr/>
+        </p:nvSpPr>
+        <p:spPr>
+          <a:xfrm>
+            <a:off x="395536" y="1700808"/>
+            <a:ext cx="8097088" cy="369332"/>
+          </a:xfrm>
+          <a:prstGeom prst="rect">
             <a:avLst/>
           </a:prstGeom>
           <a:noFill/>
-          <a:ln w="38100">
+        </p:spPr>
+        <p:txBody>
+          <a:bodyPr wrap="none" rtlCol="0">
+            <a:spAutoFit/>
+          </a:bodyPr>
+          <a:lstStyle/>
+          <a:p>
+            <a:r>
+              <a:rPr kumimoji="1" lang="en-US" altLang="ja-JP"/>
+              <a:t>Fork</a:t>
+            </a:r>
+            <a:r>
+              <a:rPr kumimoji="1" lang="ja-JP" altLang="en-US"/>
+              <a:t>されたリポジトリ</a:t>
+            </a:r>
+            <a:r>
+              <a:rPr kumimoji="1" lang="en-US" altLang="ja-JP"/>
+              <a:t>(</a:t>
+            </a:r>
+            <a:r>
+              <a:rPr kumimoji="1" lang="ja-JP" altLang="en-US"/>
+              <a:t>自分のアカウントに表示されたもの</a:t>
+            </a:r>
+            <a:r>
+              <a:rPr kumimoji="1" lang="en-US" altLang="ja-JP"/>
+              <a:t>)</a:t>
+            </a:r>
+            <a:r>
+              <a:rPr kumimoji="1" lang="ja-JP" altLang="en-US"/>
+              <a:t>の</a:t>
+            </a:r>
+            <a:r>
+              <a:rPr kumimoji="1" lang="en-US" altLang="ja-JP"/>
+              <a:t>Settings</a:t>
+            </a:r>
+            <a:r>
+              <a:rPr kumimoji="1" lang="ja-JP" altLang="en-US"/>
+              <a:t>を押す</a:t>
+            </a:r>
+          </a:p>
+        </p:txBody>
+      </p:sp>
+      <p:cxnSp>
+        <p:nvCxnSpPr>
+          <p:cNvPr id="7" name="コネクタ: カギ線 6">
+            <a:extLst>
+              <a:ext uri="{FF2B5EF4-FFF2-40B4-BE49-F238E27FC236}">
+                <a16:creationId xmlns:a16="http://schemas.microsoft.com/office/drawing/2014/main" id="{18BD49BD-761E-4FC6-BA7A-F670B3044C2B}"/>
+              </a:ext>
+            </a:extLst>
+          </p:cNvPr>
+          <p:cNvCxnSpPr>
+            <a:cxnSpLocks/>
+            <a:endCxn id="5" idx="3"/>
+          </p:cNvCxnSpPr>
+          <p:nvPr/>
+        </p:nvCxnSpPr>
+        <p:spPr>
+          <a:xfrm rot="5400000">
+            <a:off x="6174179" y="2618909"/>
+            <a:ext cx="1620180" cy="504058"/>
+          </a:xfrm>
+          <a:prstGeom prst="bentConnector2">
+            <a:avLst/>
+          </a:prstGeom>
+          <a:ln w="28575">
             <a:solidFill>
               <a:srgbClr val="FF0000"/>
             </a:solidFill>
+            <a:headEnd type="none" w="med" len="med"/>
+            <a:tailEnd type="triangle"/>
           </a:ln>
         </p:spPr>
         <p:style>
-          <a:lnRef idx="2">
-            <a:schemeClr val="accent1">
-              <a:shade val="50000"/>
-            </a:schemeClr>
+          <a:lnRef idx="1">
+            <a:schemeClr val="accent1"/>
           </a:lnRef>
-          <a:fillRef idx="1">
+          <a:fillRef idx="0">
             <a:schemeClr val="accent1"/>
           </a:fillRef>
           <a:effectRef idx="0">
             <a:schemeClr val="accent1"/>
           </a:effectRef>
           <a:fontRef idx="minor">
-            <a:schemeClr val="lt1"/>
+            <a:schemeClr val="tx1"/>
           </a:fontRef>
         </p:style>
-        <p:txBody>
-          <a:bodyPr rtlCol="0" anchor="ctr"/>
-          <a:lstStyle/>
-          <a:p>
-            <a:pPr algn="ctr"/>
-            <a:endParaRPr kumimoji="1" lang="ja-JP" altLang="en-US"/>
-          </a:p>
-        </p:txBody>
-      </p:sp>
-      <p:sp>
-        <p:nvSpPr>
-          <p:cNvPr id="10" name="四角形: 角を丸くする 9">
-            <a:extLst>
-              <a:ext uri="{FF2B5EF4-FFF2-40B4-BE49-F238E27FC236}">
-                <a16:creationId xmlns:a16="http://schemas.microsoft.com/office/drawing/2014/main" id="{6485D61F-3829-4B54-89AA-5FB59EFD6B66}"/>
-              </a:ext>
-            </a:extLst>
-          </p:cNvPr>
-          <p:cNvSpPr/>
-          <p:nvPr/>
-        </p:nvSpPr>
-        <p:spPr>
-          <a:xfrm>
-            <a:off x="3419872" y="4005064"/>
-            <a:ext cx="648072" cy="288032"/>
-          </a:xfrm>
-          <a:prstGeom prst="roundRect">
-            <a:avLst/>
-          </a:prstGeom>
-          <a:noFill/>
-          <a:ln w="38100">
-            <a:solidFill>
-              <a:srgbClr val="FF0000"/>
-            </a:solidFill>
-          </a:ln>
-        </p:spPr>
-        <p:style>
-          <a:lnRef idx="2">
-            <a:schemeClr val="accent1">
-              <a:shade val="50000"/>
-            </a:schemeClr>
-          </a:lnRef>
-          <a:fillRef idx="1">
-            <a:schemeClr val="accent1"/>
-          </a:fillRef>
-          <a:effectRef idx="0">
-            <a:schemeClr val="accent1"/>
-          </a:effectRef>
-          <a:fontRef idx="minor">
-            <a:schemeClr val="lt1"/>
-          </a:fontRef>
-        </p:style>
-        <p:txBody>
-          <a:bodyPr rtlCol="0" anchor="ctr"/>
-          <a:lstStyle/>
-          <a:p>
-            <a:pPr algn="ctr"/>
-            <a:endParaRPr kumimoji="1" lang="ja-JP" altLang="en-US"/>
-          </a:p>
-        </p:txBody>
-      </p:sp>
-      <p:sp>
-        <p:nvSpPr>
-          <p:cNvPr id="11" name="四角形: 角を丸くする 10">
-            <a:extLst>
-              <a:ext uri="{FF2B5EF4-FFF2-40B4-BE49-F238E27FC236}">
-                <a16:creationId xmlns:a16="http://schemas.microsoft.com/office/drawing/2014/main" id="{12777472-9227-460B-9C04-51E1A65BC987}"/>
-              </a:ext>
-            </a:extLst>
-          </p:cNvPr>
-          <p:cNvSpPr/>
-          <p:nvPr/>
-        </p:nvSpPr>
-        <p:spPr>
-          <a:xfrm>
-            <a:off x="4139952" y="4005064"/>
-            <a:ext cx="432048" cy="288032"/>
-          </a:xfrm>
-          <a:prstGeom prst="roundRect">
-            <a:avLst/>
-          </a:prstGeom>
-          <a:noFill/>
-          <a:ln w="38100">
-            <a:solidFill>
-              <a:srgbClr val="FF0000"/>
-            </a:solidFill>
-          </a:ln>
-        </p:spPr>
-        <p:style>
-          <a:lnRef idx="2">
-            <a:schemeClr val="accent1">
-              <a:shade val="50000"/>
-            </a:schemeClr>
-          </a:lnRef>
-          <a:fillRef idx="1">
-            <a:schemeClr val="accent1"/>
-          </a:fillRef>
-          <a:effectRef idx="0">
-            <a:schemeClr val="accent1"/>
-          </a:effectRef>
-          <a:fontRef idx="minor">
-            <a:schemeClr val="lt1"/>
-          </a:fontRef>
-        </p:style>
-        <p:txBody>
-          <a:bodyPr rtlCol="0" anchor="ctr"/>
-          <a:lstStyle/>
-          <a:p>
-            <a:pPr algn="ctr"/>
-            <a:endParaRPr kumimoji="1" lang="ja-JP" altLang="en-US"/>
-          </a:p>
-        </p:txBody>
-      </p:sp>
-      <p:sp>
-        <p:nvSpPr>
-          <p:cNvPr id="12" name="楕円 11">
-            <a:extLst>
-              <a:ext uri="{FF2B5EF4-FFF2-40B4-BE49-F238E27FC236}">
-                <a16:creationId xmlns:a16="http://schemas.microsoft.com/office/drawing/2014/main" id="{D8F2267E-F645-4243-88B7-52889B68625F}"/>
-              </a:ext>
-            </a:extLst>
-          </p:cNvPr>
-          <p:cNvSpPr/>
-          <p:nvPr/>
-        </p:nvSpPr>
-        <p:spPr>
-          <a:xfrm>
-            <a:off x="0" y="5877272"/>
-            <a:ext cx="360040" cy="360040"/>
-          </a:xfrm>
-          <a:prstGeom prst="ellipse">
-            <a:avLst/>
-          </a:prstGeom>
-          <a:solidFill>
-            <a:srgbClr val="FF0000"/>
-          </a:solidFill>
-          <a:ln>
-            <a:solidFill>
-              <a:schemeClr val="tx1"/>
-            </a:solidFill>
-          </a:ln>
-        </p:spPr>
-        <p:style>
-          <a:lnRef idx="2">
-            <a:schemeClr val="accent1">
-              <a:shade val="50000"/>
-            </a:schemeClr>
-          </a:lnRef>
-          <a:fillRef idx="1">
-            <a:schemeClr val="accent1"/>
-          </a:fillRef>
-          <a:effectRef idx="0">
-            <a:schemeClr val="accent1"/>
-          </a:effectRef>
-          <a:fontRef idx="minor">
-            <a:schemeClr val="lt1"/>
-          </a:fontRef>
-        </p:style>
-        <p:txBody>
-          <a:bodyPr rtlCol="0" anchor="ctr"/>
-          <a:lstStyle/>
-          <a:p>
-            <a:pPr algn="ctr"/>
-            <a:r>
-              <a:rPr kumimoji="1" lang="ja-JP" altLang="en-US"/>
-              <a:t>１</a:t>
-            </a:r>
-          </a:p>
-        </p:txBody>
-      </p:sp>
-      <p:sp>
-        <p:nvSpPr>
-          <p:cNvPr id="13" name="楕円 12">
-            <a:extLst>
-              <a:ext uri="{FF2B5EF4-FFF2-40B4-BE49-F238E27FC236}">
-                <a16:creationId xmlns:a16="http://schemas.microsoft.com/office/drawing/2014/main" id="{092D2522-41C7-4973-A816-A1FBD907E134}"/>
-              </a:ext>
-            </a:extLst>
-          </p:cNvPr>
-          <p:cNvSpPr/>
-          <p:nvPr/>
-        </p:nvSpPr>
-        <p:spPr>
-          <a:xfrm>
-            <a:off x="2627784" y="3573016"/>
-            <a:ext cx="360040" cy="360040"/>
-          </a:xfrm>
-          <a:prstGeom prst="ellipse">
-            <a:avLst/>
-          </a:prstGeom>
-          <a:solidFill>
-            <a:srgbClr val="FF0000"/>
-          </a:solidFill>
-          <a:ln>
-            <a:solidFill>
-              <a:schemeClr val="tx1"/>
-            </a:solidFill>
-          </a:ln>
-        </p:spPr>
-        <p:style>
-          <a:lnRef idx="2">
-            <a:schemeClr val="accent1">
-              <a:shade val="50000"/>
-            </a:schemeClr>
-          </a:lnRef>
-          <a:fillRef idx="1">
-            <a:schemeClr val="accent1"/>
-          </a:fillRef>
-          <a:effectRef idx="0">
-            <a:schemeClr val="accent1"/>
-          </a:effectRef>
-          <a:fontRef idx="minor">
-            <a:schemeClr val="lt1"/>
-          </a:fontRef>
-        </p:style>
-        <p:txBody>
-          <a:bodyPr rtlCol="0" anchor="ctr"/>
-          <a:lstStyle/>
-          <a:p>
-            <a:pPr algn="ctr"/>
-            <a:r>
-              <a:rPr lang="en-US" altLang="ja-JP"/>
-              <a:t>2</a:t>
-            </a:r>
-            <a:endParaRPr kumimoji="1" lang="ja-JP" altLang="en-US"/>
-          </a:p>
-        </p:txBody>
-      </p:sp>
-      <p:sp>
-        <p:nvSpPr>
-          <p:cNvPr id="14" name="楕円 13">
-            <a:extLst>
-              <a:ext uri="{FF2B5EF4-FFF2-40B4-BE49-F238E27FC236}">
-                <a16:creationId xmlns:a16="http://schemas.microsoft.com/office/drawing/2014/main" id="{53EBFED4-21DB-45B6-9E4D-A51516937BA4}"/>
-              </a:ext>
-            </a:extLst>
-          </p:cNvPr>
-          <p:cNvSpPr/>
-          <p:nvPr/>
-        </p:nvSpPr>
-        <p:spPr>
-          <a:xfrm>
-            <a:off x="3491880" y="3573016"/>
-            <a:ext cx="360040" cy="360040"/>
-          </a:xfrm>
-          <a:prstGeom prst="ellipse">
-            <a:avLst/>
-          </a:prstGeom>
-          <a:solidFill>
-            <a:srgbClr val="FF0000"/>
-          </a:solidFill>
-          <a:ln>
-            <a:solidFill>
-              <a:schemeClr val="tx1"/>
-            </a:solidFill>
-          </a:ln>
-        </p:spPr>
-        <p:style>
-          <a:lnRef idx="2">
-            <a:schemeClr val="accent1">
-              <a:shade val="50000"/>
-            </a:schemeClr>
-          </a:lnRef>
-          <a:fillRef idx="1">
-            <a:schemeClr val="accent1"/>
-          </a:fillRef>
-          <a:effectRef idx="0">
-            <a:schemeClr val="accent1"/>
-          </a:effectRef>
-          <a:fontRef idx="minor">
-            <a:schemeClr val="lt1"/>
-          </a:fontRef>
-        </p:style>
-        <p:txBody>
-          <a:bodyPr rtlCol="0" anchor="ctr"/>
-          <a:lstStyle/>
-          <a:p>
-            <a:pPr algn="ctr"/>
-            <a:r>
-              <a:rPr kumimoji="1" lang="en-US" altLang="ja-JP"/>
-              <a:t>3</a:t>
-            </a:r>
-            <a:endParaRPr kumimoji="1" lang="ja-JP" altLang="en-US"/>
-          </a:p>
-        </p:txBody>
-      </p:sp>
-      <p:sp>
-        <p:nvSpPr>
-          <p:cNvPr id="15" name="楕円 14">
-            <a:extLst>
-              <a:ext uri="{FF2B5EF4-FFF2-40B4-BE49-F238E27FC236}">
-                <a16:creationId xmlns:a16="http://schemas.microsoft.com/office/drawing/2014/main" id="{D1868D7A-E46B-4747-9965-36BEEC5AB28F}"/>
-              </a:ext>
-            </a:extLst>
-          </p:cNvPr>
-          <p:cNvSpPr/>
-          <p:nvPr/>
-        </p:nvSpPr>
-        <p:spPr>
-          <a:xfrm>
-            <a:off x="4211960" y="3573016"/>
-            <a:ext cx="360040" cy="360040"/>
-          </a:xfrm>
-          <a:prstGeom prst="ellipse">
-            <a:avLst/>
-          </a:prstGeom>
-          <a:solidFill>
-            <a:srgbClr val="FF0000"/>
-          </a:solidFill>
-          <a:ln>
-            <a:solidFill>
-              <a:schemeClr val="tx1"/>
-            </a:solidFill>
-          </a:ln>
-        </p:spPr>
-        <p:style>
-          <a:lnRef idx="2">
-            <a:schemeClr val="accent1">
-              <a:shade val="50000"/>
-            </a:schemeClr>
-          </a:lnRef>
-          <a:fillRef idx="1">
-            <a:schemeClr val="accent1"/>
-          </a:fillRef>
-          <a:effectRef idx="0">
-            <a:schemeClr val="accent1"/>
-          </a:effectRef>
-          <a:fontRef idx="minor">
-            <a:schemeClr val="lt1"/>
-          </a:fontRef>
-        </p:style>
-        <p:txBody>
-          <a:bodyPr rtlCol="0" anchor="ctr"/>
-          <a:lstStyle/>
-          <a:p>
-            <a:pPr algn="ctr"/>
-            <a:r>
-              <a:rPr lang="en-US" altLang="ja-JP"/>
-              <a:t>4</a:t>
-            </a:r>
-            <a:endParaRPr kumimoji="1" lang="ja-JP" altLang="en-US"/>
-          </a:p>
-        </p:txBody>
-      </p:sp>
-      <p:sp>
-        <p:nvSpPr>
-          <p:cNvPr id="16" name="テキスト ボックス 15">
-            <a:extLst>
-              <a:ext uri="{FF2B5EF4-FFF2-40B4-BE49-F238E27FC236}">
-                <a16:creationId xmlns:a16="http://schemas.microsoft.com/office/drawing/2014/main" id="{A8A725F2-F05C-44EC-B855-6AFFB62326B9}"/>
-              </a:ext>
-            </a:extLst>
-          </p:cNvPr>
-          <p:cNvSpPr txBox="1"/>
-          <p:nvPr/>
-        </p:nvSpPr>
-        <p:spPr>
-          <a:xfrm>
-            <a:off x="323528" y="1196752"/>
-            <a:ext cx="8943474" cy="369332"/>
-          </a:xfrm>
-          <a:prstGeom prst="rect">
-            <a:avLst/>
-          </a:prstGeom>
-          <a:noFill/>
-        </p:spPr>
-        <p:txBody>
-          <a:bodyPr wrap="none" rtlCol="0">
-            <a:spAutoFit/>
-          </a:bodyPr>
-          <a:lstStyle/>
-          <a:p>
-            <a:r>
-              <a:rPr kumimoji="1" lang="en-US" altLang="ja-JP"/>
-              <a:t>1. Pages</a:t>
-            </a:r>
-            <a:r>
-              <a:rPr kumimoji="1" lang="ja-JP" altLang="en-US"/>
-              <a:t>を選ぶ　</a:t>
-            </a:r>
-            <a:r>
-              <a:rPr kumimoji="1" lang="en-US" altLang="ja-JP"/>
-              <a:t>2. main</a:t>
-            </a:r>
-            <a:r>
-              <a:rPr kumimoji="1" lang="ja-JP" altLang="en-US"/>
-              <a:t>ブランチを選ぶ </a:t>
-            </a:r>
-            <a:r>
-              <a:rPr kumimoji="1" lang="en-US" altLang="ja-JP"/>
-              <a:t>3. </a:t>
-            </a:r>
-            <a:r>
-              <a:rPr kumimoji="1" lang="ja-JP" altLang="en-US"/>
-              <a:t>フォルダは </a:t>
-            </a:r>
-            <a:r>
-              <a:rPr kumimoji="1" lang="en-US" altLang="ja-JP"/>
-              <a:t>/docs</a:t>
-            </a:r>
-            <a:r>
-              <a:rPr kumimoji="1" lang="ja-JP" altLang="en-US"/>
-              <a:t>を選ぶ </a:t>
-            </a:r>
-            <a:r>
-              <a:rPr kumimoji="1" lang="en-US" altLang="ja-JP"/>
-              <a:t>4. Save</a:t>
-            </a:r>
-            <a:r>
-              <a:rPr kumimoji="1" lang="ja-JP" altLang="en-US"/>
-              <a:t>を押す</a:t>
-            </a:r>
-          </a:p>
-        </p:txBody>
-      </p:sp>
+      </p:cxnSp>
     </p:spTree>
     <p:extLst>
       <p:ext uri="{BB962C8B-B14F-4D97-AF65-F5344CB8AC3E}">
-        <p14:creationId xmlns:p14="http://schemas.microsoft.com/office/powerpoint/2010/main" val="706900826"/>
+        <p14:creationId xmlns:p14="http://schemas.microsoft.com/office/powerpoint/2010/main" val="1081436701"/>
       </p:ext>
     </p:extLst>
   </p:cSld>
@@ -7305,7 +7693,7 @@
           <p:cNvPr id="2" name="テキスト プレースホルダー 1">
             <a:extLst>
               <a:ext uri="{FF2B5EF4-FFF2-40B4-BE49-F238E27FC236}">
-                <a16:creationId xmlns:a16="http://schemas.microsoft.com/office/drawing/2014/main" id="{CE1A0862-F859-4E80-9DB1-767B0B1B3070}"/>
+                <a16:creationId xmlns:a16="http://schemas.microsoft.com/office/drawing/2014/main" id="{23B579FA-B985-4FBF-98CC-B4EE05B38063}"/>
               </a:ext>
             </a:extLst>
           </p:cNvPr>
@@ -7327,7 +7715,7 @@
             </a:r>
             <a:r>
               <a:rPr lang="en-US" altLang="ja-JP"/>
-              <a:t>1 - Step 2</a:t>
+              <a:t>1 - Step2 </a:t>
             </a:r>
             <a:endParaRPr kumimoji="1" lang="ja-JP" altLang="en-US"/>
           </a:p>
@@ -7335,10 +7723,10 @@
       </p:sp>
       <p:pic>
         <p:nvPicPr>
-          <p:cNvPr id="4" name="図 3">
-            <a:extLst>
-              <a:ext uri="{FF2B5EF4-FFF2-40B4-BE49-F238E27FC236}">
-                <a16:creationId xmlns:a16="http://schemas.microsoft.com/office/drawing/2014/main" id="{3C2758FB-B854-457F-BD5A-0E7EFBD98559}"/>
+          <p:cNvPr id="7" name="図 6">
+            <a:extLst>
+              <a:ext uri="{FF2B5EF4-FFF2-40B4-BE49-F238E27FC236}">
+                <a16:creationId xmlns:a16="http://schemas.microsoft.com/office/drawing/2014/main" id="{FCE87E6B-6E39-4DDB-87D4-6D958DF964C4}"/>
               </a:ext>
             </a:extLst>
           </p:cNvPr>
@@ -7355,8 +7743,8 @@
         </p:blipFill>
         <p:spPr>
           <a:xfrm>
-            <a:off x="358254" y="1988840"/>
-            <a:ext cx="8785746" cy="2232248"/>
+            <a:off x="323528" y="1772816"/>
+            <a:ext cx="6750397" cy="4946904"/>
           </a:xfrm>
           <a:prstGeom prst="rect">
             <a:avLst/>
@@ -7365,10 +7753,449 @@
       </p:pic>
       <p:sp>
         <p:nvSpPr>
-          <p:cNvPr id="5" name="テキスト ボックス 4">
-            <a:extLst>
-              <a:ext uri="{FF2B5EF4-FFF2-40B4-BE49-F238E27FC236}">
-                <a16:creationId xmlns:a16="http://schemas.microsoft.com/office/drawing/2014/main" id="{AA43B34A-8807-4B1B-96FC-EF51D9BED51B}"/>
+          <p:cNvPr id="8" name="四角形: 角を丸くする 7">
+            <a:extLst>
+              <a:ext uri="{FF2B5EF4-FFF2-40B4-BE49-F238E27FC236}">
+                <a16:creationId xmlns:a16="http://schemas.microsoft.com/office/drawing/2014/main" id="{780E4D70-1CA0-4235-B42A-1623A2586CF8}"/>
+              </a:ext>
+            </a:extLst>
+          </p:cNvPr>
+          <p:cNvSpPr/>
+          <p:nvPr/>
+        </p:nvSpPr>
+        <p:spPr>
+          <a:xfrm>
+            <a:off x="395536" y="6309320"/>
+            <a:ext cx="1872208" cy="360040"/>
+          </a:xfrm>
+          <a:prstGeom prst="roundRect">
+            <a:avLst/>
+          </a:prstGeom>
+          <a:noFill/>
+          <a:ln w="38100">
+            <a:solidFill>
+              <a:srgbClr val="FF0000"/>
+            </a:solidFill>
+          </a:ln>
+        </p:spPr>
+        <p:style>
+          <a:lnRef idx="2">
+            <a:schemeClr val="accent1">
+              <a:shade val="50000"/>
+            </a:schemeClr>
+          </a:lnRef>
+          <a:fillRef idx="1">
+            <a:schemeClr val="accent1"/>
+          </a:fillRef>
+          <a:effectRef idx="0">
+            <a:schemeClr val="accent1"/>
+          </a:effectRef>
+          <a:fontRef idx="minor">
+            <a:schemeClr val="lt1"/>
+          </a:fontRef>
+        </p:style>
+        <p:txBody>
+          <a:bodyPr rtlCol="0" anchor="ctr"/>
+          <a:lstStyle/>
+          <a:p>
+            <a:pPr algn="ctr"/>
+            <a:endParaRPr kumimoji="1" lang="ja-JP" altLang="en-US"/>
+          </a:p>
+        </p:txBody>
+      </p:sp>
+      <p:sp>
+        <p:nvSpPr>
+          <p:cNvPr id="9" name="四角形: 角を丸くする 8">
+            <a:extLst>
+              <a:ext uri="{FF2B5EF4-FFF2-40B4-BE49-F238E27FC236}">
+                <a16:creationId xmlns:a16="http://schemas.microsoft.com/office/drawing/2014/main" id="{944C9C21-21C2-4417-873E-594B4ECA6DEC}"/>
+              </a:ext>
+            </a:extLst>
+          </p:cNvPr>
+          <p:cNvSpPr/>
+          <p:nvPr/>
+        </p:nvSpPr>
+        <p:spPr>
+          <a:xfrm>
+            <a:off x="2411760" y="4005064"/>
+            <a:ext cx="936104" cy="288032"/>
+          </a:xfrm>
+          <a:prstGeom prst="roundRect">
+            <a:avLst/>
+          </a:prstGeom>
+          <a:noFill/>
+          <a:ln w="38100">
+            <a:solidFill>
+              <a:srgbClr val="FF0000"/>
+            </a:solidFill>
+          </a:ln>
+        </p:spPr>
+        <p:style>
+          <a:lnRef idx="2">
+            <a:schemeClr val="accent1">
+              <a:shade val="50000"/>
+            </a:schemeClr>
+          </a:lnRef>
+          <a:fillRef idx="1">
+            <a:schemeClr val="accent1"/>
+          </a:fillRef>
+          <a:effectRef idx="0">
+            <a:schemeClr val="accent1"/>
+          </a:effectRef>
+          <a:fontRef idx="minor">
+            <a:schemeClr val="lt1"/>
+          </a:fontRef>
+        </p:style>
+        <p:txBody>
+          <a:bodyPr rtlCol="0" anchor="ctr"/>
+          <a:lstStyle/>
+          <a:p>
+            <a:pPr algn="ctr"/>
+            <a:endParaRPr kumimoji="1" lang="ja-JP" altLang="en-US"/>
+          </a:p>
+        </p:txBody>
+      </p:sp>
+      <p:sp>
+        <p:nvSpPr>
+          <p:cNvPr id="10" name="四角形: 角を丸くする 9">
+            <a:extLst>
+              <a:ext uri="{FF2B5EF4-FFF2-40B4-BE49-F238E27FC236}">
+                <a16:creationId xmlns:a16="http://schemas.microsoft.com/office/drawing/2014/main" id="{6485D61F-3829-4B54-89AA-5FB59EFD6B66}"/>
+              </a:ext>
+            </a:extLst>
+          </p:cNvPr>
+          <p:cNvSpPr/>
+          <p:nvPr/>
+        </p:nvSpPr>
+        <p:spPr>
+          <a:xfrm>
+            <a:off x="3419872" y="4005064"/>
+            <a:ext cx="648072" cy="288032"/>
+          </a:xfrm>
+          <a:prstGeom prst="roundRect">
+            <a:avLst/>
+          </a:prstGeom>
+          <a:noFill/>
+          <a:ln w="38100">
+            <a:solidFill>
+              <a:srgbClr val="FF0000"/>
+            </a:solidFill>
+          </a:ln>
+        </p:spPr>
+        <p:style>
+          <a:lnRef idx="2">
+            <a:schemeClr val="accent1">
+              <a:shade val="50000"/>
+            </a:schemeClr>
+          </a:lnRef>
+          <a:fillRef idx="1">
+            <a:schemeClr val="accent1"/>
+          </a:fillRef>
+          <a:effectRef idx="0">
+            <a:schemeClr val="accent1"/>
+          </a:effectRef>
+          <a:fontRef idx="minor">
+            <a:schemeClr val="lt1"/>
+          </a:fontRef>
+        </p:style>
+        <p:txBody>
+          <a:bodyPr rtlCol="0" anchor="ctr"/>
+          <a:lstStyle/>
+          <a:p>
+            <a:pPr algn="ctr"/>
+            <a:endParaRPr kumimoji="1" lang="ja-JP" altLang="en-US"/>
+          </a:p>
+        </p:txBody>
+      </p:sp>
+      <p:sp>
+        <p:nvSpPr>
+          <p:cNvPr id="11" name="四角形: 角を丸くする 10">
+            <a:extLst>
+              <a:ext uri="{FF2B5EF4-FFF2-40B4-BE49-F238E27FC236}">
+                <a16:creationId xmlns:a16="http://schemas.microsoft.com/office/drawing/2014/main" id="{12777472-9227-460B-9C04-51E1A65BC987}"/>
+              </a:ext>
+            </a:extLst>
+          </p:cNvPr>
+          <p:cNvSpPr/>
+          <p:nvPr/>
+        </p:nvSpPr>
+        <p:spPr>
+          <a:xfrm>
+            <a:off x="4139952" y="4005064"/>
+            <a:ext cx="432048" cy="288032"/>
+          </a:xfrm>
+          <a:prstGeom prst="roundRect">
+            <a:avLst/>
+          </a:prstGeom>
+          <a:noFill/>
+          <a:ln w="38100">
+            <a:solidFill>
+              <a:srgbClr val="FF0000"/>
+            </a:solidFill>
+          </a:ln>
+        </p:spPr>
+        <p:style>
+          <a:lnRef idx="2">
+            <a:schemeClr val="accent1">
+              <a:shade val="50000"/>
+            </a:schemeClr>
+          </a:lnRef>
+          <a:fillRef idx="1">
+            <a:schemeClr val="accent1"/>
+          </a:fillRef>
+          <a:effectRef idx="0">
+            <a:schemeClr val="accent1"/>
+          </a:effectRef>
+          <a:fontRef idx="minor">
+            <a:schemeClr val="lt1"/>
+          </a:fontRef>
+        </p:style>
+        <p:txBody>
+          <a:bodyPr rtlCol="0" anchor="ctr"/>
+          <a:lstStyle/>
+          <a:p>
+            <a:pPr algn="ctr"/>
+            <a:endParaRPr kumimoji="1" lang="ja-JP" altLang="en-US"/>
+          </a:p>
+        </p:txBody>
+      </p:sp>
+      <p:sp>
+        <p:nvSpPr>
+          <p:cNvPr id="12" name="楕円 11">
+            <a:extLst>
+              <a:ext uri="{FF2B5EF4-FFF2-40B4-BE49-F238E27FC236}">
+                <a16:creationId xmlns:a16="http://schemas.microsoft.com/office/drawing/2014/main" id="{D8F2267E-F645-4243-88B7-52889B68625F}"/>
+              </a:ext>
+            </a:extLst>
+          </p:cNvPr>
+          <p:cNvSpPr/>
+          <p:nvPr/>
+        </p:nvSpPr>
+        <p:spPr>
+          <a:xfrm>
+            <a:off x="0" y="5877272"/>
+            <a:ext cx="360040" cy="360040"/>
+          </a:xfrm>
+          <a:prstGeom prst="ellipse">
+            <a:avLst/>
+          </a:prstGeom>
+          <a:solidFill>
+            <a:srgbClr val="FF0000"/>
+          </a:solidFill>
+          <a:ln>
+            <a:solidFill>
+              <a:schemeClr val="tx1"/>
+            </a:solidFill>
+          </a:ln>
+        </p:spPr>
+        <p:style>
+          <a:lnRef idx="2">
+            <a:schemeClr val="accent1">
+              <a:shade val="50000"/>
+            </a:schemeClr>
+          </a:lnRef>
+          <a:fillRef idx="1">
+            <a:schemeClr val="accent1"/>
+          </a:fillRef>
+          <a:effectRef idx="0">
+            <a:schemeClr val="accent1"/>
+          </a:effectRef>
+          <a:fontRef idx="minor">
+            <a:schemeClr val="lt1"/>
+          </a:fontRef>
+        </p:style>
+        <p:txBody>
+          <a:bodyPr rtlCol="0" anchor="ctr"/>
+          <a:lstStyle/>
+          <a:p>
+            <a:pPr algn="ctr"/>
+            <a:r>
+              <a:rPr kumimoji="1" lang="ja-JP" altLang="en-US"/>
+              <a:t>１</a:t>
+            </a:r>
+          </a:p>
+        </p:txBody>
+      </p:sp>
+      <p:sp>
+        <p:nvSpPr>
+          <p:cNvPr id="13" name="楕円 12">
+            <a:extLst>
+              <a:ext uri="{FF2B5EF4-FFF2-40B4-BE49-F238E27FC236}">
+                <a16:creationId xmlns:a16="http://schemas.microsoft.com/office/drawing/2014/main" id="{092D2522-41C7-4973-A816-A1FBD907E134}"/>
+              </a:ext>
+            </a:extLst>
+          </p:cNvPr>
+          <p:cNvSpPr/>
+          <p:nvPr/>
+        </p:nvSpPr>
+        <p:spPr>
+          <a:xfrm>
+            <a:off x="2627784" y="3573016"/>
+            <a:ext cx="360040" cy="360040"/>
+          </a:xfrm>
+          <a:prstGeom prst="ellipse">
+            <a:avLst/>
+          </a:prstGeom>
+          <a:solidFill>
+            <a:srgbClr val="FF0000"/>
+          </a:solidFill>
+          <a:ln>
+            <a:solidFill>
+              <a:schemeClr val="tx1"/>
+            </a:solidFill>
+          </a:ln>
+        </p:spPr>
+        <p:style>
+          <a:lnRef idx="2">
+            <a:schemeClr val="accent1">
+              <a:shade val="50000"/>
+            </a:schemeClr>
+          </a:lnRef>
+          <a:fillRef idx="1">
+            <a:schemeClr val="accent1"/>
+          </a:fillRef>
+          <a:effectRef idx="0">
+            <a:schemeClr val="accent1"/>
+          </a:effectRef>
+          <a:fontRef idx="minor">
+            <a:schemeClr val="lt1"/>
+          </a:fontRef>
+        </p:style>
+        <p:txBody>
+          <a:bodyPr rtlCol="0" anchor="ctr"/>
+          <a:lstStyle/>
+          <a:p>
+            <a:pPr algn="ctr"/>
+            <a:r>
+              <a:rPr lang="en-US" altLang="ja-JP"/>
+              <a:t>2</a:t>
+            </a:r>
+            <a:endParaRPr kumimoji="1" lang="ja-JP" altLang="en-US"/>
+          </a:p>
+        </p:txBody>
+      </p:sp>
+      <p:sp>
+        <p:nvSpPr>
+          <p:cNvPr id="14" name="楕円 13">
+            <a:extLst>
+              <a:ext uri="{FF2B5EF4-FFF2-40B4-BE49-F238E27FC236}">
+                <a16:creationId xmlns:a16="http://schemas.microsoft.com/office/drawing/2014/main" id="{53EBFED4-21DB-45B6-9E4D-A51516937BA4}"/>
+              </a:ext>
+            </a:extLst>
+          </p:cNvPr>
+          <p:cNvSpPr/>
+          <p:nvPr/>
+        </p:nvSpPr>
+        <p:spPr>
+          <a:xfrm>
+            <a:off x="3491880" y="3573016"/>
+            <a:ext cx="360040" cy="360040"/>
+          </a:xfrm>
+          <a:prstGeom prst="ellipse">
+            <a:avLst/>
+          </a:prstGeom>
+          <a:solidFill>
+            <a:srgbClr val="FF0000"/>
+          </a:solidFill>
+          <a:ln>
+            <a:solidFill>
+              <a:schemeClr val="tx1"/>
+            </a:solidFill>
+          </a:ln>
+        </p:spPr>
+        <p:style>
+          <a:lnRef idx="2">
+            <a:schemeClr val="accent1">
+              <a:shade val="50000"/>
+            </a:schemeClr>
+          </a:lnRef>
+          <a:fillRef idx="1">
+            <a:schemeClr val="accent1"/>
+          </a:fillRef>
+          <a:effectRef idx="0">
+            <a:schemeClr val="accent1"/>
+          </a:effectRef>
+          <a:fontRef idx="minor">
+            <a:schemeClr val="lt1"/>
+          </a:fontRef>
+        </p:style>
+        <p:txBody>
+          <a:bodyPr rtlCol="0" anchor="ctr"/>
+          <a:lstStyle/>
+          <a:p>
+            <a:pPr algn="ctr"/>
+            <a:r>
+              <a:rPr kumimoji="1" lang="en-US" altLang="ja-JP"/>
+              <a:t>3</a:t>
+            </a:r>
+            <a:endParaRPr kumimoji="1" lang="ja-JP" altLang="en-US"/>
+          </a:p>
+        </p:txBody>
+      </p:sp>
+      <p:sp>
+        <p:nvSpPr>
+          <p:cNvPr id="15" name="楕円 14">
+            <a:extLst>
+              <a:ext uri="{FF2B5EF4-FFF2-40B4-BE49-F238E27FC236}">
+                <a16:creationId xmlns:a16="http://schemas.microsoft.com/office/drawing/2014/main" id="{D1868D7A-E46B-4747-9965-36BEEC5AB28F}"/>
+              </a:ext>
+            </a:extLst>
+          </p:cNvPr>
+          <p:cNvSpPr/>
+          <p:nvPr/>
+        </p:nvSpPr>
+        <p:spPr>
+          <a:xfrm>
+            <a:off x="4211960" y="3573016"/>
+            <a:ext cx="360040" cy="360040"/>
+          </a:xfrm>
+          <a:prstGeom prst="ellipse">
+            <a:avLst/>
+          </a:prstGeom>
+          <a:solidFill>
+            <a:srgbClr val="FF0000"/>
+          </a:solidFill>
+          <a:ln>
+            <a:solidFill>
+              <a:schemeClr val="tx1"/>
+            </a:solidFill>
+          </a:ln>
+        </p:spPr>
+        <p:style>
+          <a:lnRef idx="2">
+            <a:schemeClr val="accent1">
+              <a:shade val="50000"/>
+            </a:schemeClr>
+          </a:lnRef>
+          <a:fillRef idx="1">
+            <a:schemeClr val="accent1"/>
+          </a:fillRef>
+          <a:effectRef idx="0">
+            <a:schemeClr val="accent1"/>
+          </a:effectRef>
+          <a:fontRef idx="minor">
+            <a:schemeClr val="lt1"/>
+          </a:fontRef>
+        </p:style>
+        <p:txBody>
+          <a:bodyPr rtlCol="0" anchor="ctr"/>
+          <a:lstStyle/>
+          <a:p>
+            <a:pPr algn="ctr"/>
+            <a:r>
+              <a:rPr lang="en-US" altLang="ja-JP"/>
+              <a:t>4</a:t>
+            </a:r>
+            <a:endParaRPr kumimoji="1" lang="ja-JP" altLang="en-US"/>
+          </a:p>
+        </p:txBody>
+      </p:sp>
+      <p:sp>
+        <p:nvSpPr>
+          <p:cNvPr id="16" name="テキスト ボックス 15">
+            <a:extLst>
+              <a:ext uri="{FF2B5EF4-FFF2-40B4-BE49-F238E27FC236}">
+                <a16:creationId xmlns:a16="http://schemas.microsoft.com/office/drawing/2014/main" id="{A8A725F2-F05C-44EC-B855-6AFFB62326B9}"/>
               </a:ext>
             </a:extLst>
           </p:cNvPr>
@@ -7377,8 +8204,8 @@
         </p:nvSpPr>
         <p:spPr>
           <a:xfrm>
-            <a:off x="395536" y="1196752"/>
-            <a:ext cx="7366119" cy="523220"/>
+            <a:off x="323528" y="1196752"/>
+            <a:ext cx="8943474" cy="369332"/>
           </a:xfrm>
           <a:prstGeom prst="rect">
             <a:avLst/>
@@ -7392,20 +8219,44 @@
           <a:lstStyle/>
           <a:p>
             <a:r>
-              <a:rPr kumimoji="1" lang="ja-JP" altLang="en-US" sz="2800"/>
-              <a:t>こんな画面がでたら</a:t>
-            </a:r>
-            <a:r>
-              <a:rPr kumimoji="1" lang="ja-JP" altLang="en-US" sz="2800">
-                <a:solidFill>
-                  <a:srgbClr val="FF0000"/>
-                </a:solidFill>
-              </a:rPr>
-              <a:t>数分待ってから</a:t>
-            </a:r>
-            <a:r>
-              <a:rPr kumimoji="1" lang="ja-JP" altLang="en-US" sz="2800"/>
-              <a:t>クリック</a:t>
+              <a:rPr kumimoji="1" lang="en-US" altLang="ja-JP"/>
+              <a:t>1. Pages</a:t>
+            </a:r>
+            <a:r>
+              <a:rPr kumimoji="1" lang="ja-JP" altLang="en-US"/>
+              <a:t>を選ぶ　</a:t>
+            </a:r>
+            <a:r>
+              <a:rPr kumimoji="1" lang="en-US" altLang="ja-JP"/>
+              <a:t>2. main</a:t>
+            </a:r>
+            <a:r>
+              <a:rPr kumimoji="1" lang="ja-JP" altLang="en-US"/>
+              <a:t>ブランチを選ぶ </a:t>
+            </a:r>
+            <a:r>
+              <a:rPr kumimoji="1" lang="en-US" altLang="ja-JP"/>
+              <a:t>3. </a:t>
+            </a:r>
+            <a:r>
+              <a:rPr kumimoji="1" lang="ja-JP" altLang="en-US"/>
+              <a:t>フォルダは </a:t>
+            </a:r>
+            <a:r>
+              <a:rPr kumimoji="1" lang="en-US" altLang="ja-JP"/>
+              <a:t>/docs</a:t>
+            </a:r>
+            <a:r>
+              <a:rPr kumimoji="1" lang="ja-JP" altLang="en-US"/>
+              <a:t>を選ぶ </a:t>
+            </a:r>
+            <a:r>
+              <a:rPr kumimoji="1" lang="en-US" altLang="ja-JP"/>
+              <a:t>4. Save</a:t>
+            </a:r>
+            <a:r>
+              <a:rPr kumimoji="1" lang="ja-JP" altLang="en-US"/>
+              <a:t>を押す</a:t>
             </a:r>
           </a:p>
         </p:txBody>
@@ -7413,7 +8264,7 @@
     </p:spTree>
     <p:extLst>
       <p:ext uri="{BB962C8B-B14F-4D97-AF65-F5344CB8AC3E}">
-        <p14:creationId xmlns:p14="http://schemas.microsoft.com/office/powerpoint/2010/main" val="3767675250"/>
+        <p14:creationId xmlns:p14="http://schemas.microsoft.com/office/powerpoint/2010/main" val="706900826"/>
       </p:ext>
     </p:extLst>
   </p:cSld>
@@ -7445,7 +8296,7 @@
           <p:cNvPr id="2" name="テキスト プレースホルダー 1">
             <a:extLst>
               <a:ext uri="{FF2B5EF4-FFF2-40B4-BE49-F238E27FC236}">
-                <a16:creationId xmlns:a16="http://schemas.microsoft.com/office/drawing/2014/main" id="{B1BB059B-CEE8-4B31-898C-E180B5C35D7E}"/>
+                <a16:creationId xmlns:a16="http://schemas.microsoft.com/office/drawing/2014/main" id="{CE1A0862-F859-4E80-9DB1-767B0B1B3070}"/>
               </a:ext>
             </a:extLst>
           </p:cNvPr>
@@ -7473,52 +8324,12 @@
           </a:p>
         </p:txBody>
       </p:sp>
-      <p:sp>
-        <p:nvSpPr>
-          <p:cNvPr id="3" name="テキスト ボックス 2">
-            <a:extLst>
-              <a:ext uri="{FF2B5EF4-FFF2-40B4-BE49-F238E27FC236}">
-                <a16:creationId xmlns:a16="http://schemas.microsoft.com/office/drawing/2014/main" id="{FBF81704-B71D-4D87-8D2B-A46C7273551A}"/>
-              </a:ext>
-            </a:extLst>
-          </p:cNvPr>
-          <p:cNvSpPr txBox="1"/>
-          <p:nvPr/>
-        </p:nvSpPr>
-        <p:spPr>
-          <a:xfrm>
-            <a:off x="683568" y="1268760"/>
-            <a:ext cx="6340197" cy="584775"/>
-          </a:xfrm>
-          <a:prstGeom prst="rect">
-            <a:avLst/>
-          </a:prstGeom>
-          <a:noFill/>
-        </p:spPr>
-        <p:txBody>
-          <a:bodyPr wrap="none" rtlCol="0">
-            <a:spAutoFit/>
-          </a:bodyPr>
-          <a:lstStyle/>
-          <a:p>
-            <a:r>
-              <a:rPr kumimoji="1" lang="ja-JP" altLang="en-US" sz="3200"/>
-              <a:t>もしクリックが早すぎる</a:t>
-            </a:r>
-            <a:r>
-              <a:rPr lang="ja-JP" altLang="en-US" sz="3200"/>
-              <a:t>と・・・</a:t>
-            </a:r>
-            <a:endParaRPr kumimoji="1" lang="ja-JP" altLang="en-US" sz="3200"/>
-          </a:p>
-        </p:txBody>
-      </p:sp>
       <p:pic>
         <p:nvPicPr>
-          <p:cNvPr id="5" name="図 4">
-            <a:extLst>
-              <a:ext uri="{FF2B5EF4-FFF2-40B4-BE49-F238E27FC236}">
-                <a16:creationId xmlns:a16="http://schemas.microsoft.com/office/drawing/2014/main" id="{6720A0CC-41C7-42A7-A36B-1BAE2BB22F27}"/>
+          <p:cNvPr id="4" name="図 3">
+            <a:extLst>
+              <a:ext uri="{FF2B5EF4-FFF2-40B4-BE49-F238E27FC236}">
+                <a16:creationId xmlns:a16="http://schemas.microsoft.com/office/drawing/2014/main" id="{3C2758FB-B854-457F-BD5A-0E7EFBD98559}"/>
               </a:ext>
             </a:extLst>
           </p:cNvPr>
@@ -7535,8 +8346,8 @@
         </p:blipFill>
         <p:spPr>
           <a:xfrm>
-            <a:off x="539552" y="2492896"/>
-            <a:ext cx="7200800" cy="3282110"/>
+            <a:off x="358254" y="1988840"/>
+            <a:ext cx="8785746" cy="2232248"/>
           </a:xfrm>
           <a:prstGeom prst="rect">
             <a:avLst/>
@@ -7545,60 +8356,55 @@
       </p:pic>
       <p:sp>
         <p:nvSpPr>
-          <p:cNvPr id="6" name="正方形/長方形 5">
-            <a:extLst>
-              <a:ext uri="{FF2B5EF4-FFF2-40B4-BE49-F238E27FC236}">
-                <a16:creationId xmlns:a16="http://schemas.microsoft.com/office/drawing/2014/main" id="{BC7C992D-92A4-48F8-912F-7833C7D1AF5C}"/>
-              </a:ext>
-            </a:extLst>
-          </p:cNvPr>
-          <p:cNvSpPr/>
-          <p:nvPr/>
-        </p:nvSpPr>
-        <p:spPr>
-          <a:xfrm>
-            <a:off x="1547664" y="2276872"/>
-            <a:ext cx="6192688" cy="3744416"/>
+          <p:cNvPr id="5" name="テキスト ボックス 4">
+            <a:extLst>
+              <a:ext uri="{FF2B5EF4-FFF2-40B4-BE49-F238E27FC236}">
+                <a16:creationId xmlns:a16="http://schemas.microsoft.com/office/drawing/2014/main" id="{AA43B34A-8807-4B1B-96FC-EF51D9BED51B}"/>
+              </a:ext>
+            </a:extLst>
+          </p:cNvPr>
+          <p:cNvSpPr txBox="1"/>
+          <p:nvPr/>
+        </p:nvSpPr>
+        <p:spPr>
+          <a:xfrm>
+            <a:off x="395536" y="1196752"/>
+            <a:ext cx="7366119" cy="523220"/>
           </a:xfrm>
           <a:prstGeom prst="rect">
             <a:avLst/>
           </a:prstGeom>
           <a:noFill/>
-          <a:ln>
-            <a:solidFill>
-              <a:schemeClr val="tx1"/>
-            </a:solidFill>
-          </a:ln>
-        </p:spPr>
-        <p:style>
-          <a:lnRef idx="2">
-            <a:schemeClr val="accent1">
-              <a:shade val="50000"/>
-            </a:schemeClr>
-          </a:lnRef>
-          <a:fillRef idx="1">
-            <a:schemeClr val="accent1"/>
-          </a:fillRef>
-          <a:effectRef idx="0">
-            <a:schemeClr val="accent1"/>
-          </a:effectRef>
-          <a:fontRef idx="minor">
-            <a:schemeClr val="lt1"/>
-          </a:fontRef>
-        </p:style>
-        <p:txBody>
-          <a:bodyPr rtlCol="0" anchor="ctr"/>
-          <a:lstStyle/>
-          <a:p>
-            <a:pPr algn="ctr"/>
-            <a:endParaRPr kumimoji="1" lang="ja-JP" altLang="en-US"/>
+        </p:spPr>
+        <p:txBody>
+          <a:bodyPr wrap="none" rtlCol="0">
+            <a:spAutoFit/>
+          </a:bodyPr>
+          <a:lstStyle/>
+          <a:p>
+            <a:r>
+              <a:rPr kumimoji="1" lang="ja-JP" altLang="en-US" sz="2800"/>
+              <a:t>こんな画面がでたら</a:t>
+            </a:r>
+            <a:r>
+              <a:rPr kumimoji="1" lang="ja-JP" altLang="en-US" sz="2800">
+                <a:solidFill>
+                  <a:srgbClr val="FF0000"/>
+                </a:solidFill>
+              </a:rPr>
+              <a:t>数分待ってから</a:t>
+            </a:r>
+            <a:r>
+              <a:rPr kumimoji="1" lang="ja-JP" altLang="en-US" sz="2800"/>
+              <a:t>クリック</a:t>
+            </a:r>
           </a:p>
         </p:txBody>
       </p:sp>
     </p:spTree>
     <p:extLst>
       <p:ext uri="{BB962C8B-B14F-4D97-AF65-F5344CB8AC3E}">
-        <p14:creationId xmlns:p14="http://schemas.microsoft.com/office/powerpoint/2010/main" val="3089741578"/>
+        <p14:creationId xmlns:p14="http://schemas.microsoft.com/office/powerpoint/2010/main" val="3767675250"/>
       </p:ext>
     </p:extLst>
   </p:cSld>
@@ -7630,7 +8436,7 @@
           <p:cNvPr id="2" name="テキスト プレースホルダー 1">
             <a:extLst>
               <a:ext uri="{FF2B5EF4-FFF2-40B4-BE49-F238E27FC236}">
-                <a16:creationId xmlns:a16="http://schemas.microsoft.com/office/drawing/2014/main" id="{810310CA-75C4-4CD2-982A-2F096C3F7B0C}"/>
+                <a16:creationId xmlns:a16="http://schemas.microsoft.com/office/drawing/2014/main" id="{B1BB059B-CEE8-4B31-898C-E180B5C35D7E}"/>
               </a:ext>
             </a:extLst>
           </p:cNvPr>
@@ -7660,10 +8466,10 @@
       </p:sp>
       <p:sp>
         <p:nvSpPr>
-          <p:cNvPr id="4" name="テキスト ボックス 3">
-            <a:extLst>
-              <a:ext uri="{FF2B5EF4-FFF2-40B4-BE49-F238E27FC236}">
-                <a16:creationId xmlns:a16="http://schemas.microsoft.com/office/drawing/2014/main" id="{B2F8C16A-0512-4C0D-8B99-CE6685CF4ACB}"/>
+          <p:cNvPr id="3" name="テキスト ボックス 2">
+            <a:extLst>
+              <a:ext uri="{FF2B5EF4-FFF2-40B4-BE49-F238E27FC236}">
+                <a16:creationId xmlns:a16="http://schemas.microsoft.com/office/drawing/2014/main" id="{FBF81704-B71D-4D87-8D2B-A46C7273551A}"/>
               </a:ext>
             </a:extLst>
           </p:cNvPr>
@@ -7672,56 +8478,8 @@
         </p:nvSpPr>
         <p:spPr>
           <a:xfrm>
-            <a:off x="323528" y="2348880"/>
-            <a:ext cx="8280920" cy="523220"/>
-          </a:xfrm>
-          <a:prstGeom prst="rect">
-            <a:avLst/>
-          </a:prstGeom>
-          <a:noFill/>
-        </p:spPr>
-        <p:txBody>
-          <a:bodyPr wrap="square">
-            <a:spAutoFit/>
-          </a:bodyPr>
-          <a:lstStyle/>
-          <a:p>
-            <a:r>
-              <a:rPr lang="ja-JP" altLang="en-US" sz="2800"/>
-              <a:t>https://github-watanabe.github.io/pages-sample/</a:t>
-            </a:r>
-            <a:r>
-              <a:rPr lang="en-US" altLang="ja-JP" sz="2800">
-                <a:solidFill>
-                  <a:srgbClr val="FF0000"/>
-                </a:solidFill>
-              </a:rPr>
-              <a:t>?1</a:t>
-            </a:r>
-            <a:endParaRPr lang="ja-JP" altLang="en-US" sz="2800">
-              <a:solidFill>
-                <a:srgbClr val="FF0000"/>
-              </a:solidFill>
-            </a:endParaRPr>
-          </a:p>
-        </p:txBody>
-      </p:sp>
-      <p:sp>
-        <p:nvSpPr>
-          <p:cNvPr id="5" name="テキスト ボックス 4">
-            <a:extLst>
-              <a:ext uri="{FF2B5EF4-FFF2-40B4-BE49-F238E27FC236}">
-                <a16:creationId xmlns:a16="http://schemas.microsoft.com/office/drawing/2014/main" id="{4967FFB9-AE2E-4112-B222-DD29DBC1D5B8}"/>
-              </a:ext>
-            </a:extLst>
-          </p:cNvPr>
-          <p:cNvSpPr txBox="1"/>
-          <p:nvPr/>
-        </p:nvSpPr>
-        <p:spPr>
-          <a:xfrm>
-            <a:off x="179512" y="1268760"/>
-            <a:ext cx="8393644" cy="830997"/>
+            <a:off x="683568" y="1268760"/>
+            <a:ext cx="6340197" cy="584775"/>
           </a:xfrm>
           <a:prstGeom prst="rect">
             <a:avLst/>
@@ -7735,122 +8493,103 @@
           <a:lstStyle/>
           <a:p>
             <a:r>
-              <a:rPr kumimoji="1" lang="ja-JP" altLang="en-US" sz="2400"/>
-              <a:t>もし、しばらくまってリロードしても</a:t>
-            </a:r>
-            <a:r>
-              <a:rPr kumimoji="1" lang="en-US" altLang="ja-JP" sz="2400"/>
-              <a:t>404</a:t>
-            </a:r>
-            <a:r>
-              <a:rPr kumimoji="1" lang="ja-JP" altLang="en-US" sz="2400"/>
-              <a:t>のままだったら、</a:t>
-            </a:r>
-            <a:endParaRPr kumimoji="1" lang="en-US" altLang="ja-JP" sz="2400"/>
-          </a:p>
-          <a:p>
-            <a:r>
-              <a:rPr lang="ja-JP" altLang="en-US" sz="2400"/>
-              <a:t>アドレスの最後に「</a:t>
-            </a:r>
-            <a:r>
-              <a:rPr lang="en-US" altLang="ja-JP" sz="2400"/>
-              <a:t>?1</a:t>
-            </a:r>
-            <a:r>
-              <a:rPr lang="ja-JP" altLang="en-US" sz="2400"/>
-              <a:t>」を追加してエンターキーを入力</a:t>
-            </a:r>
-            <a:endParaRPr kumimoji="1" lang="ja-JP" altLang="en-US" sz="2400"/>
-          </a:p>
-        </p:txBody>
-      </p:sp>
-      <p:cxnSp>
-        <p:nvCxnSpPr>
-          <p:cNvPr id="7" name="直線コネクタ 6">
-            <a:extLst>
-              <a:ext uri="{FF2B5EF4-FFF2-40B4-BE49-F238E27FC236}">
-                <a16:creationId xmlns:a16="http://schemas.microsoft.com/office/drawing/2014/main" id="{9A5E5D65-55E2-424C-8CB4-18C6965DC4B7}"/>
-              </a:ext>
-            </a:extLst>
-          </p:cNvPr>
-          <p:cNvCxnSpPr/>
-          <p:nvPr/>
-        </p:nvCxnSpPr>
-        <p:spPr>
-          <a:xfrm>
-            <a:off x="1475656" y="2852936"/>
-            <a:ext cx="2664296" cy="0"/>
-          </a:xfrm>
-          <a:prstGeom prst="line">
-            <a:avLst/>
-          </a:prstGeom>
-          <a:ln w="28575">
+              <a:rPr kumimoji="1" lang="ja-JP" altLang="en-US" sz="3200"/>
+              <a:t>もしクリックが早すぎる</a:t>
+            </a:r>
+            <a:r>
+              <a:rPr lang="ja-JP" altLang="en-US" sz="3200"/>
+              <a:t>と・・・</a:t>
+            </a:r>
+            <a:endParaRPr kumimoji="1" lang="ja-JP" altLang="en-US" sz="3200"/>
+          </a:p>
+        </p:txBody>
+      </p:sp>
+      <p:pic>
+        <p:nvPicPr>
+          <p:cNvPr id="5" name="図 4">
+            <a:extLst>
+              <a:ext uri="{FF2B5EF4-FFF2-40B4-BE49-F238E27FC236}">
+                <a16:creationId xmlns:a16="http://schemas.microsoft.com/office/drawing/2014/main" id="{6720A0CC-41C7-42A7-A36B-1BAE2BB22F27}"/>
+              </a:ext>
+            </a:extLst>
+          </p:cNvPr>
+          <p:cNvPicPr>
+            <a:picLocks noChangeAspect="1"/>
+          </p:cNvPicPr>
+          <p:nvPr/>
+        </p:nvPicPr>
+        <p:blipFill>
+          <a:blip r:embed="rId2"/>
+          <a:stretch>
+            <a:fillRect/>
+          </a:stretch>
+        </p:blipFill>
+        <p:spPr>
+          <a:xfrm>
+            <a:off x="539552" y="2492896"/>
+            <a:ext cx="7200800" cy="3282110"/>
+          </a:xfrm>
+          <a:prstGeom prst="rect">
+            <a:avLst/>
+          </a:prstGeom>
+        </p:spPr>
+      </p:pic>
+      <p:sp>
+        <p:nvSpPr>
+          <p:cNvPr id="6" name="正方形/長方形 5">
+            <a:extLst>
+              <a:ext uri="{FF2B5EF4-FFF2-40B4-BE49-F238E27FC236}">
+                <a16:creationId xmlns:a16="http://schemas.microsoft.com/office/drawing/2014/main" id="{BC7C992D-92A4-48F8-912F-7833C7D1AF5C}"/>
+              </a:ext>
+            </a:extLst>
+          </p:cNvPr>
+          <p:cNvSpPr/>
+          <p:nvPr/>
+        </p:nvSpPr>
+        <p:spPr>
+          <a:xfrm>
+            <a:off x="1547664" y="2276872"/>
+            <a:ext cx="6192688" cy="3744416"/>
+          </a:xfrm>
+          <a:prstGeom prst="rect">
+            <a:avLst/>
+          </a:prstGeom>
+          <a:noFill/>
+          <a:ln>
             <a:solidFill>
-              <a:srgbClr val="FF0000"/>
+              <a:schemeClr val="tx1"/>
             </a:solidFill>
-            <a:headEnd type="none" w="med" len="med"/>
-            <a:tailEnd type="none" w="med" len="med"/>
           </a:ln>
         </p:spPr>
         <p:style>
-          <a:lnRef idx="1">
-            <a:schemeClr val="accent1"/>
+          <a:lnRef idx="2">
+            <a:schemeClr val="accent1">
+              <a:shade val="50000"/>
+            </a:schemeClr>
           </a:lnRef>
-          <a:fillRef idx="0">
+          <a:fillRef idx="1">
             <a:schemeClr val="accent1"/>
           </a:fillRef>
           <a:effectRef idx="0">
             <a:schemeClr val="accent1"/>
           </a:effectRef>
           <a:fontRef idx="minor">
-            <a:schemeClr val="tx1"/>
+            <a:schemeClr val="lt1"/>
           </a:fontRef>
         </p:style>
-      </p:cxnSp>
-      <p:sp>
-        <p:nvSpPr>
-          <p:cNvPr id="8" name="テキスト ボックス 7">
-            <a:extLst>
-              <a:ext uri="{FF2B5EF4-FFF2-40B4-BE49-F238E27FC236}">
-                <a16:creationId xmlns:a16="http://schemas.microsoft.com/office/drawing/2014/main" id="{D764CA8C-DF99-4322-841C-14211039FDF9}"/>
-              </a:ext>
-            </a:extLst>
-          </p:cNvPr>
-          <p:cNvSpPr txBox="1"/>
-          <p:nvPr/>
-        </p:nvSpPr>
-        <p:spPr>
-          <a:xfrm>
-            <a:off x="1564114" y="2996952"/>
-            <a:ext cx="2287806" cy="369332"/>
-          </a:xfrm>
-          <a:prstGeom prst="rect">
-            <a:avLst/>
-          </a:prstGeom>
-          <a:noFill/>
-        </p:spPr>
-        <p:txBody>
-          <a:bodyPr wrap="none" rtlCol="0">
-            <a:spAutoFit/>
-          </a:bodyPr>
-          <a:lstStyle/>
-          <a:p>
-            <a:r>
-              <a:rPr kumimoji="1" lang="en-US" altLang="ja-JP"/>
-              <a:t>GitHub</a:t>
-            </a:r>
-            <a:r>
-              <a:rPr kumimoji="1" lang="ja-JP" altLang="en-US"/>
-              <a:t>アカウント名</a:t>
-            </a:r>
+        <p:txBody>
+          <a:bodyPr rtlCol="0" anchor="ctr"/>
+          <a:lstStyle/>
+          <a:p>
+            <a:pPr algn="ctr"/>
+            <a:endParaRPr kumimoji="1" lang="ja-JP" altLang="en-US"/>
           </a:p>
         </p:txBody>
       </p:sp>
     </p:spTree>
     <p:extLst>
       <p:ext uri="{BB962C8B-B14F-4D97-AF65-F5344CB8AC3E}">
-        <p14:creationId xmlns:p14="http://schemas.microsoft.com/office/powerpoint/2010/main" val="4069416079"/>
+        <p14:creationId xmlns:p14="http://schemas.microsoft.com/office/powerpoint/2010/main" val="3089741578"/>
       </p:ext>
     </p:extLst>
   </p:cSld>
@@ -7882,7 +8621,7 @@
           <p:cNvPr id="2" name="テキスト プレースホルダー 1">
             <a:extLst>
               <a:ext uri="{FF2B5EF4-FFF2-40B4-BE49-F238E27FC236}">
-                <a16:creationId xmlns:a16="http://schemas.microsoft.com/office/drawing/2014/main" id="{9B004064-74B3-4C3A-A6AE-24808C59E811}"/>
+                <a16:creationId xmlns:a16="http://schemas.microsoft.com/office/drawing/2014/main" id="{810310CA-75C4-4CD2-982A-2F096C3F7B0C}"/>
               </a:ext>
             </a:extLst>
           </p:cNvPr>
@@ -7904,48 +8643,66 @@
             </a:r>
             <a:r>
               <a:rPr lang="en-US" altLang="ja-JP"/>
-              <a:t>1 - Step 3</a:t>
+              <a:t>1 - Step 2</a:t>
             </a:r>
             <a:endParaRPr kumimoji="1" lang="ja-JP" altLang="en-US"/>
           </a:p>
         </p:txBody>
       </p:sp>
-      <p:pic>
-        <p:nvPicPr>
-          <p:cNvPr id="4" name="図 3">
-            <a:extLst>
-              <a:ext uri="{FF2B5EF4-FFF2-40B4-BE49-F238E27FC236}">
-                <a16:creationId xmlns:a16="http://schemas.microsoft.com/office/drawing/2014/main" id="{2DD29521-8C8F-4F33-A7A8-49D2026845B2}"/>
-              </a:ext>
-            </a:extLst>
-          </p:cNvPr>
-          <p:cNvPicPr>
-            <a:picLocks noChangeAspect="1"/>
-          </p:cNvPicPr>
-          <p:nvPr/>
-        </p:nvPicPr>
-        <p:blipFill>
-          <a:blip r:embed="rId2"/>
-          <a:stretch>
-            <a:fillRect/>
-          </a:stretch>
-        </p:blipFill>
-        <p:spPr>
-          <a:xfrm>
-            <a:off x="899592" y="1268760"/>
-            <a:ext cx="5862889" cy="5120385"/>
+      <p:sp>
+        <p:nvSpPr>
+          <p:cNvPr id="4" name="テキスト ボックス 3">
+            <a:extLst>
+              <a:ext uri="{FF2B5EF4-FFF2-40B4-BE49-F238E27FC236}">
+                <a16:creationId xmlns:a16="http://schemas.microsoft.com/office/drawing/2014/main" id="{B2F8C16A-0512-4C0D-8B99-CE6685CF4ACB}"/>
+              </a:ext>
+            </a:extLst>
+          </p:cNvPr>
+          <p:cNvSpPr txBox="1"/>
+          <p:nvPr/>
+        </p:nvSpPr>
+        <p:spPr>
+          <a:xfrm>
+            <a:off x="323528" y="2348880"/>
+            <a:ext cx="8280920" cy="523220"/>
           </a:xfrm>
           <a:prstGeom prst="rect">
             <a:avLst/>
           </a:prstGeom>
-        </p:spPr>
-      </p:pic>
+          <a:noFill/>
+        </p:spPr>
+        <p:txBody>
+          <a:bodyPr wrap="square">
+            <a:spAutoFit/>
+          </a:bodyPr>
+          <a:lstStyle/>
+          <a:p>
+            <a:r>
+              <a:rPr lang="ja-JP" altLang="en-US" sz="2800"/>
+              <a:t>https://github-watanabe.github.io/pages-sample/</a:t>
+            </a:r>
+            <a:r>
+              <a:rPr lang="en-US" altLang="ja-JP" sz="2800">
+                <a:solidFill>
+                  <a:srgbClr val="FF0000"/>
+                </a:solidFill>
+              </a:rPr>
+              <a:t>?1</a:t>
+            </a:r>
+            <a:endParaRPr lang="ja-JP" altLang="en-US" sz="2800">
+              <a:solidFill>
+                <a:srgbClr val="FF0000"/>
+              </a:solidFill>
+            </a:endParaRPr>
+          </a:p>
+        </p:txBody>
+      </p:sp>
       <p:sp>
         <p:nvSpPr>
           <p:cNvPr id="5" name="テキスト ボックス 4">
             <a:extLst>
               <a:ext uri="{FF2B5EF4-FFF2-40B4-BE49-F238E27FC236}">
-                <a16:creationId xmlns:a16="http://schemas.microsoft.com/office/drawing/2014/main" id="{2E680A15-8921-4C03-A8FC-9229C1BA7F57}"/>
+                <a16:creationId xmlns:a16="http://schemas.microsoft.com/office/drawing/2014/main" id="{4967FFB9-AE2E-4112-B222-DD29DBC1D5B8}"/>
               </a:ext>
             </a:extLst>
           </p:cNvPr>
@@ -7954,8 +8711,8 @@
         </p:nvSpPr>
         <p:spPr>
           <a:xfrm>
-            <a:off x="251520" y="836712"/>
-            <a:ext cx="2698175" cy="523220"/>
+            <a:off x="179512" y="1268760"/>
+            <a:ext cx="8393644" cy="830997"/>
           </a:xfrm>
           <a:prstGeom prst="rect">
             <a:avLst/>
@@ -7969,160 +8726,54 @@
           <a:lstStyle/>
           <a:p>
             <a:r>
-              <a:rPr lang="ja-JP" altLang="en-US" sz="2800"/>
-              <a:t>数字認識を確認</a:t>
-            </a:r>
-            <a:endParaRPr kumimoji="1" lang="ja-JP" altLang="en-US" sz="2800"/>
-          </a:p>
-        </p:txBody>
-      </p:sp>
-      <p:sp>
-        <p:nvSpPr>
-          <p:cNvPr id="7" name="テキスト ボックス 6">
-            <a:extLst>
-              <a:ext uri="{FF2B5EF4-FFF2-40B4-BE49-F238E27FC236}">
-                <a16:creationId xmlns:a16="http://schemas.microsoft.com/office/drawing/2014/main" id="{B546189E-1E00-4298-958C-2808FBF3193C}"/>
-              </a:ext>
-            </a:extLst>
-          </p:cNvPr>
-          <p:cNvSpPr txBox="1"/>
-          <p:nvPr/>
-        </p:nvSpPr>
-        <p:spPr>
-          <a:xfrm>
-            <a:off x="1115616" y="6165304"/>
-            <a:ext cx="2262158" cy="369332"/>
-          </a:xfrm>
-          <a:prstGeom prst="rect">
-            <a:avLst/>
-          </a:prstGeom>
-          <a:noFill/>
-        </p:spPr>
-        <p:txBody>
-          <a:bodyPr wrap="none" rtlCol="0">
-            <a:spAutoFit/>
-          </a:bodyPr>
-          <a:lstStyle/>
-          <a:p>
-            <a:r>
-              <a:rPr kumimoji="1" lang="ja-JP" altLang="en-US"/>
-              <a:t>マウスでここに入力</a:t>
-            </a:r>
-          </a:p>
-        </p:txBody>
-      </p:sp>
-      <p:sp>
-        <p:nvSpPr>
-          <p:cNvPr id="11" name="四角形: 角を丸くする 10">
-            <a:extLst>
-              <a:ext uri="{FF2B5EF4-FFF2-40B4-BE49-F238E27FC236}">
-                <a16:creationId xmlns:a16="http://schemas.microsoft.com/office/drawing/2014/main" id="{3A6A6081-B2D2-4B2F-AC6C-28380693BFC0}"/>
-              </a:ext>
-            </a:extLst>
-          </p:cNvPr>
-          <p:cNvSpPr/>
-          <p:nvPr/>
-        </p:nvSpPr>
-        <p:spPr>
-          <a:xfrm>
-            <a:off x="3203848" y="2348880"/>
-            <a:ext cx="504056" cy="576064"/>
-          </a:xfrm>
-          <a:prstGeom prst="roundRect">
-            <a:avLst>
-              <a:gd name="adj" fmla="val 1989"/>
-            </a:avLst>
-          </a:prstGeom>
-          <a:noFill/>
-          <a:ln w="38100">
-            <a:solidFill>
-              <a:srgbClr val="FF0000"/>
-            </a:solidFill>
-          </a:ln>
-        </p:spPr>
-        <p:style>
-          <a:lnRef idx="2">
-            <a:schemeClr val="accent1">
-              <a:shade val="50000"/>
-            </a:schemeClr>
-          </a:lnRef>
-          <a:fillRef idx="1">
-            <a:schemeClr val="accent1"/>
-          </a:fillRef>
-          <a:effectRef idx="0">
-            <a:schemeClr val="accent1"/>
-          </a:effectRef>
-          <a:fontRef idx="minor">
-            <a:schemeClr val="lt1"/>
-          </a:fontRef>
-        </p:style>
-        <p:txBody>
-          <a:bodyPr rtlCol="0" anchor="ctr"/>
-          <a:lstStyle/>
-          <a:p>
-            <a:pPr algn="ctr"/>
-            <a:endParaRPr kumimoji="1" lang="ja-JP" altLang="en-US"/>
-          </a:p>
-        </p:txBody>
-      </p:sp>
-      <p:sp>
-        <p:nvSpPr>
-          <p:cNvPr id="12" name="テキスト ボックス 11">
-            <a:extLst>
-              <a:ext uri="{FF2B5EF4-FFF2-40B4-BE49-F238E27FC236}">
-                <a16:creationId xmlns:a16="http://schemas.microsoft.com/office/drawing/2014/main" id="{E6330442-3FDA-4FB1-9CA6-93485B8E7141}"/>
-              </a:ext>
-            </a:extLst>
-          </p:cNvPr>
-          <p:cNvSpPr txBox="1"/>
-          <p:nvPr/>
-        </p:nvSpPr>
-        <p:spPr>
-          <a:xfrm>
-            <a:off x="4283968" y="1700808"/>
-            <a:ext cx="1107996" cy="369332"/>
-          </a:xfrm>
-          <a:prstGeom prst="rect">
-            <a:avLst/>
-          </a:prstGeom>
-          <a:noFill/>
-        </p:spPr>
-        <p:txBody>
-          <a:bodyPr wrap="none" rtlCol="0">
-            <a:spAutoFit/>
-          </a:bodyPr>
-          <a:lstStyle/>
-          <a:p>
-            <a:r>
-              <a:rPr lang="ja-JP" altLang="en-US"/>
-              <a:t>判定結果</a:t>
-            </a:r>
-            <a:endParaRPr kumimoji="1" lang="ja-JP" altLang="en-US"/>
+              <a:rPr kumimoji="1" lang="ja-JP" altLang="en-US" sz="2400"/>
+              <a:t>もし、しばらくまってリロードしても</a:t>
+            </a:r>
+            <a:r>
+              <a:rPr kumimoji="1" lang="en-US" altLang="ja-JP" sz="2400"/>
+              <a:t>404</a:t>
+            </a:r>
+            <a:r>
+              <a:rPr kumimoji="1" lang="ja-JP" altLang="en-US" sz="2400"/>
+              <a:t>のままだったら、</a:t>
+            </a:r>
+            <a:endParaRPr kumimoji="1" lang="en-US" altLang="ja-JP" sz="2400"/>
+          </a:p>
+          <a:p>
+            <a:r>
+              <a:rPr lang="ja-JP" altLang="en-US" sz="2400"/>
+              <a:t>アドレスの最後に「</a:t>
+            </a:r>
+            <a:r>
+              <a:rPr lang="en-US" altLang="ja-JP" sz="2400"/>
+              <a:t>?1</a:t>
+            </a:r>
+            <a:r>
+              <a:rPr lang="ja-JP" altLang="en-US" sz="2400"/>
+              <a:t>」を追加してエンターキーを入力</a:t>
+            </a:r>
+            <a:endParaRPr kumimoji="1" lang="ja-JP" altLang="en-US" sz="2400"/>
           </a:p>
         </p:txBody>
       </p:sp>
       <p:cxnSp>
         <p:nvCxnSpPr>
-          <p:cNvPr id="13" name="コネクタ: カギ線 12">
-            <a:extLst>
-              <a:ext uri="{FF2B5EF4-FFF2-40B4-BE49-F238E27FC236}">
-                <a16:creationId xmlns:a16="http://schemas.microsoft.com/office/drawing/2014/main" id="{05AFA731-9F44-462A-BBC4-32E2F38B72A6}"/>
-              </a:ext>
-            </a:extLst>
-          </p:cNvPr>
-          <p:cNvCxnSpPr>
-            <a:cxnSpLocks/>
-            <a:stCxn id="12" idx="2"/>
-            <a:endCxn id="11" idx="3"/>
-          </p:cNvCxnSpPr>
+          <p:cNvPr id="7" name="直線コネクタ 6">
+            <a:extLst>
+              <a:ext uri="{FF2B5EF4-FFF2-40B4-BE49-F238E27FC236}">
+                <a16:creationId xmlns:a16="http://schemas.microsoft.com/office/drawing/2014/main" id="{9A5E5D65-55E2-424C-8CB4-18C6965DC4B7}"/>
+              </a:ext>
+            </a:extLst>
+          </p:cNvPr>
+          <p:cNvCxnSpPr/>
           <p:nvPr/>
         </p:nvCxnSpPr>
         <p:spPr>
-          <a:xfrm rot="5400000">
-            <a:off x="3989549" y="1788495"/>
-            <a:ext cx="566772" cy="1130062"/>
-          </a:xfrm>
-          <a:prstGeom prst="bentConnector2">
+          <a:xfrm>
+            <a:off x="1475656" y="2852936"/>
+            <a:ext cx="2664296" cy="0"/>
+          </a:xfrm>
+          <a:prstGeom prst="line">
             <a:avLst/>
           </a:prstGeom>
           <a:ln w="28575">
@@ -8130,7 +8781,7 @@
               <a:srgbClr val="FF0000"/>
             </a:solidFill>
             <a:headEnd type="none" w="med" len="med"/>
-            <a:tailEnd type="triangle"/>
+            <a:tailEnd type="none" w="med" len="med"/>
           </a:ln>
         </p:spPr>
         <p:style>
@@ -8150,10 +8801,10 @@
       </p:cxnSp>
       <p:sp>
         <p:nvSpPr>
-          <p:cNvPr id="16" name="テキスト ボックス 15">
-            <a:extLst>
-              <a:ext uri="{FF2B5EF4-FFF2-40B4-BE49-F238E27FC236}">
-                <a16:creationId xmlns:a16="http://schemas.microsoft.com/office/drawing/2014/main" id="{3451E29B-5CC5-47EA-B467-31F2997401D3}"/>
+          <p:cNvPr id="8" name="テキスト ボックス 7">
+            <a:extLst>
+              <a:ext uri="{FF2B5EF4-FFF2-40B4-BE49-F238E27FC236}">
+                <a16:creationId xmlns:a16="http://schemas.microsoft.com/office/drawing/2014/main" id="{D764CA8C-DF99-4322-841C-14211039FDF9}"/>
               </a:ext>
             </a:extLst>
           </p:cNvPr>
@@ -8162,8 +8813,8 @@
         </p:nvSpPr>
         <p:spPr>
           <a:xfrm>
-            <a:off x="3995936" y="6093296"/>
-            <a:ext cx="2492990" cy="646331"/>
+            <a:off x="1564114" y="2996952"/>
+            <a:ext cx="2287806" cy="369332"/>
           </a:xfrm>
           <a:prstGeom prst="rect">
             <a:avLst/>
@@ -8177,15 +8828,12 @@
           <a:lstStyle/>
           <a:p>
             <a:r>
-              <a:rPr lang="ja-JP" altLang="en-US"/>
-              <a:t>ニューラルネットへの</a:t>
-            </a:r>
-            <a:endParaRPr lang="en-US" altLang="ja-JP"/>
-          </a:p>
-          <a:p>
+              <a:rPr kumimoji="1" lang="en-US" altLang="ja-JP"/>
+              <a:t>GitHub</a:t>
+            </a:r>
             <a:r>
               <a:rPr kumimoji="1" lang="ja-JP" altLang="en-US"/>
-              <a:t>入力画像</a:t>
+              <a:t>アカウント名</a:t>
             </a:r>
           </a:p>
         </p:txBody>
@@ -8193,7 +8841,7 @@
     </p:spTree>
     <p:extLst>
       <p:ext uri="{BB962C8B-B14F-4D97-AF65-F5344CB8AC3E}">
-        <p14:creationId xmlns:p14="http://schemas.microsoft.com/office/powerpoint/2010/main" val="525025977"/>
+        <p14:creationId xmlns:p14="http://schemas.microsoft.com/office/powerpoint/2010/main" val="4069416079"/>
       </p:ext>
     </p:extLst>
   </p:cSld>
